--- a/ClassMaterials/OOP/09-OOP-202120.pptx
+++ b/ClassMaterials/OOP/09-OOP-202120.pptx
@@ -169,6 +169,35 @@
     </p:ext>
   </p:extLst>
 </p:presentation>
+</file>
+
+<file path=ppt/changesInfos/changesInfo1.xml><?xml version="1.0" encoding="utf-8"?>
+<pc:chgInfo xmlns:a="http://schemas.openxmlformats.org/drawingml/2006/main" xmlns:r="http://schemas.openxmlformats.org/officeDocument/2006/relationships" xmlns:ac="http://schemas.microsoft.com/office/drawing/2013/main/command" xmlns:pc="http://schemas.microsoft.com/office/powerpoint/2013/main/command">
+  <pc:docChgLst>
+    <pc:chgData name="Hewner, Mike" userId="7f3f83dd-6dfb-4127-a87f-c1714bd4fac9" providerId="ADAL" clId="{E00781A5-3D3E-4E6C-BE04-DB8B7B9FCD3D}"/>
+    <pc:docChg chg="modSld">
+      <pc:chgData name="Hewner, Mike" userId="7f3f83dd-6dfb-4127-a87f-c1714bd4fac9" providerId="ADAL" clId="{E00781A5-3D3E-4E6C-BE04-DB8B7B9FCD3D}" dt="2021-12-13T14:51:20.974" v="72" actId="20577"/>
+      <pc:docMkLst>
+        <pc:docMk/>
+      </pc:docMkLst>
+      <pc:sldChg chg="modSp mod">
+        <pc:chgData name="Hewner, Mike" userId="7f3f83dd-6dfb-4127-a87f-c1714bd4fac9" providerId="ADAL" clId="{E00781A5-3D3E-4E6C-BE04-DB8B7B9FCD3D}" dt="2021-12-13T14:51:20.974" v="72" actId="20577"/>
+        <pc:sldMkLst>
+          <pc:docMk/>
+          <pc:sldMk cId="267120035" sldId="426"/>
+        </pc:sldMkLst>
+        <pc:spChg chg="mod">
+          <ac:chgData name="Hewner, Mike" userId="7f3f83dd-6dfb-4127-a87f-c1714bd4fac9" providerId="ADAL" clId="{E00781A5-3D3E-4E6C-BE04-DB8B7B9FCD3D}" dt="2021-12-13T14:51:20.974" v="72" actId="20577"/>
+          <ac:spMkLst>
+            <pc:docMk/>
+            <pc:sldMk cId="267120035" sldId="426"/>
+            <ac:spMk id="3" creationId="{0255C66F-5979-449D-ACE3-7C39EB3F9BC9}"/>
+          </ac:spMkLst>
+        </pc:spChg>
+      </pc:sldChg>
+    </pc:docChg>
+  </pc:docChgLst>
+</pc:chgInfo>
 </file>
 
 <file path=ppt/handoutMasters/handoutMaster1.xml><?xml version="1.0" encoding="utf-8"?>
@@ -7932,115 +7961,14 @@
           </a:p>
           <a:p>
             <a:r>
-              <a:rPr lang="en-US" b="1" dirty="0">
-                <a:solidFill>
-                  <a:srgbClr val="FFFF00"/>
-                </a:solidFill>
-              </a:rPr>
-              <a:t>3 assignments this week </a:t>
-            </a:r>
-            <a:r>
               <a:rPr lang="en-US" dirty="0"/>
-              <a:t>(7b today, 8 Wednesday, 9 Friday)</a:t>
-            </a:r>
-          </a:p>
-          <a:p>
-            <a:r>
-              <a:rPr lang="en-US" b="1" dirty="0">
-                <a:solidFill>
-                  <a:srgbClr val="FFFF00"/>
-                </a:solidFill>
-              </a:rPr>
-              <a:t>1 week 4 </a:t>
-            </a:r>
-            <a:r>
-              <a:rPr lang="en-US" dirty="0"/>
-              <a:t>(A10 due after the break, Thursday January 8)</a:t>
-            </a:r>
-          </a:p>
-          <a:p>
-            <a:r>
-              <a:rPr lang="en-US" b="1" dirty="0">
-                <a:solidFill>
-                  <a:srgbClr val="FFFF00"/>
-                </a:solidFill>
-              </a:rPr>
-              <a:t>3 week 5 </a:t>
-            </a:r>
-            <a:r>
-              <a:rPr lang="en-US" dirty="0"/>
-              <a:t>(A11a, A11b (team) , A12 (written, no code)</a:t>
-            </a:r>
-          </a:p>
-          <a:p>
-            <a:r>
-              <a:rPr lang="en-US" b="1" dirty="0">
-                <a:solidFill>
-                  <a:srgbClr val="FFFF00"/>
-                </a:solidFill>
-              </a:rPr>
-              <a:t>2 week 6 </a:t>
-            </a:r>
-            <a:r>
-              <a:rPr lang="en-US" dirty="0"/>
-              <a:t>(A13 (team), A14 (team)</a:t>
-            </a:r>
-          </a:p>
-          <a:p>
-            <a:r>
-              <a:rPr lang="en-US" b="1" dirty="0">
-                <a:solidFill>
-                  <a:srgbClr val="FFFF00"/>
-                </a:solidFill>
-              </a:rPr>
-              <a:t>2 week 7 </a:t>
-            </a:r>
-            <a:r>
-              <a:rPr lang="en-US" dirty="0"/>
-              <a:t>(A15, A16 (team))</a:t>
-            </a:r>
-          </a:p>
-          <a:p>
-            <a:r>
-              <a:rPr lang="en-US" b="1" dirty="0">
-                <a:solidFill>
-                  <a:srgbClr val="FFFF00"/>
-                </a:solidFill>
-              </a:rPr>
-              <a:t>1 week 8  </a:t>
-            </a:r>
-            <a:r>
-              <a:rPr lang="en-US" dirty="0"/>
-              <a:t>(A17a (team))</a:t>
-            </a:r>
-          </a:p>
-          <a:p>
-            <a:r>
-              <a:rPr lang="en-US" b="1" dirty="0">
-                <a:solidFill>
-                  <a:srgbClr val="FFFF00"/>
-                </a:solidFill>
-              </a:rPr>
-              <a:t>2 week 9  </a:t>
-            </a:r>
-            <a:r>
-              <a:rPr lang="en-US" dirty="0"/>
-              <a:t>(A17b (team), A18a (team))</a:t>
-            </a:r>
-          </a:p>
-          <a:p>
-            <a:r>
-              <a:rPr lang="en-US" b="1" dirty="0">
-                <a:solidFill>
-                  <a:srgbClr val="FFFF00"/>
-                </a:solidFill>
-              </a:rPr>
-              <a:t>2 week 10 </a:t>
-            </a:r>
-            <a:r>
-              <a:rPr lang="en-US" dirty="0"/>
-              <a:t>(A18b (team), A 19</a:t>
-            </a:r>
+              <a:t>Things should be a little quieter, but the assignments will </a:t>
+            </a:r>
+            <a:r>
+              <a:rPr lang="en-US"/>
+              <a:t>be bigger</a:t>
+            </a:r>
+            <a:endParaRPr lang="en-US" dirty="0"/>
           </a:p>
         </p:txBody>
       </p:sp>

--- a/ClassMaterials/OOP/09-OOP-202120.pptx
+++ b/ClassMaterials/OOP/09-OOP-202120.pptx
@@ -176,10 +176,25 @@
   <pc:docChgLst>
     <pc:chgData name="Hewner, Mike" userId="7f3f83dd-6dfb-4127-a87f-c1714bd4fac9" providerId="ADAL" clId="{E00781A5-3D3E-4E6C-BE04-DB8B7B9FCD3D}"/>
     <pc:docChg chg="modSld">
-      <pc:chgData name="Hewner, Mike" userId="7f3f83dd-6dfb-4127-a87f-c1714bd4fac9" providerId="ADAL" clId="{E00781A5-3D3E-4E6C-BE04-DB8B7B9FCD3D}" dt="2021-12-13T14:51:20.974" v="72" actId="20577"/>
+      <pc:chgData name="Hewner, Mike" userId="7f3f83dd-6dfb-4127-a87f-c1714bd4fac9" providerId="ADAL" clId="{E00781A5-3D3E-4E6C-BE04-DB8B7B9FCD3D}" dt="2021-12-13T18:58:52.729" v="102" actId="20577"/>
       <pc:docMkLst>
         <pc:docMk/>
       </pc:docMkLst>
+      <pc:sldChg chg="modSp mod">
+        <pc:chgData name="Hewner, Mike" userId="7f3f83dd-6dfb-4127-a87f-c1714bd4fac9" providerId="ADAL" clId="{E00781A5-3D3E-4E6C-BE04-DB8B7B9FCD3D}" dt="2021-12-13T18:58:52.729" v="102" actId="20577"/>
+        <pc:sldMkLst>
+          <pc:docMk/>
+          <pc:sldMk cId="0" sldId="257"/>
+        </pc:sldMkLst>
+        <pc:spChg chg="mod">
+          <ac:chgData name="Hewner, Mike" userId="7f3f83dd-6dfb-4127-a87f-c1714bd4fac9" providerId="ADAL" clId="{E00781A5-3D3E-4E6C-BE04-DB8B7B9FCD3D}" dt="2021-12-13T18:58:52.729" v="102" actId="20577"/>
+          <ac:spMkLst>
+            <pc:docMk/>
+            <pc:sldMk cId="0" sldId="257"/>
+            <ac:spMk id="363523" creationId="{00000000-0000-0000-0000-000000000000}"/>
+          </ac:spMkLst>
+        </pc:spChg>
+      </pc:sldChg>
       <pc:sldChg chg="modSp mod">
         <pc:chgData name="Hewner, Mike" userId="7f3f83dd-6dfb-4127-a87f-c1714bd4fac9" providerId="ADAL" clId="{E00781A5-3D3E-4E6C-BE04-DB8B7B9FCD3D}" dt="2021-12-13T14:51:20.974" v="72" actId="20577"/>
         <pc:sldMkLst>
@@ -6987,11 +7002,18 @@
               <a:t>You may want to get the starting code from </a:t>
             </a:r>
             <a:r>
+              <a:rPr lang="en-US" dirty="0" err="1">
+                <a:latin typeface="Courier New" panose="02070309020205020404" pitchFamily="49" charset="0"/>
+                <a:cs typeface="Courier New" panose="02070309020205020404" pitchFamily="49" charset="0"/>
+              </a:rPr>
+              <a:t>ClassMaterials</a:t>
+            </a:r>
+            <a:r>
               <a:rPr lang="en-US" dirty="0">
                 <a:latin typeface="Courier New" panose="02070309020205020404" pitchFamily="49" charset="0"/>
                 <a:cs typeface="Courier New" panose="02070309020205020404" pitchFamily="49" charset="0"/>
               </a:rPr>
-              <a:t>live-in-class/Day09-array-list</a:t>
+              <a:t>/OOP</a:t>
             </a:r>
             <a:br>
               <a:rPr lang="en-US" dirty="0"/>
@@ -7962,13 +7984,8 @@
           <a:p>
             <a:r>
               <a:rPr lang="en-US" dirty="0"/>
-              <a:t>Things should be a little quieter, but the assignments will </a:t>
-            </a:r>
-            <a:r>
-              <a:rPr lang="en-US"/>
-              <a:t>be bigger</a:t>
-            </a:r>
-            <a:endParaRPr lang="en-US" dirty="0"/>
+              <a:t>Things should be a little quieter, but the assignments will be bigger</a:t>
+            </a:r>
           </a:p>
         </p:txBody>
       </p:sp>

--- a/ClassMaterials/OOP/09-OOP-202120.pptx
+++ b/ClassMaterials/OOP/09-OOP-202120.pptx
@@ -5,25 +5,29 @@
     <p:sldMasterId id="2147483695" r:id="rId1"/>
   </p:sldMasterIdLst>
   <p:notesMasterIdLst>
-    <p:notesMasterId r:id="rId15"/>
+    <p:notesMasterId r:id="rId19"/>
   </p:notesMasterIdLst>
   <p:handoutMasterIdLst>
-    <p:handoutMasterId r:id="rId16"/>
+    <p:handoutMasterId r:id="rId20"/>
   </p:handoutMasterIdLst>
   <p:sldIdLst>
     <p:sldId id="257" r:id="rId2"/>
     <p:sldId id="426" r:id="rId3"/>
     <p:sldId id="418" r:id="rId4"/>
     <p:sldId id="424" r:id="rId5"/>
-    <p:sldId id="381" r:id="rId6"/>
-    <p:sldId id="382" r:id="rId7"/>
-    <p:sldId id="383" r:id="rId8"/>
-    <p:sldId id="384" r:id="rId9"/>
-    <p:sldId id="390" r:id="rId10"/>
-    <p:sldId id="387" r:id="rId11"/>
-    <p:sldId id="388" r:id="rId12"/>
-    <p:sldId id="357" r:id="rId13"/>
-    <p:sldId id="425" r:id="rId14"/>
+    <p:sldId id="427" r:id="rId6"/>
+    <p:sldId id="428" r:id="rId7"/>
+    <p:sldId id="429" r:id="rId8"/>
+    <p:sldId id="382" r:id="rId9"/>
+    <p:sldId id="430" r:id="rId10"/>
+    <p:sldId id="383" r:id="rId11"/>
+    <p:sldId id="384" r:id="rId12"/>
+    <p:sldId id="390" r:id="rId13"/>
+    <p:sldId id="431" r:id="rId14"/>
+    <p:sldId id="387" r:id="rId15"/>
+    <p:sldId id="388" r:id="rId16"/>
+    <p:sldId id="357" r:id="rId17"/>
+    <p:sldId id="425" r:id="rId18"/>
   </p:sldIdLst>
   <p:sldSz cx="12192000" cy="6858000"/>
   <p:notesSz cx="7315200" cy="9601200"/>
@@ -174,6 +178,223 @@
 <file path=ppt/changesInfos/changesInfo1.xml><?xml version="1.0" encoding="utf-8"?>
 <pc:chgInfo xmlns:a="http://schemas.openxmlformats.org/drawingml/2006/main" xmlns:r="http://schemas.openxmlformats.org/officeDocument/2006/relationships" xmlns:ac="http://schemas.microsoft.com/office/drawing/2013/main/command" xmlns:pc="http://schemas.microsoft.com/office/powerpoint/2013/main/command">
   <pc:docChgLst>
+    <pc:chgData name="Hewner, Mike" userId="7f3f83dd-6dfb-4127-a87f-c1714bd4fac9" providerId="ADAL" clId="{7D444C9A-744F-497D-9BD7-A6A6E6B61E6B}"/>
+    <pc:docChg chg="custSel addSld delSld modSld">
+      <pc:chgData name="Hewner, Mike" userId="7f3f83dd-6dfb-4127-a87f-c1714bd4fac9" providerId="ADAL" clId="{7D444C9A-744F-497D-9BD7-A6A6E6B61E6B}" dt="2022-09-15T13:46:44.704" v="502" actId="1076"/>
+      <pc:docMkLst>
+        <pc:docMk/>
+      </pc:docMkLst>
+      <pc:sldChg chg="del">
+        <pc:chgData name="Hewner, Mike" userId="7f3f83dd-6dfb-4127-a87f-c1714bd4fac9" providerId="ADAL" clId="{7D444C9A-744F-497D-9BD7-A6A6E6B61E6B}" dt="2022-09-15T13:27:09.847" v="137" actId="47"/>
+        <pc:sldMkLst>
+          <pc:docMk/>
+          <pc:sldMk cId="2384424417" sldId="381"/>
+        </pc:sldMkLst>
+      </pc:sldChg>
+      <pc:sldChg chg="addSp delSp modSp mod">
+        <pc:chgData name="Hewner, Mike" userId="7f3f83dd-6dfb-4127-a87f-c1714bd4fac9" providerId="ADAL" clId="{7D444C9A-744F-497D-9BD7-A6A6E6B61E6B}" dt="2022-09-15T13:38:21.552" v="497" actId="1076"/>
+        <pc:sldMkLst>
+          <pc:docMk/>
+          <pc:sldMk cId="2034146504" sldId="382"/>
+        </pc:sldMkLst>
+        <pc:spChg chg="mod">
+          <ac:chgData name="Hewner, Mike" userId="7f3f83dd-6dfb-4127-a87f-c1714bd4fac9" providerId="ADAL" clId="{7D444C9A-744F-497D-9BD7-A6A6E6B61E6B}" dt="2022-09-15T13:26:56.196" v="136" actId="313"/>
+          <ac:spMkLst>
+            <pc:docMk/>
+            <pc:sldMk cId="2034146504" sldId="382"/>
+            <ac:spMk id="2" creationId="{00000000-0000-0000-0000-000000000000}"/>
+          </ac:spMkLst>
+        </pc:spChg>
+        <pc:spChg chg="del">
+          <ac:chgData name="Hewner, Mike" userId="7f3f83dd-6dfb-4127-a87f-c1714bd4fac9" providerId="ADAL" clId="{7D444C9A-744F-497D-9BD7-A6A6E6B61E6B}" dt="2022-09-15T13:26:49.055" v="133" actId="478"/>
+          <ac:spMkLst>
+            <pc:docMk/>
+            <pc:sldMk cId="2034146504" sldId="382"/>
+            <ac:spMk id="3" creationId="{00000000-0000-0000-0000-000000000000}"/>
+          </ac:spMkLst>
+        </pc:spChg>
+        <pc:spChg chg="add del mod">
+          <ac:chgData name="Hewner, Mike" userId="7f3f83dd-6dfb-4127-a87f-c1714bd4fac9" providerId="ADAL" clId="{7D444C9A-744F-497D-9BD7-A6A6E6B61E6B}" dt="2022-09-15T13:26:52.772" v="134" actId="478"/>
+          <ac:spMkLst>
+            <pc:docMk/>
+            <pc:sldMk cId="2034146504" sldId="382"/>
+            <ac:spMk id="5" creationId="{7DF00287-EC78-F788-E9A0-2A56BEDEA56E}"/>
+          </ac:spMkLst>
+        </pc:spChg>
+        <pc:picChg chg="add mod">
+          <ac:chgData name="Hewner, Mike" userId="7f3f83dd-6dfb-4127-a87f-c1714bd4fac9" providerId="ADAL" clId="{7D444C9A-744F-497D-9BD7-A6A6E6B61E6B}" dt="2022-09-15T13:38:21.552" v="497" actId="1076"/>
+          <ac:picMkLst>
+            <pc:docMk/>
+            <pc:sldMk cId="2034146504" sldId="382"/>
+            <ac:picMk id="7" creationId="{5198FA13-E0F2-3107-BA1B-07D8B2E48AAC}"/>
+          </ac:picMkLst>
+        </pc:picChg>
+      </pc:sldChg>
+      <pc:sldChg chg="mod modShow">
+        <pc:chgData name="Hewner, Mike" userId="7f3f83dd-6dfb-4127-a87f-c1714bd4fac9" providerId="ADAL" clId="{7D444C9A-744F-497D-9BD7-A6A6E6B61E6B}" dt="2022-09-15T13:31:28.109" v="495" actId="729"/>
+        <pc:sldMkLst>
+          <pc:docMk/>
+          <pc:sldMk cId="3432424597" sldId="425"/>
+        </pc:sldMkLst>
+      </pc:sldChg>
+      <pc:sldChg chg="addSp delSp modSp new mod">
+        <pc:chgData name="Hewner, Mike" userId="7f3f83dd-6dfb-4127-a87f-c1714bd4fac9" providerId="ADAL" clId="{7D444C9A-744F-497D-9BD7-A6A6E6B61E6B}" dt="2022-09-15T13:18:06.409" v="66" actId="1076"/>
+        <pc:sldMkLst>
+          <pc:docMk/>
+          <pc:sldMk cId="1321739467" sldId="427"/>
+        </pc:sldMkLst>
+        <pc:spChg chg="mod">
+          <ac:chgData name="Hewner, Mike" userId="7f3f83dd-6dfb-4127-a87f-c1714bd4fac9" providerId="ADAL" clId="{7D444C9A-744F-497D-9BD7-A6A6E6B61E6B}" dt="2022-09-15T13:14:06.143" v="63" actId="20577"/>
+          <ac:spMkLst>
+            <pc:docMk/>
+            <pc:sldMk cId="1321739467" sldId="427"/>
+            <ac:spMk id="2" creationId="{EC92318B-563E-1F0E-99AE-B2F80592E470}"/>
+          </ac:spMkLst>
+        </pc:spChg>
+        <pc:spChg chg="del">
+          <ac:chgData name="Hewner, Mike" userId="7f3f83dd-6dfb-4127-a87f-c1714bd4fac9" providerId="ADAL" clId="{7D444C9A-744F-497D-9BD7-A6A6E6B61E6B}" dt="2022-09-15T13:14:12.583" v="64" actId="478"/>
+          <ac:spMkLst>
+            <pc:docMk/>
+            <pc:sldMk cId="1321739467" sldId="427"/>
+            <ac:spMk id="3" creationId="{4A98D740-1521-2CAA-E540-2F1D0C6805ED}"/>
+          </ac:spMkLst>
+        </pc:spChg>
+        <pc:picChg chg="add mod">
+          <ac:chgData name="Hewner, Mike" userId="7f3f83dd-6dfb-4127-a87f-c1714bd4fac9" providerId="ADAL" clId="{7D444C9A-744F-497D-9BD7-A6A6E6B61E6B}" dt="2022-09-15T13:18:06.409" v="66" actId="1076"/>
+          <ac:picMkLst>
+            <pc:docMk/>
+            <pc:sldMk cId="1321739467" sldId="427"/>
+            <ac:picMk id="5" creationId="{2F004C1F-8796-BF31-AA35-20E189773179}"/>
+          </ac:picMkLst>
+        </pc:picChg>
+      </pc:sldChg>
+      <pc:sldChg chg="addSp delSp modSp new mod">
+        <pc:chgData name="Hewner, Mike" userId="7f3f83dd-6dfb-4127-a87f-c1714bd4fac9" providerId="ADAL" clId="{7D444C9A-744F-497D-9BD7-A6A6E6B61E6B}" dt="2022-09-15T13:24:33.577" v="88" actId="1076"/>
+        <pc:sldMkLst>
+          <pc:docMk/>
+          <pc:sldMk cId="262213088" sldId="428"/>
+        </pc:sldMkLst>
+        <pc:spChg chg="mod">
+          <ac:chgData name="Hewner, Mike" userId="7f3f83dd-6dfb-4127-a87f-c1714bd4fac9" providerId="ADAL" clId="{7D444C9A-744F-497D-9BD7-A6A6E6B61E6B}" dt="2022-09-15T13:23:45.879" v="82" actId="20577"/>
+          <ac:spMkLst>
+            <pc:docMk/>
+            <pc:sldMk cId="262213088" sldId="428"/>
+            <ac:spMk id="2" creationId="{FE02616F-218D-05D9-4A18-76991A02A3FF}"/>
+          </ac:spMkLst>
+        </pc:spChg>
+        <pc:spChg chg="del">
+          <ac:chgData name="Hewner, Mike" userId="7f3f83dd-6dfb-4127-a87f-c1714bd4fac9" providerId="ADAL" clId="{7D444C9A-744F-497D-9BD7-A6A6E6B61E6B}" dt="2022-09-15T13:23:49.890" v="83" actId="478"/>
+          <ac:spMkLst>
+            <pc:docMk/>
+            <pc:sldMk cId="262213088" sldId="428"/>
+            <ac:spMk id="3" creationId="{CEBF7603-64C8-8332-C46B-4CB22D5A5A90}"/>
+          </ac:spMkLst>
+        </pc:spChg>
+        <pc:picChg chg="add mod">
+          <ac:chgData name="Hewner, Mike" userId="7f3f83dd-6dfb-4127-a87f-c1714bd4fac9" providerId="ADAL" clId="{7D444C9A-744F-497D-9BD7-A6A6E6B61E6B}" dt="2022-09-15T13:23:58.497" v="86" actId="1076"/>
+          <ac:picMkLst>
+            <pc:docMk/>
+            <pc:sldMk cId="262213088" sldId="428"/>
+            <ac:picMk id="5" creationId="{4E517BFC-A5CB-1BFF-77E4-6276F8738F83}"/>
+          </ac:picMkLst>
+        </pc:picChg>
+        <pc:picChg chg="add mod">
+          <ac:chgData name="Hewner, Mike" userId="7f3f83dd-6dfb-4127-a87f-c1714bd4fac9" providerId="ADAL" clId="{7D444C9A-744F-497D-9BD7-A6A6E6B61E6B}" dt="2022-09-15T13:24:33.577" v="88" actId="1076"/>
+          <ac:picMkLst>
+            <pc:docMk/>
+            <pc:sldMk cId="262213088" sldId="428"/>
+            <ac:picMk id="7" creationId="{465490F9-ACC9-DF15-00F7-AC614B4FE524}"/>
+          </ac:picMkLst>
+        </pc:picChg>
+      </pc:sldChg>
+      <pc:sldChg chg="addSp delSp modSp new mod">
+        <pc:chgData name="Hewner, Mike" userId="7f3f83dd-6dfb-4127-a87f-c1714bd4fac9" providerId="ADAL" clId="{7D444C9A-744F-497D-9BD7-A6A6E6B61E6B}" dt="2022-09-15T13:25:35.421" v="112" actId="22"/>
+        <pc:sldMkLst>
+          <pc:docMk/>
+          <pc:sldMk cId="2484963860" sldId="429"/>
+        </pc:sldMkLst>
+        <pc:spChg chg="mod">
+          <ac:chgData name="Hewner, Mike" userId="7f3f83dd-6dfb-4127-a87f-c1714bd4fac9" providerId="ADAL" clId="{7D444C9A-744F-497D-9BD7-A6A6E6B61E6B}" dt="2022-09-15T13:24:56.242" v="110" actId="20577"/>
+          <ac:spMkLst>
+            <pc:docMk/>
+            <pc:sldMk cId="2484963860" sldId="429"/>
+            <ac:spMk id="2" creationId="{CDF14EB8-9915-B66C-63D0-6714F03AD115}"/>
+          </ac:spMkLst>
+        </pc:spChg>
+        <pc:spChg chg="del">
+          <ac:chgData name="Hewner, Mike" userId="7f3f83dd-6dfb-4127-a87f-c1714bd4fac9" providerId="ADAL" clId="{7D444C9A-744F-497D-9BD7-A6A6E6B61E6B}" dt="2022-09-15T13:25:00.500" v="111" actId="478"/>
+          <ac:spMkLst>
+            <pc:docMk/>
+            <pc:sldMk cId="2484963860" sldId="429"/>
+            <ac:spMk id="3" creationId="{652B1681-15DE-D922-7418-7056079FC1DB}"/>
+          </ac:spMkLst>
+        </pc:spChg>
+        <pc:picChg chg="add">
+          <ac:chgData name="Hewner, Mike" userId="7f3f83dd-6dfb-4127-a87f-c1714bd4fac9" providerId="ADAL" clId="{7D444C9A-744F-497D-9BD7-A6A6E6B61E6B}" dt="2022-09-15T13:25:35.421" v="112" actId="22"/>
+          <ac:picMkLst>
+            <pc:docMk/>
+            <pc:sldMk cId="2484963860" sldId="429"/>
+            <ac:picMk id="5" creationId="{8381B1F8-05AA-0FB0-1C74-5A7991D4EAFA}"/>
+          </ac:picMkLst>
+        </pc:picChg>
+      </pc:sldChg>
+      <pc:sldChg chg="modSp new mod">
+        <pc:chgData name="Hewner, Mike" userId="7f3f83dd-6dfb-4127-a87f-c1714bd4fac9" providerId="ADAL" clId="{7D444C9A-744F-497D-9BD7-A6A6E6B61E6B}" dt="2022-09-15T13:30:18.176" v="494" actId="20577"/>
+        <pc:sldMkLst>
+          <pc:docMk/>
+          <pc:sldMk cId="3157726501" sldId="430"/>
+        </pc:sldMkLst>
+        <pc:spChg chg="mod">
+          <ac:chgData name="Hewner, Mike" userId="7f3f83dd-6dfb-4127-a87f-c1714bd4fac9" providerId="ADAL" clId="{7D444C9A-744F-497D-9BD7-A6A6E6B61E6B}" dt="2022-09-15T13:27:39.098" v="178" actId="20577"/>
+          <ac:spMkLst>
+            <pc:docMk/>
+            <pc:sldMk cId="3157726501" sldId="430"/>
+            <ac:spMk id="2" creationId="{3D35831C-BF43-C1B3-E176-42D3433DD58C}"/>
+          </ac:spMkLst>
+        </pc:spChg>
+        <pc:spChg chg="mod">
+          <ac:chgData name="Hewner, Mike" userId="7f3f83dd-6dfb-4127-a87f-c1714bd4fac9" providerId="ADAL" clId="{7D444C9A-744F-497D-9BD7-A6A6E6B61E6B}" dt="2022-09-15T13:30:18.176" v="494" actId="20577"/>
+          <ac:spMkLst>
+            <pc:docMk/>
+            <pc:sldMk cId="3157726501" sldId="430"/>
+            <ac:spMk id="3" creationId="{0412F0FA-F5DD-F286-868E-201808898893}"/>
+          </ac:spMkLst>
+        </pc:spChg>
+      </pc:sldChg>
+      <pc:sldChg chg="addSp delSp modSp new mod">
+        <pc:chgData name="Hewner, Mike" userId="7f3f83dd-6dfb-4127-a87f-c1714bd4fac9" providerId="ADAL" clId="{7D444C9A-744F-497D-9BD7-A6A6E6B61E6B}" dt="2022-09-15T13:46:44.704" v="502" actId="1076"/>
+        <pc:sldMkLst>
+          <pc:docMk/>
+          <pc:sldMk cId="166548051" sldId="431"/>
+        </pc:sldMkLst>
+        <pc:spChg chg="del">
+          <ac:chgData name="Hewner, Mike" userId="7f3f83dd-6dfb-4127-a87f-c1714bd4fac9" providerId="ADAL" clId="{7D444C9A-744F-497D-9BD7-A6A6E6B61E6B}" dt="2022-09-15T13:46:40.804" v="501" actId="478"/>
+          <ac:spMkLst>
+            <pc:docMk/>
+            <pc:sldMk cId="166548051" sldId="431"/>
+            <ac:spMk id="2" creationId="{3029C9F3-0065-4123-B331-999371915E94}"/>
+          </ac:spMkLst>
+        </pc:spChg>
+        <pc:spChg chg="del">
+          <ac:chgData name="Hewner, Mike" userId="7f3f83dd-6dfb-4127-a87f-c1714bd4fac9" providerId="ADAL" clId="{7D444C9A-744F-497D-9BD7-A6A6E6B61E6B}" dt="2022-09-15T13:46:34.124" v="499" actId="478"/>
+          <ac:spMkLst>
+            <pc:docMk/>
+            <pc:sldMk cId="166548051" sldId="431"/>
+            <ac:spMk id="3" creationId="{56C1725C-F8B6-10A7-C0DB-D8CBCD0F2420}"/>
+          </ac:spMkLst>
+        </pc:spChg>
+        <pc:picChg chg="add mod">
+          <ac:chgData name="Hewner, Mike" userId="7f3f83dd-6dfb-4127-a87f-c1714bd4fac9" providerId="ADAL" clId="{7D444C9A-744F-497D-9BD7-A6A6E6B61E6B}" dt="2022-09-15T13:46:44.704" v="502" actId="1076"/>
+          <ac:picMkLst>
+            <pc:docMk/>
+            <pc:sldMk cId="166548051" sldId="431"/>
+            <ac:picMk id="5" creationId="{4124DE54-9C01-3504-CE01-16B4B9682E53}"/>
+          </ac:picMkLst>
+        </pc:picChg>
+      </pc:sldChg>
+    </pc:docChg>
+  </pc:docChgLst>
+  <pc:docChgLst>
     <pc:chgData name="Hewner, Mike" userId="7f3f83dd-6dfb-4127-a87f-c1714bd4fac9" providerId="ADAL" clId="{E00781A5-3D3E-4E6C-BE04-DB8B7B9FCD3D}"/>
     <pc:docChg chg="modSld">
       <pc:chgData name="Hewner, Mike" userId="7f3f83dd-6dfb-4127-a87f-c1714bd4fac9" providerId="ADAL" clId="{E00781A5-3D3E-4E6C-BE04-DB8B7B9FCD3D}" dt="2021-12-13T18:58:52.729" v="102" actId="20577"/>
@@ -1127,7 +1348,7 @@
             <a:fld id="{D2B72A2D-1FB5-4235-BD2A-A47C126380AE}" type="slidenum">
               <a:rPr lang="en-US" smtClean="0"/>
               <a:pPr/>
-              <a:t>6</a:t>
+              <a:t>8</a:t>
             </a:fld>
             <a:endParaRPr lang="en-US"/>
           </a:p>
@@ -1212,7 +1433,7 @@
             <a:fld id="{D2B72A2D-1FB5-4235-BD2A-A47C126380AE}" type="slidenum">
               <a:rPr lang="en-US" smtClean="0"/>
               <a:pPr/>
-              <a:t>7</a:t>
+              <a:t>10</a:t>
             </a:fld>
             <a:endParaRPr lang="en-US"/>
           </a:p>
@@ -1378,7 +1599,7 @@
             <a:fld id="{957F737C-2939-4B3C-A229-35593C5DE391}" type="slidenum">
               <a:rPr lang="en-US" smtClean="0"/>
               <a:pPr/>
-              <a:t>8</a:t>
+              <a:t>11</a:t>
             </a:fld>
             <a:endParaRPr lang="en-US"/>
           </a:p>
@@ -1544,7 +1765,7 @@
             <a:fld id="{957F737C-2939-4B3C-A229-35593C5DE391}" type="slidenum">
               <a:rPr lang="en-US" smtClean="0"/>
               <a:pPr/>
-              <a:t>9</a:t>
+              <a:t>12</a:t>
             </a:fld>
             <a:endParaRPr lang="en-US"/>
           </a:p>
@@ -1634,7 +1855,7 @@
             <a:fld id="{D2B72A2D-1FB5-4235-BD2A-A47C126380AE}" type="slidenum">
               <a:rPr lang="en-US" smtClean="0"/>
               <a:pPr/>
-              <a:t>10</a:t>
+              <a:t>14</a:t>
             </a:fld>
             <a:endParaRPr lang="en-US"/>
           </a:p>
@@ -7049,6 +7270,1242 @@
       </p:grpSpPr>
       <p:sp>
         <p:nvSpPr>
+          <p:cNvPr id="3" name="Content Placeholder 2"/>
+          <p:cNvSpPr>
+            <a:spLocks noGrp="1"/>
+          </p:cNvSpPr>
+          <p:nvPr>
+            <p:ph sz="half" idx="1"/>
+          </p:nvPr>
+        </p:nvSpPr>
+        <p:spPr>
+          <a:xfrm>
+            <a:off x="685800" y="0"/>
+            <a:ext cx="4419600" cy="5943600"/>
+          </a:xfrm>
+        </p:spPr>
+        <p:txBody>
+          <a:bodyPr/>
+          <a:lstStyle/>
+          <a:p>
+            <a:pPr marL="0" indent="0">
+              <a:buNone/>
+            </a:pPr>
+            <a:r>
+              <a:rPr lang="en-US" sz="2600" dirty="0"/>
+              <a:t>&gt; (define s1 (make-stack))</a:t>
+            </a:r>
+          </a:p>
+          <a:p>
+            <a:pPr marL="0" indent="0">
+              <a:buNone/>
+            </a:pPr>
+            <a:r>
+              <a:rPr lang="en-US" sz="2600" dirty="0"/>
+              <a:t>&gt; (define s2 (make-stack))</a:t>
+            </a:r>
+            <a:br>
+              <a:rPr lang="en-US" sz="2600" dirty="0"/>
+            </a:br>
+            <a:r>
+              <a:rPr lang="en-US" sz="2600" dirty="0"/>
+              <a:t>&gt; (s1 'push 'a)</a:t>
+            </a:r>
+          </a:p>
+          <a:p>
+            <a:pPr marL="0" indent="0">
+              <a:buNone/>
+            </a:pPr>
+            <a:r>
+              <a:rPr lang="en-US" sz="2600" dirty="0"/>
+              <a:t>&gt; (s2 'push 'z)</a:t>
+            </a:r>
+          </a:p>
+          <a:p>
+            <a:pPr marL="0" indent="0">
+              <a:buNone/>
+            </a:pPr>
+            <a:r>
+              <a:rPr lang="en-US" sz="2600" dirty="0"/>
+              <a:t>&gt; (s1 'push 'b)</a:t>
+            </a:r>
+          </a:p>
+          <a:p>
+            <a:pPr marL="0" indent="0">
+              <a:buNone/>
+            </a:pPr>
+            <a:r>
+              <a:rPr lang="en-US" sz="2600" dirty="0"/>
+              <a:t>&gt; (s1 'pop)</a:t>
+            </a:r>
+          </a:p>
+          <a:p>
+            <a:pPr marL="0" indent="0">
+              <a:buNone/>
+            </a:pPr>
+            <a:r>
+              <a:rPr lang="en-US" sz="2600" dirty="0"/>
+              <a:t>b</a:t>
+            </a:r>
+          </a:p>
+          <a:p>
+            <a:pPr>
+              <a:buFont typeface="Wingdings" panose="05000000000000000000" pitchFamily="2" charset="2"/>
+              <a:buChar char="Ø"/>
+            </a:pPr>
+            <a:r>
+              <a:rPr lang="en-US" sz="2600" dirty="0"/>
+              <a:t>(s1 'empty?)</a:t>
+            </a:r>
+          </a:p>
+          <a:p>
+            <a:pPr>
+              <a:buFont typeface="Wingdings" panose="05000000000000000000" pitchFamily="2" charset="2"/>
+              <a:buChar char="Ø"/>
+            </a:pPr>
+            <a:r>
+              <a:rPr lang="en-US" sz="2600" dirty="0"/>
+              <a:t>#f</a:t>
+            </a:r>
+          </a:p>
+          <a:p>
+            <a:pPr>
+              <a:buFont typeface="Wingdings" panose="05000000000000000000" pitchFamily="2" charset="2"/>
+              <a:buChar char="Ø"/>
+            </a:pPr>
+            <a:endParaRPr lang="en-US" sz="2600" dirty="0"/>
+          </a:p>
+        </p:txBody>
+      </p:sp>
+      <p:sp>
+        <p:nvSpPr>
+          <p:cNvPr id="5" name="Content Placeholder 4"/>
+          <p:cNvSpPr>
+            <a:spLocks noGrp="1"/>
+          </p:cNvSpPr>
+          <p:nvPr>
+            <p:ph sz="half" idx="2"/>
+          </p:nvPr>
+        </p:nvSpPr>
+        <p:spPr>
+          <a:xfrm>
+            <a:off x="6477000" y="1"/>
+            <a:ext cx="4038600" cy="4530725"/>
+          </a:xfrm>
+        </p:spPr>
+        <p:txBody>
+          <a:bodyPr/>
+          <a:lstStyle/>
+          <a:p>
+            <a:pPr marL="0" indent="0">
+              <a:buNone/>
+            </a:pPr>
+            <a:r>
+              <a:rPr lang="en-US" sz="2600" dirty="0"/>
+              <a:t>&gt; (s2 'push (s1 'pop))</a:t>
+            </a:r>
+          </a:p>
+          <a:p>
+            <a:pPr marL="0" indent="0">
+              <a:buNone/>
+            </a:pPr>
+            <a:r>
+              <a:rPr lang="en-US" sz="2600" dirty="0"/>
+              <a:t>&gt; (s1 'empty?)</a:t>
+            </a:r>
+          </a:p>
+          <a:p>
+            <a:pPr marL="0" indent="0">
+              <a:buNone/>
+            </a:pPr>
+            <a:r>
+              <a:rPr lang="en-US" sz="2600" dirty="0"/>
+              <a:t>#t</a:t>
+            </a:r>
+          </a:p>
+          <a:p>
+            <a:pPr marL="0" indent="0">
+              <a:buNone/>
+            </a:pPr>
+            <a:r>
+              <a:rPr lang="en-US" sz="2600" dirty="0"/>
+              <a:t>&gt; (s2 'pop)</a:t>
+            </a:r>
+          </a:p>
+          <a:p>
+            <a:pPr marL="0" indent="0">
+              <a:buNone/>
+            </a:pPr>
+            <a:r>
+              <a:rPr lang="en-US" sz="2600" dirty="0"/>
+              <a:t>a</a:t>
+            </a:r>
+          </a:p>
+          <a:p>
+            <a:pPr marL="0" indent="0">
+              <a:buNone/>
+            </a:pPr>
+            <a:r>
+              <a:rPr lang="en-US" sz="2600" dirty="0"/>
+              <a:t>&gt; (s2 'pop)</a:t>
+            </a:r>
+          </a:p>
+          <a:p>
+            <a:pPr marL="0" indent="0">
+              <a:buNone/>
+            </a:pPr>
+            <a:r>
+              <a:rPr lang="en-US" sz="2600" dirty="0"/>
+              <a:t>z</a:t>
+            </a:r>
+          </a:p>
+          <a:p>
+            <a:pPr marL="0" indent="0">
+              <a:buNone/>
+            </a:pPr>
+            <a:r>
+              <a:rPr lang="en-US" sz="2600" dirty="0"/>
+              <a:t>&gt; (s2 'pop)</a:t>
+            </a:r>
+          </a:p>
+          <a:p>
+            <a:pPr marL="0" indent="0">
+              <a:buNone/>
+            </a:pPr>
+            <a:r>
+              <a:rPr lang="en-US" sz="2600" dirty="0"/>
+              <a:t>Exception in car: () is not a pair</a:t>
+            </a:r>
+          </a:p>
+          <a:p>
+            <a:pPr marL="0" indent="0">
+              <a:buNone/>
+            </a:pPr>
+            <a:r>
+              <a:rPr lang="en-US" sz="2600" dirty="0"/>
+              <a:t>&gt; </a:t>
+            </a:r>
+          </a:p>
+          <a:p>
+            <a:pPr marL="0" indent="0">
+              <a:buNone/>
+            </a:pPr>
+            <a:endParaRPr lang="en-US" dirty="0"/>
+          </a:p>
+        </p:txBody>
+      </p:sp>
+      <p:cxnSp>
+        <p:nvCxnSpPr>
+          <p:cNvPr id="7" name="Straight Connector 6"/>
+          <p:cNvCxnSpPr/>
+          <p:nvPr/>
+        </p:nvCxnSpPr>
+        <p:spPr bwMode="auto">
+          <a:xfrm>
+            <a:off x="5562600" y="228600"/>
+            <a:ext cx="0" cy="5867400"/>
+          </a:xfrm>
+          <a:prstGeom prst="line">
+            <a:avLst/>
+          </a:prstGeom>
+          <a:solidFill>
+            <a:schemeClr val="accent1"/>
+          </a:solidFill>
+          <a:ln w="9525" cap="flat" cmpd="sng" algn="ctr">
+            <a:solidFill>
+              <a:schemeClr val="tx1"/>
+            </a:solidFill>
+            <a:prstDash val="solid"/>
+            <a:round/>
+            <a:headEnd type="none" w="med" len="med"/>
+            <a:tailEnd type="none" w="med" len="med"/>
+          </a:ln>
+          <a:effectLst/>
+        </p:spPr>
+      </p:cxnSp>
+      <p:sp>
+        <p:nvSpPr>
+          <p:cNvPr id="6" name="TextBox 5"/>
+          <p:cNvSpPr txBox="1"/>
+          <p:nvPr/>
+        </p:nvSpPr>
+        <p:spPr>
+          <a:xfrm>
+            <a:off x="1816826" y="4431001"/>
+            <a:ext cx="3048000" cy="1815882"/>
+          </a:xfrm>
+          <a:prstGeom prst="rect">
+            <a:avLst/>
+          </a:prstGeom>
+          <a:noFill/>
+        </p:spPr>
+        <p:txBody>
+          <a:bodyPr wrap="square" rtlCol="0">
+            <a:spAutoFit/>
+          </a:bodyPr>
+          <a:lstStyle/>
+          <a:p>
+            <a:r>
+              <a:rPr lang="en-US" sz="2800" b="1" dirty="0">
+                <a:solidFill>
+                  <a:srgbClr val="F10000"/>
+                </a:solidFill>
+              </a:rPr>
+              <a:t>Transcript that  illustrates  the use of the stack "class"</a:t>
+            </a:r>
+          </a:p>
+        </p:txBody>
+      </p:sp>
+      <p:sp>
+        <p:nvSpPr>
+          <p:cNvPr id="2" name="TextBox 1"/>
+          <p:cNvSpPr txBox="1"/>
+          <p:nvPr/>
+        </p:nvSpPr>
+        <p:spPr>
+          <a:xfrm>
+            <a:off x="9041674" y="4677223"/>
+            <a:ext cx="2667000" cy="1569660"/>
+          </a:xfrm>
+          <a:prstGeom prst="rect">
+            <a:avLst/>
+          </a:prstGeom>
+          <a:solidFill>
+            <a:srgbClr val="F10000"/>
+          </a:solidFill>
+        </p:spPr>
+        <p:txBody>
+          <a:bodyPr wrap="square" rtlCol="0">
+            <a:spAutoFit/>
+          </a:bodyPr>
+          <a:lstStyle/>
+          <a:p>
+            <a:r>
+              <a:rPr lang="en-US" sz="2400" dirty="0"/>
+              <a:t>A better error message would be a nice improvement here</a:t>
+            </a:r>
+          </a:p>
+        </p:txBody>
+      </p:sp>
+    </p:spTree>
+    <p:extLst>
+      <p:ext uri="{BB962C8B-B14F-4D97-AF65-F5344CB8AC3E}">
+        <p14:creationId xmlns:p14="http://schemas.microsoft.com/office/powerpoint/2010/main" val="368076910"/>
+      </p:ext>
+    </p:extLst>
+  </p:cSld>
+  <p:clrMapOvr>
+    <a:masterClrMapping/>
+  </p:clrMapOvr>
+  <p:timing>
+    <p:tnLst>
+      <p:par>
+        <p:cTn id="1" dur="indefinite" restart="never" nodeType="tmRoot">
+          <p:childTnLst>
+            <p:seq concurrent="1" nextAc="seek">
+              <p:cTn id="2" dur="indefinite" nodeType="mainSeq">
+                <p:childTnLst>
+                  <p:par>
+                    <p:cTn id="3" fill="hold">
+                      <p:stCondLst>
+                        <p:cond delay="indefinite"/>
+                      </p:stCondLst>
+                      <p:childTnLst>
+                        <p:par>
+                          <p:cTn id="4" fill="hold">
+                            <p:stCondLst>
+                              <p:cond delay="0"/>
+                            </p:stCondLst>
+                            <p:childTnLst>
+                              <p:par>
+                                <p:cTn id="5" presetID="1" presetClass="entr" presetSubtype="0" fill="hold" grpId="0" nodeType="clickEffect">
+                                  <p:stCondLst>
+                                    <p:cond delay="0"/>
+                                  </p:stCondLst>
+                                  <p:childTnLst>
+                                    <p:set>
+                                      <p:cBhvr>
+                                        <p:cTn id="6" dur="1" fill="hold">
+                                          <p:stCondLst>
+                                            <p:cond delay="0"/>
+                                          </p:stCondLst>
+                                        </p:cTn>
+                                        <p:tgtEl>
+                                          <p:spTgt spid="2"/>
+                                        </p:tgtEl>
+                                        <p:attrNameLst>
+                                          <p:attrName>style.visibility</p:attrName>
+                                        </p:attrNameLst>
+                                      </p:cBhvr>
+                                      <p:to>
+                                        <p:strVal val="visible"/>
+                                      </p:to>
+                                    </p:set>
+                                  </p:childTnLst>
+                                </p:cTn>
+                              </p:par>
+                            </p:childTnLst>
+                          </p:cTn>
+                        </p:par>
+                      </p:childTnLst>
+                    </p:cTn>
+                  </p:par>
+                </p:childTnLst>
+              </p:cTn>
+              <p:prevCondLst>
+                <p:cond evt="onPrev" delay="0">
+                  <p:tgtEl>
+                    <p:sldTgt/>
+                  </p:tgtEl>
+                </p:cond>
+              </p:prevCondLst>
+              <p:nextCondLst>
+                <p:cond evt="onNext" delay="0">
+                  <p:tgtEl>
+                    <p:sldTgt/>
+                  </p:tgtEl>
+                </p:cond>
+              </p:nextCondLst>
+            </p:seq>
+          </p:childTnLst>
+        </p:cTn>
+      </p:par>
+    </p:tnLst>
+    <p:bldLst>
+      <p:bldP spid="2" grpId="0" animBg="1"/>
+    </p:bldLst>
+  </p:timing>
+</p:sld>
+</file>
+
+<file path=ppt/slides/slide11.xml><?xml version="1.0" encoding="utf-8"?>
+<p:sld xmlns:a="http://schemas.openxmlformats.org/drawingml/2006/main" xmlns:r="http://schemas.openxmlformats.org/officeDocument/2006/relationships" xmlns:p="http://schemas.openxmlformats.org/presentationml/2006/main">
+  <p:cSld>
+    <p:spTree>
+      <p:nvGrpSpPr>
+        <p:cNvPr id="1" name=""/>
+        <p:cNvGrpSpPr/>
+        <p:nvPr/>
+      </p:nvGrpSpPr>
+      <p:grpSpPr>
+        <a:xfrm>
+          <a:off x="0" y="0"/>
+          <a:ext cx="0" cy="0"/>
+          <a:chOff x="0" y="0"/>
+          <a:chExt cx="0" cy="0"/>
+        </a:xfrm>
+      </p:grpSpPr>
+      <p:sp>
+        <p:nvSpPr>
+          <p:cNvPr id="576514" name="Rectangle 2"/>
+          <p:cNvSpPr>
+            <a:spLocks noGrp="1" noChangeArrowheads="1"/>
+          </p:cNvSpPr>
+          <p:nvPr>
+            <p:ph type="title"/>
+          </p:nvPr>
+        </p:nvSpPr>
+        <p:spPr>
+          <a:xfrm>
+            <a:off x="1828800" y="152400"/>
+            <a:ext cx="8382000" cy="1066800"/>
+          </a:xfrm>
+        </p:spPr>
+        <p:txBody>
+          <a:bodyPr/>
+          <a:lstStyle/>
+          <a:p>
+            <a:r>
+              <a:rPr lang="en-US" sz="4000" dirty="0"/>
+              <a:t>Encapsulation: Creating "objects" in a mostly functional language</a:t>
+            </a:r>
+          </a:p>
+        </p:txBody>
+      </p:sp>
+      <p:pic>
+        <p:nvPicPr>
+          <p:cNvPr id="576516" name="Picture 4"/>
+          <p:cNvPicPr>
+            <a:picLocks noChangeAspect="1" noChangeArrowheads="1"/>
+          </p:cNvPicPr>
+          <p:nvPr/>
+        </p:nvPicPr>
+        <p:blipFill>
+          <a:blip r:embed="rId3" cstate="print"/>
+          <a:srcRect/>
+          <a:stretch>
+            <a:fillRect/>
+          </a:stretch>
+        </p:blipFill>
+        <p:spPr bwMode="auto">
+          <a:xfrm>
+            <a:off x="1676400" y="1345152"/>
+            <a:ext cx="5589070" cy="5441471"/>
+          </a:xfrm>
+          <a:prstGeom prst="rect">
+            <a:avLst/>
+          </a:prstGeom>
+          <a:noFill/>
+          <a:ln w="9525">
+            <a:noFill/>
+            <a:miter lim="800000"/>
+            <a:headEnd/>
+            <a:tailEnd/>
+          </a:ln>
+          <a:effectLst/>
+        </p:spPr>
+      </p:pic>
+      <p:sp>
+        <p:nvSpPr>
+          <p:cNvPr id="576517" name="Text Box 5"/>
+          <p:cNvSpPr txBox="1">
+            <a:spLocks noChangeArrowheads="1"/>
+          </p:cNvSpPr>
+          <p:nvPr/>
+        </p:nvSpPr>
+        <p:spPr bwMode="auto">
+          <a:xfrm>
+            <a:off x="7467600" y="3770056"/>
+            <a:ext cx="2895600" cy="2554545"/>
+          </a:xfrm>
+          <a:prstGeom prst="rect">
+            <a:avLst/>
+          </a:prstGeom>
+          <a:noFill/>
+          <a:ln w="9525">
+            <a:noFill/>
+            <a:miter lim="800000"/>
+            <a:headEnd/>
+            <a:tailEnd/>
+          </a:ln>
+          <a:effectLst/>
+        </p:spPr>
+        <p:txBody>
+          <a:bodyPr wrap="square">
+            <a:spAutoFit/>
+          </a:bodyPr>
+          <a:lstStyle/>
+          <a:p>
+            <a:pPr>
+              <a:spcBef>
+                <a:spcPct val="50000"/>
+              </a:spcBef>
+            </a:pPr>
+            <a:r>
+              <a:rPr lang="en-US" sz="3200" dirty="0">
+                <a:solidFill>
+                  <a:schemeClr val="bg1"/>
+                </a:solidFill>
+              </a:rPr>
+              <a:t>What is the problem with this code?</a:t>
+            </a:r>
+            <a:br>
+              <a:rPr lang="en-US" sz="3200" dirty="0">
+                <a:solidFill>
+                  <a:schemeClr val="bg1"/>
+                </a:solidFill>
+              </a:rPr>
+            </a:br>
+            <a:br>
+              <a:rPr lang="en-US" sz="3200" dirty="0">
+                <a:solidFill>
+                  <a:schemeClr val="bg1"/>
+                </a:solidFill>
+              </a:rPr>
+            </a:br>
+            <a:r>
+              <a:rPr lang="en-US" sz="3200" dirty="0">
+                <a:solidFill>
+                  <a:schemeClr val="bg1"/>
+                </a:solidFill>
+              </a:rPr>
+              <a:t>How to fix it?</a:t>
+            </a:r>
+          </a:p>
+        </p:txBody>
+      </p:sp>
+      <p:sp>
+        <p:nvSpPr>
+          <p:cNvPr id="6" name="TextBox 5"/>
+          <p:cNvSpPr txBox="1"/>
+          <p:nvPr/>
+        </p:nvSpPr>
+        <p:spPr>
+          <a:xfrm>
+            <a:off x="7467600" y="1519298"/>
+            <a:ext cx="2895600" cy="2431435"/>
+          </a:xfrm>
+          <a:prstGeom prst="rect">
+            <a:avLst/>
+          </a:prstGeom>
+          <a:noFill/>
+          <a:ln w="25400">
+            <a:solidFill>
+              <a:srgbClr val="FFFF00"/>
+            </a:solidFill>
+          </a:ln>
+        </p:spPr>
+        <p:txBody>
+          <a:bodyPr wrap="square" rtlCol="0">
+            <a:spAutoFit/>
+          </a:bodyPr>
+          <a:lstStyle/>
+          <a:p>
+            <a:pPr>
+              <a:lnSpc>
+                <a:spcPct val="95000"/>
+              </a:lnSpc>
+            </a:pPr>
+            <a:r>
+              <a:rPr lang="en-US" sz="3200" dirty="0">
+                <a:solidFill>
+                  <a:srgbClr val="FFFF00"/>
+                </a:solidFill>
+              </a:rPr>
+              <a:t>The car of the </a:t>
+            </a:r>
+            <a:r>
+              <a:rPr lang="en-US" sz="3200" b="1" dirty="0" err="1">
+                <a:solidFill>
+                  <a:srgbClr val="FFFF00"/>
+                </a:solidFill>
+              </a:rPr>
+              <a:t>stk</a:t>
+            </a:r>
+            <a:r>
+              <a:rPr lang="en-US" sz="3200" dirty="0">
+                <a:solidFill>
+                  <a:srgbClr val="FFFF00"/>
+                </a:solidFill>
+              </a:rPr>
+              <a:t> list contains the top of the stack</a:t>
+            </a:r>
+          </a:p>
+        </p:txBody>
+      </p:sp>
+      <p:sp>
+        <p:nvSpPr>
+          <p:cNvPr id="7" name="TextBox 6"/>
+          <p:cNvSpPr txBox="1"/>
+          <p:nvPr/>
+        </p:nvSpPr>
+        <p:spPr>
+          <a:xfrm>
+            <a:off x="7483642" y="3998656"/>
+            <a:ext cx="2879558" cy="2554545"/>
+          </a:xfrm>
+          <a:prstGeom prst="rect">
+            <a:avLst/>
+          </a:prstGeom>
+          <a:noFill/>
+          <a:ln w="25400">
+            <a:solidFill>
+              <a:srgbClr val="FFFF00"/>
+            </a:solidFill>
+          </a:ln>
+        </p:spPr>
+        <p:txBody>
+          <a:bodyPr wrap="square" rtlCol="0">
+            <a:spAutoFit/>
+          </a:bodyPr>
+          <a:lstStyle/>
+          <a:p>
+            <a:r>
+              <a:rPr lang="en-US" sz="3200" dirty="0">
+                <a:solidFill>
+                  <a:schemeClr val="accent3">
+                    <a:lumMod val="40000"/>
+                    <a:lumOff val="60000"/>
+                  </a:schemeClr>
+                </a:solidFill>
+              </a:rPr>
+              <a:t>This code contains a subtle error.  Can you see what it is?</a:t>
+            </a:r>
+          </a:p>
+        </p:txBody>
+      </p:sp>
+    </p:spTree>
+    <p:extLst>
+      <p:ext uri="{BB962C8B-B14F-4D97-AF65-F5344CB8AC3E}">
+        <p14:creationId xmlns:p14="http://schemas.microsoft.com/office/powerpoint/2010/main" val="435478160"/>
+      </p:ext>
+    </p:extLst>
+  </p:cSld>
+  <p:clrMapOvr>
+    <a:masterClrMapping/>
+  </p:clrMapOvr>
+  <p:timing>
+    <p:tnLst>
+      <p:par>
+        <p:cTn id="1" dur="indefinite" restart="never" nodeType="tmRoot">
+          <p:childTnLst>
+            <p:seq concurrent="1" nextAc="seek">
+              <p:cTn id="2" dur="indefinite" nodeType="mainSeq">
+                <p:childTnLst>
+                  <p:par>
+                    <p:cTn id="3" fill="hold">
+                      <p:stCondLst>
+                        <p:cond delay="indefinite"/>
+                      </p:stCondLst>
+                      <p:childTnLst>
+                        <p:par>
+                          <p:cTn id="4" fill="hold">
+                            <p:stCondLst>
+                              <p:cond delay="0"/>
+                            </p:stCondLst>
+                            <p:childTnLst>
+                              <p:par>
+                                <p:cTn id="5" presetID="1" presetClass="entr" presetSubtype="0" fill="hold" grpId="0" nodeType="clickEffect">
+                                  <p:stCondLst>
+                                    <p:cond delay="0"/>
+                                  </p:stCondLst>
+                                  <p:childTnLst>
+                                    <p:set>
+                                      <p:cBhvr>
+                                        <p:cTn id="6" dur="1" fill="hold">
+                                          <p:stCondLst>
+                                            <p:cond delay="0"/>
+                                          </p:stCondLst>
+                                        </p:cTn>
+                                        <p:tgtEl>
+                                          <p:spTgt spid="576517"/>
+                                        </p:tgtEl>
+                                        <p:attrNameLst>
+                                          <p:attrName>style.visibility</p:attrName>
+                                        </p:attrNameLst>
+                                      </p:cBhvr>
+                                      <p:to>
+                                        <p:strVal val="visible"/>
+                                      </p:to>
+                                    </p:set>
+                                  </p:childTnLst>
+                                </p:cTn>
+                              </p:par>
+                            </p:childTnLst>
+                          </p:cTn>
+                        </p:par>
+                      </p:childTnLst>
+                    </p:cTn>
+                  </p:par>
+                </p:childTnLst>
+              </p:cTn>
+              <p:prevCondLst>
+                <p:cond evt="onPrev" delay="0">
+                  <p:tgtEl>
+                    <p:sldTgt/>
+                  </p:tgtEl>
+                </p:cond>
+              </p:prevCondLst>
+              <p:nextCondLst>
+                <p:cond evt="onNext" delay="0">
+                  <p:tgtEl>
+                    <p:sldTgt/>
+                  </p:tgtEl>
+                </p:cond>
+              </p:nextCondLst>
+            </p:seq>
+          </p:childTnLst>
+        </p:cTn>
+      </p:par>
+    </p:tnLst>
+    <p:bldLst>
+      <p:bldP spid="576517" grpId="0"/>
+    </p:bldLst>
+  </p:timing>
+</p:sld>
+</file>
+
+<file path=ppt/slides/slide12.xml><?xml version="1.0" encoding="utf-8"?>
+<p:sld xmlns:a="http://schemas.openxmlformats.org/drawingml/2006/main" xmlns:r="http://schemas.openxmlformats.org/officeDocument/2006/relationships" xmlns:p="http://schemas.openxmlformats.org/presentationml/2006/main">
+  <p:cSld>
+    <p:spTree>
+      <p:nvGrpSpPr>
+        <p:cNvPr id="1" name=""/>
+        <p:cNvGrpSpPr/>
+        <p:nvPr/>
+      </p:nvGrpSpPr>
+      <p:grpSpPr>
+        <a:xfrm>
+          <a:off x="0" y="0"/>
+          <a:ext cx="0" cy="0"/>
+          <a:chOff x="0" y="0"/>
+          <a:chExt cx="0" cy="0"/>
+        </a:xfrm>
+      </p:grpSpPr>
+      <p:sp>
+        <p:nvSpPr>
+          <p:cNvPr id="576514" name="Rectangle 2"/>
+          <p:cNvSpPr>
+            <a:spLocks noGrp="1" noChangeArrowheads="1"/>
+          </p:cNvSpPr>
+          <p:nvPr>
+            <p:ph type="title"/>
+          </p:nvPr>
+        </p:nvSpPr>
+        <p:spPr>
+          <a:xfrm>
+            <a:off x="1828800" y="152400"/>
+            <a:ext cx="8382000" cy="1066800"/>
+          </a:xfrm>
+        </p:spPr>
+        <p:txBody>
+          <a:bodyPr/>
+          <a:lstStyle/>
+          <a:p>
+            <a:r>
+              <a:rPr lang="en-US" sz="4000" dirty="0"/>
+              <a:t>Encapsulation: Creating "objects" in a mostly functional language</a:t>
+            </a:r>
+          </a:p>
+        </p:txBody>
+      </p:sp>
+      <p:pic>
+        <p:nvPicPr>
+          <p:cNvPr id="576516" name="Picture 4"/>
+          <p:cNvPicPr>
+            <a:picLocks noChangeAspect="1" noChangeArrowheads="1"/>
+          </p:cNvPicPr>
+          <p:nvPr/>
+        </p:nvPicPr>
+        <p:blipFill>
+          <a:blip r:embed="rId3" cstate="print"/>
+          <a:srcRect/>
+          <a:stretch>
+            <a:fillRect/>
+          </a:stretch>
+        </p:blipFill>
+        <p:spPr bwMode="auto">
+          <a:xfrm>
+            <a:off x="1855270" y="1519298"/>
+            <a:ext cx="5410200" cy="5267325"/>
+          </a:xfrm>
+          <a:prstGeom prst="rect">
+            <a:avLst/>
+          </a:prstGeom>
+          <a:noFill/>
+          <a:ln w="9525">
+            <a:noFill/>
+            <a:miter lim="800000"/>
+            <a:headEnd/>
+            <a:tailEnd/>
+          </a:ln>
+          <a:effectLst/>
+        </p:spPr>
+      </p:pic>
+      <p:sp>
+        <p:nvSpPr>
+          <p:cNvPr id="576517" name="Text Box 5"/>
+          <p:cNvSpPr txBox="1">
+            <a:spLocks noChangeArrowheads="1"/>
+          </p:cNvSpPr>
+          <p:nvPr/>
+        </p:nvSpPr>
+        <p:spPr bwMode="auto">
+          <a:xfrm>
+            <a:off x="7467600" y="3770056"/>
+            <a:ext cx="2895600" cy="2554545"/>
+          </a:xfrm>
+          <a:prstGeom prst="rect">
+            <a:avLst/>
+          </a:prstGeom>
+          <a:noFill/>
+          <a:ln w="9525">
+            <a:noFill/>
+            <a:miter lim="800000"/>
+            <a:headEnd/>
+            <a:tailEnd/>
+          </a:ln>
+          <a:effectLst/>
+        </p:spPr>
+        <p:txBody>
+          <a:bodyPr wrap="square">
+            <a:spAutoFit/>
+          </a:bodyPr>
+          <a:lstStyle/>
+          <a:p>
+            <a:pPr>
+              <a:spcBef>
+                <a:spcPct val="50000"/>
+              </a:spcBef>
+            </a:pPr>
+            <a:r>
+              <a:rPr lang="en-US" sz="3200" dirty="0">
+                <a:solidFill>
+                  <a:schemeClr val="bg1"/>
+                </a:solidFill>
+              </a:rPr>
+              <a:t>What is the problem with this code?</a:t>
+            </a:r>
+            <a:br>
+              <a:rPr lang="en-US" sz="3200" dirty="0">
+                <a:solidFill>
+                  <a:schemeClr val="bg1"/>
+                </a:solidFill>
+              </a:rPr>
+            </a:br>
+            <a:br>
+              <a:rPr lang="en-US" sz="3200" dirty="0">
+                <a:solidFill>
+                  <a:schemeClr val="bg1"/>
+                </a:solidFill>
+              </a:rPr>
+            </a:br>
+            <a:r>
+              <a:rPr lang="en-US" sz="3200" dirty="0">
+                <a:solidFill>
+                  <a:schemeClr val="bg1"/>
+                </a:solidFill>
+              </a:rPr>
+              <a:t>How to fix it?</a:t>
+            </a:r>
+          </a:p>
+        </p:txBody>
+      </p:sp>
+      <p:sp>
+        <p:nvSpPr>
+          <p:cNvPr id="6" name="TextBox 5"/>
+          <p:cNvSpPr txBox="1"/>
+          <p:nvPr/>
+        </p:nvSpPr>
+        <p:spPr>
+          <a:xfrm>
+            <a:off x="7467600" y="1519298"/>
+            <a:ext cx="2895600" cy="2431435"/>
+          </a:xfrm>
+          <a:prstGeom prst="rect">
+            <a:avLst/>
+          </a:prstGeom>
+          <a:noFill/>
+          <a:ln w="25400">
+            <a:solidFill>
+              <a:srgbClr val="FFFF00"/>
+            </a:solidFill>
+          </a:ln>
+        </p:spPr>
+        <p:txBody>
+          <a:bodyPr wrap="square" rtlCol="0">
+            <a:spAutoFit/>
+          </a:bodyPr>
+          <a:lstStyle/>
+          <a:p>
+            <a:pPr>
+              <a:lnSpc>
+                <a:spcPct val="95000"/>
+              </a:lnSpc>
+            </a:pPr>
+            <a:r>
+              <a:rPr lang="en-US" sz="3200" dirty="0">
+                <a:solidFill>
+                  <a:srgbClr val="FFFF00"/>
+                </a:solidFill>
+              </a:rPr>
+              <a:t>The car of the </a:t>
+            </a:r>
+            <a:r>
+              <a:rPr lang="en-US" sz="3200" b="1" dirty="0" err="1">
+                <a:solidFill>
+                  <a:srgbClr val="FFFF00"/>
+                </a:solidFill>
+              </a:rPr>
+              <a:t>stk</a:t>
+            </a:r>
+            <a:r>
+              <a:rPr lang="en-US" sz="3200" dirty="0">
+                <a:solidFill>
+                  <a:srgbClr val="FFFF00"/>
+                </a:solidFill>
+              </a:rPr>
+              <a:t> list contains the top of the stack</a:t>
+            </a:r>
+          </a:p>
+        </p:txBody>
+      </p:sp>
+      <p:sp>
+        <p:nvSpPr>
+          <p:cNvPr id="7" name="TextBox 6"/>
+          <p:cNvSpPr txBox="1"/>
+          <p:nvPr/>
+        </p:nvSpPr>
+        <p:spPr>
+          <a:xfrm>
+            <a:off x="7483642" y="3998656"/>
+            <a:ext cx="2879558" cy="2554545"/>
+          </a:xfrm>
+          <a:prstGeom prst="rect">
+            <a:avLst/>
+          </a:prstGeom>
+          <a:noFill/>
+          <a:ln w="25400">
+            <a:solidFill>
+              <a:srgbClr val="FFFF00"/>
+            </a:solidFill>
+          </a:ln>
+        </p:spPr>
+        <p:txBody>
+          <a:bodyPr wrap="square" rtlCol="0">
+            <a:spAutoFit/>
+          </a:bodyPr>
+          <a:lstStyle/>
+          <a:p>
+            <a:r>
+              <a:rPr lang="en-US" sz="3200" dirty="0">
+                <a:solidFill>
+                  <a:schemeClr val="accent3">
+                    <a:lumMod val="40000"/>
+                    <a:lumOff val="60000"/>
+                  </a:schemeClr>
+                </a:solidFill>
+              </a:rPr>
+              <a:t>This code contains a subtle error.  Can you see what it is?</a:t>
+            </a:r>
+          </a:p>
+        </p:txBody>
+      </p:sp>
+      <p:sp>
+        <p:nvSpPr>
+          <p:cNvPr id="2" name="Curved Left Arrow 1"/>
+          <p:cNvSpPr/>
+          <p:nvPr/>
+        </p:nvSpPr>
+        <p:spPr bwMode="auto">
+          <a:xfrm>
+            <a:off x="5334000" y="2209800"/>
+            <a:ext cx="381000" cy="457200"/>
+          </a:xfrm>
+          <a:prstGeom prst="curvedLeftArrow">
+            <a:avLst/>
+          </a:prstGeom>
+          <a:solidFill>
+            <a:schemeClr val="accent1"/>
+          </a:solidFill>
+          <a:ln w="9525" cap="flat" cmpd="sng" algn="ctr">
+            <a:solidFill>
+              <a:schemeClr val="tx1"/>
+            </a:solidFill>
+            <a:prstDash val="solid"/>
+            <a:round/>
+            <a:headEnd type="none" w="med" len="med"/>
+            <a:tailEnd type="none" w="med" len="med"/>
+          </a:ln>
+          <a:effectLst/>
+        </p:spPr>
+        <p:txBody>
+          <a:bodyPr vert="horz" wrap="square" lIns="91440" tIns="45720" rIns="91440" bIns="45720" numCol="1" rtlCol="0" anchor="t" anchorCtr="0" compatLnSpc="1">
+            <a:prstTxWarp prst="textNoShape">
+              <a:avLst/>
+            </a:prstTxWarp>
+          </a:bodyPr>
+          <a:lstStyle/>
+          <a:p>
+            <a:endParaRPr lang="en-US"/>
+          </a:p>
+        </p:txBody>
+      </p:sp>
+      <p:sp>
+        <p:nvSpPr>
+          <p:cNvPr id="3" name="TextBox 2"/>
+          <p:cNvSpPr txBox="1"/>
+          <p:nvPr/>
+        </p:nvSpPr>
+        <p:spPr>
+          <a:xfrm>
+            <a:off x="5867400" y="1976735"/>
+            <a:ext cx="1371600" cy="923330"/>
+          </a:xfrm>
+          <a:prstGeom prst="rect">
+            <a:avLst/>
+          </a:prstGeom>
+          <a:noFill/>
+        </p:spPr>
+        <p:txBody>
+          <a:bodyPr wrap="square" rtlCol="0">
+            <a:spAutoFit/>
+          </a:bodyPr>
+          <a:lstStyle/>
+          <a:p>
+            <a:r>
+              <a:rPr lang="en-US" dirty="0">
+                <a:solidFill>
+                  <a:schemeClr val="accent1">
+                    <a:lumMod val="75000"/>
+                  </a:schemeClr>
+                </a:solidFill>
+              </a:rPr>
+              <a:t>Reverse these two code lines </a:t>
+            </a:r>
+          </a:p>
+        </p:txBody>
+      </p:sp>
+    </p:spTree>
+    <p:extLst>
+      <p:ext uri="{BB962C8B-B14F-4D97-AF65-F5344CB8AC3E}">
+        <p14:creationId xmlns:p14="http://schemas.microsoft.com/office/powerpoint/2010/main" val="2171866109"/>
+      </p:ext>
+    </p:extLst>
+  </p:cSld>
+  <p:clrMapOvr>
+    <a:masterClrMapping/>
+  </p:clrMapOvr>
+  <p:timing>
+    <p:tnLst>
+      <p:par>
+        <p:cTn id="1" dur="indefinite" restart="never" nodeType="tmRoot">
+          <p:childTnLst>
+            <p:seq concurrent="1" nextAc="seek">
+              <p:cTn id="2" dur="indefinite" nodeType="mainSeq">
+                <p:childTnLst>
+                  <p:par>
+                    <p:cTn id="3" fill="hold">
+                      <p:stCondLst>
+                        <p:cond delay="indefinite"/>
+                      </p:stCondLst>
+                      <p:childTnLst>
+                        <p:par>
+                          <p:cTn id="4" fill="hold">
+                            <p:stCondLst>
+                              <p:cond delay="0"/>
+                            </p:stCondLst>
+                            <p:childTnLst>
+                              <p:par>
+                                <p:cTn id="5" presetID="1" presetClass="entr" presetSubtype="0" fill="hold" grpId="0" nodeType="clickEffect">
+                                  <p:stCondLst>
+                                    <p:cond delay="0"/>
+                                  </p:stCondLst>
+                                  <p:childTnLst>
+                                    <p:set>
+                                      <p:cBhvr>
+                                        <p:cTn id="6" dur="1" fill="hold">
+                                          <p:stCondLst>
+                                            <p:cond delay="0"/>
+                                          </p:stCondLst>
+                                        </p:cTn>
+                                        <p:tgtEl>
+                                          <p:spTgt spid="576517"/>
+                                        </p:tgtEl>
+                                        <p:attrNameLst>
+                                          <p:attrName>style.visibility</p:attrName>
+                                        </p:attrNameLst>
+                                      </p:cBhvr>
+                                      <p:to>
+                                        <p:strVal val="visible"/>
+                                      </p:to>
+                                    </p:set>
+                                  </p:childTnLst>
+                                </p:cTn>
+                              </p:par>
+                            </p:childTnLst>
+                          </p:cTn>
+                        </p:par>
+                      </p:childTnLst>
+                    </p:cTn>
+                  </p:par>
+                </p:childTnLst>
+              </p:cTn>
+              <p:prevCondLst>
+                <p:cond evt="onPrev" delay="0">
+                  <p:tgtEl>
+                    <p:sldTgt/>
+                  </p:tgtEl>
+                </p:cond>
+              </p:prevCondLst>
+              <p:nextCondLst>
+                <p:cond evt="onNext" delay="0">
+                  <p:tgtEl>
+                    <p:sldTgt/>
+                  </p:tgtEl>
+                </p:cond>
+              </p:nextCondLst>
+            </p:seq>
+          </p:childTnLst>
+        </p:cTn>
+      </p:par>
+    </p:tnLst>
+    <p:bldLst>
+      <p:bldP spid="576517" grpId="0"/>
+    </p:bldLst>
+  </p:timing>
+</p:sld>
+</file>
+
+<file path=ppt/slides/slide13.xml><?xml version="1.0" encoding="utf-8"?>
+<p:sld xmlns:a="http://schemas.openxmlformats.org/drawingml/2006/main" xmlns:r="http://schemas.openxmlformats.org/officeDocument/2006/relationships" xmlns:p="http://schemas.openxmlformats.org/presentationml/2006/main">
+  <p:cSld>
+    <p:spTree>
+      <p:nvGrpSpPr>
+        <p:cNvPr id="1" name=""/>
+        <p:cNvGrpSpPr/>
+        <p:nvPr/>
+      </p:nvGrpSpPr>
+      <p:grpSpPr>
+        <a:xfrm>
+          <a:off x="0" y="0"/>
+          <a:ext cx="0" cy="0"/>
+          <a:chOff x="0" y="0"/>
+          <a:chExt cx="0" cy="0"/>
+        </a:xfrm>
+      </p:grpSpPr>
+      <p:pic>
+        <p:nvPicPr>
+          <p:cNvPr id="5" name="Picture 4">
+            <a:extLst>
+              <a:ext uri="{FF2B5EF4-FFF2-40B4-BE49-F238E27FC236}">
+                <a16:creationId xmlns:a16="http://schemas.microsoft.com/office/drawing/2014/main" id="{4124DE54-9C01-3504-CE01-16B4B9682E53}"/>
+              </a:ext>
+            </a:extLst>
+          </p:cNvPr>
+          <p:cNvPicPr>
+            <a:picLocks noChangeAspect="1"/>
+          </p:cNvPicPr>
+          <p:nvPr/>
+        </p:nvPicPr>
+        <p:blipFill>
+          <a:blip r:embed="rId2"/>
+          <a:stretch>
+            <a:fillRect/>
+          </a:stretch>
+        </p:blipFill>
+        <p:spPr>
+          <a:xfrm>
+            <a:off x="0" y="762000"/>
+            <a:ext cx="12192000" cy="4351606"/>
+          </a:xfrm>
+          <a:prstGeom prst="rect">
+            <a:avLst/>
+          </a:prstGeom>
+        </p:spPr>
+      </p:pic>
+    </p:spTree>
+    <p:extLst>
+      <p:ext uri="{BB962C8B-B14F-4D97-AF65-F5344CB8AC3E}">
+        <p14:creationId xmlns:p14="http://schemas.microsoft.com/office/powerpoint/2010/main" val="166548051"/>
+      </p:ext>
+    </p:extLst>
+  </p:cSld>
+  <p:clrMapOvr>
+    <a:masterClrMapping/>
+  </p:clrMapOvr>
+</p:sld>
+</file>
+
+<file path=ppt/slides/slide14.xml><?xml version="1.0" encoding="utf-8"?>
+<p:sld xmlns:a="http://schemas.openxmlformats.org/drawingml/2006/main" xmlns:r="http://schemas.openxmlformats.org/officeDocument/2006/relationships" xmlns:p="http://schemas.openxmlformats.org/presentationml/2006/main">
+  <p:cSld>
+    <p:spTree>
+      <p:nvGrpSpPr>
+        <p:cNvPr id="1" name=""/>
+        <p:cNvGrpSpPr/>
+        <p:nvPr/>
+      </p:nvGrpSpPr>
+      <p:grpSpPr>
+        <a:xfrm>
+          <a:off x="0" y="0"/>
+          <a:ext cx="0" cy="0"/>
+          <a:chOff x="0" y="0"/>
+          <a:chExt cx="0" cy="0"/>
+        </a:xfrm>
+      </p:grpSpPr>
+      <p:sp>
+        <p:nvSpPr>
           <p:cNvPr id="2" name="Title 1"/>
           <p:cNvSpPr>
             <a:spLocks noGrp="1"/>
@@ -7202,7 +8659,7 @@
 </p:sld>
 </file>
 
-<file path=ppt/slides/slide11.xml><?xml version="1.0" encoding="utf-8"?>
+<file path=ppt/slides/slide15.xml><?xml version="1.0" encoding="utf-8"?>
 <p:sld xmlns:a="http://schemas.openxmlformats.org/drawingml/2006/main" xmlns:r="http://schemas.openxmlformats.org/officeDocument/2006/relationships" xmlns:p="http://schemas.openxmlformats.org/presentationml/2006/main">
   <p:cSld>
     <p:spTree>
@@ -7482,7 +8939,7 @@
 </p:sld>
 </file>
 
-<file path=ppt/slides/slide12.xml><?xml version="1.0" encoding="utf-8"?>
+<file path=ppt/slides/slide16.xml><?xml version="1.0" encoding="utf-8"?>
 <p:sld xmlns:a="http://schemas.openxmlformats.org/drawingml/2006/main" xmlns:r="http://schemas.openxmlformats.org/officeDocument/2006/relationships" xmlns:p="http://schemas.openxmlformats.org/presentationml/2006/main">
   <p:cSld>
     <p:spTree>
@@ -7561,8 +9018,8 @@
 </p:sld>
 </file>
 
-<file path=ppt/slides/slide13.xml><?xml version="1.0" encoding="utf-8"?>
-<p:sld xmlns:a="http://schemas.openxmlformats.org/drawingml/2006/main" xmlns:r="http://schemas.openxmlformats.org/officeDocument/2006/relationships" xmlns:p="http://schemas.openxmlformats.org/presentationml/2006/main">
+<file path=ppt/slides/slide17.xml><?xml version="1.0" encoding="utf-8"?>
+<p:sld xmlns:a="http://schemas.openxmlformats.org/drawingml/2006/main" xmlns:r="http://schemas.openxmlformats.org/officeDocument/2006/relationships" xmlns:p="http://schemas.openxmlformats.org/presentationml/2006/main" show="0">
   <p:cSld>
     <p:spTree>
       <p:nvGrpSpPr>
@@ -8245,7 +9702,13 @@
       </p:grpSpPr>
       <p:sp>
         <p:nvSpPr>
-          <p:cNvPr id="4" name="Title 3"/>
+          <p:cNvPr id="2" name="Title 1">
+            <a:extLst>
+              <a:ext uri="{FF2B5EF4-FFF2-40B4-BE49-F238E27FC236}">
+                <a16:creationId xmlns:a16="http://schemas.microsoft.com/office/drawing/2014/main" id="{EC92318B-563E-1F0E-99AE-B2F80592E470}"/>
+              </a:ext>
+            </a:extLst>
+          </p:cNvPr>
           <p:cNvSpPr>
             <a:spLocks noGrp="1"/>
           </p:cNvSpPr>
@@ -8253,104 +9716,52 @@
             <p:ph type="title"/>
           </p:nvPr>
         </p:nvSpPr>
+        <p:spPr/>
+        <p:txBody>
+          <a:bodyPr/>
+          <a:lstStyle/>
+          <a:p>
+            <a:r>
+              <a:rPr lang="en-US" dirty="0"/>
+              <a:t>Functions that return functions</a:t>
+            </a:r>
+          </a:p>
+        </p:txBody>
+      </p:sp>
+      <p:pic>
+        <p:nvPicPr>
+          <p:cNvPr id="5" name="Picture 4">
+            <a:extLst>
+              <a:ext uri="{FF2B5EF4-FFF2-40B4-BE49-F238E27FC236}">
+                <a16:creationId xmlns:a16="http://schemas.microsoft.com/office/drawing/2014/main" id="{2F004C1F-8796-BF31-AA35-20E189773179}"/>
+              </a:ext>
+            </a:extLst>
+          </p:cNvPr>
+          <p:cNvPicPr>
+            <a:picLocks noChangeAspect="1"/>
+          </p:cNvPicPr>
+          <p:nvPr/>
+        </p:nvPicPr>
+        <p:blipFill>
+          <a:blip r:embed="rId2"/>
+          <a:stretch>
+            <a:fillRect/>
+          </a:stretch>
+        </p:blipFill>
         <p:spPr>
           <a:xfrm>
-            <a:off x="2057400" y="4406901"/>
-            <a:ext cx="8077200" cy="1362075"/>
-          </a:xfrm>
-        </p:spPr>
-        <p:txBody>
-          <a:bodyPr/>
-          <a:lstStyle/>
-          <a:p>
-            <a:r>
-              <a:rPr lang="en-US" dirty="0"/>
-              <a:t>How might we do OOP IN SCHEME, using only things that we have seen so far?</a:t>
-            </a:r>
-          </a:p>
-        </p:txBody>
-      </p:sp>
-      <p:sp>
-        <p:nvSpPr>
-          <p:cNvPr id="5" name="Text Placeholder 4"/>
-          <p:cNvSpPr>
-            <a:spLocks noGrp="1"/>
-          </p:cNvSpPr>
-          <p:nvPr>
-            <p:ph type="body" idx="1"/>
-          </p:nvPr>
-        </p:nvSpPr>
-        <p:spPr>
-          <a:xfrm>
-            <a:off x="2246313" y="2286001"/>
-            <a:ext cx="7772400" cy="1500187"/>
-          </a:xfrm>
-        </p:spPr>
-        <p:txBody>
-          <a:bodyPr/>
-          <a:lstStyle/>
-          <a:p>
-            <a:r>
-              <a:rPr lang="en-US" sz="2800" dirty="0"/>
-              <a:t>          Constructing objects</a:t>
-            </a:r>
-          </a:p>
-          <a:p>
-            <a:r>
-              <a:rPr lang="en-US" sz="2800" dirty="0"/>
-              <a:t>                                "fields"</a:t>
-            </a:r>
-          </a:p>
-          <a:p>
-            <a:r>
-              <a:rPr lang="en-US" sz="2800" dirty="0"/>
-              <a:t>                                "methods"</a:t>
-            </a:r>
-          </a:p>
-          <a:p>
-            <a:r>
-              <a:rPr lang="en-US" sz="2800" dirty="0"/>
-              <a:t>                                 method arguments</a:t>
-            </a:r>
-          </a:p>
-        </p:txBody>
-      </p:sp>
-      <p:sp>
-        <p:nvSpPr>
-          <p:cNvPr id="2" name="TextBox 1"/>
-          <p:cNvSpPr txBox="1"/>
-          <p:nvPr/>
-        </p:nvSpPr>
-        <p:spPr>
-          <a:xfrm>
-            <a:off x="2381128" y="457200"/>
-            <a:ext cx="7696200" cy="400110"/>
+            <a:off x="3581400" y="2209800"/>
+            <a:ext cx="4638675" cy="2943225"/>
           </a:xfrm>
           <a:prstGeom prst="rect">
             <a:avLst/>
           </a:prstGeom>
-          <a:noFill/>
         </p:spPr>
-        <p:txBody>
-          <a:bodyPr wrap="square" rtlCol="0">
-            <a:spAutoFit/>
-          </a:bodyPr>
-          <a:lstStyle/>
-          <a:p>
-            <a:r>
-              <a:rPr lang="en-US" sz="2000" dirty="0">
-                <a:hlinkClick r:id="rId2"/>
-              </a:rPr>
-              <a:t>http://community.schemewiki.org/?object-oriented-programming</a:t>
-            </a:r>
-            <a:endParaRPr lang="en-US" sz="2000" dirty="0"/>
-          </a:p>
-        </p:txBody>
-      </p:sp>
+      </p:pic>
     </p:spTree>
     <p:extLst>
       <p:ext uri="{BB962C8B-B14F-4D97-AF65-F5344CB8AC3E}">
-        <p14:creationId xmlns:p14="http://schemas.microsoft.com/office/powerpoint/2010/main" val="2384424417"/>
+        <p14:creationId xmlns:p14="http://schemas.microsoft.com/office/powerpoint/2010/main" val="1321739467"/>
       </p:ext>
     </p:extLst>
   </p:cSld>
@@ -8379,7 +9790,13 @@
       </p:grpSpPr>
       <p:sp>
         <p:nvSpPr>
-          <p:cNvPr id="2" name="Title 1"/>
+          <p:cNvPr id="2" name="Title 1">
+            <a:extLst>
+              <a:ext uri="{FF2B5EF4-FFF2-40B4-BE49-F238E27FC236}">
+                <a16:creationId xmlns:a16="http://schemas.microsoft.com/office/drawing/2014/main" id="{FE02616F-218D-05D9-4A18-76991A02A3FF}"/>
+              </a:ext>
+            </a:extLst>
+          </p:cNvPr>
           <p:cNvSpPr>
             <a:spLocks noGrp="1"/>
           </p:cNvSpPr>
@@ -8387,118 +9804,82 @@
             <p:ph type="title"/>
           </p:nvPr>
         </p:nvSpPr>
+        <p:spPr/>
+        <p:txBody>
+          <a:bodyPr/>
+          <a:lstStyle/>
+          <a:p>
+            <a:r>
+              <a:rPr lang="en-US" dirty="0"/>
+              <a:t>More mysterious</a:t>
+            </a:r>
+          </a:p>
+        </p:txBody>
+      </p:sp>
+      <p:pic>
+        <p:nvPicPr>
+          <p:cNvPr id="5" name="Picture 4">
+            <a:extLst>
+              <a:ext uri="{FF2B5EF4-FFF2-40B4-BE49-F238E27FC236}">
+                <a16:creationId xmlns:a16="http://schemas.microsoft.com/office/drawing/2014/main" id="{4E517BFC-A5CB-1BFF-77E4-6276F8738F83}"/>
+              </a:ext>
+            </a:extLst>
+          </p:cNvPr>
+          <p:cNvPicPr>
+            <a:picLocks noChangeAspect="1"/>
+          </p:cNvPicPr>
+          <p:nvPr/>
+        </p:nvPicPr>
+        <p:blipFill>
+          <a:blip r:embed="rId2"/>
+          <a:stretch>
+            <a:fillRect/>
+          </a:stretch>
+        </p:blipFill>
         <p:spPr>
           <a:xfrm>
-            <a:off x="2209800" y="0"/>
-            <a:ext cx="7772400" cy="1066800"/>
+            <a:off x="2743200" y="3276600"/>
+            <a:ext cx="2838450" cy="3086100"/>
           </a:xfrm>
+          <a:prstGeom prst="rect">
+            <a:avLst/>
+          </a:prstGeom>
         </p:spPr>
-        <p:txBody>
-          <a:bodyPr/>
-          <a:lstStyle/>
-          <a:p>
-            <a:r>
-              <a:rPr lang="en-US" dirty="0"/>
-              <a:t>"OO Programming" in Scheme</a:t>
-            </a:r>
-          </a:p>
-        </p:txBody>
-      </p:sp>
-      <p:sp>
-        <p:nvSpPr>
-          <p:cNvPr id="3" name="Content Placeholder 2"/>
-          <p:cNvSpPr>
-            <a:spLocks noGrp="1"/>
-          </p:cNvSpPr>
-          <p:nvPr>
-            <p:ph idx="1"/>
-          </p:nvPr>
-        </p:nvSpPr>
+      </p:pic>
+      <p:pic>
+        <p:nvPicPr>
+          <p:cNvPr id="7" name="Picture 6">
+            <a:extLst>
+              <a:ext uri="{FF2B5EF4-FFF2-40B4-BE49-F238E27FC236}">
+                <a16:creationId xmlns:a16="http://schemas.microsoft.com/office/drawing/2014/main" id="{465490F9-ACC9-DF15-00F7-AC614B4FE524}"/>
+              </a:ext>
+            </a:extLst>
+          </p:cNvPr>
+          <p:cNvPicPr>
+            <a:picLocks noChangeAspect="1"/>
+          </p:cNvPicPr>
+          <p:nvPr/>
+        </p:nvPicPr>
+        <p:blipFill>
+          <a:blip r:embed="rId3"/>
+          <a:stretch>
+            <a:fillRect/>
+          </a:stretch>
+        </p:blipFill>
         <p:spPr>
           <a:xfrm>
-            <a:off x="2209800" y="990600"/>
-            <a:ext cx="7772400" cy="4953000"/>
+            <a:off x="2743200" y="2057400"/>
+            <a:ext cx="6076950" cy="1038225"/>
           </a:xfrm>
+          <a:prstGeom prst="rect">
+            <a:avLst/>
+          </a:prstGeom>
         </p:spPr>
-        <p:txBody>
-          <a:bodyPr/>
-          <a:lstStyle/>
-          <a:p>
-            <a:pPr>
-              <a:lnSpc>
-                <a:spcPct val="95000"/>
-              </a:lnSpc>
-              <a:spcBef>
-                <a:spcPts val="1500"/>
-              </a:spcBef>
-            </a:pPr>
-            <a:r>
-              <a:rPr lang="en-US" dirty="0"/>
-              <a:t>We need to find a way to encapsulate "fields" and "methods", so that fields can only be accessed/changed by using the methods.</a:t>
-            </a:r>
-          </a:p>
-          <a:p>
-            <a:pPr>
-              <a:lnSpc>
-                <a:spcPct val="95000"/>
-              </a:lnSpc>
-              <a:spcBef>
-                <a:spcPts val="1500"/>
-              </a:spcBef>
-            </a:pPr>
-            <a:r>
-              <a:rPr lang="en-US" dirty="0"/>
-              <a:t>We can represent an object by a _____.</a:t>
-            </a:r>
-          </a:p>
-          <a:p>
-            <a:pPr>
-              <a:lnSpc>
-                <a:spcPct val="95000"/>
-              </a:lnSpc>
-              <a:spcBef>
-                <a:spcPts val="1500"/>
-              </a:spcBef>
-            </a:pPr>
-            <a:r>
-              <a:rPr lang="en-US" dirty="0"/>
-              <a:t>"Fields" are persistent local variables.</a:t>
-            </a:r>
-          </a:p>
-          <a:p>
-            <a:pPr>
-              <a:lnSpc>
-                <a:spcPct val="95000"/>
-              </a:lnSpc>
-              <a:spcBef>
-                <a:spcPts val="1500"/>
-              </a:spcBef>
-            </a:pPr>
-            <a:r>
-              <a:rPr lang="en-US" dirty="0"/>
-              <a:t>A "method name" is the first argument to the "object" procedure</a:t>
-            </a:r>
-          </a:p>
-          <a:p>
-            <a:pPr>
-              <a:lnSpc>
-                <a:spcPct val="95000"/>
-              </a:lnSpc>
-              <a:spcBef>
-                <a:spcPts val="1500"/>
-              </a:spcBef>
-            </a:pPr>
-            <a:r>
-              <a:rPr lang="en-US" dirty="0"/>
-              <a:t> "method arguments" are the other arguments to the procedure.</a:t>
-            </a:r>
-          </a:p>
-        </p:txBody>
-      </p:sp>
+      </p:pic>
     </p:spTree>
     <p:extLst>
       <p:ext uri="{BB962C8B-B14F-4D97-AF65-F5344CB8AC3E}">
-        <p14:creationId xmlns:p14="http://schemas.microsoft.com/office/powerpoint/2010/main" val="2034146504"/>
+        <p14:creationId xmlns:p14="http://schemas.microsoft.com/office/powerpoint/2010/main" val="262213088"/>
       </p:ext>
     </p:extLst>
   </p:cSld>
@@ -8527,411 +9908,72 @@
       </p:grpSpPr>
       <p:sp>
         <p:nvSpPr>
-          <p:cNvPr id="3" name="Content Placeholder 2"/>
+          <p:cNvPr id="2" name="Title 1">
+            <a:extLst>
+              <a:ext uri="{FF2B5EF4-FFF2-40B4-BE49-F238E27FC236}">
+                <a16:creationId xmlns:a16="http://schemas.microsoft.com/office/drawing/2014/main" id="{CDF14EB8-9915-B66C-63D0-6714F03AD115}"/>
+              </a:ext>
+            </a:extLst>
+          </p:cNvPr>
           <p:cNvSpPr>
             <a:spLocks noGrp="1"/>
           </p:cNvSpPr>
           <p:nvPr>
-            <p:ph sz="half" idx="1"/>
-          </p:nvPr>
-        </p:nvSpPr>
+            <p:ph type="title"/>
+          </p:nvPr>
+        </p:nvSpPr>
+        <p:spPr/>
+        <p:txBody>
+          <a:bodyPr/>
+          <a:lstStyle/>
+          <a:p>
+            <a:r>
+              <a:rPr lang="en-US" dirty="0"/>
+              <a:t>A mystery solved!</a:t>
+            </a:r>
+          </a:p>
+        </p:txBody>
+      </p:sp>
+      <p:pic>
+        <p:nvPicPr>
+          <p:cNvPr id="5" name="Picture 4">
+            <a:extLst>
+              <a:ext uri="{FF2B5EF4-FFF2-40B4-BE49-F238E27FC236}">
+                <a16:creationId xmlns:a16="http://schemas.microsoft.com/office/drawing/2014/main" id="{8381B1F8-05AA-0FB0-1C74-5A7991D4EAFA}"/>
+              </a:ext>
+            </a:extLst>
+          </p:cNvPr>
+          <p:cNvPicPr>
+            <a:picLocks noChangeAspect="1"/>
+          </p:cNvPicPr>
+          <p:nvPr/>
+        </p:nvPicPr>
+        <p:blipFill>
+          <a:blip r:embed="rId2"/>
+          <a:stretch>
+            <a:fillRect/>
+          </a:stretch>
+        </p:blipFill>
         <p:spPr>
           <a:xfrm>
-            <a:off x="685800" y="0"/>
-            <a:ext cx="4419600" cy="5943600"/>
-          </a:xfrm>
-        </p:spPr>
-        <p:txBody>
-          <a:bodyPr/>
-          <a:lstStyle/>
-          <a:p>
-            <a:pPr marL="0" indent="0">
-              <a:buNone/>
-            </a:pPr>
-            <a:r>
-              <a:rPr lang="en-US" sz="2600" dirty="0"/>
-              <a:t>&gt; (define s1 (make-stack))</a:t>
-            </a:r>
-          </a:p>
-          <a:p>
-            <a:pPr marL="0" indent="0">
-              <a:buNone/>
-            </a:pPr>
-            <a:r>
-              <a:rPr lang="en-US" sz="2600" dirty="0"/>
-              <a:t>&gt; (define s2 (make-stack))</a:t>
-            </a:r>
-            <a:br>
-              <a:rPr lang="en-US" sz="2600" dirty="0"/>
-            </a:br>
-            <a:r>
-              <a:rPr lang="en-US" sz="2600" dirty="0"/>
-              <a:t>&gt; (s1 'push 'a)</a:t>
-            </a:r>
-          </a:p>
-          <a:p>
-            <a:pPr marL="0" indent="0">
-              <a:buNone/>
-            </a:pPr>
-            <a:r>
-              <a:rPr lang="en-US" sz="2600" dirty="0"/>
-              <a:t>&gt; (s2 'push 'z)</a:t>
-            </a:r>
-          </a:p>
-          <a:p>
-            <a:pPr marL="0" indent="0">
-              <a:buNone/>
-            </a:pPr>
-            <a:r>
-              <a:rPr lang="en-US" sz="2600" dirty="0"/>
-              <a:t>&gt; (s1 'push 'b)</a:t>
-            </a:r>
-          </a:p>
-          <a:p>
-            <a:pPr marL="0" indent="0">
-              <a:buNone/>
-            </a:pPr>
-            <a:r>
-              <a:rPr lang="en-US" sz="2600" dirty="0"/>
-              <a:t>&gt; (s1 'pop)</a:t>
-            </a:r>
-          </a:p>
-          <a:p>
-            <a:pPr marL="0" indent="0">
-              <a:buNone/>
-            </a:pPr>
-            <a:r>
-              <a:rPr lang="en-US" sz="2600" dirty="0"/>
-              <a:t>b</a:t>
-            </a:r>
-          </a:p>
-          <a:p>
-            <a:pPr>
-              <a:buFont typeface="Wingdings" panose="05000000000000000000" pitchFamily="2" charset="2"/>
-              <a:buChar char="Ø"/>
-            </a:pPr>
-            <a:r>
-              <a:rPr lang="en-US" sz="2600" dirty="0"/>
-              <a:t>(s1 'empty?)</a:t>
-            </a:r>
-          </a:p>
-          <a:p>
-            <a:pPr>
-              <a:buFont typeface="Wingdings" panose="05000000000000000000" pitchFamily="2" charset="2"/>
-              <a:buChar char="Ø"/>
-            </a:pPr>
-            <a:r>
-              <a:rPr lang="en-US" sz="2600" dirty="0"/>
-              <a:t>#f</a:t>
-            </a:r>
-          </a:p>
-          <a:p>
-            <a:pPr>
-              <a:buFont typeface="Wingdings" panose="05000000000000000000" pitchFamily="2" charset="2"/>
-              <a:buChar char="Ø"/>
-            </a:pPr>
-            <a:endParaRPr lang="en-US" sz="2600" dirty="0"/>
-          </a:p>
-        </p:txBody>
-      </p:sp>
-      <p:sp>
-        <p:nvSpPr>
-          <p:cNvPr id="5" name="Content Placeholder 4"/>
-          <p:cNvSpPr>
-            <a:spLocks noGrp="1"/>
-          </p:cNvSpPr>
-          <p:nvPr>
-            <p:ph sz="half" idx="2"/>
-          </p:nvPr>
-        </p:nvSpPr>
-        <p:spPr>
-          <a:xfrm>
-            <a:off x="6477000" y="1"/>
-            <a:ext cx="4038600" cy="4530725"/>
-          </a:xfrm>
-        </p:spPr>
-        <p:txBody>
-          <a:bodyPr/>
-          <a:lstStyle/>
-          <a:p>
-            <a:pPr marL="0" indent="0">
-              <a:buNone/>
-            </a:pPr>
-            <a:r>
-              <a:rPr lang="en-US" sz="2600" dirty="0"/>
-              <a:t>&gt; (s2 'push (s1 'pop))</a:t>
-            </a:r>
-          </a:p>
-          <a:p>
-            <a:pPr marL="0" indent="0">
-              <a:buNone/>
-            </a:pPr>
-            <a:r>
-              <a:rPr lang="en-US" sz="2600" dirty="0"/>
-              <a:t>&gt; (s1 'empty?)</a:t>
-            </a:r>
-          </a:p>
-          <a:p>
-            <a:pPr marL="0" indent="0">
-              <a:buNone/>
-            </a:pPr>
-            <a:r>
-              <a:rPr lang="en-US" sz="2600" dirty="0"/>
-              <a:t>#t</a:t>
-            </a:r>
-          </a:p>
-          <a:p>
-            <a:pPr marL="0" indent="0">
-              <a:buNone/>
-            </a:pPr>
-            <a:r>
-              <a:rPr lang="en-US" sz="2600" dirty="0"/>
-              <a:t>&gt; (s2 'pop)</a:t>
-            </a:r>
-          </a:p>
-          <a:p>
-            <a:pPr marL="0" indent="0">
-              <a:buNone/>
-            </a:pPr>
-            <a:r>
-              <a:rPr lang="en-US" sz="2600" dirty="0"/>
-              <a:t>a</a:t>
-            </a:r>
-          </a:p>
-          <a:p>
-            <a:pPr marL="0" indent="0">
-              <a:buNone/>
-            </a:pPr>
-            <a:r>
-              <a:rPr lang="en-US" sz="2600" dirty="0"/>
-              <a:t>&gt; (s2 'pop)</a:t>
-            </a:r>
-          </a:p>
-          <a:p>
-            <a:pPr marL="0" indent="0">
-              <a:buNone/>
-            </a:pPr>
-            <a:r>
-              <a:rPr lang="en-US" sz="2600" dirty="0"/>
-              <a:t>z</a:t>
-            </a:r>
-          </a:p>
-          <a:p>
-            <a:pPr marL="0" indent="0">
-              <a:buNone/>
-            </a:pPr>
-            <a:r>
-              <a:rPr lang="en-US" sz="2600" dirty="0"/>
-              <a:t>&gt; (s2 'pop)</a:t>
-            </a:r>
-          </a:p>
-          <a:p>
-            <a:pPr marL="0" indent="0">
-              <a:buNone/>
-            </a:pPr>
-            <a:r>
-              <a:rPr lang="en-US" sz="2600" dirty="0"/>
-              <a:t>Exception in car: () is not a pair</a:t>
-            </a:r>
-          </a:p>
-          <a:p>
-            <a:pPr marL="0" indent="0">
-              <a:buNone/>
-            </a:pPr>
-            <a:r>
-              <a:rPr lang="en-US" sz="2600" dirty="0"/>
-              <a:t>&gt; </a:t>
-            </a:r>
-          </a:p>
-          <a:p>
-            <a:pPr marL="0" indent="0">
-              <a:buNone/>
-            </a:pPr>
-            <a:endParaRPr lang="en-US" dirty="0"/>
-          </a:p>
-        </p:txBody>
-      </p:sp>
-      <p:cxnSp>
-        <p:nvCxnSpPr>
-          <p:cNvPr id="7" name="Straight Connector 6"/>
-          <p:cNvCxnSpPr/>
-          <p:nvPr/>
-        </p:nvCxnSpPr>
-        <p:spPr bwMode="auto">
-          <a:xfrm>
-            <a:off x="5562600" y="228600"/>
-            <a:ext cx="0" cy="5867400"/>
-          </a:xfrm>
-          <a:prstGeom prst="line">
-            <a:avLst/>
-          </a:prstGeom>
-          <a:solidFill>
-            <a:schemeClr val="accent1"/>
-          </a:solidFill>
-          <a:ln w="9525" cap="flat" cmpd="sng" algn="ctr">
-            <a:solidFill>
-              <a:schemeClr val="tx1"/>
-            </a:solidFill>
-            <a:prstDash val="solid"/>
-            <a:round/>
-            <a:headEnd type="none" w="med" len="med"/>
-            <a:tailEnd type="none" w="med" len="med"/>
-          </a:ln>
-          <a:effectLst/>
-        </p:spPr>
-      </p:cxnSp>
-      <p:sp>
-        <p:nvSpPr>
-          <p:cNvPr id="6" name="TextBox 5"/>
-          <p:cNvSpPr txBox="1"/>
-          <p:nvPr/>
-        </p:nvSpPr>
-        <p:spPr>
-          <a:xfrm>
-            <a:off x="1816826" y="4431001"/>
-            <a:ext cx="3048000" cy="1815882"/>
+            <a:off x="2409825" y="2409825"/>
+            <a:ext cx="7372350" cy="2038350"/>
           </a:xfrm>
           <a:prstGeom prst="rect">
             <a:avLst/>
           </a:prstGeom>
-          <a:noFill/>
         </p:spPr>
-        <p:txBody>
-          <a:bodyPr wrap="square" rtlCol="0">
-            <a:spAutoFit/>
-          </a:bodyPr>
-          <a:lstStyle/>
-          <a:p>
-            <a:r>
-              <a:rPr lang="en-US" sz="2800" b="1" dirty="0">
-                <a:solidFill>
-                  <a:srgbClr val="F10000"/>
-                </a:solidFill>
-              </a:rPr>
-              <a:t>Transcript that  illustrates  the use of the stack "class"</a:t>
-            </a:r>
-          </a:p>
-        </p:txBody>
-      </p:sp>
-      <p:sp>
-        <p:nvSpPr>
-          <p:cNvPr id="2" name="TextBox 1"/>
-          <p:cNvSpPr txBox="1"/>
-          <p:nvPr/>
-        </p:nvSpPr>
-        <p:spPr>
-          <a:xfrm>
-            <a:off x="9041674" y="4677223"/>
-            <a:ext cx="2667000" cy="1569660"/>
-          </a:xfrm>
-          <a:prstGeom prst="rect">
-            <a:avLst/>
-          </a:prstGeom>
-          <a:solidFill>
-            <a:srgbClr val="F10000"/>
-          </a:solidFill>
-        </p:spPr>
-        <p:txBody>
-          <a:bodyPr wrap="square" rtlCol="0">
-            <a:spAutoFit/>
-          </a:bodyPr>
-          <a:lstStyle/>
-          <a:p>
-            <a:r>
-              <a:rPr lang="en-US" sz="2400" dirty="0"/>
-              <a:t>A better error message would be a nice improvement here</a:t>
-            </a:r>
-          </a:p>
-        </p:txBody>
-      </p:sp>
+      </p:pic>
     </p:spTree>
     <p:extLst>
       <p:ext uri="{BB962C8B-B14F-4D97-AF65-F5344CB8AC3E}">
-        <p14:creationId xmlns:p14="http://schemas.microsoft.com/office/powerpoint/2010/main" val="368076910"/>
+        <p14:creationId xmlns:p14="http://schemas.microsoft.com/office/powerpoint/2010/main" val="2484963860"/>
       </p:ext>
     </p:extLst>
   </p:cSld>
   <p:clrMapOvr>
     <a:masterClrMapping/>
   </p:clrMapOvr>
-  <p:timing>
-    <p:tnLst>
-      <p:par>
-        <p:cTn id="1" dur="indefinite" restart="never" nodeType="tmRoot">
-          <p:childTnLst>
-            <p:seq concurrent="1" nextAc="seek">
-              <p:cTn id="2" dur="indefinite" nodeType="mainSeq">
-                <p:childTnLst>
-                  <p:par>
-                    <p:cTn id="3" fill="hold">
-                      <p:stCondLst>
-                        <p:cond delay="indefinite"/>
-                      </p:stCondLst>
-                      <p:childTnLst>
-                        <p:par>
-                          <p:cTn id="4" fill="hold">
-                            <p:stCondLst>
-                              <p:cond delay="0"/>
-                            </p:stCondLst>
-                            <p:childTnLst>
-                              <p:par>
-                                <p:cTn id="5" presetID="1" presetClass="entr" presetSubtype="0" fill="hold" grpId="0" nodeType="clickEffect">
-                                  <p:stCondLst>
-                                    <p:cond delay="0"/>
-                                  </p:stCondLst>
-                                  <p:childTnLst>
-                                    <p:set>
-                                      <p:cBhvr>
-                                        <p:cTn id="6" dur="1" fill="hold">
-                                          <p:stCondLst>
-                                            <p:cond delay="0"/>
-                                          </p:stCondLst>
-                                        </p:cTn>
-                                        <p:tgtEl>
-                                          <p:spTgt spid="2"/>
-                                        </p:tgtEl>
-                                        <p:attrNameLst>
-                                          <p:attrName>style.visibility</p:attrName>
-                                        </p:attrNameLst>
-                                      </p:cBhvr>
-                                      <p:to>
-                                        <p:strVal val="visible"/>
-                                      </p:to>
-                                    </p:set>
-                                  </p:childTnLst>
-                                </p:cTn>
-                              </p:par>
-                            </p:childTnLst>
-                          </p:cTn>
-                        </p:par>
-                      </p:childTnLst>
-                    </p:cTn>
-                  </p:par>
-                </p:childTnLst>
-              </p:cTn>
-              <p:prevCondLst>
-                <p:cond evt="onPrev" delay="0">
-                  <p:tgtEl>
-                    <p:sldTgt/>
-                  </p:tgtEl>
-                </p:cond>
-              </p:prevCondLst>
-              <p:nextCondLst>
-                <p:cond evt="onNext" delay="0">
-                  <p:tgtEl>
-                    <p:sldTgt/>
-                  </p:tgtEl>
-                </p:cond>
-              </p:nextCondLst>
-            </p:seq>
-          </p:childTnLst>
-        </p:cTn>
-      </p:par>
-    </p:tnLst>
-    <p:bldLst>
-      <p:bldP spid="2" grpId="0" animBg="1"/>
-    </p:bldLst>
-  </p:timing>
 </p:sld>
 </file>
 
@@ -8954,9 +9996,9 @@
       </p:grpSpPr>
       <p:sp>
         <p:nvSpPr>
-          <p:cNvPr id="576514" name="Rectangle 2"/>
-          <p:cNvSpPr>
-            <a:spLocks noGrp="1" noChangeArrowheads="1"/>
+          <p:cNvPr id="2" name="Title 1"/>
+          <p:cNvSpPr>
+            <a:spLocks noGrp="1"/>
           </p:cNvSpPr>
           <p:nvPr>
             <p:ph type="title"/>
@@ -8964,8 +10006,8 @@
         </p:nvSpPr>
         <p:spPr>
           <a:xfrm>
-            <a:off x="1828800" y="152400"/>
-            <a:ext cx="8382000" cy="1066800"/>
+            <a:off x="2209800" y="0"/>
+            <a:ext cx="7772400" cy="1066800"/>
           </a:xfrm>
         </p:spPr>
         <p:txBody>
@@ -8973,302 +10015,52 @@
           <a:lstStyle/>
           <a:p>
             <a:r>
-              <a:rPr lang="en-US" sz="4000" dirty="0"/>
-              <a:t>Encapsulation: Creating "objects" in a mostly functional language</a:t>
+              <a:rPr lang="en-US" dirty="0"/>
+              <a:t>Let’s take it further</a:t>
             </a:r>
           </a:p>
         </p:txBody>
       </p:sp>
       <p:pic>
         <p:nvPicPr>
-          <p:cNvPr id="576516" name="Picture 4"/>
+          <p:cNvPr id="7" name="Picture 6">
+            <a:extLst>
+              <a:ext uri="{FF2B5EF4-FFF2-40B4-BE49-F238E27FC236}">
+                <a16:creationId xmlns:a16="http://schemas.microsoft.com/office/drawing/2014/main" id="{5198FA13-E0F2-3107-BA1B-07D8B2E48AAC}"/>
+              </a:ext>
+            </a:extLst>
+          </p:cNvPr>
           <p:cNvPicPr>
-            <a:picLocks noChangeAspect="1" noChangeArrowheads="1"/>
+            <a:picLocks noChangeAspect="1"/>
           </p:cNvPicPr>
           <p:nvPr/>
         </p:nvPicPr>
         <p:blipFill>
-          <a:blip r:embed="rId3" cstate="print"/>
-          <a:srcRect/>
+          <a:blip r:embed="rId3"/>
           <a:stretch>
             <a:fillRect/>
           </a:stretch>
         </p:blipFill>
-        <p:spPr bwMode="auto">
+        <p:spPr>
           <a:xfrm>
-            <a:off x="1676400" y="1345152"/>
-            <a:ext cx="5589070" cy="5441471"/>
+            <a:off x="2286000" y="1676400"/>
+            <a:ext cx="7867650" cy="2714625"/>
           </a:xfrm>
           <a:prstGeom prst="rect">
             <a:avLst/>
           </a:prstGeom>
-          <a:noFill/>
-          <a:ln w="9525">
-            <a:noFill/>
-            <a:miter lim="800000"/>
-            <a:headEnd/>
-            <a:tailEnd/>
-          </a:ln>
-          <a:effectLst/>
         </p:spPr>
       </p:pic>
-      <p:sp>
-        <p:nvSpPr>
-          <p:cNvPr id="576517" name="Text Box 5"/>
-          <p:cNvSpPr txBox="1">
-            <a:spLocks noChangeArrowheads="1"/>
-          </p:cNvSpPr>
-          <p:nvPr/>
-        </p:nvSpPr>
-        <p:spPr bwMode="auto">
-          <a:xfrm>
-            <a:off x="7467600" y="3770056"/>
-            <a:ext cx="2895600" cy="2554545"/>
-          </a:xfrm>
-          <a:prstGeom prst="rect">
-            <a:avLst/>
-          </a:prstGeom>
-          <a:noFill/>
-          <a:ln w="9525">
-            <a:noFill/>
-            <a:miter lim="800000"/>
-            <a:headEnd/>
-            <a:tailEnd/>
-          </a:ln>
-          <a:effectLst/>
-        </p:spPr>
-        <p:txBody>
-          <a:bodyPr wrap="square">
-            <a:spAutoFit/>
-          </a:bodyPr>
-          <a:lstStyle/>
-          <a:p>
-            <a:pPr>
-              <a:spcBef>
-                <a:spcPct val="50000"/>
-              </a:spcBef>
-            </a:pPr>
-            <a:r>
-              <a:rPr lang="en-US" sz="3200" dirty="0">
-                <a:solidFill>
-                  <a:schemeClr val="bg1"/>
-                </a:solidFill>
-              </a:rPr>
-              <a:t>What is the problem with this code?</a:t>
-            </a:r>
-            <a:br>
-              <a:rPr lang="en-US" sz="3200" dirty="0">
-                <a:solidFill>
-                  <a:schemeClr val="bg1"/>
-                </a:solidFill>
-              </a:rPr>
-            </a:br>
-            <a:br>
-              <a:rPr lang="en-US" sz="3200" dirty="0">
-                <a:solidFill>
-                  <a:schemeClr val="bg1"/>
-                </a:solidFill>
-              </a:rPr>
-            </a:br>
-            <a:r>
-              <a:rPr lang="en-US" sz="3200" dirty="0">
-                <a:solidFill>
-                  <a:schemeClr val="bg1"/>
-                </a:solidFill>
-              </a:rPr>
-              <a:t>How to fix it?</a:t>
-            </a:r>
-          </a:p>
-        </p:txBody>
-      </p:sp>
-      <p:sp>
-        <p:nvSpPr>
-          <p:cNvPr id="6" name="TextBox 5"/>
-          <p:cNvSpPr txBox="1"/>
-          <p:nvPr/>
-        </p:nvSpPr>
-        <p:spPr>
-          <a:xfrm>
-            <a:off x="7467600" y="1519298"/>
-            <a:ext cx="2895600" cy="2431435"/>
-          </a:xfrm>
-          <a:prstGeom prst="rect">
-            <a:avLst/>
-          </a:prstGeom>
-          <a:noFill/>
-          <a:ln w="25400">
-            <a:solidFill>
-              <a:srgbClr val="FFFF00"/>
-            </a:solidFill>
-          </a:ln>
-        </p:spPr>
-        <p:txBody>
-          <a:bodyPr wrap="square" rtlCol="0">
-            <a:spAutoFit/>
-          </a:bodyPr>
-          <a:lstStyle/>
-          <a:p>
-            <a:pPr>
-              <a:lnSpc>
-                <a:spcPct val="95000"/>
-              </a:lnSpc>
-            </a:pPr>
-            <a:r>
-              <a:rPr lang="en-US" sz="3200" dirty="0">
-                <a:solidFill>
-                  <a:srgbClr val="FFFF00"/>
-                </a:solidFill>
-              </a:rPr>
-              <a:t>The car of the </a:t>
-            </a:r>
-            <a:r>
-              <a:rPr lang="en-US" sz="3200" b="1" dirty="0" err="1">
-                <a:solidFill>
-                  <a:srgbClr val="FFFF00"/>
-                </a:solidFill>
-              </a:rPr>
-              <a:t>stk</a:t>
-            </a:r>
-            <a:r>
-              <a:rPr lang="en-US" sz="3200" dirty="0">
-                <a:solidFill>
-                  <a:srgbClr val="FFFF00"/>
-                </a:solidFill>
-              </a:rPr>
-              <a:t> list contains the top of the stack</a:t>
-            </a:r>
-          </a:p>
-        </p:txBody>
-      </p:sp>
-      <p:sp>
-        <p:nvSpPr>
-          <p:cNvPr id="7" name="TextBox 6"/>
-          <p:cNvSpPr txBox="1"/>
-          <p:nvPr/>
-        </p:nvSpPr>
-        <p:spPr>
-          <a:xfrm>
-            <a:off x="7483642" y="3998656"/>
-            <a:ext cx="2879558" cy="2554545"/>
-          </a:xfrm>
-          <a:prstGeom prst="rect">
-            <a:avLst/>
-          </a:prstGeom>
-          <a:noFill/>
-          <a:ln w="25400">
-            <a:solidFill>
-              <a:srgbClr val="FFFF00"/>
-            </a:solidFill>
-          </a:ln>
-        </p:spPr>
-        <p:txBody>
-          <a:bodyPr wrap="square" rtlCol="0">
-            <a:spAutoFit/>
-          </a:bodyPr>
-          <a:lstStyle/>
-          <a:p>
-            <a:r>
-              <a:rPr lang="en-US" sz="3200" dirty="0">
-                <a:solidFill>
-                  <a:schemeClr val="accent3">
-                    <a:lumMod val="40000"/>
-                    <a:lumOff val="60000"/>
-                  </a:schemeClr>
-                </a:solidFill>
-              </a:rPr>
-              <a:t>This code contains a subtle error.  Can you see what it is?</a:t>
-            </a:r>
-          </a:p>
-        </p:txBody>
-      </p:sp>
     </p:spTree>
     <p:extLst>
       <p:ext uri="{BB962C8B-B14F-4D97-AF65-F5344CB8AC3E}">
-        <p14:creationId xmlns:p14="http://schemas.microsoft.com/office/powerpoint/2010/main" val="435478160"/>
+        <p14:creationId xmlns:p14="http://schemas.microsoft.com/office/powerpoint/2010/main" val="2034146504"/>
       </p:ext>
     </p:extLst>
   </p:cSld>
   <p:clrMapOvr>
     <a:masterClrMapping/>
   </p:clrMapOvr>
-  <p:timing>
-    <p:tnLst>
-      <p:par>
-        <p:cTn id="1" dur="indefinite" restart="never" nodeType="tmRoot">
-          <p:childTnLst>
-            <p:seq concurrent="1" nextAc="seek">
-              <p:cTn id="2" dur="indefinite" nodeType="mainSeq">
-                <p:childTnLst>
-                  <p:par>
-                    <p:cTn id="3" fill="hold">
-                      <p:stCondLst>
-                        <p:cond delay="indefinite"/>
-                      </p:stCondLst>
-                      <p:childTnLst>
-                        <p:par>
-                          <p:cTn id="4" fill="hold">
-                            <p:stCondLst>
-                              <p:cond delay="0"/>
-                            </p:stCondLst>
-                            <p:childTnLst>
-                              <p:par>
-                                <p:cTn id="5" presetID="1" presetClass="entr" presetSubtype="0" fill="hold" grpId="0" nodeType="clickEffect">
-                                  <p:stCondLst>
-                                    <p:cond delay="0"/>
-                                  </p:stCondLst>
-                                  <p:childTnLst>
-                                    <p:set>
-                                      <p:cBhvr>
-                                        <p:cTn id="6" dur="1" fill="hold">
-                                          <p:stCondLst>
-                                            <p:cond delay="0"/>
-                                          </p:stCondLst>
-                                        </p:cTn>
-                                        <p:tgtEl>
-                                          <p:spTgt spid="576517"/>
-                                        </p:tgtEl>
-                                        <p:attrNameLst>
-                                          <p:attrName>style.visibility</p:attrName>
-                                        </p:attrNameLst>
-                                      </p:cBhvr>
-                                      <p:to>
-                                        <p:strVal val="visible"/>
-                                      </p:to>
-                                    </p:set>
-                                  </p:childTnLst>
-                                </p:cTn>
-                              </p:par>
-                            </p:childTnLst>
-                          </p:cTn>
-                        </p:par>
-                      </p:childTnLst>
-                    </p:cTn>
-                  </p:par>
-                </p:childTnLst>
-              </p:cTn>
-              <p:prevCondLst>
-                <p:cond evt="onPrev" delay="0">
-                  <p:tgtEl>
-                    <p:sldTgt/>
-                  </p:tgtEl>
-                </p:cond>
-              </p:prevCondLst>
-              <p:nextCondLst>
-                <p:cond evt="onNext" delay="0">
-                  <p:tgtEl>
-                    <p:sldTgt/>
-                  </p:tgtEl>
-                </p:cond>
-              </p:nextCondLst>
-            </p:seq>
-          </p:childTnLst>
-        </p:cTn>
-      </p:par>
-    </p:tnLst>
-    <p:bldLst>
-      <p:bldP spid="576517" grpId="0"/>
-    </p:bldLst>
-  </p:timing>
 </p:sld>
 </file>
 
@@ -9291,304 +10083,83 @@
       </p:grpSpPr>
       <p:sp>
         <p:nvSpPr>
-          <p:cNvPr id="576514" name="Rectangle 2"/>
-          <p:cNvSpPr>
-            <a:spLocks noGrp="1" noChangeArrowheads="1"/>
+          <p:cNvPr id="2" name="Title 1">
+            <a:extLst>
+              <a:ext uri="{FF2B5EF4-FFF2-40B4-BE49-F238E27FC236}">
+                <a16:creationId xmlns:a16="http://schemas.microsoft.com/office/drawing/2014/main" id="{3D35831C-BF43-C1B3-E176-42D3433DD58C}"/>
+              </a:ext>
+            </a:extLst>
+          </p:cNvPr>
+          <p:cNvSpPr>
+            <a:spLocks noGrp="1"/>
           </p:cNvSpPr>
           <p:nvPr>
             <p:ph type="title"/>
           </p:nvPr>
         </p:nvSpPr>
-        <p:spPr>
-          <a:xfrm>
-            <a:off x="1828800" y="152400"/>
-            <a:ext cx="8382000" cy="1066800"/>
-          </a:xfrm>
-        </p:spPr>
+        <p:spPr/>
         <p:txBody>
           <a:bodyPr/>
           <a:lstStyle/>
           <a:p>
             <a:r>
-              <a:rPr lang="en-US" sz="4000" dirty="0"/>
-              <a:t>Encapsulation: Creating "objects" in a mostly functional language</a:t>
-            </a:r>
-          </a:p>
-        </p:txBody>
-      </p:sp>
-      <p:pic>
-        <p:nvPicPr>
-          <p:cNvPr id="576516" name="Picture 4"/>
-          <p:cNvPicPr>
-            <a:picLocks noChangeAspect="1" noChangeArrowheads="1"/>
-          </p:cNvPicPr>
-          <p:nvPr/>
-        </p:nvPicPr>
-        <p:blipFill>
-          <a:blip r:embed="rId3" cstate="print"/>
-          <a:srcRect/>
-          <a:stretch>
-            <a:fillRect/>
-          </a:stretch>
-        </p:blipFill>
-        <p:spPr bwMode="auto">
-          <a:xfrm>
-            <a:off x="1855270" y="1519298"/>
-            <a:ext cx="5410200" cy="5267325"/>
-          </a:xfrm>
-          <a:prstGeom prst="rect">
-            <a:avLst/>
-          </a:prstGeom>
-          <a:noFill/>
-          <a:ln w="9525">
-            <a:noFill/>
-            <a:miter lim="800000"/>
-            <a:headEnd/>
-            <a:tailEnd/>
-          </a:ln>
-          <a:effectLst/>
-        </p:spPr>
-      </p:pic>
-      <p:sp>
-        <p:nvSpPr>
-          <p:cNvPr id="576517" name="Text Box 5"/>
-          <p:cNvSpPr txBox="1">
-            <a:spLocks noChangeArrowheads="1"/>
-          </p:cNvSpPr>
-          <p:nvPr/>
-        </p:nvSpPr>
-        <p:spPr bwMode="auto">
-          <a:xfrm>
-            <a:off x="7467600" y="3770056"/>
-            <a:ext cx="2895600" cy="2554545"/>
-          </a:xfrm>
-          <a:prstGeom prst="rect">
-            <a:avLst/>
-          </a:prstGeom>
-          <a:noFill/>
-          <a:ln w="9525">
-            <a:noFill/>
-            <a:miter lim="800000"/>
-            <a:headEnd/>
-            <a:tailEnd/>
-          </a:ln>
-          <a:effectLst/>
-        </p:spPr>
-        <p:txBody>
-          <a:bodyPr wrap="square">
-            <a:spAutoFit/>
-          </a:bodyPr>
+              <a:rPr lang="en-US" dirty="0"/>
+              <a:t>Is this “object oriented programming”?</a:t>
+            </a:r>
+          </a:p>
+        </p:txBody>
+      </p:sp>
+      <p:sp>
+        <p:nvSpPr>
+          <p:cNvPr id="3" name="Content Placeholder 2">
+            <a:extLst>
+              <a:ext uri="{FF2B5EF4-FFF2-40B4-BE49-F238E27FC236}">
+                <a16:creationId xmlns:a16="http://schemas.microsoft.com/office/drawing/2014/main" id="{0412F0FA-F5DD-F286-868E-201808898893}"/>
+              </a:ext>
+            </a:extLst>
+          </p:cNvPr>
+          <p:cNvSpPr>
+            <a:spLocks noGrp="1"/>
+          </p:cNvSpPr>
+          <p:nvPr>
+            <p:ph idx="1"/>
+          </p:nvPr>
+        </p:nvSpPr>
+        <p:spPr/>
+        <p:txBody>
+          <a:bodyPr/>
           <a:lstStyle/>
           <a:p>
-            <a:pPr>
-              <a:spcBef>
-                <a:spcPct val="50000"/>
-              </a:spcBef>
-            </a:pPr>
-            <a:r>
-              <a:rPr lang="en-US" sz="3200" dirty="0">
-                <a:solidFill>
-                  <a:schemeClr val="bg1"/>
-                </a:solidFill>
-              </a:rPr>
-              <a:t>What is the problem with this code?</a:t>
-            </a:r>
-            <a:br>
-              <a:rPr lang="en-US" sz="3200" dirty="0">
-                <a:solidFill>
-                  <a:schemeClr val="bg1"/>
-                </a:solidFill>
-              </a:rPr>
-            </a:br>
-            <a:br>
-              <a:rPr lang="en-US" sz="3200" dirty="0">
-                <a:solidFill>
-                  <a:schemeClr val="bg1"/>
-                </a:solidFill>
-              </a:rPr>
-            </a:br>
-            <a:r>
-              <a:rPr lang="en-US" sz="3200" dirty="0">
-                <a:solidFill>
-                  <a:schemeClr val="bg1"/>
-                </a:solidFill>
-              </a:rPr>
-              <a:t>How to fix it?</a:t>
-            </a:r>
-          </a:p>
-        </p:txBody>
-      </p:sp>
-      <p:sp>
-        <p:nvSpPr>
-          <p:cNvPr id="6" name="TextBox 5"/>
-          <p:cNvSpPr txBox="1"/>
-          <p:nvPr/>
-        </p:nvSpPr>
-        <p:spPr>
-          <a:xfrm>
-            <a:off x="7467600" y="1519298"/>
-            <a:ext cx="2895600" cy="2431435"/>
-          </a:xfrm>
-          <a:prstGeom prst="rect">
-            <a:avLst/>
-          </a:prstGeom>
-          <a:noFill/>
-          <a:ln w="25400">
-            <a:solidFill>
-              <a:srgbClr val="FFFF00"/>
-            </a:solidFill>
-          </a:ln>
-        </p:spPr>
-        <p:txBody>
-          <a:bodyPr wrap="square" rtlCol="0">
-            <a:spAutoFit/>
-          </a:bodyPr>
-          <a:lstStyle/>
-          <a:p>
-            <a:pPr>
-              <a:lnSpc>
-                <a:spcPct val="95000"/>
-              </a:lnSpc>
-            </a:pPr>
-            <a:r>
-              <a:rPr lang="en-US" sz="3200" dirty="0">
-                <a:solidFill>
-                  <a:srgbClr val="FFFF00"/>
-                </a:solidFill>
-              </a:rPr>
-              <a:t>The car of the </a:t>
-            </a:r>
-            <a:r>
-              <a:rPr lang="en-US" sz="3200" b="1" dirty="0" err="1">
-                <a:solidFill>
-                  <a:srgbClr val="FFFF00"/>
-                </a:solidFill>
-              </a:rPr>
-              <a:t>stk</a:t>
-            </a:r>
-            <a:r>
-              <a:rPr lang="en-US" sz="3200" dirty="0">
-                <a:solidFill>
-                  <a:srgbClr val="FFFF00"/>
-                </a:solidFill>
-              </a:rPr>
-              <a:t> list contains the top of the stack</a:t>
-            </a:r>
-          </a:p>
-        </p:txBody>
-      </p:sp>
-      <p:sp>
-        <p:nvSpPr>
-          <p:cNvPr id="7" name="TextBox 6"/>
-          <p:cNvSpPr txBox="1"/>
-          <p:nvPr/>
-        </p:nvSpPr>
-        <p:spPr>
-          <a:xfrm>
-            <a:off x="7483642" y="3998656"/>
-            <a:ext cx="2879558" cy="2554545"/>
-          </a:xfrm>
-          <a:prstGeom prst="rect">
-            <a:avLst/>
-          </a:prstGeom>
-          <a:noFill/>
-          <a:ln w="25400">
-            <a:solidFill>
-              <a:srgbClr val="FFFF00"/>
-            </a:solidFill>
-          </a:ln>
-        </p:spPr>
-        <p:txBody>
-          <a:bodyPr wrap="square" rtlCol="0">
-            <a:spAutoFit/>
-          </a:bodyPr>
-          <a:lstStyle/>
-          <a:p>
-            <a:r>
-              <a:rPr lang="en-US" sz="3200" dirty="0">
-                <a:solidFill>
-                  <a:schemeClr val="accent3">
-                    <a:lumMod val="40000"/>
-                    <a:lumOff val="60000"/>
-                  </a:schemeClr>
-                </a:solidFill>
-              </a:rPr>
-              <a:t>This code contains a subtle error.  Can you see what it is?</a:t>
-            </a:r>
-          </a:p>
-        </p:txBody>
-      </p:sp>
-      <p:sp>
-        <p:nvSpPr>
-          <p:cNvPr id="2" name="Curved Left Arrow 1"/>
-          <p:cNvSpPr/>
-          <p:nvPr/>
-        </p:nvSpPr>
-        <p:spPr bwMode="auto">
-          <a:xfrm>
-            <a:off x="5334000" y="2209800"/>
-            <a:ext cx="381000" cy="457200"/>
-          </a:xfrm>
-          <a:prstGeom prst="curvedLeftArrow">
-            <a:avLst/>
-          </a:prstGeom>
-          <a:solidFill>
-            <a:schemeClr val="accent1"/>
-          </a:solidFill>
-          <a:ln w="9525" cap="flat" cmpd="sng" algn="ctr">
-            <a:solidFill>
-              <a:schemeClr val="tx1"/>
-            </a:solidFill>
-            <a:prstDash val="solid"/>
-            <a:round/>
-            <a:headEnd type="none" w="med" len="med"/>
-            <a:tailEnd type="none" w="med" len="med"/>
-          </a:ln>
-          <a:effectLst/>
-        </p:spPr>
-        <p:txBody>
-          <a:bodyPr vert="horz" wrap="square" lIns="91440" tIns="45720" rIns="91440" bIns="45720" numCol="1" rtlCol="0" anchor="t" anchorCtr="0" compatLnSpc="1">
-            <a:prstTxWarp prst="textNoShape">
-              <a:avLst/>
-            </a:prstTxWarp>
-          </a:bodyPr>
-          <a:lstStyle/>
-          <a:p>
-            <a:endParaRPr lang="en-US"/>
-          </a:p>
-        </p:txBody>
-      </p:sp>
-      <p:sp>
-        <p:nvSpPr>
-          <p:cNvPr id="3" name="TextBox 2"/>
-          <p:cNvSpPr txBox="1"/>
-          <p:nvPr/>
-        </p:nvSpPr>
-        <p:spPr>
-          <a:xfrm>
-            <a:off x="5867400" y="1976735"/>
-            <a:ext cx="1371600" cy="923330"/>
-          </a:xfrm>
-          <a:prstGeom prst="rect">
-            <a:avLst/>
-          </a:prstGeom>
-          <a:noFill/>
-        </p:spPr>
-        <p:txBody>
-          <a:bodyPr wrap="square" rtlCol="0">
-            <a:spAutoFit/>
-          </a:bodyPr>
-          <a:lstStyle/>
-          <a:p>
-            <a:r>
-              <a:rPr lang="en-US" dirty="0">
-                <a:solidFill>
-                  <a:schemeClr val="accent1">
-                    <a:lumMod val="75000"/>
-                  </a:schemeClr>
-                </a:solidFill>
-              </a:rPr>
-              <a:t>Reverse these two code lines </a:t>
+            <a:r>
+              <a:rPr lang="en-US" dirty="0"/>
+              <a:t>It could be “soil” on which you could grow an object oriented scheme</a:t>
+            </a:r>
+          </a:p>
+          <a:p>
+            <a:r>
+              <a:rPr lang="en-US" dirty="0"/>
+              <a:t>But to me it is more an illustration of</a:t>
+            </a:r>
+          </a:p>
+          <a:p>
+            <a:pPr lvl="1"/>
+            <a:r>
+              <a:rPr lang="en-US" dirty="0"/>
+              <a:t>The subtle way lambdas store (any amount of) data</a:t>
+            </a:r>
+          </a:p>
+          <a:p>
+            <a:pPr lvl="1"/>
+            <a:r>
+              <a:rPr lang="en-US" dirty="0"/>
+              <a:t>The power and versatility of lambdas</a:t>
+            </a:r>
+          </a:p>
+          <a:p>
+            <a:pPr lvl="1"/>
+            <a:r>
+              <a:rPr lang="en-US" dirty="0"/>
+              <a:t>A tool we can use when we want a little structure that can store something</a:t>
             </a:r>
           </a:p>
         </p:txBody>
@@ -9596,91 +10167,13 @@
     </p:spTree>
     <p:extLst>
       <p:ext uri="{BB962C8B-B14F-4D97-AF65-F5344CB8AC3E}">
-        <p14:creationId xmlns:p14="http://schemas.microsoft.com/office/powerpoint/2010/main" val="2171866109"/>
+        <p14:creationId xmlns:p14="http://schemas.microsoft.com/office/powerpoint/2010/main" val="3157726501"/>
       </p:ext>
     </p:extLst>
   </p:cSld>
   <p:clrMapOvr>
     <a:masterClrMapping/>
   </p:clrMapOvr>
-  <p:timing>
-    <p:tnLst>
-      <p:par>
-        <p:cTn id="1" dur="indefinite" restart="never" nodeType="tmRoot">
-          <p:childTnLst>
-            <p:seq concurrent="1" nextAc="seek">
-              <p:cTn id="2" dur="indefinite" nodeType="mainSeq">
-                <p:childTnLst>
-                  <p:par>
-                    <p:cTn id="3" fill="hold">
-                      <p:stCondLst>
-                        <p:cond delay="indefinite"/>
-                      </p:stCondLst>
-                      <p:childTnLst>
-                        <p:par>
-                          <p:cTn id="4" fill="hold">
-                            <p:stCondLst>
-                              <p:cond delay="0"/>
-                            </p:stCondLst>
-                            <p:childTnLst>
-                              <p:par>
-                                <p:cTn id="5" presetID="1" presetClass="entr" presetSubtype="0" fill="hold" grpId="0" nodeType="clickEffect">
-                                  <p:stCondLst>
-                                    <p:cond delay="0"/>
-                                  </p:stCondLst>
-                                  <p:childTnLst>
-                                    <p:set>
-                                      <p:cBhvr>
-                                        <p:cTn id="6" dur="1" fill="hold">
-                                          <p:stCondLst>
-                                            <p:cond delay="0"/>
-                                          </p:stCondLst>
-                                        </p:cTn>
-                                        <p:tgtEl>
-                                          <p:spTgt spid="576517"/>
-                                        </p:tgtEl>
-                                        <p:attrNameLst>
-                                          <p:attrName>style.visibility</p:attrName>
-                                        </p:attrNameLst>
-                                      </p:cBhvr>
-                                      <p:to>
-                                        <p:strVal val="visible"/>
-                                      </p:to>
-                                    </p:set>
-                                  </p:childTnLst>
-                                </p:cTn>
-                              </p:par>
-                            </p:childTnLst>
-                          </p:cTn>
-                        </p:par>
-                      </p:childTnLst>
-                    </p:cTn>
-                  </p:par>
-                </p:childTnLst>
-              </p:cTn>
-              <p:prevCondLst>
-                <p:cond evt="onPrev" delay="0">
-                  <p:tgtEl>
-                    <p:sldTgt/>
-                  </p:tgtEl>
-                </p:cond>
-              </p:prevCondLst>
-              <p:nextCondLst>
-                <p:cond evt="onNext" delay="0">
-                  <p:tgtEl>
-                    <p:sldTgt/>
-                  </p:tgtEl>
-                </p:cond>
-              </p:nextCondLst>
-            </p:seq>
-          </p:childTnLst>
-        </p:cTn>
-      </p:par>
-    </p:tnLst>
-    <p:bldLst>
-      <p:bldP spid="576517" grpId="0"/>
-    </p:bldLst>
-  </p:timing>
 </p:sld>
 </file>
 

--- a/ClassMaterials/OOP/09-OOP-202120.pptx
+++ b/ClassMaterials/OOP/09-OOP-202120.pptx
@@ -177,6 +177,30 @@
 
 <file path=ppt/changesInfos/changesInfo1.xml><?xml version="1.0" encoding="utf-8"?>
 <pc:chgInfo xmlns:a="http://schemas.openxmlformats.org/drawingml/2006/main" xmlns:r="http://schemas.openxmlformats.org/officeDocument/2006/relationships" xmlns:ac="http://schemas.microsoft.com/office/drawing/2013/main/command" xmlns:pc="http://schemas.microsoft.com/office/powerpoint/2013/main/command">
+  <pc:docChgLst>
+    <pc:chgData name="Hewner, Mike" userId="7f3f83dd-6dfb-4127-a87f-c1714bd4fac9" providerId="ADAL" clId="{AFF27697-9E3A-4005-950E-2DF0D8510B4B}"/>
+    <pc:docChg chg="modSld">
+      <pc:chgData name="Hewner, Mike" userId="7f3f83dd-6dfb-4127-a87f-c1714bd4fac9" providerId="ADAL" clId="{AFF27697-9E3A-4005-950E-2DF0D8510B4B}" dt="2022-12-12T17:56:16.839" v="0" actId="20577"/>
+      <pc:docMkLst>
+        <pc:docMk/>
+      </pc:docMkLst>
+      <pc:sldChg chg="modSp mod">
+        <pc:chgData name="Hewner, Mike" userId="7f3f83dd-6dfb-4127-a87f-c1714bd4fac9" providerId="ADAL" clId="{AFF27697-9E3A-4005-950E-2DF0D8510B4B}" dt="2022-12-12T17:56:16.839" v="0" actId="20577"/>
+        <pc:sldMkLst>
+          <pc:docMk/>
+          <pc:sldMk cId="0" sldId="257"/>
+        </pc:sldMkLst>
+        <pc:spChg chg="mod">
+          <ac:chgData name="Hewner, Mike" userId="7f3f83dd-6dfb-4127-a87f-c1714bd4fac9" providerId="ADAL" clId="{AFF27697-9E3A-4005-950E-2DF0D8510B4B}" dt="2022-12-12T17:56:16.839" v="0" actId="20577"/>
+          <ac:spMkLst>
+            <pc:docMk/>
+            <pc:sldMk cId="0" sldId="257"/>
+            <ac:spMk id="363523" creationId="{00000000-0000-0000-0000-000000000000}"/>
+          </ac:spMkLst>
+        </pc:spChg>
+      </pc:sldChg>
+    </pc:docChg>
+  </pc:docChgLst>
   <pc:docChgLst>
     <pc:chgData name="Hewner, Mike" userId="7f3f83dd-6dfb-4127-a87f-c1714bd4fac9" providerId="ADAL" clId="{7D444C9A-744F-497D-9BD7-A6A6E6B61E6B}"/>
     <pc:docChg chg="custSel addSld delSld modSld">
@@ -7198,10 +7222,6 @@
                 <a:spcPct val="90000"/>
               </a:lnSpc>
             </a:pPr>
-            <a:r>
-              <a:rPr lang="en-US" sz="4400" dirty="0"/>
-              <a:t>ArrayList exercise</a:t>
-            </a:r>
             <a:br>
               <a:rPr lang="en-US" sz="4400" dirty="0"/>
             </a:br>

--- a/ClassMaterials/OOP/09-OOP-202120.pptx
+++ b/ClassMaterials/OOP/09-OOP-202120.pptx
@@ -5,29 +5,27 @@
     <p:sldMasterId id="2147483695" r:id="rId1"/>
   </p:sldMasterIdLst>
   <p:notesMasterIdLst>
-    <p:notesMasterId r:id="rId19"/>
+    <p:notesMasterId r:id="rId17"/>
   </p:notesMasterIdLst>
   <p:handoutMasterIdLst>
-    <p:handoutMasterId r:id="rId20"/>
+    <p:handoutMasterId r:id="rId18"/>
   </p:handoutMasterIdLst>
   <p:sldIdLst>
     <p:sldId id="257" r:id="rId2"/>
-    <p:sldId id="426" r:id="rId3"/>
-    <p:sldId id="418" r:id="rId4"/>
-    <p:sldId id="424" r:id="rId5"/>
-    <p:sldId id="427" r:id="rId6"/>
-    <p:sldId id="428" r:id="rId7"/>
-    <p:sldId id="429" r:id="rId8"/>
-    <p:sldId id="382" r:id="rId9"/>
-    <p:sldId id="430" r:id="rId10"/>
-    <p:sldId id="383" r:id="rId11"/>
-    <p:sldId id="384" r:id="rId12"/>
-    <p:sldId id="390" r:id="rId13"/>
-    <p:sldId id="431" r:id="rId14"/>
-    <p:sldId id="387" r:id="rId15"/>
-    <p:sldId id="388" r:id="rId16"/>
-    <p:sldId id="357" r:id="rId17"/>
-    <p:sldId id="425" r:id="rId18"/>
+    <p:sldId id="424" r:id="rId3"/>
+    <p:sldId id="427" r:id="rId4"/>
+    <p:sldId id="428" r:id="rId5"/>
+    <p:sldId id="429" r:id="rId6"/>
+    <p:sldId id="382" r:id="rId7"/>
+    <p:sldId id="430" r:id="rId8"/>
+    <p:sldId id="383" r:id="rId9"/>
+    <p:sldId id="384" r:id="rId10"/>
+    <p:sldId id="390" r:id="rId11"/>
+    <p:sldId id="431" r:id="rId12"/>
+    <p:sldId id="387" r:id="rId13"/>
+    <p:sldId id="388" r:id="rId14"/>
+    <p:sldId id="357" r:id="rId15"/>
+    <p:sldId id="425" r:id="rId16"/>
   </p:sldIdLst>
   <p:sldSz cx="12192000" cy="6858000"/>
   <p:notesSz cx="7315200" cy="9601200"/>
@@ -177,30 +175,6 @@
 
 <file path=ppt/changesInfos/changesInfo1.xml><?xml version="1.0" encoding="utf-8"?>
 <pc:chgInfo xmlns:a="http://schemas.openxmlformats.org/drawingml/2006/main" xmlns:r="http://schemas.openxmlformats.org/officeDocument/2006/relationships" xmlns:ac="http://schemas.microsoft.com/office/drawing/2013/main/command" xmlns:pc="http://schemas.microsoft.com/office/powerpoint/2013/main/command">
-  <pc:docChgLst>
-    <pc:chgData name="Hewner, Mike" userId="7f3f83dd-6dfb-4127-a87f-c1714bd4fac9" providerId="ADAL" clId="{AFF27697-9E3A-4005-950E-2DF0D8510B4B}"/>
-    <pc:docChg chg="modSld">
-      <pc:chgData name="Hewner, Mike" userId="7f3f83dd-6dfb-4127-a87f-c1714bd4fac9" providerId="ADAL" clId="{AFF27697-9E3A-4005-950E-2DF0D8510B4B}" dt="2022-12-12T17:56:16.839" v="0" actId="20577"/>
-      <pc:docMkLst>
-        <pc:docMk/>
-      </pc:docMkLst>
-      <pc:sldChg chg="modSp mod">
-        <pc:chgData name="Hewner, Mike" userId="7f3f83dd-6dfb-4127-a87f-c1714bd4fac9" providerId="ADAL" clId="{AFF27697-9E3A-4005-950E-2DF0D8510B4B}" dt="2022-12-12T17:56:16.839" v="0" actId="20577"/>
-        <pc:sldMkLst>
-          <pc:docMk/>
-          <pc:sldMk cId="0" sldId="257"/>
-        </pc:sldMkLst>
-        <pc:spChg chg="mod">
-          <ac:chgData name="Hewner, Mike" userId="7f3f83dd-6dfb-4127-a87f-c1714bd4fac9" providerId="ADAL" clId="{AFF27697-9E3A-4005-950E-2DF0D8510B4B}" dt="2022-12-12T17:56:16.839" v="0" actId="20577"/>
-          <ac:spMkLst>
-            <pc:docMk/>
-            <pc:sldMk cId="0" sldId="257"/>
-            <ac:spMk id="363523" creationId="{00000000-0000-0000-0000-000000000000}"/>
-          </ac:spMkLst>
-        </pc:spChg>
-      </pc:sldChg>
-    </pc:docChg>
-  </pc:docChgLst>
   <pc:docChgLst>
     <pc:chgData name="Hewner, Mike" userId="7f3f83dd-6dfb-4127-a87f-c1714bd4fac9" providerId="ADAL" clId="{7D444C9A-744F-497D-9BD7-A6A6E6B61E6B}"/>
     <pc:docChg chg="custSel addSld delSld modSld">
@@ -419,6 +393,30 @@
     </pc:docChg>
   </pc:docChgLst>
   <pc:docChgLst>
+    <pc:chgData name="Hewner, Mike" userId="7f3f83dd-6dfb-4127-a87f-c1714bd4fac9" providerId="ADAL" clId="{AFF27697-9E3A-4005-950E-2DF0D8510B4B}"/>
+    <pc:docChg chg="modSld">
+      <pc:chgData name="Hewner, Mike" userId="7f3f83dd-6dfb-4127-a87f-c1714bd4fac9" providerId="ADAL" clId="{AFF27697-9E3A-4005-950E-2DF0D8510B4B}" dt="2022-12-12T17:56:16.839" v="0" actId="20577"/>
+      <pc:docMkLst>
+        <pc:docMk/>
+      </pc:docMkLst>
+      <pc:sldChg chg="modSp mod">
+        <pc:chgData name="Hewner, Mike" userId="7f3f83dd-6dfb-4127-a87f-c1714bd4fac9" providerId="ADAL" clId="{AFF27697-9E3A-4005-950E-2DF0D8510B4B}" dt="2022-12-12T17:56:16.839" v="0" actId="20577"/>
+        <pc:sldMkLst>
+          <pc:docMk/>
+          <pc:sldMk cId="0" sldId="257"/>
+        </pc:sldMkLst>
+        <pc:spChg chg="mod">
+          <ac:chgData name="Hewner, Mike" userId="7f3f83dd-6dfb-4127-a87f-c1714bd4fac9" providerId="ADAL" clId="{AFF27697-9E3A-4005-950E-2DF0D8510B4B}" dt="2022-12-12T17:56:16.839" v="0" actId="20577"/>
+          <ac:spMkLst>
+            <pc:docMk/>
+            <pc:sldMk cId="0" sldId="257"/>
+            <ac:spMk id="363523" creationId="{00000000-0000-0000-0000-000000000000}"/>
+          </ac:spMkLst>
+        </pc:spChg>
+      </pc:sldChg>
+    </pc:docChg>
+  </pc:docChgLst>
+  <pc:docChgLst>
     <pc:chgData name="Hewner, Mike" userId="7f3f83dd-6dfb-4127-a87f-c1714bd4fac9" providerId="ADAL" clId="{E00781A5-3D3E-4E6C-BE04-DB8B7B9FCD3D}"/>
     <pc:docChg chg="modSld">
       <pc:chgData name="Hewner, Mike" userId="7f3f83dd-6dfb-4127-a87f-c1714bd4fac9" providerId="ADAL" clId="{E00781A5-3D3E-4E6C-BE04-DB8B7B9FCD3D}" dt="2021-12-13T18:58:52.729" v="102" actId="20577"/>
@@ -1243,7 +1241,12 @@
             <p:ph type="sldImg"/>
           </p:nvPr>
         </p:nvSpPr>
-        <p:spPr/>
+        <p:spPr>
+          <a:xfrm>
+            <a:off x="457200" y="719138"/>
+            <a:ext cx="6400800" cy="3602037"/>
+          </a:xfrm>
+        </p:spPr>
       </p:sp>
       <p:sp>
         <p:nvSpPr>
@@ -1271,7 +1274,7 @@
             <a:spLocks noGrp="1"/>
           </p:cNvSpPr>
           <p:nvPr>
-            <p:ph type="sldNum" sz="quarter" idx="5"/>
+            <p:ph type="sldNum" sz="quarter" idx="10"/>
           </p:nvPr>
         </p:nvSpPr>
         <p:spPr/>
@@ -1282,7 +1285,7 @@
             <a:fld id="{D2B72A2D-1FB5-4235-BD2A-A47C126380AE}" type="slidenum">
               <a:rPr lang="en-US" smtClean="0"/>
               <a:pPr/>
-              <a:t>2</a:t>
+              <a:t>6</a:t>
             </a:fld>
             <a:endParaRPr lang="en-US"/>
           </a:p>
@@ -1291,7 +1294,7 @@
     </p:spTree>
     <p:extLst>
       <p:ext uri="{BB962C8B-B14F-4D97-AF65-F5344CB8AC3E}">
-        <p14:creationId xmlns:p14="http://schemas.microsoft.com/office/powerpoint/2010/main" val="3320824331"/>
+        <p14:creationId xmlns:p14="http://schemas.microsoft.com/office/powerpoint/2010/main" val="2137684337"/>
       </p:ext>
     </p:extLst>
   </p:cSld>
@@ -1328,12 +1331,7 @@
             <p:ph type="sldImg"/>
           </p:nvPr>
         </p:nvSpPr>
-        <p:spPr>
-          <a:xfrm>
-            <a:off x="457200" y="719138"/>
-            <a:ext cx="6400800" cy="3602037"/>
-          </a:xfrm>
-        </p:spPr>
+        <p:spPr/>
       </p:sp>
       <p:sp>
         <p:nvSpPr>
@@ -1361,7 +1359,7 @@
             <a:spLocks noGrp="1"/>
           </p:cNvSpPr>
           <p:nvPr>
-            <p:ph type="sldNum" sz="quarter" idx="10"/>
+            <p:ph type="sldNum" sz="quarter" idx="5"/>
           </p:nvPr>
         </p:nvSpPr>
         <p:spPr/>
@@ -1381,7 +1379,7 @@
     </p:spTree>
     <p:extLst>
       <p:ext uri="{BB962C8B-B14F-4D97-AF65-F5344CB8AC3E}">
-        <p14:creationId xmlns:p14="http://schemas.microsoft.com/office/powerpoint/2010/main" val="2137684337"/>
+        <p14:creationId xmlns:p14="http://schemas.microsoft.com/office/powerpoint/2010/main" val="252972904"/>
       </p:ext>
     </p:extLst>
   </p:cSld>
@@ -1418,16 +1416,116 @@
             <p:ph type="sldImg"/>
           </p:nvPr>
         </p:nvSpPr>
+        <p:spPr>
+          <a:xfrm>
+            <a:off x="457200" y="719138"/>
+            <a:ext cx="6400800" cy="3602037"/>
+          </a:xfrm>
+        </p:spPr>
+      </p:sp>
+      <p:sp>
+        <p:nvSpPr>
+          <p:cNvPr id="3" name="Notes Placeholder 2"/>
+          <p:cNvSpPr>
+            <a:spLocks noGrp="1"/>
+          </p:cNvSpPr>
+          <p:nvPr>
+            <p:ph type="body" idx="1"/>
+          </p:nvPr>
+        </p:nvSpPr>
         <p:spPr/>
-      </p:sp>
-      <p:sp>
-        <p:nvSpPr>
-          <p:cNvPr id="3" name="Notes Placeholder 2"/>
+        <p:txBody>
+          <a:bodyPr>
+            <a:normAutofit/>
+          </a:bodyPr>
+          <a:lstStyle/>
+          <a:p>
+            <a:r>
+              <a:rPr lang="en-US" dirty="0"/>
+              <a:t>The problem is that it recreates </a:t>
+            </a:r>
+            <a:r>
+              <a:rPr lang="en-US" dirty="0" err="1"/>
+              <a:t>stk</a:t>
+            </a:r>
+            <a:r>
+              <a:rPr lang="en-US" dirty="0"/>
+              <a:t> every time you call a method.</a:t>
+            </a:r>
+          </a:p>
+          <a:p>
+            <a:r>
+              <a:rPr lang="en-US" b="1" dirty="0"/>
+              <a:t>FIX:</a:t>
+            </a:r>
+            <a:r>
+              <a:rPr lang="en-US" dirty="0"/>
+              <a:t>  Move the </a:t>
+            </a:r>
+            <a:r>
+              <a:rPr lang="en-US" b="1" dirty="0"/>
+              <a:t>let</a:t>
+            </a:r>
+            <a:r>
+              <a:rPr lang="en-US" dirty="0"/>
+              <a:t> outside the inner </a:t>
+            </a:r>
+            <a:r>
+              <a:rPr lang="en-US" b="1" dirty="0"/>
+              <a:t>lambda</a:t>
+            </a:r>
+          </a:p>
+          <a:p>
+            <a:r>
+              <a:rPr lang="en-US" b="1" dirty="0"/>
+              <a:t>ASK:</a:t>
+            </a:r>
+            <a:r>
+              <a:rPr lang="en-US" b="1" baseline="0" dirty="0"/>
+              <a:t> </a:t>
+            </a:r>
+            <a:r>
+              <a:rPr lang="en-US" b="0" baseline="0" dirty="0"/>
+              <a:t>What goes wrong if we move the </a:t>
+            </a:r>
+            <a:r>
+              <a:rPr lang="en-US" b="1" dirty="0"/>
+              <a:t>let</a:t>
+            </a:r>
+            <a:r>
+              <a:rPr lang="en-US" dirty="0"/>
+              <a:t> outside the outer </a:t>
+            </a:r>
+            <a:r>
+              <a:rPr lang="en-US" b="1" dirty="0"/>
+              <a:t>lambda?</a:t>
+            </a:r>
+          </a:p>
+          <a:p>
+            <a:r>
+              <a:rPr lang="en-US" b="1" dirty="0"/>
+              <a:t>ANSWER:  </a:t>
+            </a:r>
+            <a:r>
+              <a:rPr lang="en-US" b="0" dirty="0"/>
+              <a:t>There</a:t>
+            </a:r>
+            <a:r>
+              <a:rPr lang="en-US" b="0" baseline="0" dirty="0"/>
+              <a:t> is only one stack, shared by all "stack objects"</a:t>
+            </a:r>
+            <a:endParaRPr lang="en-US" b="0" dirty="0"/>
+          </a:p>
+        </p:txBody>
+      </p:sp>
+      <p:sp>
+        <p:nvSpPr>
+          <p:cNvPr id="4" name="Slide Number Placeholder 3"/>
           <p:cNvSpPr>
             <a:spLocks noGrp="1"/>
           </p:cNvSpPr>
           <p:nvPr>
-            <p:ph type="body" idx="1"/>
+            <p:ph type="sldNum" sz="quarter" idx="10"/>
           </p:nvPr>
         </p:nvSpPr>
         <p:spPr/>
@@ -1435,29 +1533,10 @@
           <a:bodyPr/>
           <a:lstStyle/>
           <a:p>
-            <a:endParaRPr lang="en-US" dirty="0"/>
-          </a:p>
-        </p:txBody>
-      </p:sp>
-      <p:sp>
-        <p:nvSpPr>
-          <p:cNvPr id="4" name="Slide Number Placeholder 3"/>
-          <p:cNvSpPr>
-            <a:spLocks noGrp="1"/>
-          </p:cNvSpPr>
-          <p:nvPr>
-            <p:ph type="sldNum" sz="quarter" idx="5"/>
-          </p:nvPr>
-        </p:nvSpPr>
-        <p:spPr/>
-        <p:txBody>
-          <a:bodyPr/>
-          <a:lstStyle/>
-          <a:p>
-            <a:fld id="{D2B72A2D-1FB5-4235-BD2A-A47C126380AE}" type="slidenum">
+            <a:fld id="{957F737C-2939-4B3C-A229-35593C5DE391}" type="slidenum">
               <a:rPr lang="en-US" smtClean="0"/>
               <a:pPr/>
-              <a:t>10</a:t>
+              <a:t>9</a:t>
             </a:fld>
             <a:endParaRPr lang="en-US"/>
           </a:p>
@@ -1466,7 +1545,7 @@
     </p:spTree>
     <p:extLst>
       <p:ext uri="{BB962C8B-B14F-4D97-AF65-F5344CB8AC3E}">
-        <p14:creationId xmlns:p14="http://schemas.microsoft.com/office/powerpoint/2010/main" val="252972904"/>
+        <p14:creationId xmlns:p14="http://schemas.microsoft.com/office/powerpoint/2010/main" val="2298073754"/>
       </p:ext>
     </p:extLst>
   </p:cSld>
@@ -1623,7 +1702,7 @@
             <a:fld id="{957F737C-2939-4B3C-A229-35593C5DE391}" type="slidenum">
               <a:rPr lang="en-US" smtClean="0"/>
               <a:pPr/>
-              <a:t>11</a:t>
+              <a:t>10</a:t>
             </a:fld>
             <a:endParaRPr lang="en-US"/>
           </a:p>
@@ -1632,7 +1711,7 @@
     </p:spTree>
     <p:extLst>
       <p:ext uri="{BB962C8B-B14F-4D97-AF65-F5344CB8AC3E}">
-        <p14:creationId xmlns:p14="http://schemas.microsoft.com/office/powerpoint/2010/main" val="2298073754"/>
+        <p14:creationId xmlns:p14="http://schemas.microsoft.com/office/powerpoint/2010/main" val="3951659291"/>
       </p:ext>
     </p:extLst>
   </p:cSld>
@@ -1688,198 +1767,32 @@
         </p:nvSpPr>
         <p:spPr/>
         <p:txBody>
-          <a:bodyPr>
-            <a:normAutofit/>
-          </a:bodyPr>
-          <a:lstStyle/>
-          <a:p>
-            <a:r>
-              <a:rPr lang="en-US" dirty="0"/>
-              <a:t>The problem is that it recreates </a:t>
-            </a:r>
-            <a:r>
-              <a:rPr lang="en-US" dirty="0" err="1"/>
-              <a:t>stk</a:t>
-            </a:r>
-            <a:r>
-              <a:rPr lang="en-US" dirty="0"/>
-              <a:t> every time you call a method.</a:t>
-            </a:r>
-          </a:p>
-          <a:p>
-            <a:r>
-              <a:rPr lang="en-US" b="1" dirty="0"/>
-              <a:t>FIX:</a:t>
-            </a:r>
-            <a:r>
-              <a:rPr lang="en-US" dirty="0"/>
-              <a:t>  Move the </a:t>
-            </a:r>
-            <a:r>
-              <a:rPr lang="en-US" b="1" dirty="0"/>
-              <a:t>let</a:t>
-            </a:r>
-            <a:r>
-              <a:rPr lang="en-US" dirty="0"/>
-              <a:t> outside the inner </a:t>
-            </a:r>
-            <a:r>
-              <a:rPr lang="en-US" b="1" dirty="0"/>
-              <a:t>lambda</a:t>
-            </a:r>
-          </a:p>
-          <a:p>
-            <a:r>
-              <a:rPr lang="en-US" b="1" dirty="0"/>
-              <a:t>ASK:</a:t>
-            </a:r>
-            <a:r>
-              <a:rPr lang="en-US" b="1" baseline="0" dirty="0"/>
-              <a:t> </a:t>
-            </a:r>
-            <a:r>
-              <a:rPr lang="en-US" b="0" baseline="0" dirty="0"/>
-              <a:t>What goes wrong if we move the </a:t>
-            </a:r>
-            <a:r>
-              <a:rPr lang="en-US" b="1" dirty="0"/>
-              <a:t>let</a:t>
-            </a:r>
-            <a:r>
-              <a:rPr lang="en-US" dirty="0"/>
-              <a:t> outside the outer </a:t>
-            </a:r>
-            <a:r>
-              <a:rPr lang="en-US" b="1" dirty="0"/>
-              <a:t>lambda?</a:t>
-            </a:r>
-          </a:p>
-          <a:p>
-            <a:r>
-              <a:rPr lang="en-US" b="1" dirty="0"/>
-              <a:t>ANSWER:  </a:t>
-            </a:r>
-            <a:r>
-              <a:rPr lang="en-US" b="0" dirty="0"/>
-              <a:t>There</a:t>
-            </a:r>
-            <a:r>
-              <a:rPr lang="en-US" b="0" baseline="0" dirty="0"/>
-              <a:t> is only one stack, shared by all "stack objects"</a:t>
-            </a:r>
-            <a:endParaRPr lang="en-US" b="0" dirty="0"/>
-          </a:p>
-        </p:txBody>
-      </p:sp>
-      <p:sp>
-        <p:nvSpPr>
-          <p:cNvPr id="4" name="Slide Number Placeholder 3"/>
-          <p:cNvSpPr>
-            <a:spLocks noGrp="1"/>
-          </p:cNvSpPr>
-          <p:nvPr>
-            <p:ph type="sldNum" sz="quarter" idx="10"/>
-          </p:nvPr>
-        </p:nvSpPr>
-        <p:spPr/>
-        <p:txBody>
           <a:bodyPr/>
           <a:lstStyle/>
           <a:p>
-            <a:fld id="{957F737C-2939-4B3C-A229-35593C5DE391}" type="slidenum">
+            <a:endParaRPr lang="en-US" dirty="0"/>
+          </a:p>
+        </p:txBody>
+      </p:sp>
+      <p:sp>
+        <p:nvSpPr>
+          <p:cNvPr id="4" name="Slide Number Placeholder 3"/>
+          <p:cNvSpPr>
+            <a:spLocks noGrp="1"/>
+          </p:cNvSpPr>
+          <p:nvPr>
+            <p:ph type="sldNum" sz="quarter" idx="10"/>
+          </p:nvPr>
+        </p:nvSpPr>
+        <p:spPr/>
+        <p:txBody>
+          <a:bodyPr/>
+          <a:lstStyle/>
+          <a:p>
+            <a:fld id="{D2B72A2D-1FB5-4235-BD2A-A47C126380AE}" type="slidenum">
               <a:rPr lang="en-US" smtClean="0"/>
               <a:pPr/>
               <a:t>12</a:t>
-            </a:fld>
-            <a:endParaRPr lang="en-US"/>
-          </a:p>
-        </p:txBody>
-      </p:sp>
-    </p:spTree>
-    <p:extLst>
-      <p:ext uri="{BB962C8B-B14F-4D97-AF65-F5344CB8AC3E}">
-        <p14:creationId xmlns:p14="http://schemas.microsoft.com/office/powerpoint/2010/main" val="3951659291"/>
-      </p:ext>
-    </p:extLst>
-  </p:cSld>
-  <p:clrMapOvr>
-    <a:masterClrMapping/>
-  </p:clrMapOvr>
-</p:notes>
-</file>
-
-<file path=ppt/notesSlides/notesSlide7.xml><?xml version="1.0" encoding="utf-8"?>
-<p:notes xmlns:a="http://schemas.openxmlformats.org/drawingml/2006/main" xmlns:r="http://schemas.openxmlformats.org/officeDocument/2006/relationships" xmlns:p="http://schemas.openxmlformats.org/presentationml/2006/main">
-  <p:cSld>
-    <p:spTree>
-      <p:nvGrpSpPr>
-        <p:cNvPr id="1" name=""/>
-        <p:cNvGrpSpPr/>
-        <p:nvPr/>
-      </p:nvGrpSpPr>
-      <p:grpSpPr>
-        <a:xfrm>
-          <a:off x="0" y="0"/>
-          <a:ext cx="0" cy="0"/>
-          <a:chOff x="0" y="0"/>
-          <a:chExt cx="0" cy="0"/>
-        </a:xfrm>
-      </p:grpSpPr>
-      <p:sp>
-        <p:nvSpPr>
-          <p:cNvPr id="2" name="Slide Image Placeholder 1"/>
-          <p:cNvSpPr>
-            <a:spLocks noGrp="1" noRot="1" noChangeAspect="1"/>
-          </p:cNvSpPr>
-          <p:nvPr>
-            <p:ph type="sldImg"/>
-          </p:nvPr>
-        </p:nvSpPr>
-        <p:spPr>
-          <a:xfrm>
-            <a:off x="457200" y="719138"/>
-            <a:ext cx="6400800" cy="3602037"/>
-          </a:xfrm>
-        </p:spPr>
-      </p:sp>
-      <p:sp>
-        <p:nvSpPr>
-          <p:cNvPr id="3" name="Notes Placeholder 2"/>
-          <p:cNvSpPr>
-            <a:spLocks noGrp="1"/>
-          </p:cNvSpPr>
-          <p:nvPr>
-            <p:ph type="body" idx="1"/>
-          </p:nvPr>
-        </p:nvSpPr>
-        <p:spPr/>
-        <p:txBody>
-          <a:bodyPr/>
-          <a:lstStyle/>
-          <a:p>
-            <a:endParaRPr lang="en-US" dirty="0"/>
-          </a:p>
-        </p:txBody>
-      </p:sp>
-      <p:sp>
-        <p:nvSpPr>
-          <p:cNvPr id="4" name="Slide Number Placeholder 3"/>
-          <p:cNvSpPr>
-            <a:spLocks noGrp="1"/>
-          </p:cNvSpPr>
-          <p:nvPr>
-            <p:ph type="sldNum" sz="quarter" idx="10"/>
-          </p:nvPr>
-        </p:nvSpPr>
-        <p:spPr/>
-        <p:txBody>
-          <a:bodyPr/>
-          <a:lstStyle/>
-          <a:p>
-            <a:fld id="{D2B72A2D-1FB5-4235-BD2A-A47C126380AE}" type="slidenum">
-              <a:rPr lang="en-US" smtClean="0"/>
-              <a:pPr/>
-              <a:t>14</a:t>
             </a:fld>
             <a:endParaRPr lang="en-US"/>
           </a:p>
@@ -7202,7 +7115,7 @@
             </a:pPr>
             <a:r>
               <a:rPr lang="en-US" sz="4400" dirty="0"/>
-              <a:t>Two A6/A7 solutions</a:t>
+              <a:t>One A6 solution</a:t>
             </a:r>
           </a:p>
           <a:p>
@@ -7272,770 +7185,6 @@
 </file>
 
 <file path=ppt/slides/slide10.xml><?xml version="1.0" encoding="utf-8"?>
-<p:sld xmlns:a="http://schemas.openxmlformats.org/drawingml/2006/main" xmlns:r="http://schemas.openxmlformats.org/officeDocument/2006/relationships" xmlns:p="http://schemas.openxmlformats.org/presentationml/2006/main">
-  <p:cSld>
-    <p:spTree>
-      <p:nvGrpSpPr>
-        <p:cNvPr id="1" name=""/>
-        <p:cNvGrpSpPr/>
-        <p:nvPr/>
-      </p:nvGrpSpPr>
-      <p:grpSpPr>
-        <a:xfrm>
-          <a:off x="0" y="0"/>
-          <a:ext cx="0" cy="0"/>
-          <a:chOff x="0" y="0"/>
-          <a:chExt cx="0" cy="0"/>
-        </a:xfrm>
-      </p:grpSpPr>
-      <p:sp>
-        <p:nvSpPr>
-          <p:cNvPr id="3" name="Content Placeholder 2"/>
-          <p:cNvSpPr>
-            <a:spLocks noGrp="1"/>
-          </p:cNvSpPr>
-          <p:nvPr>
-            <p:ph sz="half" idx="1"/>
-          </p:nvPr>
-        </p:nvSpPr>
-        <p:spPr>
-          <a:xfrm>
-            <a:off x="685800" y="0"/>
-            <a:ext cx="4419600" cy="5943600"/>
-          </a:xfrm>
-        </p:spPr>
-        <p:txBody>
-          <a:bodyPr/>
-          <a:lstStyle/>
-          <a:p>
-            <a:pPr marL="0" indent="0">
-              <a:buNone/>
-            </a:pPr>
-            <a:r>
-              <a:rPr lang="en-US" sz="2600" dirty="0"/>
-              <a:t>&gt; (define s1 (make-stack))</a:t>
-            </a:r>
-          </a:p>
-          <a:p>
-            <a:pPr marL="0" indent="0">
-              <a:buNone/>
-            </a:pPr>
-            <a:r>
-              <a:rPr lang="en-US" sz="2600" dirty="0"/>
-              <a:t>&gt; (define s2 (make-stack))</a:t>
-            </a:r>
-            <a:br>
-              <a:rPr lang="en-US" sz="2600" dirty="0"/>
-            </a:br>
-            <a:r>
-              <a:rPr lang="en-US" sz="2600" dirty="0"/>
-              <a:t>&gt; (s1 'push 'a)</a:t>
-            </a:r>
-          </a:p>
-          <a:p>
-            <a:pPr marL="0" indent="0">
-              <a:buNone/>
-            </a:pPr>
-            <a:r>
-              <a:rPr lang="en-US" sz="2600" dirty="0"/>
-              <a:t>&gt; (s2 'push 'z)</a:t>
-            </a:r>
-          </a:p>
-          <a:p>
-            <a:pPr marL="0" indent="0">
-              <a:buNone/>
-            </a:pPr>
-            <a:r>
-              <a:rPr lang="en-US" sz="2600" dirty="0"/>
-              <a:t>&gt; (s1 'push 'b)</a:t>
-            </a:r>
-          </a:p>
-          <a:p>
-            <a:pPr marL="0" indent="0">
-              <a:buNone/>
-            </a:pPr>
-            <a:r>
-              <a:rPr lang="en-US" sz="2600" dirty="0"/>
-              <a:t>&gt; (s1 'pop)</a:t>
-            </a:r>
-          </a:p>
-          <a:p>
-            <a:pPr marL="0" indent="0">
-              <a:buNone/>
-            </a:pPr>
-            <a:r>
-              <a:rPr lang="en-US" sz="2600" dirty="0"/>
-              <a:t>b</a:t>
-            </a:r>
-          </a:p>
-          <a:p>
-            <a:pPr>
-              <a:buFont typeface="Wingdings" panose="05000000000000000000" pitchFamily="2" charset="2"/>
-              <a:buChar char="Ø"/>
-            </a:pPr>
-            <a:r>
-              <a:rPr lang="en-US" sz="2600" dirty="0"/>
-              <a:t>(s1 'empty?)</a:t>
-            </a:r>
-          </a:p>
-          <a:p>
-            <a:pPr>
-              <a:buFont typeface="Wingdings" panose="05000000000000000000" pitchFamily="2" charset="2"/>
-              <a:buChar char="Ø"/>
-            </a:pPr>
-            <a:r>
-              <a:rPr lang="en-US" sz="2600" dirty="0"/>
-              <a:t>#f</a:t>
-            </a:r>
-          </a:p>
-          <a:p>
-            <a:pPr>
-              <a:buFont typeface="Wingdings" panose="05000000000000000000" pitchFamily="2" charset="2"/>
-              <a:buChar char="Ø"/>
-            </a:pPr>
-            <a:endParaRPr lang="en-US" sz="2600" dirty="0"/>
-          </a:p>
-        </p:txBody>
-      </p:sp>
-      <p:sp>
-        <p:nvSpPr>
-          <p:cNvPr id="5" name="Content Placeholder 4"/>
-          <p:cNvSpPr>
-            <a:spLocks noGrp="1"/>
-          </p:cNvSpPr>
-          <p:nvPr>
-            <p:ph sz="half" idx="2"/>
-          </p:nvPr>
-        </p:nvSpPr>
-        <p:spPr>
-          <a:xfrm>
-            <a:off x="6477000" y="1"/>
-            <a:ext cx="4038600" cy="4530725"/>
-          </a:xfrm>
-        </p:spPr>
-        <p:txBody>
-          <a:bodyPr/>
-          <a:lstStyle/>
-          <a:p>
-            <a:pPr marL="0" indent="0">
-              <a:buNone/>
-            </a:pPr>
-            <a:r>
-              <a:rPr lang="en-US" sz="2600" dirty="0"/>
-              <a:t>&gt; (s2 'push (s1 'pop))</a:t>
-            </a:r>
-          </a:p>
-          <a:p>
-            <a:pPr marL="0" indent="0">
-              <a:buNone/>
-            </a:pPr>
-            <a:r>
-              <a:rPr lang="en-US" sz="2600" dirty="0"/>
-              <a:t>&gt; (s1 'empty?)</a:t>
-            </a:r>
-          </a:p>
-          <a:p>
-            <a:pPr marL="0" indent="0">
-              <a:buNone/>
-            </a:pPr>
-            <a:r>
-              <a:rPr lang="en-US" sz="2600" dirty="0"/>
-              <a:t>#t</a:t>
-            </a:r>
-          </a:p>
-          <a:p>
-            <a:pPr marL="0" indent="0">
-              <a:buNone/>
-            </a:pPr>
-            <a:r>
-              <a:rPr lang="en-US" sz="2600" dirty="0"/>
-              <a:t>&gt; (s2 'pop)</a:t>
-            </a:r>
-          </a:p>
-          <a:p>
-            <a:pPr marL="0" indent="0">
-              <a:buNone/>
-            </a:pPr>
-            <a:r>
-              <a:rPr lang="en-US" sz="2600" dirty="0"/>
-              <a:t>a</a:t>
-            </a:r>
-          </a:p>
-          <a:p>
-            <a:pPr marL="0" indent="0">
-              <a:buNone/>
-            </a:pPr>
-            <a:r>
-              <a:rPr lang="en-US" sz="2600" dirty="0"/>
-              <a:t>&gt; (s2 'pop)</a:t>
-            </a:r>
-          </a:p>
-          <a:p>
-            <a:pPr marL="0" indent="0">
-              <a:buNone/>
-            </a:pPr>
-            <a:r>
-              <a:rPr lang="en-US" sz="2600" dirty="0"/>
-              <a:t>z</a:t>
-            </a:r>
-          </a:p>
-          <a:p>
-            <a:pPr marL="0" indent="0">
-              <a:buNone/>
-            </a:pPr>
-            <a:r>
-              <a:rPr lang="en-US" sz="2600" dirty="0"/>
-              <a:t>&gt; (s2 'pop)</a:t>
-            </a:r>
-          </a:p>
-          <a:p>
-            <a:pPr marL="0" indent="0">
-              <a:buNone/>
-            </a:pPr>
-            <a:r>
-              <a:rPr lang="en-US" sz="2600" dirty="0"/>
-              <a:t>Exception in car: () is not a pair</a:t>
-            </a:r>
-          </a:p>
-          <a:p>
-            <a:pPr marL="0" indent="0">
-              <a:buNone/>
-            </a:pPr>
-            <a:r>
-              <a:rPr lang="en-US" sz="2600" dirty="0"/>
-              <a:t>&gt; </a:t>
-            </a:r>
-          </a:p>
-          <a:p>
-            <a:pPr marL="0" indent="0">
-              <a:buNone/>
-            </a:pPr>
-            <a:endParaRPr lang="en-US" dirty="0"/>
-          </a:p>
-        </p:txBody>
-      </p:sp>
-      <p:cxnSp>
-        <p:nvCxnSpPr>
-          <p:cNvPr id="7" name="Straight Connector 6"/>
-          <p:cNvCxnSpPr/>
-          <p:nvPr/>
-        </p:nvCxnSpPr>
-        <p:spPr bwMode="auto">
-          <a:xfrm>
-            <a:off x="5562600" y="228600"/>
-            <a:ext cx="0" cy="5867400"/>
-          </a:xfrm>
-          <a:prstGeom prst="line">
-            <a:avLst/>
-          </a:prstGeom>
-          <a:solidFill>
-            <a:schemeClr val="accent1"/>
-          </a:solidFill>
-          <a:ln w="9525" cap="flat" cmpd="sng" algn="ctr">
-            <a:solidFill>
-              <a:schemeClr val="tx1"/>
-            </a:solidFill>
-            <a:prstDash val="solid"/>
-            <a:round/>
-            <a:headEnd type="none" w="med" len="med"/>
-            <a:tailEnd type="none" w="med" len="med"/>
-          </a:ln>
-          <a:effectLst/>
-        </p:spPr>
-      </p:cxnSp>
-      <p:sp>
-        <p:nvSpPr>
-          <p:cNvPr id="6" name="TextBox 5"/>
-          <p:cNvSpPr txBox="1"/>
-          <p:nvPr/>
-        </p:nvSpPr>
-        <p:spPr>
-          <a:xfrm>
-            <a:off x="1816826" y="4431001"/>
-            <a:ext cx="3048000" cy="1815882"/>
-          </a:xfrm>
-          <a:prstGeom prst="rect">
-            <a:avLst/>
-          </a:prstGeom>
-          <a:noFill/>
-        </p:spPr>
-        <p:txBody>
-          <a:bodyPr wrap="square" rtlCol="0">
-            <a:spAutoFit/>
-          </a:bodyPr>
-          <a:lstStyle/>
-          <a:p>
-            <a:r>
-              <a:rPr lang="en-US" sz="2800" b="1" dirty="0">
-                <a:solidFill>
-                  <a:srgbClr val="F10000"/>
-                </a:solidFill>
-              </a:rPr>
-              <a:t>Transcript that  illustrates  the use of the stack "class"</a:t>
-            </a:r>
-          </a:p>
-        </p:txBody>
-      </p:sp>
-      <p:sp>
-        <p:nvSpPr>
-          <p:cNvPr id="2" name="TextBox 1"/>
-          <p:cNvSpPr txBox="1"/>
-          <p:nvPr/>
-        </p:nvSpPr>
-        <p:spPr>
-          <a:xfrm>
-            <a:off x="9041674" y="4677223"/>
-            <a:ext cx="2667000" cy="1569660"/>
-          </a:xfrm>
-          <a:prstGeom prst="rect">
-            <a:avLst/>
-          </a:prstGeom>
-          <a:solidFill>
-            <a:srgbClr val="F10000"/>
-          </a:solidFill>
-        </p:spPr>
-        <p:txBody>
-          <a:bodyPr wrap="square" rtlCol="0">
-            <a:spAutoFit/>
-          </a:bodyPr>
-          <a:lstStyle/>
-          <a:p>
-            <a:r>
-              <a:rPr lang="en-US" sz="2400" dirty="0"/>
-              <a:t>A better error message would be a nice improvement here</a:t>
-            </a:r>
-          </a:p>
-        </p:txBody>
-      </p:sp>
-    </p:spTree>
-    <p:extLst>
-      <p:ext uri="{BB962C8B-B14F-4D97-AF65-F5344CB8AC3E}">
-        <p14:creationId xmlns:p14="http://schemas.microsoft.com/office/powerpoint/2010/main" val="368076910"/>
-      </p:ext>
-    </p:extLst>
-  </p:cSld>
-  <p:clrMapOvr>
-    <a:masterClrMapping/>
-  </p:clrMapOvr>
-  <p:timing>
-    <p:tnLst>
-      <p:par>
-        <p:cTn id="1" dur="indefinite" restart="never" nodeType="tmRoot">
-          <p:childTnLst>
-            <p:seq concurrent="1" nextAc="seek">
-              <p:cTn id="2" dur="indefinite" nodeType="mainSeq">
-                <p:childTnLst>
-                  <p:par>
-                    <p:cTn id="3" fill="hold">
-                      <p:stCondLst>
-                        <p:cond delay="indefinite"/>
-                      </p:stCondLst>
-                      <p:childTnLst>
-                        <p:par>
-                          <p:cTn id="4" fill="hold">
-                            <p:stCondLst>
-                              <p:cond delay="0"/>
-                            </p:stCondLst>
-                            <p:childTnLst>
-                              <p:par>
-                                <p:cTn id="5" presetID="1" presetClass="entr" presetSubtype="0" fill="hold" grpId="0" nodeType="clickEffect">
-                                  <p:stCondLst>
-                                    <p:cond delay="0"/>
-                                  </p:stCondLst>
-                                  <p:childTnLst>
-                                    <p:set>
-                                      <p:cBhvr>
-                                        <p:cTn id="6" dur="1" fill="hold">
-                                          <p:stCondLst>
-                                            <p:cond delay="0"/>
-                                          </p:stCondLst>
-                                        </p:cTn>
-                                        <p:tgtEl>
-                                          <p:spTgt spid="2"/>
-                                        </p:tgtEl>
-                                        <p:attrNameLst>
-                                          <p:attrName>style.visibility</p:attrName>
-                                        </p:attrNameLst>
-                                      </p:cBhvr>
-                                      <p:to>
-                                        <p:strVal val="visible"/>
-                                      </p:to>
-                                    </p:set>
-                                  </p:childTnLst>
-                                </p:cTn>
-                              </p:par>
-                            </p:childTnLst>
-                          </p:cTn>
-                        </p:par>
-                      </p:childTnLst>
-                    </p:cTn>
-                  </p:par>
-                </p:childTnLst>
-              </p:cTn>
-              <p:prevCondLst>
-                <p:cond evt="onPrev" delay="0">
-                  <p:tgtEl>
-                    <p:sldTgt/>
-                  </p:tgtEl>
-                </p:cond>
-              </p:prevCondLst>
-              <p:nextCondLst>
-                <p:cond evt="onNext" delay="0">
-                  <p:tgtEl>
-                    <p:sldTgt/>
-                  </p:tgtEl>
-                </p:cond>
-              </p:nextCondLst>
-            </p:seq>
-          </p:childTnLst>
-        </p:cTn>
-      </p:par>
-    </p:tnLst>
-    <p:bldLst>
-      <p:bldP spid="2" grpId="0" animBg="1"/>
-    </p:bldLst>
-  </p:timing>
-</p:sld>
-</file>
-
-<file path=ppt/slides/slide11.xml><?xml version="1.0" encoding="utf-8"?>
-<p:sld xmlns:a="http://schemas.openxmlformats.org/drawingml/2006/main" xmlns:r="http://schemas.openxmlformats.org/officeDocument/2006/relationships" xmlns:p="http://schemas.openxmlformats.org/presentationml/2006/main">
-  <p:cSld>
-    <p:spTree>
-      <p:nvGrpSpPr>
-        <p:cNvPr id="1" name=""/>
-        <p:cNvGrpSpPr/>
-        <p:nvPr/>
-      </p:nvGrpSpPr>
-      <p:grpSpPr>
-        <a:xfrm>
-          <a:off x="0" y="0"/>
-          <a:ext cx="0" cy="0"/>
-          <a:chOff x="0" y="0"/>
-          <a:chExt cx="0" cy="0"/>
-        </a:xfrm>
-      </p:grpSpPr>
-      <p:sp>
-        <p:nvSpPr>
-          <p:cNvPr id="576514" name="Rectangle 2"/>
-          <p:cNvSpPr>
-            <a:spLocks noGrp="1" noChangeArrowheads="1"/>
-          </p:cNvSpPr>
-          <p:nvPr>
-            <p:ph type="title"/>
-          </p:nvPr>
-        </p:nvSpPr>
-        <p:spPr>
-          <a:xfrm>
-            <a:off x="1828800" y="152400"/>
-            <a:ext cx="8382000" cy="1066800"/>
-          </a:xfrm>
-        </p:spPr>
-        <p:txBody>
-          <a:bodyPr/>
-          <a:lstStyle/>
-          <a:p>
-            <a:r>
-              <a:rPr lang="en-US" sz="4000" dirty="0"/>
-              <a:t>Encapsulation: Creating "objects" in a mostly functional language</a:t>
-            </a:r>
-          </a:p>
-        </p:txBody>
-      </p:sp>
-      <p:pic>
-        <p:nvPicPr>
-          <p:cNvPr id="576516" name="Picture 4"/>
-          <p:cNvPicPr>
-            <a:picLocks noChangeAspect="1" noChangeArrowheads="1"/>
-          </p:cNvPicPr>
-          <p:nvPr/>
-        </p:nvPicPr>
-        <p:blipFill>
-          <a:blip r:embed="rId3" cstate="print"/>
-          <a:srcRect/>
-          <a:stretch>
-            <a:fillRect/>
-          </a:stretch>
-        </p:blipFill>
-        <p:spPr bwMode="auto">
-          <a:xfrm>
-            <a:off x="1676400" y="1345152"/>
-            <a:ext cx="5589070" cy="5441471"/>
-          </a:xfrm>
-          <a:prstGeom prst="rect">
-            <a:avLst/>
-          </a:prstGeom>
-          <a:noFill/>
-          <a:ln w="9525">
-            <a:noFill/>
-            <a:miter lim="800000"/>
-            <a:headEnd/>
-            <a:tailEnd/>
-          </a:ln>
-          <a:effectLst/>
-        </p:spPr>
-      </p:pic>
-      <p:sp>
-        <p:nvSpPr>
-          <p:cNvPr id="576517" name="Text Box 5"/>
-          <p:cNvSpPr txBox="1">
-            <a:spLocks noChangeArrowheads="1"/>
-          </p:cNvSpPr>
-          <p:nvPr/>
-        </p:nvSpPr>
-        <p:spPr bwMode="auto">
-          <a:xfrm>
-            <a:off x="7467600" y="3770056"/>
-            <a:ext cx="2895600" cy="2554545"/>
-          </a:xfrm>
-          <a:prstGeom prst="rect">
-            <a:avLst/>
-          </a:prstGeom>
-          <a:noFill/>
-          <a:ln w="9525">
-            <a:noFill/>
-            <a:miter lim="800000"/>
-            <a:headEnd/>
-            <a:tailEnd/>
-          </a:ln>
-          <a:effectLst/>
-        </p:spPr>
-        <p:txBody>
-          <a:bodyPr wrap="square">
-            <a:spAutoFit/>
-          </a:bodyPr>
-          <a:lstStyle/>
-          <a:p>
-            <a:pPr>
-              <a:spcBef>
-                <a:spcPct val="50000"/>
-              </a:spcBef>
-            </a:pPr>
-            <a:r>
-              <a:rPr lang="en-US" sz="3200" dirty="0">
-                <a:solidFill>
-                  <a:schemeClr val="bg1"/>
-                </a:solidFill>
-              </a:rPr>
-              <a:t>What is the problem with this code?</a:t>
-            </a:r>
-            <a:br>
-              <a:rPr lang="en-US" sz="3200" dirty="0">
-                <a:solidFill>
-                  <a:schemeClr val="bg1"/>
-                </a:solidFill>
-              </a:rPr>
-            </a:br>
-            <a:br>
-              <a:rPr lang="en-US" sz="3200" dirty="0">
-                <a:solidFill>
-                  <a:schemeClr val="bg1"/>
-                </a:solidFill>
-              </a:rPr>
-            </a:br>
-            <a:r>
-              <a:rPr lang="en-US" sz="3200" dirty="0">
-                <a:solidFill>
-                  <a:schemeClr val="bg1"/>
-                </a:solidFill>
-              </a:rPr>
-              <a:t>How to fix it?</a:t>
-            </a:r>
-          </a:p>
-        </p:txBody>
-      </p:sp>
-      <p:sp>
-        <p:nvSpPr>
-          <p:cNvPr id="6" name="TextBox 5"/>
-          <p:cNvSpPr txBox="1"/>
-          <p:nvPr/>
-        </p:nvSpPr>
-        <p:spPr>
-          <a:xfrm>
-            <a:off x="7467600" y="1519298"/>
-            <a:ext cx="2895600" cy="2431435"/>
-          </a:xfrm>
-          <a:prstGeom prst="rect">
-            <a:avLst/>
-          </a:prstGeom>
-          <a:noFill/>
-          <a:ln w="25400">
-            <a:solidFill>
-              <a:srgbClr val="FFFF00"/>
-            </a:solidFill>
-          </a:ln>
-        </p:spPr>
-        <p:txBody>
-          <a:bodyPr wrap="square" rtlCol="0">
-            <a:spAutoFit/>
-          </a:bodyPr>
-          <a:lstStyle/>
-          <a:p>
-            <a:pPr>
-              <a:lnSpc>
-                <a:spcPct val="95000"/>
-              </a:lnSpc>
-            </a:pPr>
-            <a:r>
-              <a:rPr lang="en-US" sz="3200" dirty="0">
-                <a:solidFill>
-                  <a:srgbClr val="FFFF00"/>
-                </a:solidFill>
-              </a:rPr>
-              <a:t>The car of the </a:t>
-            </a:r>
-            <a:r>
-              <a:rPr lang="en-US" sz="3200" b="1" dirty="0" err="1">
-                <a:solidFill>
-                  <a:srgbClr val="FFFF00"/>
-                </a:solidFill>
-              </a:rPr>
-              <a:t>stk</a:t>
-            </a:r>
-            <a:r>
-              <a:rPr lang="en-US" sz="3200" dirty="0">
-                <a:solidFill>
-                  <a:srgbClr val="FFFF00"/>
-                </a:solidFill>
-              </a:rPr>
-              <a:t> list contains the top of the stack</a:t>
-            </a:r>
-          </a:p>
-        </p:txBody>
-      </p:sp>
-      <p:sp>
-        <p:nvSpPr>
-          <p:cNvPr id="7" name="TextBox 6"/>
-          <p:cNvSpPr txBox="1"/>
-          <p:nvPr/>
-        </p:nvSpPr>
-        <p:spPr>
-          <a:xfrm>
-            <a:off x="7483642" y="3998656"/>
-            <a:ext cx="2879558" cy="2554545"/>
-          </a:xfrm>
-          <a:prstGeom prst="rect">
-            <a:avLst/>
-          </a:prstGeom>
-          <a:noFill/>
-          <a:ln w="25400">
-            <a:solidFill>
-              <a:srgbClr val="FFFF00"/>
-            </a:solidFill>
-          </a:ln>
-        </p:spPr>
-        <p:txBody>
-          <a:bodyPr wrap="square" rtlCol="0">
-            <a:spAutoFit/>
-          </a:bodyPr>
-          <a:lstStyle/>
-          <a:p>
-            <a:r>
-              <a:rPr lang="en-US" sz="3200" dirty="0">
-                <a:solidFill>
-                  <a:schemeClr val="accent3">
-                    <a:lumMod val="40000"/>
-                    <a:lumOff val="60000"/>
-                  </a:schemeClr>
-                </a:solidFill>
-              </a:rPr>
-              <a:t>This code contains a subtle error.  Can you see what it is?</a:t>
-            </a:r>
-          </a:p>
-        </p:txBody>
-      </p:sp>
-    </p:spTree>
-    <p:extLst>
-      <p:ext uri="{BB962C8B-B14F-4D97-AF65-F5344CB8AC3E}">
-        <p14:creationId xmlns:p14="http://schemas.microsoft.com/office/powerpoint/2010/main" val="435478160"/>
-      </p:ext>
-    </p:extLst>
-  </p:cSld>
-  <p:clrMapOvr>
-    <a:masterClrMapping/>
-  </p:clrMapOvr>
-  <p:timing>
-    <p:tnLst>
-      <p:par>
-        <p:cTn id="1" dur="indefinite" restart="never" nodeType="tmRoot">
-          <p:childTnLst>
-            <p:seq concurrent="1" nextAc="seek">
-              <p:cTn id="2" dur="indefinite" nodeType="mainSeq">
-                <p:childTnLst>
-                  <p:par>
-                    <p:cTn id="3" fill="hold">
-                      <p:stCondLst>
-                        <p:cond delay="indefinite"/>
-                      </p:stCondLst>
-                      <p:childTnLst>
-                        <p:par>
-                          <p:cTn id="4" fill="hold">
-                            <p:stCondLst>
-                              <p:cond delay="0"/>
-                            </p:stCondLst>
-                            <p:childTnLst>
-                              <p:par>
-                                <p:cTn id="5" presetID="1" presetClass="entr" presetSubtype="0" fill="hold" grpId="0" nodeType="clickEffect">
-                                  <p:stCondLst>
-                                    <p:cond delay="0"/>
-                                  </p:stCondLst>
-                                  <p:childTnLst>
-                                    <p:set>
-                                      <p:cBhvr>
-                                        <p:cTn id="6" dur="1" fill="hold">
-                                          <p:stCondLst>
-                                            <p:cond delay="0"/>
-                                          </p:stCondLst>
-                                        </p:cTn>
-                                        <p:tgtEl>
-                                          <p:spTgt spid="576517"/>
-                                        </p:tgtEl>
-                                        <p:attrNameLst>
-                                          <p:attrName>style.visibility</p:attrName>
-                                        </p:attrNameLst>
-                                      </p:cBhvr>
-                                      <p:to>
-                                        <p:strVal val="visible"/>
-                                      </p:to>
-                                    </p:set>
-                                  </p:childTnLst>
-                                </p:cTn>
-                              </p:par>
-                            </p:childTnLst>
-                          </p:cTn>
-                        </p:par>
-                      </p:childTnLst>
-                    </p:cTn>
-                  </p:par>
-                </p:childTnLst>
-              </p:cTn>
-              <p:prevCondLst>
-                <p:cond evt="onPrev" delay="0">
-                  <p:tgtEl>
-                    <p:sldTgt/>
-                  </p:tgtEl>
-                </p:cond>
-              </p:prevCondLst>
-              <p:nextCondLst>
-                <p:cond evt="onNext" delay="0">
-                  <p:tgtEl>
-                    <p:sldTgt/>
-                  </p:tgtEl>
-                </p:cond>
-              </p:nextCondLst>
-            </p:seq>
-          </p:childTnLst>
-        </p:cTn>
-      </p:par>
-    </p:tnLst>
-    <p:bldLst>
-      <p:bldP spid="576517" grpId="0"/>
-    </p:bldLst>
-  </p:timing>
-</p:sld>
-</file>
-
-<file path=ppt/slides/slide12.xml><?xml version="1.0" encoding="utf-8"?>
 <p:sld xmlns:a="http://schemas.openxmlformats.org/drawingml/2006/main" xmlns:r="http://schemas.openxmlformats.org/officeDocument/2006/relationships" xmlns:p="http://schemas.openxmlformats.org/presentationml/2006/main">
   <p:cSld>
     <p:spTree>
@@ -8447,7 +7596,7 @@
 </p:sld>
 </file>
 
-<file path=ppt/slides/slide13.xml><?xml version="1.0" encoding="utf-8"?>
+<file path=ppt/slides/slide11.xml><?xml version="1.0" encoding="utf-8"?>
 <p:sld xmlns:a="http://schemas.openxmlformats.org/drawingml/2006/main" xmlns:r="http://schemas.openxmlformats.org/officeDocument/2006/relationships" xmlns:p="http://schemas.openxmlformats.org/presentationml/2006/main">
   <p:cSld>
     <p:spTree>
@@ -8507,7 +7656,7 @@
 </p:sld>
 </file>
 
-<file path=ppt/slides/slide14.xml><?xml version="1.0" encoding="utf-8"?>
+<file path=ppt/slides/slide12.xml><?xml version="1.0" encoding="utf-8"?>
 <p:sld xmlns:a="http://schemas.openxmlformats.org/drawingml/2006/main" xmlns:r="http://schemas.openxmlformats.org/officeDocument/2006/relationships" xmlns:p="http://schemas.openxmlformats.org/presentationml/2006/main">
   <p:cSld>
     <p:spTree>
@@ -8679,7 +7828,7 @@
 </p:sld>
 </file>
 
-<file path=ppt/slides/slide15.xml><?xml version="1.0" encoding="utf-8"?>
+<file path=ppt/slides/slide13.xml><?xml version="1.0" encoding="utf-8"?>
 <p:sld xmlns:a="http://schemas.openxmlformats.org/drawingml/2006/main" xmlns:r="http://schemas.openxmlformats.org/officeDocument/2006/relationships" xmlns:p="http://schemas.openxmlformats.org/presentationml/2006/main">
   <p:cSld>
     <p:spTree>
@@ -8959,7 +8108,7 @@
 </p:sld>
 </file>
 
-<file path=ppt/slides/slide16.xml><?xml version="1.0" encoding="utf-8"?>
+<file path=ppt/slides/slide14.xml><?xml version="1.0" encoding="utf-8"?>
 <p:sld xmlns:a="http://schemas.openxmlformats.org/drawingml/2006/main" xmlns:r="http://schemas.openxmlformats.org/officeDocument/2006/relationships" xmlns:p="http://schemas.openxmlformats.org/presentationml/2006/main">
   <p:cSld>
     <p:spTree>
@@ -9038,7 +8187,7 @@
 </p:sld>
 </file>
 
-<file path=ppt/slides/slide17.xml><?xml version="1.0" encoding="utf-8"?>
+<file path=ppt/slides/slide15.xml><?xml version="1.0" encoding="utf-8"?>
 <p:sld xmlns:a="http://schemas.openxmlformats.org/drawingml/2006/main" xmlns:r="http://schemas.openxmlformats.org/officeDocument/2006/relationships" xmlns:p="http://schemas.openxmlformats.org/presentationml/2006/main" show="0">
   <p:cSld>
     <p:spTree>
@@ -9404,216 +8553,6 @@
           <p:cNvPr id="2" name="Title 1">
             <a:extLst>
               <a:ext uri="{FF2B5EF4-FFF2-40B4-BE49-F238E27FC236}">
-                <a16:creationId xmlns:a16="http://schemas.microsoft.com/office/drawing/2014/main" id="{98A3423C-B1E1-4A60-A212-F75B955B1881}"/>
-              </a:ext>
-            </a:extLst>
-          </p:cNvPr>
-          <p:cNvSpPr>
-            <a:spLocks noGrp="1"/>
-          </p:cNvSpPr>
-          <p:nvPr>
-            <p:ph type="title"/>
-          </p:nvPr>
-        </p:nvSpPr>
-        <p:spPr/>
-        <p:txBody>
-          <a:bodyPr/>
-          <a:lstStyle/>
-          <a:p>
-            <a:r>
-              <a:rPr lang="en-US" dirty="0"/>
-              <a:t>Scheme-a-thon is Done!</a:t>
-            </a:r>
-          </a:p>
-        </p:txBody>
-      </p:sp>
-      <p:sp>
-        <p:nvSpPr>
-          <p:cNvPr id="3" name="Content Placeholder 2">
-            <a:extLst>
-              <a:ext uri="{FF2B5EF4-FFF2-40B4-BE49-F238E27FC236}">
-                <a16:creationId xmlns:a16="http://schemas.microsoft.com/office/drawing/2014/main" id="{0255C66F-5979-449D-ACE3-7C39EB3F9BC9}"/>
-              </a:ext>
-            </a:extLst>
-          </p:cNvPr>
-          <p:cNvSpPr>
-            <a:spLocks noGrp="1"/>
-          </p:cNvSpPr>
-          <p:nvPr>
-            <p:ph idx="1"/>
-          </p:nvPr>
-        </p:nvSpPr>
-        <p:spPr>
-          <a:xfrm>
-            <a:off x="381000" y="1600201"/>
-            <a:ext cx="11658600" cy="4530725"/>
-          </a:xfrm>
-        </p:spPr>
-        <p:txBody>
-          <a:bodyPr/>
-          <a:lstStyle/>
-          <a:p>
-            <a:r>
-              <a:rPr lang="en-US" dirty="0"/>
-              <a:t>Congratulations.  You made it through!</a:t>
-            </a:r>
-          </a:p>
-          <a:p>
-            <a:r>
-              <a:rPr lang="en-US" dirty="0"/>
-              <a:t>Things should be a little quieter, but the assignments will be bigger</a:t>
-            </a:r>
-          </a:p>
-        </p:txBody>
-      </p:sp>
-    </p:spTree>
-    <p:extLst>
-      <p:ext uri="{BB962C8B-B14F-4D97-AF65-F5344CB8AC3E}">
-        <p14:creationId xmlns:p14="http://schemas.microsoft.com/office/powerpoint/2010/main" val="267120035"/>
-      </p:ext>
-    </p:extLst>
-  </p:cSld>
-  <p:clrMapOvr>
-    <a:masterClrMapping/>
-  </p:clrMapOvr>
-</p:sld>
-</file>
-
-<file path=ppt/slides/slide3.xml><?xml version="1.0" encoding="utf-8"?>
-<p:sld xmlns:a="http://schemas.openxmlformats.org/drawingml/2006/main" xmlns:r="http://schemas.openxmlformats.org/officeDocument/2006/relationships" xmlns:p="http://schemas.openxmlformats.org/presentationml/2006/main">
-  <p:cSld>
-    <p:spTree>
-      <p:nvGrpSpPr>
-        <p:cNvPr id="1" name=""/>
-        <p:cNvGrpSpPr/>
-        <p:nvPr/>
-      </p:nvGrpSpPr>
-      <p:grpSpPr>
-        <a:xfrm>
-          <a:off x="0" y="0"/>
-          <a:ext cx="0" cy="0"/>
-          <a:chOff x="0" y="0"/>
-          <a:chExt cx="0" cy="0"/>
-        </a:xfrm>
-      </p:grpSpPr>
-      <p:sp>
-        <p:nvSpPr>
-          <p:cNvPr id="2" name="Title 1">
-            <a:extLst>
-              <a:ext uri="{FF2B5EF4-FFF2-40B4-BE49-F238E27FC236}">
-                <a16:creationId xmlns:a16="http://schemas.microsoft.com/office/drawing/2014/main" id="{FD282AA9-AED1-4E2D-B728-841E80310A2B}"/>
-              </a:ext>
-            </a:extLst>
-          </p:cNvPr>
-          <p:cNvSpPr>
-            <a:spLocks noGrp="1"/>
-          </p:cNvSpPr>
-          <p:nvPr>
-            <p:ph type="title"/>
-          </p:nvPr>
-        </p:nvSpPr>
-        <p:spPr/>
-        <p:txBody>
-          <a:bodyPr/>
-          <a:lstStyle/>
-          <a:p>
-            <a:r>
-              <a:rPr lang="en-US" dirty="0"/>
-              <a:t>group-by-n solution</a:t>
-            </a:r>
-          </a:p>
-        </p:txBody>
-      </p:sp>
-      <p:sp>
-        <p:nvSpPr>
-          <p:cNvPr id="3" name="Content Placeholder 2">
-            <a:extLst>
-              <a:ext uri="{FF2B5EF4-FFF2-40B4-BE49-F238E27FC236}">
-                <a16:creationId xmlns:a16="http://schemas.microsoft.com/office/drawing/2014/main" id="{40AB58BB-620B-424E-A57C-E432801D9E15}"/>
-              </a:ext>
-            </a:extLst>
-          </p:cNvPr>
-          <p:cNvSpPr>
-            <a:spLocks noGrp="1"/>
-          </p:cNvSpPr>
-          <p:nvPr>
-            <p:ph idx="1"/>
-          </p:nvPr>
-        </p:nvSpPr>
-        <p:spPr/>
-        <p:txBody>
-          <a:bodyPr/>
-          <a:lstStyle/>
-          <a:p>
-            <a:endParaRPr lang="en-US"/>
-          </a:p>
-        </p:txBody>
-      </p:sp>
-      <p:pic>
-        <p:nvPicPr>
-          <p:cNvPr id="5" name="Picture 4">
-            <a:extLst>
-              <a:ext uri="{FF2B5EF4-FFF2-40B4-BE49-F238E27FC236}">
-                <a16:creationId xmlns:a16="http://schemas.microsoft.com/office/drawing/2014/main" id="{E18518B5-8BC6-4367-B7E0-C175942C385A}"/>
-              </a:ext>
-            </a:extLst>
-          </p:cNvPr>
-          <p:cNvPicPr>
-            <a:picLocks noChangeAspect="1"/>
-          </p:cNvPicPr>
-          <p:nvPr/>
-        </p:nvPicPr>
-        <p:blipFill>
-          <a:blip r:embed="rId2"/>
-          <a:stretch>
-            <a:fillRect/>
-          </a:stretch>
-        </p:blipFill>
-        <p:spPr>
-          <a:xfrm>
-            <a:off x="1676400" y="1417638"/>
-            <a:ext cx="8534400" cy="5419127"/>
-          </a:xfrm>
-          <a:prstGeom prst="rect">
-            <a:avLst/>
-          </a:prstGeom>
-        </p:spPr>
-      </p:pic>
-    </p:spTree>
-    <p:extLst>
-      <p:ext uri="{BB962C8B-B14F-4D97-AF65-F5344CB8AC3E}">
-        <p14:creationId xmlns:p14="http://schemas.microsoft.com/office/powerpoint/2010/main" val="2602037811"/>
-      </p:ext>
-    </p:extLst>
-  </p:cSld>
-  <p:clrMapOvr>
-    <a:masterClrMapping/>
-  </p:clrMapOvr>
-</p:sld>
-</file>
-
-<file path=ppt/slides/slide4.xml><?xml version="1.0" encoding="utf-8"?>
-<p:sld xmlns:a="http://schemas.openxmlformats.org/drawingml/2006/main" xmlns:r="http://schemas.openxmlformats.org/officeDocument/2006/relationships" xmlns:p="http://schemas.openxmlformats.org/presentationml/2006/main">
-  <p:cSld>
-    <p:spTree>
-      <p:nvGrpSpPr>
-        <p:cNvPr id="1" name=""/>
-        <p:cNvGrpSpPr/>
-        <p:nvPr/>
-      </p:nvGrpSpPr>
-      <p:grpSpPr>
-        <a:xfrm>
-          <a:off x="0" y="0"/>
-          <a:ext cx="0" cy="0"/>
-          <a:chOff x="0" y="0"/>
-          <a:chExt cx="0" cy="0"/>
-        </a:xfrm>
-      </p:grpSpPr>
-      <p:sp>
-        <p:nvSpPr>
-          <p:cNvPr id="2" name="Title 1">
-            <a:extLst>
-              <a:ext uri="{FF2B5EF4-FFF2-40B4-BE49-F238E27FC236}">
                 <a16:creationId xmlns:a16="http://schemas.microsoft.com/office/drawing/2014/main" id="{FF537CA0-0B5A-484B-A90B-DE5BDF9FBE76}"/>
               </a:ext>
             </a:extLst>
@@ -9703,7 +8642,7 @@
 </p:sld>
 </file>
 
-<file path=ppt/slides/slide5.xml><?xml version="1.0" encoding="utf-8"?>
+<file path=ppt/slides/slide3.xml><?xml version="1.0" encoding="utf-8"?>
 <p:sld xmlns:a="http://schemas.openxmlformats.org/drawingml/2006/main" xmlns:r="http://schemas.openxmlformats.org/officeDocument/2006/relationships" xmlns:p="http://schemas.openxmlformats.org/presentationml/2006/main">
   <p:cSld>
     <p:spTree>
@@ -9791,7 +8730,7 @@
 </p:sld>
 </file>
 
-<file path=ppt/slides/slide6.xml><?xml version="1.0" encoding="utf-8"?>
+<file path=ppt/slides/slide4.xml><?xml version="1.0" encoding="utf-8"?>
 <p:sld xmlns:a="http://schemas.openxmlformats.org/drawingml/2006/main" xmlns:r="http://schemas.openxmlformats.org/officeDocument/2006/relationships" xmlns:p="http://schemas.openxmlformats.org/presentationml/2006/main">
   <p:cSld>
     <p:spTree>
@@ -9909,7 +8848,7 @@
 </p:sld>
 </file>
 
-<file path=ppt/slides/slide7.xml><?xml version="1.0" encoding="utf-8"?>
+<file path=ppt/slides/slide5.xml><?xml version="1.0" encoding="utf-8"?>
 <p:sld xmlns:a="http://schemas.openxmlformats.org/drawingml/2006/main" xmlns:r="http://schemas.openxmlformats.org/officeDocument/2006/relationships" xmlns:p="http://schemas.openxmlformats.org/presentationml/2006/main">
   <p:cSld>
     <p:spTree>
@@ -9997,7 +8936,7 @@
 </p:sld>
 </file>
 
-<file path=ppt/slides/slide8.xml><?xml version="1.0" encoding="utf-8"?>
+<file path=ppt/slides/slide6.xml><?xml version="1.0" encoding="utf-8"?>
 <p:sld xmlns:a="http://schemas.openxmlformats.org/drawingml/2006/main" xmlns:r="http://schemas.openxmlformats.org/officeDocument/2006/relationships" xmlns:p="http://schemas.openxmlformats.org/presentationml/2006/main">
   <p:cSld>
     <p:spTree>
@@ -10084,6 +9023,546 @@
 </p:sld>
 </file>
 
+<file path=ppt/slides/slide7.xml><?xml version="1.0" encoding="utf-8"?>
+<p:sld xmlns:a="http://schemas.openxmlformats.org/drawingml/2006/main" xmlns:r="http://schemas.openxmlformats.org/officeDocument/2006/relationships" xmlns:p="http://schemas.openxmlformats.org/presentationml/2006/main">
+  <p:cSld>
+    <p:spTree>
+      <p:nvGrpSpPr>
+        <p:cNvPr id="1" name=""/>
+        <p:cNvGrpSpPr/>
+        <p:nvPr/>
+      </p:nvGrpSpPr>
+      <p:grpSpPr>
+        <a:xfrm>
+          <a:off x="0" y="0"/>
+          <a:ext cx="0" cy="0"/>
+          <a:chOff x="0" y="0"/>
+          <a:chExt cx="0" cy="0"/>
+        </a:xfrm>
+      </p:grpSpPr>
+      <p:sp>
+        <p:nvSpPr>
+          <p:cNvPr id="2" name="Title 1">
+            <a:extLst>
+              <a:ext uri="{FF2B5EF4-FFF2-40B4-BE49-F238E27FC236}">
+                <a16:creationId xmlns:a16="http://schemas.microsoft.com/office/drawing/2014/main" id="{3D35831C-BF43-C1B3-E176-42D3433DD58C}"/>
+              </a:ext>
+            </a:extLst>
+          </p:cNvPr>
+          <p:cNvSpPr>
+            <a:spLocks noGrp="1"/>
+          </p:cNvSpPr>
+          <p:nvPr>
+            <p:ph type="title"/>
+          </p:nvPr>
+        </p:nvSpPr>
+        <p:spPr/>
+        <p:txBody>
+          <a:bodyPr/>
+          <a:lstStyle/>
+          <a:p>
+            <a:r>
+              <a:rPr lang="en-US" dirty="0"/>
+              <a:t>Is this “object oriented programming”?</a:t>
+            </a:r>
+          </a:p>
+        </p:txBody>
+      </p:sp>
+      <p:sp>
+        <p:nvSpPr>
+          <p:cNvPr id="3" name="Content Placeholder 2">
+            <a:extLst>
+              <a:ext uri="{FF2B5EF4-FFF2-40B4-BE49-F238E27FC236}">
+                <a16:creationId xmlns:a16="http://schemas.microsoft.com/office/drawing/2014/main" id="{0412F0FA-F5DD-F286-868E-201808898893}"/>
+              </a:ext>
+            </a:extLst>
+          </p:cNvPr>
+          <p:cNvSpPr>
+            <a:spLocks noGrp="1"/>
+          </p:cNvSpPr>
+          <p:nvPr>
+            <p:ph idx="1"/>
+          </p:nvPr>
+        </p:nvSpPr>
+        <p:spPr/>
+        <p:txBody>
+          <a:bodyPr/>
+          <a:lstStyle/>
+          <a:p>
+            <a:r>
+              <a:rPr lang="en-US" dirty="0"/>
+              <a:t>It could be “soil” on which you could grow an object oriented scheme</a:t>
+            </a:r>
+          </a:p>
+          <a:p>
+            <a:r>
+              <a:rPr lang="en-US" dirty="0"/>
+              <a:t>But to me it is more an illustration of</a:t>
+            </a:r>
+          </a:p>
+          <a:p>
+            <a:pPr lvl="1"/>
+            <a:r>
+              <a:rPr lang="en-US" dirty="0"/>
+              <a:t>The subtle way lambdas store (any amount of) data</a:t>
+            </a:r>
+          </a:p>
+          <a:p>
+            <a:pPr lvl="1"/>
+            <a:r>
+              <a:rPr lang="en-US" dirty="0"/>
+              <a:t>The power and versatility of lambdas</a:t>
+            </a:r>
+          </a:p>
+          <a:p>
+            <a:pPr lvl="1"/>
+            <a:r>
+              <a:rPr lang="en-US" dirty="0"/>
+              <a:t>A tool we can use when we want a little structure that can store something</a:t>
+            </a:r>
+          </a:p>
+        </p:txBody>
+      </p:sp>
+    </p:spTree>
+    <p:extLst>
+      <p:ext uri="{BB962C8B-B14F-4D97-AF65-F5344CB8AC3E}">
+        <p14:creationId xmlns:p14="http://schemas.microsoft.com/office/powerpoint/2010/main" val="3157726501"/>
+      </p:ext>
+    </p:extLst>
+  </p:cSld>
+  <p:clrMapOvr>
+    <a:masterClrMapping/>
+  </p:clrMapOvr>
+</p:sld>
+</file>
+
+<file path=ppt/slides/slide8.xml><?xml version="1.0" encoding="utf-8"?>
+<p:sld xmlns:a="http://schemas.openxmlformats.org/drawingml/2006/main" xmlns:r="http://schemas.openxmlformats.org/officeDocument/2006/relationships" xmlns:p="http://schemas.openxmlformats.org/presentationml/2006/main">
+  <p:cSld>
+    <p:spTree>
+      <p:nvGrpSpPr>
+        <p:cNvPr id="1" name=""/>
+        <p:cNvGrpSpPr/>
+        <p:nvPr/>
+      </p:nvGrpSpPr>
+      <p:grpSpPr>
+        <a:xfrm>
+          <a:off x="0" y="0"/>
+          <a:ext cx="0" cy="0"/>
+          <a:chOff x="0" y="0"/>
+          <a:chExt cx="0" cy="0"/>
+        </a:xfrm>
+      </p:grpSpPr>
+      <p:sp>
+        <p:nvSpPr>
+          <p:cNvPr id="3" name="Content Placeholder 2"/>
+          <p:cNvSpPr>
+            <a:spLocks noGrp="1"/>
+          </p:cNvSpPr>
+          <p:nvPr>
+            <p:ph sz="half" idx="1"/>
+          </p:nvPr>
+        </p:nvSpPr>
+        <p:spPr>
+          <a:xfrm>
+            <a:off x="685800" y="0"/>
+            <a:ext cx="4419600" cy="5943600"/>
+          </a:xfrm>
+        </p:spPr>
+        <p:txBody>
+          <a:bodyPr/>
+          <a:lstStyle/>
+          <a:p>
+            <a:pPr marL="0" indent="0">
+              <a:buNone/>
+            </a:pPr>
+            <a:r>
+              <a:rPr lang="en-US" sz="2600" dirty="0"/>
+              <a:t>&gt; (define s1 (make-stack))</a:t>
+            </a:r>
+          </a:p>
+          <a:p>
+            <a:pPr marL="0" indent="0">
+              <a:buNone/>
+            </a:pPr>
+            <a:r>
+              <a:rPr lang="en-US" sz="2600" dirty="0"/>
+              <a:t>&gt; (define s2 (make-stack))</a:t>
+            </a:r>
+            <a:br>
+              <a:rPr lang="en-US" sz="2600" dirty="0"/>
+            </a:br>
+            <a:r>
+              <a:rPr lang="en-US" sz="2600" dirty="0"/>
+              <a:t>&gt; (s1 'push 'a)</a:t>
+            </a:r>
+          </a:p>
+          <a:p>
+            <a:pPr marL="0" indent="0">
+              <a:buNone/>
+            </a:pPr>
+            <a:r>
+              <a:rPr lang="en-US" sz="2600" dirty="0"/>
+              <a:t>&gt; (s2 'push 'z)</a:t>
+            </a:r>
+          </a:p>
+          <a:p>
+            <a:pPr marL="0" indent="0">
+              <a:buNone/>
+            </a:pPr>
+            <a:r>
+              <a:rPr lang="en-US" sz="2600" dirty="0"/>
+              <a:t>&gt; (s1 'push 'b)</a:t>
+            </a:r>
+          </a:p>
+          <a:p>
+            <a:pPr marL="0" indent="0">
+              <a:buNone/>
+            </a:pPr>
+            <a:r>
+              <a:rPr lang="en-US" sz="2600" dirty="0"/>
+              <a:t>&gt; (s1 'pop)</a:t>
+            </a:r>
+          </a:p>
+          <a:p>
+            <a:pPr marL="0" indent="0">
+              <a:buNone/>
+            </a:pPr>
+            <a:r>
+              <a:rPr lang="en-US" sz="2600" dirty="0"/>
+              <a:t>b</a:t>
+            </a:r>
+          </a:p>
+          <a:p>
+            <a:pPr>
+              <a:buFont typeface="Wingdings" panose="05000000000000000000" pitchFamily="2" charset="2"/>
+              <a:buChar char="Ø"/>
+            </a:pPr>
+            <a:r>
+              <a:rPr lang="en-US" sz="2600" dirty="0"/>
+              <a:t>(s1 'empty?)</a:t>
+            </a:r>
+          </a:p>
+          <a:p>
+            <a:pPr>
+              <a:buFont typeface="Wingdings" panose="05000000000000000000" pitchFamily="2" charset="2"/>
+              <a:buChar char="Ø"/>
+            </a:pPr>
+            <a:r>
+              <a:rPr lang="en-US" sz="2600" dirty="0"/>
+              <a:t>#f</a:t>
+            </a:r>
+          </a:p>
+          <a:p>
+            <a:pPr>
+              <a:buFont typeface="Wingdings" panose="05000000000000000000" pitchFamily="2" charset="2"/>
+              <a:buChar char="Ø"/>
+            </a:pPr>
+            <a:endParaRPr lang="en-US" sz="2600" dirty="0"/>
+          </a:p>
+        </p:txBody>
+      </p:sp>
+      <p:sp>
+        <p:nvSpPr>
+          <p:cNvPr id="5" name="Content Placeholder 4"/>
+          <p:cNvSpPr>
+            <a:spLocks noGrp="1"/>
+          </p:cNvSpPr>
+          <p:nvPr>
+            <p:ph sz="half" idx="2"/>
+          </p:nvPr>
+        </p:nvSpPr>
+        <p:spPr>
+          <a:xfrm>
+            <a:off x="6477000" y="1"/>
+            <a:ext cx="4038600" cy="4530725"/>
+          </a:xfrm>
+        </p:spPr>
+        <p:txBody>
+          <a:bodyPr/>
+          <a:lstStyle/>
+          <a:p>
+            <a:pPr marL="0" indent="0">
+              <a:buNone/>
+            </a:pPr>
+            <a:r>
+              <a:rPr lang="en-US" sz="2600" dirty="0"/>
+              <a:t>&gt; (s2 'push (s1 'pop))</a:t>
+            </a:r>
+          </a:p>
+          <a:p>
+            <a:pPr marL="0" indent="0">
+              <a:buNone/>
+            </a:pPr>
+            <a:r>
+              <a:rPr lang="en-US" sz="2600" dirty="0"/>
+              <a:t>&gt; (s1 'empty?)</a:t>
+            </a:r>
+          </a:p>
+          <a:p>
+            <a:pPr marL="0" indent="0">
+              <a:buNone/>
+            </a:pPr>
+            <a:r>
+              <a:rPr lang="en-US" sz="2600" dirty="0"/>
+              <a:t>#t</a:t>
+            </a:r>
+          </a:p>
+          <a:p>
+            <a:pPr marL="0" indent="0">
+              <a:buNone/>
+            </a:pPr>
+            <a:r>
+              <a:rPr lang="en-US" sz="2600" dirty="0"/>
+              <a:t>&gt; (s2 'pop)</a:t>
+            </a:r>
+          </a:p>
+          <a:p>
+            <a:pPr marL="0" indent="0">
+              <a:buNone/>
+            </a:pPr>
+            <a:r>
+              <a:rPr lang="en-US" sz="2600" dirty="0"/>
+              <a:t>a</a:t>
+            </a:r>
+          </a:p>
+          <a:p>
+            <a:pPr marL="0" indent="0">
+              <a:buNone/>
+            </a:pPr>
+            <a:r>
+              <a:rPr lang="en-US" sz="2600" dirty="0"/>
+              <a:t>&gt; (s2 'pop)</a:t>
+            </a:r>
+          </a:p>
+          <a:p>
+            <a:pPr marL="0" indent="0">
+              <a:buNone/>
+            </a:pPr>
+            <a:r>
+              <a:rPr lang="en-US" sz="2600" dirty="0"/>
+              <a:t>z</a:t>
+            </a:r>
+          </a:p>
+          <a:p>
+            <a:pPr marL="0" indent="0">
+              <a:buNone/>
+            </a:pPr>
+            <a:r>
+              <a:rPr lang="en-US" sz="2600" dirty="0"/>
+              <a:t>&gt; (s2 'pop)</a:t>
+            </a:r>
+          </a:p>
+          <a:p>
+            <a:pPr marL="0" indent="0">
+              <a:buNone/>
+            </a:pPr>
+            <a:r>
+              <a:rPr lang="en-US" sz="2600" dirty="0"/>
+              <a:t>Exception in car: () is not a pair</a:t>
+            </a:r>
+          </a:p>
+          <a:p>
+            <a:pPr marL="0" indent="0">
+              <a:buNone/>
+            </a:pPr>
+            <a:r>
+              <a:rPr lang="en-US" sz="2600" dirty="0"/>
+              <a:t>&gt; </a:t>
+            </a:r>
+          </a:p>
+          <a:p>
+            <a:pPr marL="0" indent="0">
+              <a:buNone/>
+            </a:pPr>
+            <a:endParaRPr lang="en-US" dirty="0"/>
+          </a:p>
+        </p:txBody>
+      </p:sp>
+      <p:cxnSp>
+        <p:nvCxnSpPr>
+          <p:cNvPr id="7" name="Straight Connector 6"/>
+          <p:cNvCxnSpPr/>
+          <p:nvPr/>
+        </p:nvCxnSpPr>
+        <p:spPr bwMode="auto">
+          <a:xfrm>
+            <a:off x="5562600" y="228600"/>
+            <a:ext cx="0" cy="5867400"/>
+          </a:xfrm>
+          <a:prstGeom prst="line">
+            <a:avLst/>
+          </a:prstGeom>
+          <a:solidFill>
+            <a:schemeClr val="accent1"/>
+          </a:solidFill>
+          <a:ln w="9525" cap="flat" cmpd="sng" algn="ctr">
+            <a:solidFill>
+              <a:schemeClr val="tx1"/>
+            </a:solidFill>
+            <a:prstDash val="solid"/>
+            <a:round/>
+            <a:headEnd type="none" w="med" len="med"/>
+            <a:tailEnd type="none" w="med" len="med"/>
+          </a:ln>
+          <a:effectLst/>
+        </p:spPr>
+      </p:cxnSp>
+      <p:sp>
+        <p:nvSpPr>
+          <p:cNvPr id="6" name="TextBox 5"/>
+          <p:cNvSpPr txBox="1"/>
+          <p:nvPr/>
+        </p:nvSpPr>
+        <p:spPr>
+          <a:xfrm>
+            <a:off x="1816826" y="4431001"/>
+            <a:ext cx="3048000" cy="1815882"/>
+          </a:xfrm>
+          <a:prstGeom prst="rect">
+            <a:avLst/>
+          </a:prstGeom>
+          <a:noFill/>
+        </p:spPr>
+        <p:txBody>
+          <a:bodyPr wrap="square" rtlCol="0">
+            <a:spAutoFit/>
+          </a:bodyPr>
+          <a:lstStyle/>
+          <a:p>
+            <a:r>
+              <a:rPr lang="en-US" sz="2800" b="1" dirty="0">
+                <a:solidFill>
+                  <a:srgbClr val="F10000"/>
+                </a:solidFill>
+              </a:rPr>
+              <a:t>Transcript that  illustrates  the use of the stack "class"</a:t>
+            </a:r>
+          </a:p>
+        </p:txBody>
+      </p:sp>
+      <p:sp>
+        <p:nvSpPr>
+          <p:cNvPr id="2" name="TextBox 1"/>
+          <p:cNvSpPr txBox="1"/>
+          <p:nvPr/>
+        </p:nvSpPr>
+        <p:spPr>
+          <a:xfrm>
+            <a:off x="9041674" y="4677223"/>
+            <a:ext cx="2667000" cy="1569660"/>
+          </a:xfrm>
+          <a:prstGeom prst="rect">
+            <a:avLst/>
+          </a:prstGeom>
+          <a:solidFill>
+            <a:srgbClr val="F10000"/>
+          </a:solidFill>
+        </p:spPr>
+        <p:txBody>
+          <a:bodyPr wrap="square" rtlCol="0">
+            <a:spAutoFit/>
+          </a:bodyPr>
+          <a:lstStyle/>
+          <a:p>
+            <a:r>
+              <a:rPr lang="en-US" sz="2400" dirty="0"/>
+              <a:t>A better error message would be a nice improvement here</a:t>
+            </a:r>
+          </a:p>
+        </p:txBody>
+      </p:sp>
+    </p:spTree>
+    <p:extLst>
+      <p:ext uri="{BB962C8B-B14F-4D97-AF65-F5344CB8AC3E}">
+        <p14:creationId xmlns:p14="http://schemas.microsoft.com/office/powerpoint/2010/main" val="368076910"/>
+      </p:ext>
+    </p:extLst>
+  </p:cSld>
+  <p:clrMapOvr>
+    <a:masterClrMapping/>
+  </p:clrMapOvr>
+  <p:timing>
+    <p:tnLst>
+      <p:par>
+        <p:cTn id="1" dur="indefinite" restart="never" nodeType="tmRoot">
+          <p:childTnLst>
+            <p:seq concurrent="1" nextAc="seek">
+              <p:cTn id="2" dur="indefinite" nodeType="mainSeq">
+                <p:childTnLst>
+                  <p:par>
+                    <p:cTn id="3" fill="hold">
+                      <p:stCondLst>
+                        <p:cond delay="indefinite"/>
+                      </p:stCondLst>
+                      <p:childTnLst>
+                        <p:par>
+                          <p:cTn id="4" fill="hold">
+                            <p:stCondLst>
+                              <p:cond delay="0"/>
+                            </p:stCondLst>
+                            <p:childTnLst>
+                              <p:par>
+                                <p:cTn id="5" presetID="1" presetClass="entr" presetSubtype="0" fill="hold" grpId="0" nodeType="clickEffect">
+                                  <p:stCondLst>
+                                    <p:cond delay="0"/>
+                                  </p:stCondLst>
+                                  <p:childTnLst>
+                                    <p:set>
+                                      <p:cBhvr>
+                                        <p:cTn id="6" dur="1" fill="hold">
+                                          <p:stCondLst>
+                                            <p:cond delay="0"/>
+                                          </p:stCondLst>
+                                        </p:cTn>
+                                        <p:tgtEl>
+                                          <p:spTgt spid="2"/>
+                                        </p:tgtEl>
+                                        <p:attrNameLst>
+                                          <p:attrName>style.visibility</p:attrName>
+                                        </p:attrNameLst>
+                                      </p:cBhvr>
+                                      <p:to>
+                                        <p:strVal val="visible"/>
+                                      </p:to>
+                                    </p:set>
+                                  </p:childTnLst>
+                                </p:cTn>
+                              </p:par>
+                            </p:childTnLst>
+                          </p:cTn>
+                        </p:par>
+                      </p:childTnLst>
+                    </p:cTn>
+                  </p:par>
+                </p:childTnLst>
+              </p:cTn>
+              <p:prevCondLst>
+                <p:cond evt="onPrev" delay="0">
+                  <p:tgtEl>
+                    <p:sldTgt/>
+                  </p:tgtEl>
+                </p:cond>
+              </p:prevCondLst>
+              <p:nextCondLst>
+                <p:cond evt="onNext" delay="0">
+                  <p:tgtEl>
+                    <p:sldTgt/>
+                  </p:tgtEl>
+                </p:cond>
+              </p:nextCondLst>
+            </p:seq>
+          </p:childTnLst>
+        </p:cTn>
+      </p:par>
+    </p:tnLst>
+    <p:bldLst>
+      <p:bldP spid="2" grpId="0" animBg="1"/>
+    </p:bldLst>
+  </p:timing>
+</p:sld>
+</file>
+
 <file path=ppt/slides/slide9.xml><?xml version="1.0" encoding="utf-8"?>
 <p:sld xmlns:a="http://schemas.openxmlformats.org/drawingml/2006/main" xmlns:r="http://schemas.openxmlformats.org/officeDocument/2006/relationships" xmlns:p="http://schemas.openxmlformats.org/presentationml/2006/main">
   <p:cSld>
@@ -10103,83 +9582,229 @@
       </p:grpSpPr>
       <p:sp>
         <p:nvSpPr>
-          <p:cNvPr id="2" name="Title 1">
-            <a:extLst>
-              <a:ext uri="{FF2B5EF4-FFF2-40B4-BE49-F238E27FC236}">
-                <a16:creationId xmlns:a16="http://schemas.microsoft.com/office/drawing/2014/main" id="{3D35831C-BF43-C1B3-E176-42D3433DD58C}"/>
-              </a:ext>
-            </a:extLst>
-          </p:cNvPr>
-          <p:cNvSpPr>
-            <a:spLocks noGrp="1"/>
+          <p:cNvPr id="576514" name="Rectangle 2"/>
+          <p:cNvSpPr>
+            <a:spLocks noGrp="1" noChangeArrowheads="1"/>
           </p:cNvSpPr>
           <p:nvPr>
             <p:ph type="title"/>
           </p:nvPr>
         </p:nvSpPr>
-        <p:spPr/>
+        <p:spPr>
+          <a:xfrm>
+            <a:off x="1828800" y="152400"/>
+            <a:ext cx="8382000" cy="1066800"/>
+          </a:xfrm>
+        </p:spPr>
         <p:txBody>
           <a:bodyPr/>
           <a:lstStyle/>
           <a:p>
             <a:r>
-              <a:rPr lang="en-US" dirty="0"/>
-              <a:t>Is this “object oriented programming”?</a:t>
-            </a:r>
-          </a:p>
-        </p:txBody>
-      </p:sp>
-      <p:sp>
-        <p:nvSpPr>
-          <p:cNvPr id="3" name="Content Placeholder 2">
-            <a:extLst>
-              <a:ext uri="{FF2B5EF4-FFF2-40B4-BE49-F238E27FC236}">
-                <a16:creationId xmlns:a16="http://schemas.microsoft.com/office/drawing/2014/main" id="{0412F0FA-F5DD-F286-868E-201808898893}"/>
-              </a:ext>
-            </a:extLst>
-          </p:cNvPr>
-          <p:cNvSpPr>
-            <a:spLocks noGrp="1"/>
-          </p:cNvSpPr>
-          <p:nvPr>
-            <p:ph idx="1"/>
-          </p:nvPr>
-        </p:nvSpPr>
-        <p:spPr/>
-        <p:txBody>
-          <a:bodyPr/>
+              <a:rPr lang="en-US" sz="4000" dirty="0"/>
+              <a:t>Encapsulation: Creating "objects" in a mostly functional language</a:t>
+            </a:r>
+          </a:p>
+        </p:txBody>
+      </p:sp>
+      <p:pic>
+        <p:nvPicPr>
+          <p:cNvPr id="576516" name="Picture 4"/>
+          <p:cNvPicPr>
+            <a:picLocks noChangeAspect="1" noChangeArrowheads="1"/>
+          </p:cNvPicPr>
+          <p:nvPr/>
+        </p:nvPicPr>
+        <p:blipFill>
+          <a:blip r:embed="rId3" cstate="print"/>
+          <a:srcRect/>
+          <a:stretch>
+            <a:fillRect/>
+          </a:stretch>
+        </p:blipFill>
+        <p:spPr bwMode="auto">
+          <a:xfrm>
+            <a:off x="1676400" y="1345152"/>
+            <a:ext cx="5589070" cy="5441471"/>
+          </a:xfrm>
+          <a:prstGeom prst="rect">
+            <a:avLst/>
+          </a:prstGeom>
+          <a:noFill/>
+          <a:ln w="9525">
+            <a:noFill/>
+            <a:miter lim="800000"/>
+            <a:headEnd/>
+            <a:tailEnd/>
+          </a:ln>
+          <a:effectLst/>
+        </p:spPr>
+      </p:pic>
+      <p:sp>
+        <p:nvSpPr>
+          <p:cNvPr id="576517" name="Text Box 5"/>
+          <p:cNvSpPr txBox="1">
+            <a:spLocks noChangeArrowheads="1"/>
+          </p:cNvSpPr>
+          <p:nvPr/>
+        </p:nvSpPr>
+        <p:spPr bwMode="auto">
+          <a:xfrm>
+            <a:off x="7467600" y="3770056"/>
+            <a:ext cx="2895600" cy="2554545"/>
+          </a:xfrm>
+          <a:prstGeom prst="rect">
+            <a:avLst/>
+          </a:prstGeom>
+          <a:noFill/>
+          <a:ln w="9525">
+            <a:noFill/>
+            <a:miter lim="800000"/>
+            <a:headEnd/>
+            <a:tailEnd/>
+          </a:ln>
+          <a:effectLst/>
+        </p:spPr>
+        <p:txBody>
+          <a:bodyPr wrap="square">
+            <a:spAutoFit/>
+          </a:bodyPr>
           <a:lstStyle/>
           <a:p>
-            <a:r>
-              <a:rPr lang="en-US" dirty="0"/>
-              <a:t>It could be “soil” on which you could grow an object oriented scheme</a:t>
-            </a:r>
-          </a:p>
-          <a:p>
-            <a:r>
-              <a:rPr lang="en-US" dirty="0"/>
-              <a:t>But to me it is more an illustration of</a:t>
-            </a:r>
-          </a:p>
-          <a:p>
-            <a:pPr lvl="1"/>
-            <a:r>
-              <a:rPr lang="en-US" dirty="0"/>
-              <a:t>The subtle way lambdas store (any amount of) data</a:t>
-            </a:r>
-          </a:p>
-          <a:p>
-            <a:pPr lvl="1"/>
-            <a:r>
-              <a:rPr lang="en-US" dirty="0"/>
-              <a:t>The power and versatility of lambdas</a:t>
-            </a:r>
-          </a:p>
-          <a:p>
-            <a:pPr lvl="1"/>
-            <a:r>
-              <a:rPr lang="en-US" dirty="0"/>
-              <a:t>A tool we can use when we want a little structure that can store something</a:t>
+            <a:pPr>
+              <a:spcBef>
+                <a:spcPct val="50000"/>
+              </a:spcBef>
+            </a:pPr>
+            <a:r>
+              <a:rPr lang="en-US" sz="3200" dirty="0">
+                <a:solidFill>
+                  <a:schemeClr val="bg1"/>
+                </a:solidFill>
+              </a:rPr>
+              <a:t>What is the problem with this code?</a:t>
+            </a:r>
+            <a:br>
+              <a:rPr lang="en-US" sz="3200" dirty="0">
+                <a:solidFill>
+                  <a:schemeClr val="bg1"/>
+                </a:solidFill>
+              </a:rPr>
+            </a:br>
+            <a:br>
+              <a:rPr lang="en-US" sz="3200" dirty="0">
+                <a:solidFill>
+                  <a:schemeClr val="bg1"/>
+                </a:solidFill>
+              </a:rPr>
+            </a:br>
+            <a:r>
+              <a:rPr lang="en-US" sz="3200" dirty="0">
+                <a:solidFill>
+                  <a:schemeClr val="bg1"/>
+                </a:solidFill>
+              </a:rPr>
+              <a:t>How to fix it?</a:t>
+            </a:r>
+          </a:p>
+        </p:txBody>
+      </p:sp>
+      <p:sp>
+        <p:nvSpPr>
+          <p:cNvPr id="6" name="TextBox 5"/>
+          <p:cNvSpPr txBox="1"/>
+          <p:nvPr/>
+        </p:nvSpPr>
+        <p:spPr>
+          <a:xfrm>
+            <a:off x="7467600" y="1519298"/>
+            <a:ext cx="2895600" cy="2431435"/>
+          </a:xfrm>
+          <a:prstGeom prst="rect">
+            <a:avLst/>
+          </a:prstGeom>
+          <a:noFill/>
+          <a:ln w="25400">
+            <a:solidFill>
+              <a:srgbClr val="FFFF00"/>
+            </a:solidFill>
+          </a:ln>
+        </p:spPr>
+        <p:txBody>
+          <a:bodyPr wrap="square" rtlCol="0">
+            <a:spAutoFit/>
+          </a:bodyPr>
+          <a:lstStyle/>
+          <a:p>
+            <a:pPr>
+              <a:lnSpc>
+                <a:spcPct val="95000"/>
+              </a:lnSpc>
+            </a:pPr>
+            <a:r>
+              <a:rPr lang="en-US" sz="3200" dirty="0">
+                <a:solidFill>
+                  <a:srgbClr val="FFFF00"/>
+                </a:solidFill>
+              </a:rPr>
+              <a:t>The car of the </a:t>
+            </a:r>
+            <a:r>
+              <a:rPr lang="en-US" sz="3200" b="1" dirty="0" err="1">
+                <a:solidFill>
+                  <a:srgbClr val="FFFF00"/>
+                </a:solidFill>
+              </a:rPr>
+              <a:t>stk</a:t>
+            </a:r>
+            <a:r>
+              <a:rPr lang="en-US" sz="3200" dirty="0">
+                <a:solidFill>
+                  <a:srgbClr val="FFFF00"/>
+                </a:solidFill>
+              </a:rPr>
+              <a:t> list contains the top of the stack</a:t>
+            </a:r>
+          </a:p>
+        </p:txBody>
+      </p:sp>
+      <p:sp>
+        <p:nvSpPr>
+          <p:cNvPr id="7" name="TextBox 6"/>
+          <p:cNvSpPr txBox="1"/>
+          <p:nvPr/>
+        </p:nvSpPr>
+        <p:spPr>
+          <a:xfrm>
+            <a:off x="7483642" y="3998656"/>
+            <a:ext cx="2879558" cy="2554545"/>
+          </a:xfrm>
+          <a:prstGeom prst="rect">
+            <a:avLst/>
+          </a:prstGeom>
+          <a:noFill/>
+          <a:ln w="25400">
+            <a:solidFill>
+              <a:srgbClr val="FFFF00"/>
+            </a:solidFill>
+          </a:ln>
+        </p:spPr>
+        <p:txBody>
+          <a:bodyPr wrap="square" rtlCol="0">
+            <a:spAutoFit/>
+          </a:bodyPr>
+          <a:lstStyle/>
+          <a:p>
+            <a:r>
+              <a:rPr lang="en-US" sz="3200" dirty="0">
+                <a:solidFill>
+                  <a:schemeClr val="accent3">
+                    <a:lumMod val="40000"/>
+                    <a:lumOff val="60000"/>
+                  </a:schemeClr>
+                </a:solidFill>
+              </a:rPr>
+              <a:t>This code contains a subtle error.  Can you see what it is?</a:t>
             </a:r>
           </a:p>
         </p:txBody>
@@ -10187,13 +9812,91 @@
     </p:spTree>
     <p:extLst>
       <p:ext uri="{BB962C8B-B14F-4D97-AF65-F5344CB8AC3E}">
-        <p14:creationId xmlns:p14="http://schemas.microsoft.com/office/powerpoint/2010/main" val="3157726501"/>
+        <p14:creationId xmlns:p14="http://schemas.microsoft.com/office/powerpoint/2010/main" val="435478160"/>
       </p:ext>
     </p:extLst>
   </p:cSld>
   <p:clrMapOvr>
     <a:masterClrMapping/>
   </p:clrMapOvr>
+  <p:timing>
+    <p:tnLst>
+      <p:par>
+        <p:cTn id="1" dur="indefinite" restart="never" nodeType="tmRoot">
+          <p:childTnLst>
+            <p:seq concurrent="1" nextAc="seek">
+              <p:cTn id="2" dur="indefinite" nodeType="mainSeq">
+                <p:childTnLst>
+                  <p:par>
+                    <p:cTn id="3" fill="hold">
+                      <p:stCondLst>
+                        <p:cond delay="indefinite"/>
+                      </p:stCondLst>
+                      <p:childTnLst>
+                        <p:par>
+                          <p:cTn id="4" fill="hold">
+                            <p:stCondLst>
+                              <p:cond delay="0"/>
+                            </p:stCondLst>
+                            <p:childTnLst>
+                              <p:par>
+                                <p:cTn id="5" presetID="1" presetClass="entr" presetSubtype="0" fill="hold" grpId="0" nodeType="clickEffect">
+                                  <p:stCondLst>
+                                    <p:cond delay="0"/>
+                                  </p:stCondLst>
+                                  <p:childTnLst>
+                                    <p:set>
+                                      <p:cBhvr>
+                                        <p:cTn id="6" dur="1" fill="hold">
+                                          <p:stCondLst>
+                                            <p:cond delay="0"/>
+                                          </p:stCondLst>
+                                        </p:cTn>
+                                        <p:tgtEl>
+                                          <p:spTgt spid="576517"/>
+                                        </p:tgtEl>
+                                        <p:attrNameLst>
+                                          <p:attrName>style.visibility</p:attrName>
+                                        </p:attrNameLst>
+                                      </p:cBhvr>
+                                      <p:to>
+                                        <p:strVal val="visible"/>
+                                      </p:to>
+                                    </p:set>
+                                  </p:childTnLst>
+                                </p:cTn>
+                              </p:par>
+                            </p:childTnLst>
+                          </p:cTn>
+                        </p:par>
+                      </p:childTnLst>
+                    </p:cTn>
+                  </p:par>
+                </p:childTnLst>
+              </p:cTn>
+              <p:prevCondLst>
+                <p:cond evt="onPrev" delay="0">
+                  <p:tgtEl>
+                    <p:sldTgt/>
+                  </p:tgtEl>
+                </p:cond>
+              </p:prevCondLst>
+              <p:nextCondLst>
+                <p:cond evt="onNext" delay="0">
+                  <p:tgtEl>
+                    <p:sldTgt/>
+                  </p:tgtEl>
+                </p:cond>
+              </p:nextCondLst>
+            </p:seq>
+          </p:childTnLst>
+        </p:cTn>
+      </p:par>
+    </p:tnLst>
+    <p:bldLst>
+      <p:bldP spid="576517" grpId="0"/>
+    </p:bldLst>
+  </p:timing>
 </p:sld>
 </file>
 

--- a/ClassMaterials/OOP/09-OOP-202120.pptx
+++ b/ClassMaterials/OOP/09-OOP-202120.pptx
@@ -2,13 +2,13 @@
 <file path=ppt/presentation.xml><?xml version="1.0" encoding="utf-8"?>
 <p:presentation xmlns:a="http://schemas.openxmlformats.org/drawingml/2006/main" xmlns:r="http://schemas.openxmlformats.org/officeDocument/2006/relationships" xmlns:p="http://schemas.openxmlformats.org/presentationml/2006/main" saveSubsetFonts="1">
   <p:sldMasterIdLst>
-    <p:sldMasterId id="2147483695" r:id="rId1"/>
+    <p:sldMasterId id="2147483708" r:id="rId1"/>
   </p:sldMasterIdLst>
   <p:notesMasterIdLst>
-    <p:notesMasterId r:id="rId17"/>
+    <p:notesMasterId r:id="rId15"/>
   </p:notesMasterIdLst>
   <p:handoutMasterIdLst>
-    <p:handoutMasterId r:id="rId18"/>
+    <p:handoutMasterId r:id="rId16"/>
   </p:handoutMasterIdLst>
   <p:sldIdLst>
     <p:sldId id="257" r:id="rId2"/>
@@ -24,8 +24,6 @@
     <p:sldId id="431" r:id="rId12"/>
     <p:sldId id="387" r:id="rId13"/>
     <p:sldId id="388" r:id="rId14"/>
-    <p:sldId id="357" r:id="rId15"/>
-    <p:sldId id="425" r:id="rId16"/>
   </p:sldIdLst>
   <p:sldSz cx="12192000" cy="6858000"/>
   <p:notesSz cx="7315200" cy="9601200"/>
@@ -33,122 +31,92 @@
     <a:defPPr>
       <a:defRPr lang="en-US"/>
     </a:defPPr>
-    <a:lvl1pPr algn="l" rtl="0" eaLnBrk="0" fontAlgn="base" hangingPunct="0">
-      <a:spcBef>
-        <a:spcPct val="0"/>
-      </a:spcBef>
-      <a:spcAft>
-        <a:spcPct val="0"/>
-      </a:spcAft>
-      <a:defRPr kern="1200">
+    <a:lvl1pPr marL="0" algn="l" defTabSz="914400" rtl="0" eaLnBrk="1" latinLnBrk="0" hangingPunct="1">
+      <a:defRPr sz="1800" kern="1200">
         <a:solidFill>
           <a:schemeClr val="tx1"/>
         </a:solidFill>
-        <a:latin typeface="Arial" charset="0"/>
+        <a:latin typeface="+mn-lt"/>
         <a:ea typeface="+mn-ea"/>
         <a:cs typeface="+mn-cs"/>
       </a:defRPr>
     </a:lvl1pPr>
-    <a:lvl2pPr marL="457200" algn="l" rtl="0" eaLnBrk="0" fontAlgn="base" hangingPunct="0">
-      <a:spcBef>
-        <a:spcPct val="0"/>
-      </a:spcBef>
-      <a:spcAft>
-        <a:spcPct val="0"/>
-      </a:spcAft>
-      <a:defRPr kern="1200">
+    <a:lvl2pPr marL="457200" algn="l" defTabSz="914400" rtl="0" eaLnBrk="1" latinLnBrk="0" hangingPunct="1">
+      <a:defRPr sz="1800" kern="1200">
         <a:solidFill>
           <a:schemeClr val="tx1"/>
         </a:solidFill>
-        <a:latin typeface="Arial" charset="0"/>
+        <a:latin typeface="+mn-lt"/>
         <a:ea typeface="+mn-ea"/>
         <a:cs typeface="+mn-cs"/>
       </a:defRPr>
     </a:lvl2pPr>
-    <a:lvl3pPr marL="914400" algn="l" rtl="0" eaLnBrk="0" fontAlgn="base" hangingPunct="0">
-      <a:spcBef>
-        <a:spcPct val="0"/>
-      </a:spcBef>
-      <a:spcAft>
-        <a:spcPct val="0"/>
-      </a:spcAft>
-      <a:defRPr kern="1200">
+    <a:lvl3pPr marL="914400" algn="l" defTabSz="914400" rtl="0" eaLnBrk="1" latinLnBrk="0" hangingPunct="1">
+      <a:defRPr sz="1800" kern="1200">
         <a:solidFill>
           <a:schemeClr val="tx1"/>
         </a:solidFill>
-        <a:latin typeface="Arial" charset="0"/>
+        <a:latin typeface="+mn-lt"/>
         <a:ea typeface="+mn-ea"/>
         <a:cs typeface="+mn-cs"/>
       </a:defRPr>
     </a:lvl3pPr>
-    <a:lvl4pPr marL="1371600" algn="l" rtl="0" eaLnBrk="0" fontAlgn="base" hangingPunct="0">
-      <a:spcBef>
-        <a:spcPct val="0"/>
-      </a:spcBef>
-      <a:spcAft>
-        <a:spcPct val="0"/>
-      </a:spcAft>
-      <a:defRPr kern="1200">
+    <a:lvl4pPr marL="1371600" algn="l" defTabSz="914400" rtl="0" eaLnBrk="1" latinLnBrk="0" hangingPunct="1">
+      <a:defRPr sz="1800" kern="1200">
         <a:solidFill>
           <a:schemeClr val="tx1"/>
         </a:solidFill>
-        <a:latin typeface="Arial" charset="0"/>
+        <a:latin typeface="+mn-lt"/>
         <a:ea typeface="+mn-ea"/>
         <a:cs typeface="+mn-cs"/>
       </a:defRPr>
     </a:lvl4pPr>
-    <a:lvl5pPr marL="1828800" algn="l" rtl="0" eaLnBrk="0" fontAlgn="base" hangingPunct="0">
-      <a:spcBef>
-        <a:spcPct val="0"/>
-      </a:spcBef>
-      <a:spcAft>
-        <a:spcPct val="0"/>
-      </a:spcAft>
-      <a:defRPr kern="1200">
+    <a:lvl5pPr marL="1828800" algn="l" defTabSz="914400" rtl="0" eaLnBrk="1" latinLnBrk="0" hangingPunct="1">
+      <a:defRPr sz="1800" kern="1200">
         <a:solidFill>
           <a:schemeClr val="tx1"/>
         </a:solidFill>
-        <a:latin typeface="Arial" charset="0"/>
+        <a:latin typeface="+mn-lt"/>
         <a:ea typeface="+mn-ea"/>
         <a:cs typeface="+mn-cs"/>
       </a:defRPr>
     </a:lvl5pPr>
     <a:lvl6pPr marL="2286000" algn="l" defTabSz="914400" rtl="0" eaLnBrk="1" latinLnBrk="0" hangingPunct="1">
-      <a:defRPr kern="1200">
+      <a:defRPr sz="1800" kern="1200">
         <a:solidFill>
           <a:schemeClr val="tx1"/>
         </a:solidFill>
-        <a:latin typeface="Arial" charset="0"/>
+        <a:latin typeface="+mn-lt"/>
         <a:ea typeface="+mn-ea"/>
         <a:cs typeface="+mn-cs"/>
       </a:defRPr>
     </a:lvl6pPr>
     <a:lvl7pPr marL="2743200" algn="l" defTabSz="914400" rtl="0" eaLnBrk="1" latinLnBrk="0" hangingPunct="1">
-      <a:defRPr kern="1200">
+      <a:defRPr sz="1800" kern="1200">
         <a:solidFill>
           <a:schemeClr val="tx1"/>
         </a:solidFill>
-        <a:latin typeface="Arial" charset="0"/>
+        <a:latin typeface="+mn-lt"/>
         <a:ea typeface="+mn-ea"/>
         <a:cs typeface="+mn-cs"/>
       </a:defRPr>
     </a:lvl7pPr>
     <a:lvl8pPr marL="3200400" algn="l" defTabSz="914400" rtl="0" eaLnBrk="1" latinLnBrk="0" hangingPunct="1">
-      <a:defRPr kern="1200">
+      <a:defRPr sz="1800" kern="1200">
         <a:solidFill>
           <a:schemeClr val="tx1"/>
         </a:solidFill>
-        <a:latin typeface="Arial" charset="0"/>
+        <a:latin typeface="+mn-lt"/>
         <a:ea typeface="+mn-ea"/>
         <a:cs typeface="+mn-cs"/>
       </a:defRPr>
     </a:lvl8pPr>
     <a:lvl9pPr marL="3657600" algn="l" defTabSz="914400" rtl="0" eaLnBrk="1" latinLnBrk="0" hangingPunct="1">
-      <a:defRPr kern="1200">
+      <a:defRPr sz="1800" kern="1200">
         <a:solidFill>
           <a:schemeClr val="tx1"/>
         </a:solidFill>
-        <a:latin typeface="Arial" charset="0"/>
+        <a:latin typeface="+mn-lt"/>
         <a:ea typeface="+mn-ea"/>
         <a:cs typeface="+mn-cs"/>
       </a:defRPr>
@@ -1812,7 +1780,7 @@
 </file>
 
 <file path=ppt/slideLayouts/slideLayout1.xml><?xml version="1.0" encoding="utf-8"?>
-<p:sldLayout xmlns:a="http://schemas.openxmlformats.org/drawingml/2006/main" xmlns:r="http://schemas.openxmlformats.org/officeDocument/2006/relationships" xmlns:p="http://schemas.openxmlformats.org/presentationml/2006/main" showMasterSp="0" type="title" preserve="1">
+<p:sldLayout xmlns:a="http://schemas.openxmlformats.org/drawingml/2006/main" xmlns:r="http://schemas.openxmlformats.org/officeDocument/2006/relationships" xmlns:p="http://schemas.openxmlformats.org/presentationml/2006/main" type="title" preserve="1">
   <p:cSld name="Title Slide">
     <p:spTree>
       <p:nvGrpSpPr>
@@ -1828,933 +1796,33 @@
           <a:chExt cx="0" cy="0"/>
         </a:xfrm>
       </p:grpSpPr>
-      <p:grpSp>
-        <p:nvGrpSpPr>
-          <p:cNvPr id="338946" name="Group 2"/>
-          <p:cNvGrpSpPr>
-            <a:grpSpLocks/>
-          </p:cNvGrpSpPr>
-          <p:nvPr/>
-        </p:nvGrpSpPr>
-        <p:grpSpPr bwMode="auto">
-          <a:xfrm>
-            <a:off x="1" y="3902076"/>
-            <a:ext cx="4533900" cy="2949575"/>
-            <a:chOff x="0" y="2458"/>
-            <a:chExt cx="2142" cy="1858"/>
-          </a:xfrm>
-        </p:grpSpPr>
-        <p:sp>
-          <p:nvSpPr>
-            <p:cNvPr id="338947" name="Freeform 3"/>
-            <p:cNvSpPr>
-              <a:spLocks/>
-            </p:cNvSpPr>
-            <p:nvPr/>
-          </p:nvSpPr>
-          <p:spPr bwMode="ltGray">
-            <a:xfrm>
-              <a:off x="0" y="2508"/>
-              <a:ext cx="2142" cy="1804"/>
-            </a:xfrm>
-            <a:custGeom>
-              <a:avLst/>
-              <a:gdLst/>
-              <a:ahLst/>
-              <a:cxnLst>
-                <a:cxn ang="0">
-                  <a:pos x="329" y="66"/>
-                </a:cxn>
-                <a:cxn ang="0">
-                  <a:pos x="161" y="30"/>
-                </a:cxn>
-                <a:cxn ang="0">
-                  <a:pos x="0" y="0"/>
-                </a:cxn>
-                <a:cxn ang="0">
-                  <a:pos x="0" y="12"/>
-                </a:cxn>
-                <a:cxn ang="0">
-                  <a:pos x="161" y="42"/>
-                </a:cxn>
-                <a:cxn ang="0">
-                  <a:pos x="323" y="78"/>
-                </a:cxn>
-                <a:cxn ang="0">
-                  <a:pos x="556" y="150"/>
-                </a:cxn>
-                <a:cxn ang="0">
-                  <a:pos x="777" y="245"/>
-                </a:cxn>
-                <a:cxn ang="0">
-                  <a:pos x="993" y="365"/>
-                </a:cxn>
-                <a:cxn ang="0">
-                  <a:pos x="1196" y="503"/>
-                </a:cxn>
-                <a:cxn ang="0">
-                  <a:pos x="1381" y="653"/>
-                </a:cxn>
-                <a:cxn ang="0">
-                  <a:pos x="1555" y="827"/>
-                </a:cxn>
-                <a:cxn ang="0">
-                  <a:pos x="1710" y="1019"/>
-                </a:cxn>
-                <a:cxn ang="0">
-                  <a:pos x="1854" y="1229"/>
-                </a:cxn>
-                <a:cxn ang="0">
-                  <a:pos x="1937" y="1366"/>
-                </a:cxn>
-                <a:cxn ang="0">
-                  <a:pos x="2009" y="1510"/>
-                </a:cxn>
-                <a:cxn ang="0">
-                  <a:pos x="2069" y="1654"/>
-                </a:cxn>
-                <a:cxn ang="0">
-                  <a:pos x="2123" y="1804"/>
-                </a:cxn>
-                <a:cxn ang="0">
-                  <a:pos x="2135" y="1804"/>
-                </a:cxn>
-                <a:cxn ang="0">
-                  <a:pos x="2081" y="1654"/>
-                </a:cxn>
-                <a:cxn ang="0">
-                  <a:pos x="2021" y="1510"/>
-                </a:cxn>
-                <a:cxn ang="0">
-                  <a:pos x="1949" y="1366"/>
-                </a:cxn>
-                <a:cxn ang="0">
-                  <a:pos x="1866" y="1223"/>
-                </a:cxn>
-                <a:cxn ang="0">
-                  <a:pos x="1722" y="1013"/>
-                </a:cxn>
-                <a:cxn ang="0">
-                  <a:pos x="1561" y="821"/>
-                </a:cxn>
-                <a:cxn ang="0">
-                  <a:pos x="1387" y="647"/>
-                </a:cxn>
-                <a:cxn ang="0">
-                  <a:pos x="1202" y="491"/>
-                </a:cxn>
-                <a:cxn ang="0">
-                  <a:pos x="999" y="353"/>
-                </a:cxn>
-                <a:cxn ang="0">
-                  <a:pos x="783" y="239"/>
-                </a:cxn>
-                <a:cxn ang="0">
-                  <a:pos x="562" y="138"/>
-                </a:cxn>
-                <a:cxn ang="0">
-                  <a:pos x="329" y="66"/>
-                </a:cxn>
-                <a:cxn ang="0">
-                  <a:pos x="329" y="66"/>
-                </a:cxn>
-              </a:cxnLst>
-              <a:rect l="0" t="0" r="r" b="b"/>
-              <a:pathLst>
-                <a:path w="2135" h="1804">
-                  <a:moveTo>
-                    <a:pt x="329" y="66"/>
-                  </a:moveTo>
-                  <a:lnTo>
-                    <a:pt x="161" y="30"/>
-                  </a:lnTo>
-                  <a:lnTo>
-                    <a:pt x="0" y="0"/>
-                  </a:lnTo>
-                  <a:lnTo>
-                    <a:pt x="0" y="12"/>
-                  </a:lnTo>
-                  <a:lnTo>
-                    <a:pt x="161" y="42"/>
-                  </a:lnTo>
-                  <a:lnTo>
-                    <a:pt x="323" y="78"/>
-                  </a:lnTo>
-                  <a:lnTo>
-                    <a:pt x="556" y="150"/>
-                  </a:lnTo>
-                  <a:lnTo>
-                    <a:pt x="777" y="245"/>
-                  </a:lnTo>
-                  <a:lnTo>
-                    <a:pt x="993" y="365"/>
-                  </a:lnTo>
-                  <a:lnTo>
-                    <a:pt x="1196" y="503"/>
-                  </a:lnTo>
-                  <a:lnTo>
-                    <a:pt x="1381" y="653"/>
-                  </a:lnTo>
-                  <a:lnTo>
-                    <a:pt x="1555" y="827"/>
-                  </a:lnTo>
-                  <a:lnTo>
-                    <a:pt x="1710" y="1019"/>
-                  </a:lnTo>
-                  <a:lnTo>
-                    <a:pt x="1854" y="1229"/>
-                  </a:lnTo>
-                  <a:lnTo>
-                    <a:pt x="1937" y="1366"/>
-                  </a:lnTo>
-                  <a:lnTo>
-                    <a:pt x="2009" y="1510"/>
-                  </a:lnTo>
-                  <a:lnTo>
-                    <a:pt x="2069" y="1654"/>
-                  </a:lnTo>
-                  <a:lnTo>
-                    <a:pt x="2123" y="1804"/>
-                  </a:lnTo>
-                  <a:lnTo>
-                    <a:pt x="2135" y="1804"/>
-                  </a:lnTo>
-                  <a:lnTo>
-                    <a:pt x="2081" y="1654"/>
-                  </a:lnTo>
-                  <a:lnTo>
-                    <a:pt x="2021" y="1510"/>
-                  </a:lnTo>
-                  <a:lnTo>
-                    <a:pt x="1949" y="1366"/>
-                  </a:lnTo>
-                  <a:lnTo>
-                    <a:pt x="1866" y="1223"/>
-                  </a:lnTo>
-                  <a:lnTo>
-                    <a:pt x="1722" y="1013"/>
-                  </a:lnTo>
-                  <a:lnTo>
-                    <a:pt x="1561" y="821"/>
-                  </a:lnTo>
-                  <a:lnTo>
-                    <a:pt x="1387" y="647"/>
-                  </a:lnTo>
-                  <a:lnTo>
-                    <a:pt x="1202" y="491"/>
-                  </a:lnTo>
-                  <a:lnTo>
-                    <a:pt x="999" y="353"/>
-                  </a:lnTo>
-                  <a:lnTo>
-                    <a:pt x="783" y="239"/>
-                  </a:lnTo>
-                  <a:lnTo>
-                    <a:pt x="562" y="138"/>
-                  </a:lnTo>
-                  <a:lnTo>
-                    <a:pt x="329" y="66"/>
-                  </a:lnTo>
-                  <a:lnTo>
-                    <a:pt x="329" y="66"/>
-                  </a:lnTo>
-                  <a:close/>
-                </a:path>
-              </a:pathLst>
-            </a:custGeom>
-            <a:gradFill rotWithShape="0">
-              <a:gsLst>
-                <a:gs pos="0">
-                  <a:schemeClr val="bg1"/>
-                </a:gs>
-                <a:gs pos="50000">
-                  <a:schemeClr val="bg2"/>
-                </a:gs>
-                <a:gs pos="100000">
-                  <a:schemeClr val="bg1"/>
-                </a:gs>
-              </a:gsLst>
-              <a:lin ang="2700000" scaled="1"/>
-            </a:gradFill>
-            <a:ln w="9525">
-              <a:noFill/>
-              <a:round/>
-              <a:headEnd/>
-              <a:tailEnd/>
-            </a:ln>
-          </p:spPr>
-          <p:txBody>
-            <a:bodyPr/>
-            <a:lstStyle/>
-            <a:p>
-              <a:endParaRPr lang="en-US"/>
-            </a:p>
-          </p:txBody>
-        </p:sp>
-        <p:sp>
-          <p:nvSpPr>
-            <p:cNvPr id="338948" name="Freeform 4"/>
-            <p:cNvSpPr>
-              <a:spLocks/>
-            </p:cNvSpPr>
-            <p:nvPr/>
-          </p:nvSpPr>
-          <p:spPr bwMode="hidden">
-            <a:xfrm>
-              <a:off x="0" y="2458"/>
-              <a:ext cx="1854" cy="1858"/>
-            </a:xfrm>
-            <a:custGeom>
-              <a:avLst/>
-              <a:gdLst/>
-              <a:ahLst/>
-              <a:cxnLst>
-                <a:cxn ang="0">
-                  <a:pos x="1854" y="1858"/>
-                </a:cxn>
-                <a:cxn ang="0">
-                  <a:pos x="0" y="1858"/>
-                </a:cxn>
-                <a:cxn ang="0">
-                  <a:pos x="0" y="0"/>
-                </a:cxn>
-                <a:cxn ang="0">
-                  <a:pos x="1854" y="1858"/>
-                </a:cxn>
-                <a:cxn ang="0">
-                  <a:pos x="1854" y="1858"/>
-                </a:cxn>
-              </a:cxnLst>
-              <a:rect l="0" t="0" r="r" b="b"/>
-              <a:pathLst>
-                <a:path w="1854" h="1858">
-                  <a:moveTo>
-                    <a:pt x="1854" y="1858"/>
-                  </a:moveTo>
-                  <a:lnTo>
-                    <a:pt x="0" y="1858"/>
-                  </a:lnTo>
-                  <a:lnTo>
-                    <a:pt x="0" y="0"/>
-                  </a:lnTo>
-                  <a:lnTo>
-                    <a:pt x="1854" y="1858"/>
-                  </a:lnTo>
-                  <a:lnTo>
-                    <a:pt x="1854" y="1858"/>
-                  </a:lnTo>
-                  <a:close/>
-                </a:path>
-              </a:pathLst>
-            </a:custGeom>
-            <a:gradFill rotWithShape="0">
-              <a:gsLst>
-                <a:gs pos="0">
-                  <a:schemeClr val="bg2"/>
-                </a:gs>
-                <a:gs pos="50000">
-                  <a:schemeClr val="bg1"/>
-                </a:gs>
-                <a:gs pos="100000">
-                  <a:schemeClr val="bg2"/>
-                </a:gs>
-              </a:gsLst>
-              <a:lin ang="18900000" scaled="1"/>
-            </a:gradFill>
-            <a:ln w="9525">
-              <a:noFill/>
-              <a:round/>
-              <a:headEnd/>
-              <a:tailEnd/>
-            </a:ln>
-          </p:spPr>
-          <p:txBody>
-            <a:bodyPr/>
-            <a:lstStyle/>
-            <a:p>
-              <a:endParaRPr lang="en-US"/>
-            </a:p>
-          </p:txBody>
-        </p:sp>
-        <p:sp>
-          <p:nvSpPr>
-            <p:cNvPr id="338949" name="Freeform 5"/>
-            <p:cNvSpPr>
-              <a:spLocks/>
-            </p:cNvSpPr>
-            <p:nvPr/>
-          </p:nvSpPr>
-          <p:spPr bwMode="ltGray">
-            <a:xfrm>
-              <a:off x="0" y="2735"/>
-              <a:ext cx="1745" cy="1577"/>
-            </a:xfrm>
-            <a:custGeom>
-              <a:avLst/>
-              <a:gdLst/>
-              <a:ahLst/>
-              <a:cxnLst>
-                <a:cxn ang="0">
-                  <a:pos x="1640" y="1377"/>
-                </a:cxn>
-                <a:cxn ang="0">
-                  <a:pos x="1692" y="1479"/>
-                </a:cxn>
-                <a:cxn ang="0">
-                  <a:pos x="1732" y="1577"/>
-                </a:cxn>
-                <a:cxn ang="0">
-                  <a:pos x="1745" y="1577"/>
-                </a:cxn>
-                <a:cxn ang="0">
-                  <a:pos x="1703" y="1469"/>
-                </a:cxn>
-                <a:cxn ang="0">
-                  <a:pos x="1649" y="1367"/>
-                </a:cxn>
-                <a:cxn ang="0">
-                  <a:pos x="1535" y="1157"/>
-                </a:cxn>
-                <a:cxn ang="0">
-                  <a:pos x="1395" y="951"/>
-                </a:cxn>
-                <a:cxn ang="0">
-                  <a:pos x="1236" y="756"/>
-                </a:cxn>
-                <a:cxn ang="0">
-                  <a:pos x="1061" y="582"/>
-                </a:cxn>
-                <a:cxn ang="0">
-                  <a:pos x="876" y="426"/>
-                </a:cxn>
-                <a:cxn ang="0">
-                  <a:pos x="672" y="294"/>
-                </a:cxn>
-                <a:cxn ang="0">
-                  <a:pos x="455" y="174"/>
-                </a:cxn>
-                <a:cxn ang="0">
-                  <a:pos x="234" y="78"/>
-                </a:cxn>
-                <a:cxn ang="0">
-                  <a:pos x="0" y="0"/>
-                </a:cxn>
-                <a:cxn ang="0">
-                  <a:pos x="0" y="12"/>
-                </a:cxn>
-                <a:cxn ang="0">
-                  <a:pos x="222" y="89"/>
-                </a:cxn>
-                <a:cxn ang="0">
-                  <a:pos x="446" y="185"/>
-                </a:cxn>
-                <a:cxn ang="0">
-                  <a:pos x="662" y="305"/>
-                </a:cxn>
-                <a:cxn ang="0">
-                  <a:pos x="866" y="437"/>
-                </a:cxn>
-                <a:cxn ang="0">
-                  <a:pos x="1052" y="593"/>
-                </a:cxn>
-                <a:cxn ang="0">
-                  <a:pos x="1226" y="767"/>
-                </a:cxn>
-                <a:cxn ang="0">
-                  <a:pos x="1385" y="960"/>
-                </a:cxn>
-                <a:cxn ang="0">
-                  <a:pos x="1526" y="1167"/>
-                </a:cxn>
-                <a:cxn ang="0">
-                  <a:pos x="1640" y="1377"/>
-                </a:cxn>
-              </a:cxnLst>
-              <a:rect l="0" t="0" r="r" b="b"/>
-              <a:pathLst>
-                <a:path w="1745" h="1577">
-                  <a:moveTo>
-                    <a:pt x="1640" y="1377"/>
-                  </a:moveTo>
-                  <a:lnTo>
-                    <a:pt x="1692" y="1479"/>
-                  </a:lnTo>
-                  <a:lnTo>
-                    <a:pt x="1732" y="1577"/>
-                  </a:lnTo>
-                  <a:lnTo>
-                    <a:pt x="1745" y="1577"/>
-                  </a:lnTo>
-                  <a:lnTo>
-                    <a:pt x="1703" y="1469"/>
-                  </a:lnTo>
-                  <a:lnTo>
-                    <a:pt x="1649" y="1367"/>
-                  </a:lnTo>
-                  <a:lnTo>
-                    <a:pt x="1535" y="1157"/>
-                  </a:lnTo>
-                  <a:lnTo>
-                    <a:pt x="1395" y="951"/>
-                  </a:lnTo>
-                  <a:lnTo>
-                    <a:pt x="1236" y="756"/>
-                  </a:lnTo>
-                  <a:lnTo>
-                    <a:pt x="1061" y="582"/>
-                  </a:lnTo>
-                  <a:lnTo>
-                    <a:pt x="876" y="426"/>
-                  </a:lnTo>
-                  <a:lnTo>
-                    <a:pt x="672" y="294"/>
-                  </a:lnTo>
-                  <a:lnTo>
-                    <a:pt x="455" y="174"/>
-                  </a:lnTo>
-                  <a:lnTo>
-                    <a:pt x="234" y="78"/>
-                  </a:lnTo>
-                  <a:lnTo>
-                    <a:pt x="0" y="0"/>
-                  </a:lnTo>
-                  <a:lnTo>
-                    <a:pt x="0" y="12"/>
-                  </a:lnTo>
-                  <a:lnTo>
-                    <a:pt x="222" y="89"/>
-                  </a:lnTo>
-                  <a:lnTo>
-                    <a:pt x="446" y="185"/>
-                  </a:lnTo>
-                  <a:lnTo>
-                    <a:pt x="662" y="305"/>
-                  </a:lnTo>
-                  <a:lnTo>
-                    <a:pt x="866" y="437"/>
-                  </a:lnTo>
-                  <a:lnTo>
-                    <a:pt x="1052" y="593"/>
-                  </a:lnTo>
-                  <a:lnTo>
-                    <a:pt x="1226" y="767"/>
-                  </a:lnTo>
-                  <a:lnTo>
-                    <a:pt x="1385" y="960"/>
-                  </a:lnTo>
-                  <a:lnTo>
-                    <a:pt x="1526" y="1167"/>
-                  </a:lnTo>
-                  <a:lnTo>
-                    <a:pt x="1640" y="1377"/>
-                  </a:lnTo>
-                  <a:close/>
-                </a:path>
-              </a:pathLst>
-            </a:custGeom>
-            <a:gradFill rotWithShape="0">
-              <a:gsLst>
-                <a:gs pos="0">
-                  <a:schemeClr val="bg1"/>
-                </a:gs>
-                <a:gs pos="50000">
-                  <a:schemeClr val="bg2"/>
-                </a:gs>
-                <a:gs pos="100000">
-                  <a:schemeClr val="bg1"/>
-                </a:gs>
-              </a:gsLst>
-              <a:lin ang="2700000" scaled="1"/>
-            </a:gradFill>
-            <a:ln w="9525">
-              <a:noFill/>
-              <a:round/>
-              <a:headEnd/>
-              <a:tailEnd/>
-            </a:ln>
-          </p:spPr>
-          <p:txBody>
-            <a:bodyPr/>
-            <a:lstStyle/>
-            <a:p>
-              <a:endParaRPr lang="en-US"/>
-            </a:p>
-          </p:txBody>
-        </p:sp>
-        <p:sp>
-          <p:nvSpPr>
-            <p:cNvPr id="338950" name="Freeform 6"/>
-            <p:cNvSpPr>
-              <a:spLocks/>
-            </p:cNvSpPr>
-            <p:nvPr/>
-          </p:nvSpPr>
-          <p:spPr bwMode="ltGray">
-            <a:xfrm>
-              <a:off x="0" y="2544"/>
-              <a:ext cx="1745" cy="1768"/>
-            </a:xfrm>
-            <a:custGeom>
-              <a:avLst/>
-              <a:gdLst/>
-              <a:ahLst/>
-              <a:cxnLst>
-                <a:cxn ang="0">
-                  <a:pos x="0" y="0"/>
-                </a:cxn>
-                <a:cxn ang="0">
-                  <a:pos x="0" y="12"/>
-                </a:cxn>
-                <a:cxn ang="0">
-                  <a:pos x="210" y="88"/>
-                </a:cxn>
-                <a:cxn ang="0">
-                  <a:pos x="426" y="190"/>
-                </a:cxn>
-                <a:cxn ang="0">
-                  <a:pos x="630" y="304"/>
-                </a:cxn>
-                <a:cxn ang="0">
-                  <a:pos x="818" y="442"/>
-                </a:cxn>
-                <a:cxn ang="0">
-                  <a:pos x="998" y="592"/>
-                </a:cxn>
-                <a:cxn ang="0">
-                  <a:pos x="1164" y="766"/>
-                </a:cxn>
-                <a:cxn ang="0">
-                  <a:pos x="1310" y="942"/>
-                </a:cxn>
-                <a:cxn ang="0">
-                  <a:pos x="1454" y="1146"/>
-                </a:cxn>
-                <a:cxn ang="0">
-                  <a:pos x="1536" y="1298"/>
-                </a:cxn>
-                <a:cxn ang="0">
-                  <a:pos x="1614" y="1456"/>
-                </a:cxn>
-                <a:cxn ang="0">
-                  <a:pos x="1682" y="1616"/>
-                </a:cxn>
-                <a:cxn ang="0">
-                  <a:pos x="1733" y="1768"/>
-                </a:cxn>
-                <a:cxn ang="0">
-                  <a:pos x="1745" y="1768"/>
-                </a:cxn>
-                <a:cxn ang="0">
-                  <a:pos x="1691" y="1606"/>
-                </a:cxn>
-                <a:cxn ang="0">
-                  <a:pos x="1623" y="1445"/>
-                </a:cxn>
-                <a:cxn ang="0">
-                  <a:pos x="1547" y="1288"/>
-                </a:cxn>
-                <a:cxn ang="0">
-                  <a:pos x="1463" y="1136"/>
-                </a:cxn>
-                <a:cxn ang="0">
-                  <a:pos x="1320" y="932"/>
-                </a:cxn>
-                <a:cxn ang="0">
-                  <a:pos x="1173" y="755"/>
-                </a:cxn>
-                <a:cxn ang="0">
-                  <a:pos x="1008" y="581"/>
-                </a:cxn>
-                <a:cxn ang="0">
-                  <a:pos x="827" y="431"/>
-                </a:cxn>
-                <a:cxn ang="0">
-                  <a:pos x="642" y="293"/>
-                </a:cxn>
-                <a:cxn ang="0">
-                  <a:pos x="437" y="179"/>
-                </a:cxn>
-                <a:cxn ang="0">
-                  <a:pos x="222" y="78"/>
-                </a:cxn>
-                <a:cxn ang="0">
-                  <a:pos x="0" y="0"/>
-                </a:cxn>
-                <a:cxn ang="0">
-                  <a:pos x="0" y="0"/>
-                </a:cxn>
-              </a:cxnLst>
-              <a:rect l="0" t="0" r="r" b="b"/>
-              <a:pathLst>
-                <a:path w="1745" h="1768">
-                  <a:moveTo>
-                    <a:pt x="0" y="0"/>
-                  </a:moveTo>
-                  <a:lnTo>
-                    <a:pt x="0" y="12"/>
-                  </a:lnTo>
-                  <a:lnTo>
-                    <a:pt x="210" y="88"/>
-                  </a:lnTo>
-                  <a:lnTo>
-                    <a:pt x="426" y="190"/>
-                  </a:lnTo>
-                  <a:lnTo>
-                    <a:pt x="630" y="304"/>
-                  </a:lnTo>
-                  <a:lnTo>
-                    <a:pt x="818" y="442"/>
-                  </a:lnTo>
-                  <a:lnTo>
-                    <a:pt x="998" y="592"/>
-                  </a:lnTo>
-                  <a:lnTo>
-                    <a:pt x="1164" y="766"/>
-                  </a:lnTo>
-                  <a:lnTo>
-                    <a:pt x="1310" y="942"/>
-                  </a:lnTo>
-                  <a:lnTo>
-                    <a:pt x="1454" y="1146"/>
-                  </a:lnTo>
-                  <a:lnTo>
-                    <a:pt x="1536" y="1298"/>
-                  </a:lnTo>
-                  <a:lnTo>
-                    <a:pt x="1614" y="1456"/>
-                  </a:lnTo>
-                  <a:lnTo>
-                    <a:pt x="1682" y="1616"/>
-                  </a:lnTo>
-                  <a:lnTo>
-                    <a:pt x="1733" y="1768"/>
-                  </a:lnTo>
-                  <a:lnTo>
-                    <a:pt x="1745" y="1768"/>
-                  </a:lnTo>
-                  <a:lnTo>
-                    <a:pt x="1691" y="1606"/>
-                  </a:lnTo>
-                  <a:lnTo>
-                    <a:pt x="1623" y="1445"/>
-                  </a:lnTo>
-                  <a:lnTo>
-                    <a:pt x="1547" y="1288"/>
-                  </a:lnTo>
-                  <a:lnTo>
-                    <a:pt x="1463" y="1136"/>
-                  </a:lnTo>
-                  <a:lnTo>
-                    <a:pt x="1320" y="932"/>
-                  </a:lnTo>
-                  <a:lnTo>
-                    <a:pt x="1173" y="755"/>
-                  </a:lnTo>
-                  <a:lnTo>
-                    <a:pt x="1008" y="581"/>
-                  </a:lnTo>
-                  <a:lnTo>
-                    <a:pt x="827" y="431"/>
-                  </a:lnTo>
-                  <a:lnTo>
-                    <a:pt x="642" y="293"/>
-                  </a:lnTo>
-                  <a:lnTo>
-                    <a:pt x="437" y="179"/>
-                  </a:lnTo>
-                  <a:lnTo>
-                    <a:pt x="222" y="78"/>
-                  </a:lnTo>
-                  <a:lnTo>
-                    <a:pt x="0" y="0"/>
-                  </a:lnTo>
-                  <a:lnTo>
-                    <a:pt x="0" y="0"/>
-                  </a:lnTo>
-                  <a:close/>
-                </a:path>
-              </a:pathLst>
-            </a:custGeom>
-            <a:gradFill rotWithShape="0">
-              <a:gsLst>
-                <a:gs pos="0">
-                  <a:schemeClr val="bg1"/>
-                </a:gs>
-                <a:gs pos="50000">
-                  <a:schemeClr val="bg2"/>
-                </a:gs>
-                <a:gs pos="100000">
-                  <a:schemeClr val="bg1"/>
-                </a:gs>
-              </a:gsLst>
-              <a:lin ang="2700000" scaled="1"/>
-            </a:gradFill>
-            <a:ln w="9525">
-              <a:noFill/>
-              <a:round/>
-              <a:headEnd/>
-              <a:tailEnd/>
-            </a:ln>
-          </p:spPr>
-          <p:txBody>
-            <a:bodyPr/>
-            <a:lstStyle/>
-            <a:p>
-              <a:endParaRPr lang="en-US"/>
-            </a:p>
-          </p:txBody>
-        </p:sp>
-        <p:sp>
-          <p:nvSpPr>
-            <p:cNvPr id="338951" name="Oval 7"/>
-            <p:cNvSpPr>
-              <a:spLocks noChangeArrowheads="1"/>
-            </p:cNvSpPr>
-            <p:nvPr/>
-          </p:nvSpPr>
-          <p:spPr bwMode="ltGray">
-            <a:xfrm>
-              <a:off x="209" y="2784"/>
-              <a:ext cx="86" cy="86"/>
-            </a:xfrm>
-            <a:prstGeom prst="ellipse">
-              <a:avLst/>
-            </a:prstGeom>
-            <a:gradFill rotWithShape="0">
-              <a:gsLst>
-                <a:gs pos="0">
-                  <a:schemeClr val="bg2"/>
-                </a:gs>
-                <a:gs pos="100000">
-                  <a:schemeClr val="bg1"/>
-                </a:gs>
-              </a:gsLst>
-              <a:lin ang="18900000" scaled="1"/>
-            </a:gradFill>
-            <a:ln w="9525">
-              <a:noFill/>
-              <a:round/>
-              <a:headEnd/>
-              <a:tailEnd/>
-            </a:ln>
-            <a:effectLst/>
-          </p:spPr>
-          <p:txBody>
-            <a:bodyPr/>
-            <a:lstStyle/>
-            <a:p>
-              <a:endParaRPr lang="en-US"/>
-            </a:p>
-          </p:txBody>
-        </p:sp>
-        <p:sp>
-          <p:nvSpPr>
-            <p:cNvPr id="338952" name="Oval 8"/>
-            <p:cNvSpPr>
-              <a:spLocks noChangeArrowheads="1"/>
-            </p:cNvSpPr>
-            <p:nvPr/>
-          </p:nvSpPr>
-          <p:spPr bwMode="ltGray">
-            <a:xfrm>
-              <a:off x="1536" y="3884"/>
-              <a:ext cx="92" cy="92"/>
-            </a:xfrm>
-            <a:prstGeom prst="ellipse">
-              <a:avLst/>
-            </a:prstGeom>
-            <a:gradFill rotWithShape="0">
-              <a:gsLst>
-                <a:gs pos="0">
-                  <a:schemeClr val="bg2"/>
-                </a:gs>
-                <a:gs pos="100000">
-                  <a:schemeClr val="bg1"/>
-                </a:gs>
-              </a:gsLst>
-              <a:lin ang="2700000" scaled="1"/>
-            </a:gradFill>
-            <a:ln w="9525">
-              <a:noFill/>
-              <a:round/>
-              <a:headEnd/>
-              <a:tailEnd/>
-            </a:ln>
-            <a:effectLst/>
-          </p:spPr>
-          <p:txBody>
-            <a:bodyPr/>
-            <a:lstStyle/>
-            <a:p>
-              <a:endParaRPr lang="en-US"/>
-            </a:p>
-          </p:txBody>
-        </p:sp>
-        <p:sp>
-          <p:nvSpPr>
-            <p:cNvPr id="338953" name="Oval 9"/>
-            <p:cNvSpPr>
-              <a:spLocks noChangeArrowheads="1"/>
-            </p:cNvSpPr>
-            <p:nvPr/>
-          </p:nvSpPr>
-          <p:spPr bwMode="ltGray">
-            <a:xfrm>
-              <a:off x="791" y="2723"/>
-              <a:ext cx="121" cy="121"/>
-            </a:xfrm>
-            <a:prstGeom prst="ellipse">
-              <a:avLst/>
-            </a:prstGeom>
-            <a:gradFill rotWithShape="0">
-              <a:gsLst>
-                <a:gs pos="0">
-                  <a:schemeClr val="bg2"/>
-                </a:gs>
-                <a:gs pos="100000">
-                  <a:schemeClr val="bg1"/>
-                </a:gs>
-              </a:gsLst>
-              <a:lin ang="18900000" scaled="1"/>
-            </a:gradFill>
-            <a:ln w="9525">
-              <a:noFill/>
-              <a:round/>
-              <a:headEnd/>
-              <a:tailEnd/>
-            </a:ln>
-            <a:effectLst/>
-          </p:spPr>
-          <p:txBody>
-            <a:bodyPr/>
-            <a:lstStyle/>
-            <a:p>
-              <a:endParaRPr lang="en-US"/>
-            </a:p>
-          </p:txBody>
-        </p:sp>
-      </p:grpSp>
-      <p:sp>
-        <p:nvSpPr>
-          <p:cNvPr id="338954" name="Rectangle 10"/>
-          <p:cNvSpPr>
-            <a:spLocks noGrp="1" noChangeArrowheads="1"/>
-          </p:cNvSpPr>
-          <p:nvPr>
-            <p:ph type="ctrTitle" sz="quarter"/>
+      <p:sp>
+        <p:nvSpPr>
+          <p:cNvPr id="2" name="Title 1">
+            <a:extLst>
+              <a:ext uri="{FF2B5EF4-FFF2-40B4-BE49-F238E27FC236}">
+                <a16:creationId xmlns:a16="http://schemas.microsoft.com/office/drawing/2014/main" id="{CACF7953-D013-3817-2598-208391DEA0DA}"/>
+              </a:ext>
+            </a:extLst>
+          </p:cNvPr>
+          <p:cNvSpPr>
+            <a:spLocks noGrp="1"/>
+          </p:cNvSpPr>
+          <p:nvPr>
+            <p:ph type="ctrTitle"/>
           </p:nvPr>
         </p:nvSpPr>
         <p:spPr>
           <a:xfrm>
-            <a:off x="914400" y="1873250"/>
-            <a:ext cx="10363200" cy="1555750"/>
+            <a:off x="1524000" y="1122363"/>
+            <a:ext cx="9144000" cy="2387600"/>
           </a:xfrm>
         </p:spPr>
         <p:txBody>
-          <a:bodyPr/>
+          <a:bodyPr anchor="b"/>
           <a:lstStyle>
-            <a:lvl1pPr>
-              <a:defRPr sz="4800"/>
+            <a:lvl1pPr algn="ctr">
+              <a:defRPr sz="6000"/>
             </a:lvl1pPr>
           </a:lstStyle>
           <a:p>
@@ -2767,28 +1835,65 @@
       </p:sp>
       <p:sp>
         <p:nvSpPr>
-          <p:cNvPr id="338955" name="Rectangle 11"/>
-          <p:cNvSpPr>
-            <a:spLocks noGrp="1" noChangeArrowheads="1"/>
-          </p:cNvSpPr>
-          <p:nvPr>
-            <p:ph type="subTitle" sz="quarter" idx="1"/>
+          <p:cNvPr id="3" name="Subtitle 2">
+            <a:extLst>
+              <a:ext uri="{FF2B5EF4-FFF2-40B4-BE49-F238E27FC236}">
+                <a16:creationId xmlns:a16="http://schemas.microsoft.com/office/drawing/2014/main" id="{6EBEDC31-B61D-0410-0DF6-EA1E7CEBEB5F}"/>
+              </a:ext>
+            </a:extLst>
+          </p:cNvPr>
+          <p:cNvSpPr>
+            <a:spLocks noGrp="1"/>
+          </p:cNvSpPr>
+          <p:nvPr>
+            <p:ph type="subTitle" idx="1"/>
           </p:nvPr>
         </p:nvSpPr>
         <p:spPr>
           <a:xfrm>
-            <a:off x="1828800" y="3886200"/>
-            <a:ext cx="8534400" cy="1752600"/>
+            <a:off x="1524000" y="3602038"/>
+            <a:ext cx="9144000" cy="1655762"/>
           </a:xfrm>
         </p:spPr>
         <p:txBody>
           <a:bodyPr/>
           <a:lstStyle>
             <a:lvl1pPr marL="0" indent="0" algn="ctr">
-              <a:buFont typeface="Wingdings" pitchFamily="2" charset="2"/>
               <a:buNone/>
-              <a:defRPr/>
+              <a:defRPr sz="2400"/>
             </a:lvl1pPr>
+            <a:lvl2pPr marL="457200" indent="0" algn="ctr">
+              <a:buNone/>
+              <a:defRPr sz="2000"/>
+            </a:lvl2pPr>
+            <a:lvl3pPr marL="914400" indent="0" algn="ctr">
+              <a:buNone/>
+              <a:defRPr sz="1800"/>
+            </a:lvl3pPr>
+            <a:lvl4pPr marL="1371600" indent="0" algn="ctr">
+              <a:buNone/>
+              <a:defRPr sz="1600"/>
+            </a:lvl4pPr>
+            <a:lvl5pPr marL="1828800" indent="0" algn="ctr">
+              <a:buNone/>
+              <a:defRPr sz="1600"/>
+            </a:lvl5pPr>
+            <a:lvl6pPr marL="2286000" indent="0" algn="ctr">
+              <a:buNone/>
+              <a:defRPr sz="1600"/>
+            </a:lvl6pPr>
+            <a:lvl7pPr marL="2743200" indent="0" algn="ctr">
+              <a:buNone/>
+              <a:defRPr sz="1600"/>
+            </a:lvl7pPr>
+            <a:lvl8pPr marL="3200400" indent="0" algn="ctr">
+              <a:buNone/>
+              <a:defRPr sz="1600"/>
+            </a:lvl8pPr>
+            <a:lvl9pPr marL="3657600" indent="0" algn="ctr">
+              <a:buNone/>
+              <a:defRPr sz="1600"/>
+            </a:lvl9pPr>
           </a:lstStyle>
           <a:p>
             <a:r>
@@ -2800,22 +1905,24 @@
       </p:sp>
       <p:sp>
         <p:nvSpPr>
-          <p:cNvPr id="338956" name="Rectangle 12"/>
-          <p:cNvSpPr>
-            <a:spLocks noGrp="1" noChangeArrowheads="1"/>
-          </p:cNvSpPr>
-          <p:nvPr>
-            <p:ph type="dt" sz="quarter" idx="2"/>
+          <p:cNvPr id="4" name="Date Placeholder 3">
+            <a:extLst>
+              <a:ext uri="{FF2B5EF4-FFF2-40B4-BE49-F238E27FC236}">
+                <a16:creationId xmlns:a16="http://schemas.microsoft.com/office/drawing/2014/main" id="{8781E1FD-4D39-D762-9CA0-B4A114B926D4}"/>
+              </a:ext>
+            </a:extLst>
+          </p:cNvPr>
+          <p:cNvSpPr>
+            <a:spLocks noGrp="1"/>
+          </p:cNvSpPr>
+          <p:nvPr>
+            <p:ph type="dt" sz="half" idx="10"/>
           </p:nvPr>
         </p:nvSpPr>
         <p:spPr/>
         <p:txBody>
           <a:bodyPr/>
-          <a:lstStyle>
-            <a:lvl1pPr>
-              <a:defRPr/>
-            </a:lvl1pPr>
-          </a:lstStyle>
+          <a:lstStyle/>
           <a:p>
             <a:endParaRPr lang="en-US"/>
           </a:p>
@@ -2823,22 +1930,24 @@
       </p:sp>
       <p:sp>
         <p:nvSpPr>
-          <p:cNvPr id="338957" name="Rectangle 13"/>
-          <p:cNvSpPr>
-            <a:spLocks noGrp="1" noChangeArrowheads="1"/>
-          </p:cNvSpPr>
-          <p:nvPr>
-            <p:ph type="ftr" sz="quarter" idx="3"/>
+          <p:cNvPr id="5" name="Footer Placeholder 4">
+            <a:extLst>
+              <a:ext uri="{FF2B5EF4-FFF2-40B4-BE49-F238E27FC236}">
+                <a16:creationId xmlns:a16="http://schemas.microsoft.com/office/drawing/2014/main" id="{F221325F-FFB3-6C68-98D4-54EA60988254}"/>
+              </a:ext>
+            </a:extLst>
+          </p:cNvPr>
+          <p:cNvSpPr>
+            <a:spLocks noGrp="1"/>
+          </p:cNvSpPr>
+          <p:nvPr>
+            <p:ph type="ftr" sz="quarter" idx="11"/>
           </p:nvPr>
         </p:nvSpPr>
         <p:spPr/>
         <p:txBody>
           <a:bodyPr/>
-          <a:lstStyle>
-            <a:lvl1pPr>
-              <a:defRPr/>
-            </a:lvl1pPr>
-          </a:lstStyle>
+          <a:lstStyle/>
           <a:p>
             <a:endParaRPr lang="en-US"/>
           </a:p>
@@ -2846,25 +1955,27 @@
       </p:sp>
       <p:sp>
         <p:nvSpPr>
-          <p:cNvPr id="338958" name="Rectangle 14"/>
-          <p:cNvSpPr>
-            <a:spLocks noGrp="1" noChangeArrowheads="1"/>
-          </p:cNvSpPr>
-          <p:nvPr>
-            <p:ph type="sldNum" sz="quarter" idx="4"/>
+          <p:cNvPr id="6" name="Slide Number Placeholder 5">
+            <a:extLst>
+              <a:ext uri="{FF2B5EF4-FFF2-40B4-BE49-F238E27FC236}">
+                <a16:creationId xmlns:a16="http://schemas.microsoft.com/office/drawing/2014/main" id="{47FA50F9-8284-A5CC-4CD0-0478B9181274}"/>
+              </a:ext>
+            </a:extLst>
+          </p:cNvPr>
+          <p:cNvSpPr>
+            <a:spLocks noGrp="1"/>
+          </p:cNvSpPr>
+          <p:nvPr>
+            <p:ph type="sldNum" sz="quarter" idx="12"/>
           </p:nvPr>
         </p:nvSpPr>
         <p:spPr/>
         <p:txBody>
           <a:bodyPr/>
-          <a:lstStyle>
-            <a:lvl1pPr>
-              <a:defRPr/>
-            </a:lvl1pPr>
-          </a:lstStyle>
+          <a:lstStyle/>
           <a:p>
             <a:fld id="{207BB11D-9B1A-43CD-97C1-9735844F7FFD}" type="slidenum">
-              <a:rPr lang="en-US"/>
+              <a:rPr lang="en-US" smtClean="0"/>
               <a:pPr/>
               <a:t>‹#›</a:t>
             </a:fld>
@@ -2873,6 +1984,11 @@
         </p:txBody>
       </p:sp>
     </p:spTree>
+    <p:extLst>
+      <p:ext uri="{BB962C8B-B14F-4D97-AF65-F5344CB8AC3E}">
+        <p14:creationId xmlns:p14="http://schemas.microsoft.com/office/powerpoint/2010/main" val="575376073"/>
+      </p:ext>
+    </p:extLst>
   </p:cSld>
   <p:clrMapOvr>
     <a:masterClrMapping/>
@@ -2899,7 +2015,13 @@
       </p:grpSpPr>
       <p:sp>
         <p:nvSpPr>
-          <p:cNvPr id="2" name="Title 1"/>
+          <p:cNvPr id="2" name="Title 1">
+            <a:extLst>
+              <a:ext uri="{FF2B5EF4-FFF2-40B4-BE49-F238E27FC236}">
+                <a16:creationId xmlns:a16="http://schemas.microsoft.com/office/drawing/2014/main" id="{017805BA-CB6D-7625-F02E-4D57168CE4EA}"/>
+              </a:ext>
+            </a:extLst>
+          </p:cNvPr>
           <p:cNvSpPr>
             <a:spLocks noGrp="1"/>
           </p:cNvSpPr>
@@ -2921,7 +2043,13 @@
       </p:sp>
       <p:sp>
         <p:nvSpPr>
-          <p:cNvPr id="3" name="Vertical Text Placeholder 2"/>
+          <p:cNvPr id="3" name="Vertical Text Placeholder 2">
+            <a:extLst>
+              <a:ext uri="{FF2B5EF4-FFF2-40B4-BE49-F238E27FC236}">
+                <a16:creationId xmlns:a16="http://schemas.microsoft.com/office/drawing/2014/main" id="{B978F65E-E0E5-AC7F-82B3-471A8C08B62A}"/>
+              </a:ext>
+            </a:extLst>
+          </p:cNvPr>
           <p:cNvSpPr>
             <a:spLocks noGrp="1"/>
           </p:cNvSpPr>
@@ -2972,7 +2100,13 @@
       </p:sp>
       <p:sp>
         <p:nvSpPr>
-          <p:cNvPr id="4" name="Date Placeholder 3"/>
+          <p:cNvPr id="4" name="Date Placeholder 3">
+            <a:extLst>
+              <a:ext uri="{FF2B5EF4-FFF2-40B4-BE49-F238E27FC236}">
+                <a16:creationId xmlns:a16="http://schemas.microsoft.com/office/drawing/2014/main" id="{6A6AA15F-1017-FD23-8906-66D9A8D08C25}"/>
+              </a:ext>
+            </a:extLst>
+          </p:cNvPr>
           <p:cNvSpPr>
             <a:spLocks noGrp="1"/>
           </p:cNvSpPr>
@@ -2983,11 +2117,7 @@
         <p:spPr/>
         <p:txBody>
           <a:bodyPr/>
-          <a:lstStyle>
-            <a:lvl1pPr>
-              <a:defRPr/>
-            </a:lvl1pPr>
-          </a:lstStyle>
+          <a:lstStyle/>
           <a:p>
             <a:endParaRPr lang="en-US"/>
           </a:p>
@@ -2995,7 +2125,13 @@
       </p:sp>
       <p:sp>
         <p:nvSpPr>
-          <p:cNvPr id="5" name="Footer Placeholder 4"/>
+          <p:cNvPr id="5" name="Footer Placeholder 4">
+            <a:extLst>
+              <a:ext uri="{FF2B5EF4-FFF2-40B4-BE49-F238E27FC236}">
+                <a16:creationId xmlns:a16="http://schemas.microsoft.com/office/drawing/2014/main" id="{F3DFEAE8-82F1-8390-26FC-E2A28096FA9D}"/>
+              </a:ext>
+            </a:extLst>
+          </p:cNvPr>
           <p:cNvSpPr>
             <a:spLocks noGrp="1"/>
           </p:cNvSpPr>
@@ -3006,11 +2142,7 @@
         <p:spPr/>
         <p:txBody>
           <a:bodyPr/>
-          <a:lstStyle>
-            <a:lvl1pPr>
-              <a:defRPr/>
-            </a:lvl1pPr>
-          </a:lstStyle>
+          <a:lstStyle/>
           <a:p>
             <a:endParaRPr lang="en-US"/>
           </a:p>
@@ -3018,7 +2150,13 @@
       </p:sp>
       <p:sp>
         <p:nvSpPr>
-          <p:cNvPr id="6" name="Slide Number Placeholder 5"/>
+          <p:cNvPr id="6" name="Slide Number Placeholder 5">
+            <a:extLst>
+              <a:ext uri="{FF2B5EF4-FFF2-40B4-BE49-F238E27FC236}">
+                <a16:creationId xmlns:a16="http://schemas.microsoft.com/office/drawing/2014/main" id="{6B82F179-3D2F-B2DF-158D-0CAD9A0558B9}"/>
+              </a:ext>
+            </a:extLst>
+          </p:cNvPr>
           <p:cNvSpPr>
             <a:spLocks noGrp="1"/>
           </p:cNvSpPr>
@@ -3029,14 +2167,10 @@
         <p:spPr/>
         <p:txBody>
           <a:bodyPr/>
-          <a:lstStyle>
-            <a:lvl1pPr>
-              <a:defRPr/>
-            </a:lvl1pPr>
-          </a:lstStyle>
+          <a:lstStyle/>
           <a:p>
             <a:fld id="{6F099F6A-1855-4FE9-89E7-7DFD7A5EF83A}" type="slidenum">
-              <a:rPr lang="en-US"/>
+              <a:rPr lang="en-US" smtClean="0"/>
               <a:pPr/>
               <a:t>‹#›</a:t>
             </a:fld>
@@ -3045,6 +2179,11 @@
         </p:txBody>
       </p:sp>
     </p:spTree>
+    <p:extLst>
+      <p:ext uri="{BB962C8B-B14F-4D97-AF65-F5344CB8AC3E}">
+        <p14:creationId xmlns:p14="http://schemas.microsoft.com/office/powerpoint/2010/main" val="58725649"/>
+      </p:ext>
+    </p:extLst>
   </p:cSld>
   <p:clrMapOvr>
     <a:masterClrMapping/>
@@ -3071,7 +2210,13 @@
       </p:grpSpPr>
       <p:sp>
         <p:nvSpPr>
-          <p:cNvPr id="2" name="Vertical Title 1"/>
+          <p:cNvPr id="2" name="Vertical Title 1">
+            <a:extLst>
+              <a:ext uri="{FF2B5EF4-FFF2-40B4-BE49-F238E27FC236}">
+                <a16:creationId xmlns:a16="http://schemas.microsoft.com/office/drawing/2014/main" id="{47BFD89E-0D22-3B0E-102F-4836E93B71FF}"/>
+              </a:ext>
+            </a:extLst>
+          </p:cNvPr>
           <p:cNvSpPr>
             <a:spLocks noGrp="1"/>
           </p:cNvSpPr>
@@ -3081,8 +2226,8 @@
         </p:nvSpPr>
         <p:spPr>
           <a:xfrm>
-            <a:off x="8839200" y="277813"/>
-            <a:ext cx="2743200" cy="5853112"/>
+            <a:off x="8724900" y="365125"/>
+            <a:ext cx="2628900" cy="5811838"/>
           </a:xfrm>
         </p:spPr>
         <p:txBody>
@@ -3098,7 +2243,13 @@
       </p:sp>
       <p:sp>
         <p:nvSpPr>
-          <p:cNvPr id="3" name="Vertical Text Placeholder 2"/>
+          <p:cNvPr id="3" name="Vertical Text Placeholder 2">
+            <a:extLst>
+              <a:ext uri="{FF2B5EF4-FFF2-40B4-BE49-F238E27FC236}">
+                <a16:creationId xmlns:a16="http://schemas.microsoft.com/office/drawing/2014/main" id="{FF8F339D-B115-EDED-897C-203DEE35FB43}"/>
+              </a:ext>
+            </a:extLst>
+          </p:cNvPr>
           <p:cNvSpPr>
             <a:spLocks noGrp="1"/>
           </p:cNvSpPr>
@@ -3108,8 +2259,8 @@
         </p:nvSpPr>
         <p:spPr>
           <a:xfrm>
-            <a:off x="609600" y="277813"/>
-            <a:ext cx="8026400" cy="5853112"/>
+            <a:off x="838200" y="365125"/>
+            <a:ext cx="7734300" cy="5811838"/>
           </a:xfrm>
         </p:spPr>
         <p:txBody>
@@ -3154,7 +2305,13 @@
       </p:sp>
       <p:sp>
         <p:nvSpPr>
-          <p:cNvPr id="4" name="Date Placeholder 3"/>
+          <p:cNvPr id="4" name="Date Placeholder 3">
+            <a:extLst>
+              <a:ext uri="{FF2B5EF4-FFF2-40B4-BE49-F238E27FC236}">
+                <a16:creationId xmlns:a16="http://schemas.microsoft.com/office/drawing/2014/main" id="{0C1B49F3-B683-59DC-83F4-6D3F83CED702}"/>
+              </a:ext>
+            </a:extLst>
+          </p:cNvPr>
           <p:cNvSpPr>
             <a:spLocks noGrp="1"/>
           </p:cNvSpPr>
@@ -3165,11 +2322,7 @@
         <p:spPr/>
         <p:txBody>
           <a:bodyPr/>
-          <a:lstStyle>
-            <a:lvl1pPr>
-              <a:defRPr/>
-            </a:lvl1pPr>
-          </a:lstStyle>
+          <a:lstStyle/>
           <a:p>
             <a:endParaRPr lang="en-US"/>
           </a:p>
@@ -3177,7 +2330,13 @@
       </p:sp>
       <p:sp>
         <p:nvSpPr>
-          <p:cNvPr id="5" name="Footer Placeholder 4"/>
+          <p:cNvPr id="5" name="Footer Placeholder 4">
+            <a:extLst>
+              <a:ext uri="{FF2B5EF4-FFF2-40B4-BE49-F238E27FC236}">
+                <a16:creationId xmlns:a16="http://schemas.microsoft.com/office/drawing/2014/main" id="{C9EC7CC5-87A6-0098-9DA1-95CEBD679539}"/>
+              </a:ext>
+            </a:extLst>
+          </p:cNvPr>
           <p:cNvSpPr>
             <a:spLocks noGrp="1"/>
           </p:cNvSpPr>
@@ -3188,11 +2347,7 @@
         <p:spPr/>
         <p:txBody>
           <a:bodyPr/>
-          <a:lstStyle>
-            <a:lvl1pPr>
-              <a:defRPr/>
-            </a:lvl1pPr>
-          </a:lstStyle>
+          <a:lstStyle/>
           <a:p>
             <a:endParaRPr lang="en-US"/>
           </a:p>
@@ -3200,7 +2355,13 @@
       </p:sp>
       <p:sp>
         <p:nvSpPr>
-          <p:cNvPr id="6" name="Slide Number Placeholder 5"/>
+          <p:cNvPr id="6" name="Slide Number Placeholder 5">
+            <a:extLst>
+              <a:ext uri="{FF2B5EF4-FFF2-40B4-BE49-F238E27FC236}">
+                <a16:creationId xmlns:a16="http://schemas.microsoft.com/office/drawing/2014/main" id="{B121D85A-2FE1-9416-0383-ADD4ED50B929}"/>
+              </a:ext>
+            </a:extLst>
+          </p:cNvPr>
           <p:cNvSpPr>
             <a:spLocks noGrp="1"/>
           </p:cNvSpPr>
@@ -3211,14 +2372,10 @@
         <p:spPr/>
         <p:txBody>
           <a:bodyPr/>
-          <a:lstStyle>
-            <a:lvl1pPr>
-              <a:defRPr/>
-            </a:lvl1pPr>
-          </a:lstStyle>
+          <a:lstStyle/>
           <a:p>
             <a:fld id="{B9330DB5-983D-4B6B-91EF-DB4F0D6AFF43}" type="slidenum">
-              <a:rPr lang="en-US"/>
+              <a:rPr lang="en-US" smtClean="0"/>
               <a:pPr/>
               <a:t>‹#›</a:t>
             </a:fld>
@@ -3227,259 +2384,11 @@
         </p:txBody>
       </p:sp>
     </p:spTree>
-  </p:cSld>
-  <p:clrMapOvr>
-    <a:masterClrMapping/>
-  </p:clrMapOvr>
-</p:sldLayout>
-</file>
-
-<file path=ppt/slideLayouts/slideLayout12.xml><?xml version="1.0" encoding="utf-8"?>
-<p:sldLayout xmlns:a="http://schemas.openxmlformats.org/drawingml/2006/main" xmlns:r="http://schemas.openxmlformats.org/officeDocument/2006/relationships" xmlns:p="http://schemas.openxmlformats.org/presentationml/2006/main" type="txAndObj" preserve="1">
-  <p:cSld name="Title, Text, and Content">
-    <p:spTree>
-      <p:nvGrpSpPr>
-        <p:cNvPr id="1" name=""/>
-        <p:cNvGrpSpPr/>
-        <p:nvPr/>
-      </p:nvGrpSpPr>
-      <p:grpSpPr>
-        <a:xfrm>
-          <a:off x="0" y="0"/>
-          <a:ext cx="0" cy="0"/>
-          <a:chOff x="0" y="0"/>
-          <a:chExt cx="0" cy="0"/>
-        </a:xfrm>
-      </p:grpSpPr>
-      <p:sp>
-        <p:nvSpPr>
-          <p:cNvPr id="2" name="Title 1"/>
-          <p:cNvSpPr>
-            <a:spLocks noGrp="1"/>
-          </p:cNvSpPr>
-          <p:nvPr>
-            <p:ph type="title"/>
-          </p:nvPr>
-        </p:nvSpPr>
-        <p:spPr>
-          <a:xfrm>
-            <a:off x="609600" y="277814"/>
-            <a:ext cx="10972800" cy="1139825"/>
-          </a:xfrm>
-        </p:spPr>
-        <p:txBody>
-          <a:bodyPr/>
-          <a:lstStyle/>
-          <a:p>
-            <a:r>
-              <a:rPr lang="en-US"/>
-              <a:t>Click to edit Master title style</a:t>
-            </a:r>
-          </a:p>
-        </p:txBody>
-      </p:sp>
-      <p:sp>
-        <p:nvSpPr>
-          <p:cNvPr id="3" name="Text Placeholder 2"/>
-          <p:cNvSpPr>
-            <a:spLocks noGrp="1"/>
-          </p:cNvSpPr>
-          <p:nvPr>
-            <p:ph type="body" sz="half" idx="1"/>
-          </p:nvPr>
-        </p:nvSpPr>
-        <p:spPr>
-          <a:xfrm>
-            <a:off x="609600" y="1600201"/>
-            <a:ext cx="5384800" cy="4530725"/>
-          </a:xfrm>
-        </p:spPr>
-        <p:txBody>
-          <a:bodyPr/>
-          <a:lstStyle/>
-          <a:p>
-            <a:pPr lvl="0"/>
-            <a:r>
-              <a:rPr lang="en-US"/>
-              <a:t>Click to edit Master text styles</a:t>
-            </a:r>
-          </a:p>
-          <a:p>
-            <a:pPr lvl="1"/>
-            <a:r>
-              <a:rPr lang="en-US"/>
-              <a:t>Second level</a:t>
-            </a:r>
-          </a:p>
-          <a:p>
-            <a:pPr lvl="2"/>
-            <a:r>
-              <a:rPr lang="en-US"/>
-              <a:t>Third level</a:t>
-            </a:r>
-          </a:p>
-          <a:p>
-            <a:pPr lvl="3"/>
-            <a:r>
-              <a:rPr lang="en-US"/>
-              <a:t>Fourth level</a:t>
-            </a:r>
-          </a:p>
-          <a:p>
-            <a:pPr lvl="4"/>
-            <a:r>
-              <a:rPr lang="en-US"/>
-              <a:t>Fifth level</a:t>
-            </a:r>
-          </a:p>
-        </p:txBody>
-      </p:sp>
-      <p:sp>
-        <p:nvSpPr>
-          <p:cNvPr id="4" name="Content Placeholder 3"/>
-          <p:cNvSpPr>
-            <a:spLocks noGrp="1"/>
-          </p:cNvSpPr>
-          <p:nvPr>
-            <p:ph sz="half" idx="2"/>
-          </p:nvPr>
-        </p:nvSpPr>
-        <p:spPr>
-          <a:xfrm>
-            <a:off x="6197600" y="1600201"/>
-            <a:ext cx="5384800" cy="4530725"/>
-          </a:xfrm>
-        </p:spPr>
-        <p:txBody>
-          <a:bodyPr/>
-          <a:lstStyle/>
-          <a:p>
-            <a:pPr lvl="0"/>
-            <a:r>
-              <a:rPr lang="en-US"/>
-              <a:t>Click to edit Master text styles</a:t>
-            </a:r>
-          </a:p>
-          <a:p>
-            <a:pPr lvl="1"/>
-            <a:r>
-              <a:rPr lang="en-US"/>
-              <a:t>Second level</a:t>
-            </a:r>
-          </a:p>
-          <a:p>
-            <a:pPr lvl="2"/>
-            <a:r>
-              <a:rPr lang="en-US"/>
-              <a:t>Third level</a:t>
-            </a:r>
-          </a:p>
-          <a:p>
-            <a:pPr lvl="3"/>
-            <a:r>
-              <a:rPr lang="en-US"/>
-              <a:t>Fourth level</a:t>
-            </a:r>
-          </a:p>
-          <a:p>
-            <a:pPr lvl="4"/>
-            <a:r>
-              <a:rPr lang="en-US"/>
-              <a:t>Fifth level</a:t>
-            </a:r>
-          </a:p>
-        </p:txBody>
-      </p:sp>
-      <p:sp>
-        <p:nvSpPr>
-          <p:cNvPr id="5" name="Date Placeholder 4"/>
-          <p:cNvSpPr>
-            <a:spLocks noGrp="1"/>
-          </p:cNvSpPr>
-          <p:nvPr>
-            <p:ph type="dt" sz="half" idx="10"/>
-          </p:nvPr>
-        </p:nvSpPr>
-        <p:spPr>
-          <a:xfrm>
-            <a:off x="609600" y="6248400"/>
-            <a:ext cx="2844800" cy="457200"/>
-          </a:xfrm>
-        </p:spPr>
-        <p:txBody>
-          <a:bodyPr/>
-          <a:lstStyle>
-            <a:lvl1pPr>
-              <a:defRPr/>
-            </a:lvl1pPr>
-          </a:lstStyle>
-          <a:p>
-            <a:endParaRPr lang="en-US"/>
-          </a:p>
-        </p:txBody>
-      </p:sp>
-      <p:sp>
-        <p:nvSpPr>
-          <p:cNvPr id="6" name="Footer Placeholder 5"/>
-          <p:cNvSpPr>
-            <a:spLocks noGrp="1"/>
-          </p:cNvSpPr>
-          <p:nvPr>
-            <p:ph type="ftr" sz="quarter" idx="11"/>
-          </p:nvPr>
-        </p:nvSpPr>
-        <p:spPr>
-          <a:xfrm>
-            <a:off x="4165600" y="6248400"/>
-            <a:ext cx="3860800" cy="457200"/>
-          </a:xfrm>
-        </p:spPr>
-        <p:txBody>
-          <a:bodyPr/>
-          <a:lstStyle>
-            <a:lvl1pPr>
-              <a:defRPr/>
-            </a:lvl1pPr>
-          </a:lstStyle>
-          <a:p>
-            <a:endParaRPr lang="en-US"/>
-          </a:p>
-        </p:txBody>
-      </p:sp>
-      <p:sp>
-        <p:nvSpPr>
-          <p:cNvPr id="7" name="Slide Number Placeholder 6"/>
-          <p:cNvSpPr>
-            <a:spLocks noGrp="1"/>
-          </p:cNvSpPr>
-          <p:nvPr>
-            <p:ph type="sldNum" sz="quarter" idx="12"/>
-          </p:nvPr>
-        </p:nvSpPr>
-        <p:spPr>
-          <a:xfrm>
-            <a:off x="8737600" y="6248400"/>
-            <a:ext cx="2844800" cy="457200"/>
-          </a:xfrm>
-        </p:spPr>
-        <p:txBody>
-          <a:bodyPr/>
-          <a:lstStyle>
-            <a:lvl1pPr>
-              <a:defRPr/>
-            </a:lvl1pPr>
-          </a:lstStyle>
-          <a:p>
-            <a:fld id="{2E41281B-4839-49B7-BAC2-9B516CF93116}" type="slidenum">
-              <a:rPr lang="en-US"/>
-              <a:pPr/>
-              <a:t>‹#›</a:t>
-            </a:fld>
-            <a:endParaRPr lang="en-US"/>
-          </a:p>
-        </p:txBody>
-      </p:sp>
-    </p:spTree>
+    <p:extLst>
+      <p:ext uri="{BB962C8B-B14F-4D97-AF65-F5344CB8AC3E}">
+        <p14:creationId xmlns:p14="http://schemas.microsoft.com/office/powerpoint/2010/main" val="1028742293"/>
+      </p:ext>
+    </p:extLst>
   </p:cSld>
   <p:clrMapOvr>
     <a:masterClrMapping/>
@@ -3506,7 +2415,13 @@
       </p:grpSpPr>
       <p:sp>
         <p:nvSpPr>
-          <p:cNvPr id="2" name="Title 1"/>
+          <p:cNvPr id="2" name="Title 1">
+            <a:extLst>
+              <a:ext uri="{FF2B5EF4-FFF2-40B4-BE49-F238E27FC236}">
+                <a16:creationId xmlns:a16="http://schemas.microsoft.com/office/drawing/2014/main" id="{808B769A-9FCA-55B8-2227-9A973658D7F9}"/>
+              </a:ext>
+            </a:extLst>
+          </p:cNvPr>
           <p:cNvSpPr>
             <a:spLocks noGrp="1"/>
           </p:cNvSpPr>
@@ -3528,7 +2443,13 @@
       </p:sp>
       <p:sp>
         <p:nvSpPr>
-          <p:cNvPr id="3" name="Content Placeholder 2"/>
+          <p:cNvPr id="3" name="Content Placeholder 2">
+            <a:extLst>
+              <a:ext uri="{FF2B5EF4-FFF2-40B4-BE49-F238E27FC236}">
+                <a16:creationId xmlns:a16="http://schemas.microsoft.com/office/drawing/2014/main" id="{6C2F992D-3FCB-7DEE-3334-3092386C9B61}"/>
+              </a:ext>
+            </a:extLst>
+          </p:cNvPr>
           <p:cNvSpPr>
             <a:spLocks noGrp="1"/>
           </p:cNvSpPr>
@@ -3579,7 +2500,13 @@
       </p:sp>
       <p:sp>
         <p:nvSpPr>
-          <p:cNvPr id="4" name="Date Placeholder 3"/>
+          <p:cNvPr id="4" name="Date Placeholder 3">
+            <a:extLst>
+              <a:ext uri="{FF2B5EF4-FFF2-40B4-BE49-F238E27FC236}">
+                <a16:creationId xmlns:a16="http://schemas.microsoft.com/office/drawing/2014/main" id="{480E5199-FAA7-D1D9-A5DE-A167A8E0CA67}"/>
+              </a:ext>
+            </a:extLst>
+          </p:cNvPr>
           <p:cNvSpPr>
             <a:spLocks noGrp="1"/>
           </p:cNvSpPr>
@@ -3590,11 +2517,7 @@
         <p:spPr/>
         <p:txBody>
           <a:bodyPr/>
-          <a:lstStyle>
-            <a:lvl1pPr>
-              <a:defRPr/>
-            </a:lvl1pPr>
-          </a:lstStyle>
+          <a:lstStyle/>
           <a:p>
             <a:endParaRPr lang="en-US"/>
           </a:p>
@@ -3602,7 +2525,13 @@
       </p:sp>
       <p:sp>
         <p:nvSpPr>
-          <p:cNvPr id="5" name="Footer Placeholder 4"/>
+          <p:cNvPr id="5" name="Footer Placeholder 4">
+            <a:extLst>
+              <a:ext uri="{FF2B5EF4-FFF2-40B4-BE49-F238E27FC236}">
+                <a16:creationId xmlns:a16="http://schemas.microsoft.com/office/drawing/2014/main" id="{BE67A680-0060-5157-C585-39F6DE8A2945}"/>
+              </a:ext>
+            </a:extLst>
+          </p:cNvPr>
           <p:cNvSpPr>
             <a:spLocks noGrp="1"/>
           </p:cNvSpPr>
@@ -3613,11 +2542,7 @@
         <p:spPr/>
         <p:txBody>
           <a:bodyPr/>
-          <a:lstStyle>
-            <a:lvl1pPr>
-              <a:defRPr/>
-            </a:lvl1pPr>
-          </a:lstStyle>
+          <a:lstStyle/>
           <a:p>
             <a:endParaRPr lang="en-US"/>
           </a:p>
@@ -3625,7 +2550,13 @@
       </p:sp>
       <p:sp>
         <p:nvSpPr>
-          <p:cNvPr id="6" name="Slide Number Placeholder 5"/>
+          <p:cNvPr id="6" name="Slide Number Placeholder 5">
+            <a:extLst>
+              <a:ext uri="{FF2B5EF4-FFF2-40B4-BE49-F238E27FC236}">
+                <a16:creationId xmlns:a16="http://schemas.microsoft.com/office/drawing/2014/main" id="{9D607220-C4B6-BD56-7B42-126351BC3971}"/>
+              </a:ext>
+            </a:extLst>
+          </p:cNvPr>
           <p:cNvSpPr>
             <a:spLocks noGrp="1"/>
           </p:cNvSpPr>
@@ -3636,14 +2567,10 @@
         <p:spPr/>
         <p:txBody>
           <a:bodyPr/>
-          <a:lstStyle>
-            <a:lvl1pPr>
-              <a:defRPr/>
-            </a:lvl1pPr>
-          </a:lstStyle>
+          <a:lstStyle/>
           <a:p>
             <a:fld id="{65F34C31-A070-4EB9-AFC2-345EC9EE1622}" type="slidenum">
-              <a:rPr lang="en-US"/>
+              <a:rPr lang="en-US" smtClean="0"/>
               <a:pPr/>
               <a:t>‹#›</a:t>
             </a:fld>
@@ -3652,6 +2579,11 @@
         </p:txBody>
       </p:sp>
     </p:spTree>
+    <p:extLst>
+      <p:ext uri="{BB962C8B-B14F-4D97-AF65-F5344CB8AC3E}">
+        <p14:creationId xmlns:p14="http://schemas.microsoft.com/office/powerpoint/2010/main" val="1122095934"/>
+      </p:ext>
+    </p:extLst>
   </p:cSld>
   <p:clrMapOvr>
     <a:masterClrMapping/>
@@ -3678,7 +2610,13 @@
       </p:grpSpPr>
       <p:sp>
         <p:nvSpPr>
-          <p:cNvPr id="2" name="Title 1"/>
+          <p:cNvPr id="2" name="Title 1">
+            <a:extLst>
+              <a:ext uri="{FF2B5EF4-FFF2-40B4-BE49-F238E27FC236}">
+                <a16:creationId xmlns:a16="http://schemas.microsoft.com/office/drawing/2014/main" id="{25F9FB74-180D-B606-E787-9C8BD0594BF2}"/>
+              </a:ext>
+            </a:extLst>
+          </p:cNvPr>
           <p:cNvSpPr>
             <a:spLocks noGrp="1"/>
           </p:cNvSpPr>
@@ -3688,15 +2626,15 @@
         </p:nvSpPr>
         <p:spPr>
           <a:xfrm>
-            <a:off x="963084" y="4406901"/>
-            <a:ext cx="10363200" cy="1362075"/>
+            <a:off x="831850" y="1709738"/>
+            <a:ext cx="10515600" cy="2852737"/>
           </a:xfrm>
         </p:spPr>
         <p:txBody>
-          <a:bodyPr anchor="t"/>
+          <a:bodyPr anchor="b"/>
           <a:lstStyle>
-            <a:lvl1pPr algn="l">
-              <a:defRPr sz="4000" b="1" cap="all"/>
+            <a:lvl1pPr>
+              <a:defRPr sz="6000"/>
             </a:lvl1pPr>
           </a:lstStyle>
           <a:p>
@@ -3709,7 +2647,13 @@
       </p:sp>
       <p:sp>
         <p:nvSpPr>
-          <p:cNvPr id="3" name="Text Placeholder 2"/>
+          <p:cNvPr id="3" name="Text Placeholder 2">
+            <a:extLst>
+              <a:ext uri="{FF2B5EF4-FFF2-40B4-BE49-F238E27FC236}">
+                <a16:creationId xmlns:a16="http://schemas.microsoft.com/office/drawing/2014/main" id="{1F74C187-AE38-219C-FCF5-EDADA4543E46}"/>
+              </a:ext>
+            </a:extLst>
+          </p:cNvPr>
           <p:cNvSpPr>
             <a:spLocks noGrp="1"/>
           </p:cNvSpPr>
@@ -3719,48 +2663,102 @@
         </p:nvSpPr>
         <p:spPr>
           <a:xfrm>
-            <a:off x="963084" y="2906713"/>
-            <a:ext cx="10363200" cy="1500187"/>
+            <a:off x="831850" y="4589463"/>
+            <a:ext cx="10515600" cy="1500187"/>
           </a:xfrm>
         </p:spPr>
         <p:txBody>
-          <a:bodyPr anchor="b"/>
+          <a:bodyPr/>
           <a:lstStyle>
             <a:lvl1pPr marL="0" indent="0">
               <a:buNone/>
-              <a:defRPr sz="2000"/>
+              <a:defRPr sz="2400">
+                <a:solidFill>
+                  <a:schemeClr val="tx1">
+                    <a:tint val="82000"/>
+                  </a:schemeClr>
+                </a:solidFill>
+              </a:defRPr>
             </a:lvl1pPr>
             <a:lvl2pPr marL="457200" indent="0">
               <a:buNone/>
-              <a:defRPr sz="1800"/>
+              <a:defRPr sz="2000">
+                <a:solidFill>
+                  <a:schemeClr val="tx1">
+                    <a:tint val="82000"/>
+                  </a:schemeClr>
+                </a:solidFill>
+              </a:defRPr>
             </a:lvl2pPr>
             <a:lvl3pPr marL="914400" indent="0">
               <a:buNone/>
-              <a:defRPr sz="1600"/>
+              <a:defRPr sz="1800">
+                <a:solidFill>
+                  <a:schemeClr val="tx1">
+                    <a:tint val="82000"/>
+                  </a:schemeClr>
+                </a:solidFill>
+              </a:defRPr>
             </a:lvl3pPr>
             <a:lvl4pPr marL="1371600" indent="0">
               <a:buNone/>
-              <a:defRPr sz="1400"/>
+              <a:defRPr sz="1600">
+                <a:solidFill>
+                  <a:schemeClr val="tx1">
+                    <a:tint val="82000"/>
+                  </a:schemeClr>
+                </a:solidFill>
+              </a:defRPr>
             </a:lvl4pPr>
             <a:lvl5pPr marL="1828800" indent="0">
               <a:buNone/>
-              <a:defRPr sz="1400"/>
+              <a:defRPr sz="1600">
+                <a:solidFill>
+                  <a:schemeClr val="tx1">
+                    <a:tint val="82000"/>
+                  </a:schemeClr>
+                </a:solidFill>
+              </a:defRPr>
             </a:lvl5pPr>
             <a:lvl6pPr marL="2286000" indent="0">
               <a:buNone/>
-              <a:defRPr sz="1400"/>
+              <a:defRPr sz="1600">
+                <a:solidFill>
+                  <a:schemeClr val="tx1">
+                    <a:tint val="82000"/>
+                  </a:schemeClr>
+                </a:solidFill>
+              </a:defRPr>
             </a:lvl6pPr>
             <a:lvl7pPr marL="2743200" indent="0">
               <a:buNone/>
-              <a:defRPr sz="1400"/>
+              <a:defRPr sz="1600">
+                <a:solidFill>
+                  <a:schemeClr val="tx1">
+                    <a:tint val="82000"/>
+                  </a:schemeClr>
+                </a:solidFill>
+              </a:defRPr>
             </a:lvl7pPr>
             <a:lvl8pPr marL="3200400" indent="0">
               <a:buNone/>
-              <a:defRPr sz="1400"/>
+              <a:defRPr sz="1600">
+                <a:solidFill>
+                  <a:schemeClr val="tx1">
+                    <a:tint val="82000"/>
+                  </a:schemeClr>
+                </a:solidFill>
+              </a:defRPr>
             </a:lvl8pPr>
             <a:lvl9pPr marL="3657600" indent="0">
               <a:buNone/>
-              <a:defRPr sz="1400"/>
+              <a:defRPr sz="1600">
+                <a:solidFill>
+                  <a:schemeClr val="tx1">
+                    <a:tint val="82000"/>
+                  </a:schemeClr>
+                </a:solidFill>
+              </a:defRPr>
             </a:lvl9pPr>
           </a:lstStyle>
           <a:p>
@@ -3774,7 +2772,13 @@
       </p:sp>
       <p:sp>
         <p:nvSpPr>
-          <p:cNvPr id="4" name="Date Placeholder 3"/>
+          <p:cNvPr id="4" name="Date Placeholder 3">
+            <a:extLst>
+              <a:ext uri="{FF2B5EF4-FFF2-40B4-BE49-F238E27FC236}">
+                <a16:creationId xmlns:a16="http://schemas.microsoft.com/office/drawing/2014/main" id="{DFF252BA-FD58-0EA2-2883-8D6DB858DEA7}"/>
+              </a:ext>
+            </a:extLst>
+          </p:cNvPr>
           <p:cNvSpPr>
             <a:spLocks noGrp="1"/>
           </p:cNvSpPr>
@@ -3785,11 +2789,7 @@
         <p:spPr/>
         <p:txBody>
           <a:bodyPr/>
-          <a:lstStyle>
-            <a:lvl1pPr>
-              <a:defRPr/>
-            </a:lvl1pPr>
-          </a:lstStyle>
+          <a:lstStyle/>
           <a:p>
             <a:endParaRPr lang="en-US"/>
           </a:p>
@@ -3797,7 +2797,13 @@
       </p:sp>
       <p:sp>
         <p:nvSpPr>
-          <p:cNvPr id="5" name="Footer Placeholder 4"/>
+          <p:cNvPr id="5" name="Footer Placeholder 4">
+            <a:extLst>
+              <a:ext uri="{FF2B5EF4-FFF2-40B4-BE49-F238E27FC236}">
+                <a16:creationId xmlns:a16="http://schemas.microsoft.com/office/drawing/2014/main" id="{7C08C0E0-0C41-C4C7-46D8-65FFD84929A3}"/>
+              </a:ext>
+            </a:extLst>
+          </p:cNvPr>
           <p:cNvSpPr>
             <a:spLocks noGrp="1"/>
           </p:cNvSpPr>
@@ -3808,11 +2814,7 @@
         <p:spPr/>
         <p:txBody>
           <a:bodyPr/>
-          <a:lstStyle>
-            <a:lvl1pPr>
-              <a:defRPr/>
-            </a:lvl1pPr>
-          </a:lstStyle>
+          <a:lstStyle/>
           <a:p>
             <a:endParaRPr lang="en-US"/>
           </a:p>
@@ -3820,7 +2822,13 @@
       </p:sp>
       <p:sp>
         <p:nvSpPr>
-          <p:cNvPr id="6" name="Slide Number Placeholder 5"/>
+          <p:cNvPr id="6" name="Slide Number Placeholder 5">
+            <a:extLst>
+              <a:ext uri="{FF2B5EF4-FFF2-40B4-BE49-F238E27FC236}">
+                <a16:creationId xmlns:a16="http://schemas.microsoft.com/office/drawing/2014/main" id="{6B7E855E-83D4-0EE8-D3CE-4BF6361A14C0}"/>
+              </a:ext>
+            </a:extLst>
+          </p:cNvPr>
           <p:cNvSpPr>
             <a:spLocks noGrp="1"/>
           </p:cNvSpPr>
@@ -3831,14 +2839,10 @@
         <p:spPr/>
         <p:txBody>
           <a:bodyPr/>
-          <a:lstStyle>
-            <a:lvl1pPr>
-              <a:defRPr/>
-            </a:lvl1pPr>
-          </a:lstStyle>
+          <a:lstStyle/>
           <a:p>
             <a:fld id="{8EE6FA20-910F-4FF0-BE6B-B14A86899E39}" type="slidenum">
-              <a:rPr lang="en-US"/>
+              <a:rPr lang="en-US" smtClean="0"/>
               <a:pPr/>
               <a:t>‹#›</a:t>
             </a:fld>
@@ -3847,6 +2851,11 @@
         </p:txBody>
       </p:sp>
     </p:spTree>
+    <p:extLst>
+      <p:ext uri="{BB962C8B-B14F-4D97-AF65-F5344CB8AC3E}">
+        <p14:creationId xmlns:p14="http://schemas.microsoft.com/office/powerpoint/2010/main" val="2838467407"/>
+      </p:ext>
+    </p:extLst>
   </p:cSld>
   <p:clrMapOvr>
     <a:masterClrMapping/>
@@ -3873,7 +2882,13 @@
       </p:grpSpPr>
       <p:sp>
         <p:nvSpPr>
-          <p:cNvPr id="2" name="Title 1"/>
+          <p:cNvPr id="2" name="Title 1">
+            <a:extLst>
+              <a:ext uri="{FF2B5EF4-FFF2-40B4-BE49-F238E27FC236}">
+                <a16:creationId xmlns:a16="http://schemas.microsoft.com/office/drawing/2014/main" id="{024D4F28-BC88-CCA7-26BD-42358FEE448A}"/>
+              </a:ext>
+            </a:extLst>
+          </p:cNvPr>
           <p:cNvSpPr>
             <a:spLocks noGrp="1"/>
           </p:cNvSpPr>
@@ -3895,7 +2910,13 @@
       </p:sp>
       <p:sp>
         <p:nvSpPr>
-          <p:cNvPr id="3" name="Content Placeholder 2"/>
+          <p:cNvPr id="3" name="Content Placeholder 2">
+            <a:extLst>
+              <a:ext uri="{FF2B5EF4-FFF2-40B4-BE49-F238E27FC236}">
+                <a16:creationId xmlns:a16="http://schemas.microsoft.com/office/drawing/2014/main" id="{478503E9-1070-3371-07B5-61EFC37C375A}"/>
+              </a:ext>
+            </a:extLst>
+          </p:cNvPr>
           <p:cNvSpPr>
             <a:spLocks noGrp="1"/>
           </p:cNvSpPr>
@@ -3905,41 +2926,13 @@
         </p:nvSpPr>
         <p:spPr>
           <a:xfrm>
-            <a:off x="609600" y="1600201"/>
-            <a:ext cx="5384800" cy="4530725"/>
+            <a:off x="838200" y="1825625"/>
+            <a:ext cx="5181600" cy="4351338"/>
           </a:xfrm>
         </p:spPr>
         <p:txBody>
           <a:bodyPr/>
-          <a:lstStyle>
-            <a:lvl1pPr>
-              <a:defRPr sz="2800"/>
-            </a:lvl1pPr>
-            <a:lvl2pPr>
-              <a:defRPr sz="2400"/>
-            </a:lvl2pPr>
-            <a:lvl3pPr>
-              <a:defRPr sz="2000"/>
-            </a:lvl3pPr>
-            <a:lvl4pPr>
-              <a:defRPr sz="1800"/>
-            </a:lvl4pPr>
-            <a:lvl5pPr>
-              <a:defRPr sz="1800"/>
-            </a:lvl5pPr>
-            <a:lvl6pPr>
-              <a:defRPr sz="1800"/>
-            </a:lvl6pPr>
-            <a:lvl7pPr>
-              <a:defRPr sz="1800"/>
-            </a:lvl7pPr>
-            <a:lvl8pPr>
-              <a:defRPr sz="1800"/>
-            </a:lvl8pPr>
-            <a:lvl9pPr>
-              <a:defRPr sz="1800"/>
-            </a:lvl9pPr>
-          </a:lstStyle>
+          <a:lstStyle/>
           <a:p>
             <a:pPr lvl="0"/>
             <a:r>
@@ -3979,7 +2972,13 @@
       </p:sp>
       <p:sp>
         <p:nvSpPr>
-          <p:cNvPr id="4" name="Content Placeholder 3"/>
+          <p:cNvPr id="4" name="Content Placeholder 3">
+            <a:extLst>
+              <a:ext uri="{FF2B5EF4-FFF2-40B4-BE49-F238E27FC236}">
+                <a16:creationId xmlns:a16="http://schemas.microsoft.com/office/drawing/2014/main" id="{8224D972-4314-AA78-313E-B13270E4FCF9}"/>
+              </a:ext>
+            </a:extLst>
+          </p:cNvPr>
           <p:cNvSpPr>
             <a:spLocks noGrp="1"/>
           </p:cNvSpPr>
@@ -3989,41 +2988,13 @@
         </p:nvSpPr>
         <p:spPr>
           <a:xfrm>
-            <a:off x="6197600" y="1600201"/>
-            <a:ext cx="5384800" cy="4530725"/>
+            <a:off x="6172200" y="1825625"/>
+            <a:ext cx="5181600" cy="4351338"/>
           </a:xfrm>
         </p:spPr>
         <p:txBody>
           <a:bodyPr/>
-          <a:lstStyle>
-            <a:lvl1pPr>
-              <a:defRPr sz="2800"/>
-            </a:lvl1pPr>
-            <a:lvl2pPr>
-              <a:defRPr sz="2400"/>
-            </a:lvl2pPr>
-            <a:lvl3pPr>
-              <a:defRPr sz="2000"/>
-            </a:lvl3pPr>
-            <a:lvl4pPr>
-              <a:defRPr sz="1800"/>
-            </a:lvl4pPr>
-            <a:lvl5pPr>
-              <a:defRPr sz="1800"/>
-            </a:lvl5pPr>
-            <a:lvl6pPr>
-              <a:defRPr sz="1800"/>
-            </a:lvl6pPr>
-            <a:lvl7pPr>
-              <a:defRPr sz="1800"/>
-            </a:lvl7pPr>
-            <a:lvl8pPr>
-              <a:defRPr sz="1800"/>
-            </a:lvl8pPr>
-            <a:lvl9pPr>
-              <a:defRPr sz="1800"/>
-            </a:lvl9pPr>
-          </a:lstStyle>
+          <a:lstStyle/>
           <a:p>
             <a:pPr lvl="0"/>
             <a:r>
@@ -4063,7 +3034,13 @@
       </p:sp>
       <p:sp>
         <p:nvSpPr>
-          <p:cNvPr id="5" name="Date Placeholder 4"/>
+          <p:cNvPr id="5" name="Date Placeholder 4">
+            <a:extLst>
+              <a:ext uri="{FF2B5EF4-FFF2-40B4-BE49-F238E27FC236}">
+                <a16:creationId xmlns:a16="http://schemas.microsoft.com/office/drawing/2014/main" id="{29E396CA-474D-9FB2-6F7A-FD35BF37D1CB}"/>
+              </a:ext>
+            </a:extLst>
+          </p:cNvPr>
           <p:cNvSpPr>
             <a:spLocks noGrp="1"/>
           </p:cNvSpPr>
@@ -4074,11 +3051,7 @@
         <p:spPr/>
         <p:txBody>
           <a:bodyPr/>
-          <a:lstStyle>
-            <a:lvl1pPr>
-              <a:defRPr/>
-            </a:lvl1pPr>
-          </a:lstStyle>
+          <a:lstStyle/>
           <a:p>
             <a:endParaRPr lang="en-US"/>
           </a:p>
@@ -4086,7 +3059,13 @@
       </p:sp>
       <p:sp>
         <p:nvSpPr>
-          <p:cNvPr id="6" name="Footer Placeholder 5"/>
+          <p:cNvPr id="6" name="Footer Placeholder 5">
+            <a:extLst>
+              <a:ext uri="{FF2B5EF4-FFF2-40B4-BE49-F238E27FC236}">
+                <a16:creationId xmlns:a16="http://schemas.microsoft.com/office/drawing/2014/main" id="{79304355-299C-A850-CDCC-67076521ABAA}"/>
+              </a:ext>
+            </a:extLst>
+          </p:cNvPr>
           <p:cNvSpPr>
             <a:spLocks noGrp="1"/>
           </p:cNvSpPr>
@@ -4097,11 +3076,7 @@
         <p:spPr/>
         <p:txBody>
           <a:bodyPr/>
-          <a:lstStyle>
-            <a:lvl1pPr>
-              <a:defRPr/>
-            </a:lvl1pPr>
-          </a:lstStyle>
+          <a:lstStyle/>
           <a:p>
             <a:endParaRPr lang="en-US"/>
           </a:p>
@@ -4109,7 +3084,13 @@
       </p:sp>
       <p:sp>
         <p:nvSpPr>
-          <p:cNvPr id="7" name="Slide Number Placeholder 6"/>
+          <p:cNvPr id="7" name="Slide Number Placeholder 6">
+            <a:extLst>
+              <a:ext uri="{FF2B5EF4-FFF2-40B4-BE49-F238E27FC236}">
+                <a16:creationId xmlns:a16="http://schemas.microsoft.com/office/drawing/2014/main" id="{0AFAEC70-C9C7-D2A1-FF03-88DC5A8EDDFF}"/>
+              </a:ext>
+            </a:extLst>
+          </p:cNvPr>
           <p:cNvSpPr>
             <a:spLocks noGrp="1"/>
           </p:cNvSpPr>
@@ -4120,14 +3101,10 @@
         <p:spPr/>
         <p:txBody>
           <a:bodyPr/>
-          <a:lstStyle>
-            <a:lvl1pPr>
-              <a:defRPr/>
-            </a:lvl1pPr>
-          </a:lstStyle>
+          <a:lstStyle/>
           <a:p>
             <a:fld id="{A36C86C6-22B6-4190-BFE4-3D93FE3B9C7E}" type="slidenum">
-              <a:rPr lang="en-US"/>
+              <a:rPr lang="en-US" smtClean="0"/>
               <a:pPr/>
               <a:t>‹#›</a:t>
             </a:fld>
@@ -4136,6 +3113,11 @@
         </p:txBody>
       </p:sp>
     </p:spTree>
+    <p:extLst>
+      <p:ext uri="{BB962C8B-B14F-4D97-AF65-F5344CB8AC3E}">
+        <p14:creationId xmlns:p14="http://schemas.microsoft.com/office/powerpoint/2010/main" val="1380872472"/>
+      </p:ext>
+    </p:extLst>
   </p:cSld>
   <p:clrMapOvr>
     <a:masterClrMapping/>
@@ -4162,7 +3144,13 @@
       </p:grpSpPr>
       <p:sp>
         <p:nvSpPr>
-          <p:cNvPr id="2" name="Title 1"/>
+          <p:cNvPr id="2" name="Title 1">
+            <a:extLst>
+              <a:ext uri="{FF2B5EF4-FFF2-40B4-BE49-F238E27FC236}">
+                <a16:creationId xmlns:a16="http://schemas.microsoft.com/office/drawing/2014/main" id="{D184935D-812D-D0B8-C18E-FA3183AEFC9E}"/>
+              </a:ext>
+            </a:extLst>
+          </p:cNvPr>
           <p:cNvSpPr>
             <a:spLocks noGrp="1"/>
           </p:cNvSpPr>
@@ -4172,17 +3160,13 @@
         </p:nvSpPr>
         <p:spPr>
           <a:xfrm>
-            <a:off x="609600" y="274638"/>
-            <a:ext cx="10972800" cy="1143000"/>
+            <a:off x="839788" y="365125"/>
+            <a:ext cx="10515600" cy="1325563"/>
           </a:xfrm>
         </p:spPr>
         <p:txBody>
           <a:bodyPr/>
-          <a:lstStyle>
-            <a:lvl1pPr>
-              <a:defRPr/>
-            </a:lvl1pPr>
-          </a:lstStyle>
+          <a:lstStyle/>
           <a:p>
             <a:r>
               <a:rPr lang="en-US"/>
@@ -4193,7 +3177,13 @@
       </p:sp>
       <p:sp>
         <p:nvSpPr>
-          <p:cNvPr id="3" name="Text Placeholder 2"/>
+          <p:cNvPr id="3" name="Text Placeholder 2">
+            <a:extLst>
+              <a:ext uri="{FF2B5EF4-FFF2-40B4-BE49-F238E27FC236}">
+                <a16:creationId xmlns:a16="http://schemas.microsoft.com/office/drawing/2014/main" id="{1C87E4FC-9F45-263B-4695-347B60FF5746}"/>
+              </a:ext>
+            </a:extLst>
+          </p:cNvPr>
           <p:cNvSpPr>
             <a:spLocks noGrp="1"/>
           </p:cNvSpPr>
@@ -4203,8 +3193,8 @@
         </p:nvSpPr>
         <p:spPr>
           <a:xfrm>
-            <a:off x="609600" y="1535113"/>
-            <a:ext cx="5386917" cy="639762"/>
+            <a:off x="839788" y="1681163"/>
+            <a:ext cx="5157787" cy="823912"/>
           </a:xfrm>
         </p:spPr>
         <p:txBody>
@@ -4258,7 +3248,13 @@
       </p:sp>
       <p:sp>
         <p:nvSpPr>
-          <p:cNvPr id="4" name="Content Placeholder 3"/>
+          <p:cNvPr id="4" name="Content Placeholder 3">
+            <a:extLst>
+              <a:ext uri="{FF2B5EF4-FFF2-40B4-BE49-F238E27FC236}">
+                <a16:creationId xmlns:a16="http://schemas.microsoft.com/office/drawing/2014/main" id="{4C8B3F38-8332-EF4C-0D74-3615D9B0ADB8}"/>
+              </a:ext>
+            </a:extLst>
+          </p:cNvPr>
           <p:cNvSpPr>
             <a:spLocks noGrp="1"/>
           </p:cNvSpPr>
@@ -4268,41 +3264,13 @@
         </p:nvSpPr>
         <p:spPr>
           <a:xfrm>
-            <a:off x="609600" y="2174875"/>
-            <a:ext cx="5386917" cy="3951288"/>
+            <a:off x="839788" y="2505075"/>
+            <a:ext cx="5157787" cy="3684588"/>
           </a:xfrm>
         </p:spPr>
         <p:txBody>
           <a:bodyPr/>
-          <a:lstStyle>
-            <a:lvl1pPr>
-              <a:defRPr sz="2400"/>
-            </a:lvl1pPr>
-            <a:lvl2pPr>
-              <a:defRPr sz="2000"/>
-            </a:lvl2pPr>
-            <a:lvl3pPr>
-              <a:defRPr sz="1800"/>
-            </a:lvl3pPr>
-            <a:lvl4pPr>
-              <a:defRPr sz="1600"/>
-            </a:lvl4pPr>
-            <a:lvl5pPr>
-              <a:defRPr sz="1600"/>
-            </a:lvl5pPr>
-            <a:lvl6pPr>
-              <a:defRPr sz="1600"/>
-            </a:lvl6pPr>
-            <a:lvl7pPr>
-              <a:defRPr sz="1600"/>
-            </a:lvl7pPr>
-            <a:lvl8pPr>
-              <a:defRPr sz="1600"/>
-            </a:lvl8pPr>
-            <a:lvl9pPr>
-              <a:defRPr sz="1600"/>
-            </a:lvl9pPr>
-          </a:lstStyle>
+          <a:lstStyle/>
           <a:p>
             <a:pPr lvl="0"/>
             <a:r>
@@ -4342,7 +3310,13 @@
       </p:sp>
       <p:sp>
         <p:nvSpPr>
-          <p:cNvPr id="5" name="Text Placeholder 4"/>
+          <p:cNvPr id="5" name="Text Placeholder 4">
+            <a:extLst>
+              <a:ext uri="{FF2B5EF4-FFF2-40B4-BE49-F238E27FC236}">
+                <a16:creationId xmlns:a16="http://schemas.microsoft.com/office/drawing/2014/main" id="{2212B4CC-20E5-30CB-0052-6C5BD9EDBD4D}"/>
+              </a:ext>
+            </a:extLst>
+          </p:cNvPr>
           <p:cNvSpPr>
             <a:spLocks noGrp="1"/>
           </p:cNvSpPr>
@@ -4352,8 +3326,8 @@
         </p:nvSpPr>
         <p:spPr>
           <a:xfrm>
-            <a:off x="6193368" y="1535113"/>
-            <a:ext cx="5389033" cy="639762"/>
+            <a:off x="6172200" y="1681163"/>
+            <a:ext cx="5183188" cy="823912"/>
           </a:xfrm>
         </p:spPr>
         <p:txBody>
@@ -4407,7 +3381,13 @@
       </p:sp>
       <p:sp>
         <p:nvSpPr>
-          <p:cNvPr id="6" name="Content Placeholder 5"/>
+          <p:cNvPr id="6" name="Content Placeholder 5">
+            <a:extLst>
+              <a:ext uri="{FF2B5EF4-FFF2-40B4-BE49-F238E27FC236}">
+                <a16:creationId xmlns:a16="http://schemas.microsoft.com/office/drawing/2014/main" id="{741E03E2-5F10-19DD-2139-9ECDD4B21925}"/>
+              </a:ext>
+            </a:extLst>
+          </p:cNvPr>
           <p:cNvSpPr>
             <a:spLocks noGrp="1"/>
           </p:cNvSpPr>
@@ -4417,41 +3397,13 @@
         </p:nvSpPr>
         <p:spPr>
           <a:xfrm>
-            <a:off x="6193368" y="2174875"/>
-            <a:ext cx="5389033" cy="3951288"/>
+            <a:off x="6172200" y="2505075"/>
+            <a:ext cx="5183188" cy="3684588"/>
           </a:xfrm>
         </p:spPr>
         <p:txBody>
           <a:bodyPr/>
-          <a:lstStyle>
-            <a:lvl1pPr>
-              <a:defRPr sz="2400"/>
-            </a:lvl1pPr>
-            <a:lvl2pPr>
-              <a:defRPr sz="2000"/>
-            </a:lvl2pPr>
-            <a:lvl3pPr>
-              <a:defRPr sz="1800"/>
-            </a:lvl3pPr>
-            <a:lvl4pPr>
-              <a:defRPr sz="1600"/>
-            </a:lvl4pPr>
-            <a:lvl5pPr>
-              <a:defRPr sz="1600"/>
-            </a:lvl5pPr>
-            <a:lvl6pPr>
-              <a:defRPr sz="1600"/>
-            </a:lvl6pPr>
-            <a:lvl7pPr>
-              <a:defRPr sz="1600"/>
-            </a:lvl7pPr>
-            <a:lvl8pPr>
-              <a:defRPr sz="1600"/>
-            </a:lvl8pPr>
-            <a:lvl9pPr>
-              <a:defRPr sz="1600"/>
-            </a:lvl9pPr>
-          </a:lstStyle>
+          <a:lstStyle/>
           <a:p>
             <a:pPr lvl="0"/>
             <a:r>
@@ -4491,7 +3443,13 @@
       </p:sp>
       <p:sp>
         <p:nvSpPr>
-          <p:cNvPr id="7" name="Date Placeholder 6"/>
+          <p:cNvPr id="7" name="Date Placeholder 6">
+            <a:extLst>
+              <a:ext uri="{FF2B5EF4-FFF2-40B4-BE49-F238E27FC236}">
+                <a16:creationId xmlns:a16="http://schemas.microsoft.com/office/drawing/2014/main" id="{03ACC4E1-3BDC-6B1B-EE36-84545F495838}"/>
+              </a:ext>
+            </a:extLst>
+          </p:cNvPr>
           <p:cNvSpPr>
             <a:spLocks noGrp="1"/>
           </p:cNvSpPr>
@@ -4502,11 +3460,7 @@
         <p:spPr/>
         <p:txBody>
           <a:bodyPr/>
-          <a:lstStyle>
-            <a:lvl1pPr>
-              <a:defRPr/>
-            </a:lvl1pPr>
-          </a:lstStyle>
+          <a:lstStyle/>
           <a:p>
             <a:endParaRPr lang="en-US"/>
           </a:p>
@@ -4514,7 +3468,13 @@
       </p:sp>
       <p:sp>
         <p:nvSpPr>
-          <p:cNvPr id="8" name="Footer Placeholder 7"/>
+          <p:cNvPr id="8" name="Footer Placeholder 7">
+            <a:extLst>
+              <a:ext uri="{FF2B5EF4-FFF2-40B4-BE49-F238E27FC236}">
+                <a16:creationId xmlns:a16="http://schemas.microsoft.com/office/drawing/2014/main" id="{ABA39BA1-E4D0-B872-576D-CE659D56075D}"/>
+              </a:ext>
+            </a:extLst>
+          </p:cNvPr>
           <p:cNvSpPr>
             <a:spLocks noGrp="1"/>
           </p:cNvSpPr>
@@ -4525,11 +3485,7 @@
         <p:spPr/>
         <p:txBody>
           <a:bodyPr/>
-          <a:lstStyle>
-            <a:lvl1pPr>
-              <a:defRPr/>
-            </a:lvl1pPr>
-          </a:lstStyle>
+          <a:lstStyle/>
           <a:p>
             <a:endParaRPr lang="en-US"/>
           </a:p>
@@ -4537,7 +3493,13 @@
       </p:sp>
       <p:sp>
         <p:nvSpPr>
-          <p:cNvPr id="9" name="Slide Number Placeholder 8"/>
+          <p:cNvPr id="9" name="Slide Number Placeholder 8">
+            <a:extLst>
+              <a:ext uri="{FF2B5EF4-FFF2-40B4-BE49-F238E27FC236}">
+                <a16:creationId xmlns:a16="http://schemas.microsoft.com/office/drawing/2014/main" id="{2B2A9166-5261-C650-12E3-CC9D9163255A}"/>
+              </a:ext>
+            </a:extLst>
+          </p:cNvPr>
           <p:cNvSpPr>
             <a:spLocks noGrp="1"/>
           </p:cNvSpPr>
@@ -4548,14 +3510,10 @@
         <p:spPr/>
         <p:txBody>
           <a:bodyPr/>
-          <a:lstStyle>
-            <a:lvl1pPr>
-              <a:defRPr/>
-            </a:lvl1pPr>
-          </a:lstStyle>
+          <a:lstStyle/>
           <a:p>
             <a:fld id="{5B0C8BF5-1F35-47E2-9B89-544E711D2F4C}" type="slidenum">
-              <a:rPr lang="en-US"/>
+              <a:rPr lang="en-US" smtClean="0"/>
               <a:pPr/>
               <a:t>‹#›</a:t>
             </a:fld>
@@ -4564,6 +3522,11 @@
         </p:txBody>
       </p:sp>
     </p:spTree>
+    <p:extLst>
+      <p:ext uri="{BB962C8B-B14F-4D97-AF65-F5344CB8AC3E}">
+        <p14:creationId xmlns:p14="http://schemas.microsoft.com/office/powerpoint/2010/main" val="1481336390"/>
+      </p:ext>
+    </p:extLst>
   </p:cSld>
   <p:clrMapOvr>
     <a:masterClrMapping/>
@@ -4590,7 +3553,13 @@
       </p:grpSpPr>
       <p:sp>
         <p:nvSpPr>
-          <p:cNvPr id="2" name="Title 1"/>
+          <p:cNvPr id="2" name="Title 1">
+            <a:extLst>
+              <a:ext uri="{FF2B5EF4-FFF2-40B4-BE49-F238E27FC236}">
+                <a16:creationId xmlns:a16="http://schemas.microsoft.com/office/drawing/2014/main" id="{1639D0CB-24BF-34AA-2CC2-EB287BD461BF}"/>
+              </a:ext>
+            </a:extLst>
+          </p:cNvPr>
           <p:cNvSpPr>
             <a:spLocks noGrp="1"/>
           </p:cNvSpPr>
@@ -4612,7 +3581,13 @@
       </p:sp>
       <p:sp>
         <p:nvSpPr>
-          <p:cNvPr id="3" name="Date Placeholder 2"/>
+          <p:cNvPr id="3" name="Date Placeholder 2">
+            <a:extLst>
+              <a:ext uri="{FF2B5EF4-FFF2-40B4-BE49-F238E27FC236}">
+                <a16:creationId xmlns:a16="http://schemas.microsoft.com/office/drawing/2014/main" id="{1D0805DE-DC39-0898-7ADC-AF9C8BA341B7}"/>
+              </a:ext>
+            </a:extLst>
+          </p:cNvPr>
           <p:cNvSpPr>
             <a:spLocks noGrp="1"/>
           </p:cNvSpPr>
@@ -4623,11 +3598,7 @@
         <p:spPr/>
         <p:txBody>
           <a:bodyPr/>
-          <a:lstStyle>
-            <a:lvl1pPr>
-              <a:defRPr/>
-            </a:lvl1pPr>
-          </a:lstStyle>
+          <a:lstStyle/>
           <a:p>
             <a:endParaRPr lang="en-US"/>
           </a:p>
@@ -4635,7 +3606,13 @@
       </p:sp>
       <p:sp>
         <p:nvSpPr>
-          <p:cNvPr id="4" name="Footer Placeholder 3"/>
+          <p:cNvPr id="4" name="Footer Placeholder 3">
+            <a:extLst>
+              <a:ext uri="{FF2B5EF4-FFF2-40B4-BE49-F238E27FC236}">
+                <a16:creationId xmlns:a16="http://schemas.microsoft.com/office/drawing/2014/main" id="{0ED1E33F-2E35-98D0-9F42-8A81168FF58C}"/>
+              </a:ext>
+            </a:extLst>
+          </p:cNvPr>
           <p:cNvSpPr>
             <a:spLocks noGrp="1"/>
           </p:cNvSpPr>
@@ -4646,11 +3623,7 @@
         <p:spPr/>
         <p:txBody>
           <a:bodyPr/>
-          <a:lstStyle>
-            <a:lvl1pPr>
-              <a:defRPr/>
-            </a:lvl1pPr>
-          </a:lstStyle>
+          <a:lstStyle/>
           <a:p>
             <a:endParaRPr lang="en-US"/>
           </a:p>
@@ -4658,7 +3631,13 @@
       </p:sp>
       <p:sp>
         <p:nvSpPr>
-          <p:cNvPr id="5" name="Slide Number Placeholder 4"/>
+          <p:cNvPr id="5" name="Slide Number Placeholder 4">
+            <a:extLst>
+              <a:ext uri="{FF2B5EF4-FFF2-40B4-BE49-F238E27FC236}">
+                <a16:creationId xmlns:a16="http://schemas.microsoft.com/office/drawing/2014/main" id="{9E36AFE2-5C59-02AE-9D25-0C688685A3FA}"/>
+              </a:ext>
+            </a:extLst>
+          </p:cNvPr>
           <p:cNvSpPr>
             <a:spLocks noGrp="1"/>
           </p:cNvSpPr>
@@ -4669,14 +3648,10 @@
         <p:spPr/>
         <p:txBody>
           <a:bodyPr/>
-          <a:lstStyle>
-            <a:lvl1pPr>
-              <a:defRPr/>
-            </a:lvl1pPr>
-          </a:lstStyle>
+          <a:lstStyle/>
           <a:p>
             <a:fld id="{CA4B612B-8535-4B64-9C8E-916BAAA9D09B}" type="slidenum">
-              <a:rPr lang="en-US"/>
+              <a:rPr lang="en-US" smtClean="0"/>
               <a:pPr/>
               <a:t>‹#›</a:t>
             </a:fld>
@@ -4685,6 +3660,11 @@
         </p:txBody>
       </p:sp>
     </p:spTree>
+    <p:extLst>
+      <p:ext uri="{BB962C8B-B14F-4D97-AF65-F5344CB8AC3E}">
+        <p14:creationId xmlns:p14="http://schemas.microsoft.com/office/powerpoint/2010/main" val="2899111038"/>
+      </p:ext>
+    </p:extLst>
   </p:cSld>
   <p:clrMapOvr>
     <a:masterClrMapping/>
@@ -4711,7 +3691,13 @@
       </p:grpSpPr>
       <p:sp>
         <p:nvSpPr>
-          <p:cNvPr id="2" name="Date Placeholder 1"/>
+          <p:cNvPr id="2" name="Date Placeholder 1">
+            <a:extLst>
+              <a:ext uri="{FF2B5EF4-FFF2-40B4-BE49-F238E27FC236}">
+                <a16:creationId xmlns:a16="http://schemas.microsoft.com/office/drawing/2014/main" id="{ABA6AA28-8D87-E11A-825E-22E89773C48C}"/>
+              </a:ext>
+            </a:extLst>
+          </p:cNvPr>
           <p:cNvSpPr>
             <a:spLocks noGrp="1"/>
           </p:cNvSpPr>
@@ -4722,11 +3708,7 @@
         <p:spPr/>
         <p:txBody>
           <a:bodyPr/>
-          <a:lstStyle>
-            <a:lvl1pPr>
-              <a:defRPr/>
-            </a:lvl1pPr>
-          </a:lstStyle>
+          <a:lstStyle/>
           <a:p>
             <a:endParaRPr lang="en-US"/>
           </a:p>
@@ -4734,7 +3716,13 @@
       </p:sp>
       <p:sp>
         <p:nvSpPr>
-          <p:cNvPr id="3" name="Footer Placeholder 2"/>
+          <p:cNvPr id="3" name="Footer Placeholder 2">
+            <a:extLst>
+              <a:ext uri="{FF2B5EF4-FFF2-40B4-BE49-F238E27FC236}">
+                <a16:creationId xmlns:a16="http://schemas.microsoft.com/office/drawing/2014/main" id="{6A62649D-4C84-9F2C-27C6-51DB988F8945}"/>
+              </a:ext>
+            </a:extLst>
+          </p:cNvPr>
           <p:cNvSpPr>
             <a:spLocks noGrp="1"/>
           </p:cNvSpPr>
@@ -4745,11 +3733,7 @@
         <p:spPr/>
         <p:txBody>
           <a:bodyPr/>
-          <a:lstStyle>
-            <a:lvl1pPr>
-              <a:defRPr/>
-            </a:lvl1pPr>
-          </a:lstStyle>
+          <a:lstStyle/>
           <a:p>
             <a:endParaRPr lang="en-US"/>
           </a:p>
@@ -4757,7 +3741,13 @@
       </p:sp>
       <p:sp>
         <p:nvSpPr>
-          <p:cNvPr id="4" name="Slide Number Placeholder 3"/>
+          <p:cNvPr id="4" name="Slide Number Placeholder 3">
+            <a:extLst>
+              <a:ext uri="{FF2B5EF4-FFF2-40B4-BE49-F238E27FC236}">
+                <a16:creationId xmlns:a16="http://schemas.microsoft.com/office/drawing/2014/main" id="{1AFB5C40-47D4-AE87-92CC-EC30E4D21E63}"/>
+              </a:ext>
+            </a:extLst>
+          </p:cNvPr>
           <p:cNvSpPr>
             <a:spLocks noGrp="1"/>
           </p:cNvSpPr>
@@ -4768,14 +3758,10 @@
         <p:spPr/>
         <p:txBody>
           <a:bodyPr/>
-          <a:lstStyle>
-            <a:lvl1pPr>
-              <a:defRPr/>
-            </a:lvl1pPr>
-          </a:lstStyle>
+          <a:lstStyle/>
           <a:p>
             <a:fld id="{9EB748B0-DA12-44BB-A34E-947EF26F5687}" type="slidenum">
-              <a:rPr lang="en-US"/>
+              <a:rPr lang="en-US" smtClean="0"/>
               <a:pPr/>
               <a:t>‹#›</a:t>
             </a:fld>
@@ -4784,6 +3770,11 @@
         </p:txBody>
       </p:sp>
     </p:spTree>
+    <p:extLst>
+      <p:ext uri="{BB962C8B-B14F-4D97-AF65-F5344CB8AC3E}">
+        <p14:creationId xmlns:p14="http://schemas.microsoft.com/office/powerpoint/2010/main" val="2344511404"/>
+      </p:ext>
+    </p:extLst>
   </p:cSld>
   <p:clrMapOvr>
     <a:masterClrMapping/>
@@ -4810,7 +3801,13 @@
       </p:grpSpPr>
       <p:sp>
         <p:nvSpPr>
-          <p:cNvPr id="2" name="Title 1"/>
+          <p:cNvPr id="2" name="Title 1">
+            <a:extLst>
+              <a:ext uri="{FF2B5EF4-FFF2-40B4-BE49-F238E27FC236}">
+                <a16:creationId xmlns:a16="http://schemas.microsoft.com/office/drawing/2014/main" id="{A05F3B0C-03CC-7F5F-72CE-FB4BEA60807F}"/>
+              </a:ext>
+            </a:extLst>
+          </p:cNvPr>
           <p:cNvSpPr>
             <a:spLocks noGrp="1"/>
           </p:cNvSpPr>
@@ -4820,15 +3817,15 @@
         </p:nvSpPr>
         <p:spPr>
           <a:xfrm>
-            <a:off x="609601" y="273050"/>
-            <a:ext cx="4011084" cy="1162050"/>
+            <a:off x="839788" y="457200"/>
+            <a:ext cx="3932237" cy="1600200"/>
           </a:xfrm>
         </p:spPr>
         <p:txBody>
           <a:bodyPr anchor="b"/>
           <a:lstStyle>
-            <a:lvl1pPr algn="l">
-              <a:defRPr sz="2000" b="1"/>
+            <a:lvl1pPr>
+              <a:defRPr sz="3200"/>
             </a:lvl1pPr>
           </a:lstStyle>
           <a:p>
@@ -4841,7 +3838,13 @@
       </p:sp>
       <p:sp>
         <p:nvSpPr>
-          <p:cNvPr id="3" name="Content Placeholder 2"/>
+          <p:cNvPr id="3" name="Content Placeholder 2">
+            <a:extLst>
+              <a:ext uri="{FF2B5EF4-FFF2-40B4-BE49-F238E27FC236}">
+                <a16:creationId xmlns:a16="http://schemas.microsoft.com/office/drawing/2014/main" id="{1F74D39C-FC1C-5C35-2BA7-A5F203CD9958}"/>
+              </a:ext>
+            </a:extLst>
+          </p:cNvPr>
           <p:cNvSpPr>
             <a:spLocks noGrp="1"/>
           </p:cNvSpPr>
@@ -4851,8 +3854,8 @@
         </p:nvSpPr>
         <p:spPr>
           <a:xfrm>
-            <a:off x="4766733" y="273051"/>
-            <a:ext cx="6815667" cy="5853113"/>
+            <a:off x="5183188" y="987425"/>
+            <a:ext cx="6172200" cy="4873625"/>
           </a:xfrm>
         </p:spPr>
         <p:txBody>
@@ -4925,7 +3928,13 @@
       </p:sp>
       <p:sp>
         <p:nvSpPr>
-          <p:cNvPr id="4" name="Text Placeholder 3"/>
+          <p:cNvPr id="4" name="Text Placeholder 3">
+            <a:extLst>
+              <a:ext uri="{FF2B5EF4-FFF2-40B4-BE49-F238E27FC236}">
+                <a16:creationId xmlns:a16="http://schemas.microsoft.com/office/drawing/2014/main" id="{7F2694A3-64D5-018C-18E6-79D15960F439}"/>
+              </a:ext>
+            </a:extLst>
+          </p:cNvPr>
           <p:cNvSpPr>
             <a:spLocks noGrp="1"/>
           </p:cNvSpPr>
@@ -4935,8 +3944,8 @@
         </p:nvSpPr>
         <p:spPr>
           <a:xfrm>
-            <a:off x="609601" y="1435101"/>
-            <a:ext cx="4011084" cy="4691063"/>
+            <a:off x="839788" y="2057400"/>
+            <a:ext cx="3932237" cy="3811588"/>
           </a:xfrm>
         </p:spPr>
         <p:txBody>
@@ -4944,39 +3953,39 @@
           <a:lstStyle>
             <a:lvl1pPr marL="0" indent="0">
               <a:buNone/>
-              <a:defRPr sz="1400"/>
+              <a:defRPr sz="1600"/>
             </a:lvl1pPr>
             <a:lvl2pPr marL="457200" indent="0">
               <a:buNone/>
-              <a:defRPr sz="1200"/>
+              <a:defRPr sz="1400"/>
             </a:lvl2pPr>
             <a:lvl3pPr marL="914400" indent="0">
               <a:buNone/>
-              <a:defRPr sz="1000"/>
+              <a:defRPr sz="1200"/>
             </a:lvl3pPr>
             <a:lvl4pPr marL="1371600" indent="0">
               <a:buNone/>
-              <a:defRPr sz="900"/>
+              <a:defRPr sz="1000"/>
             </a:lvl4pPr>
             <a:lvl5pPr marL="1828800" indent="0">
               <a:buNone/>
-              <a:defRPr sz="900"/>
+              <a:defRPr sz="1000"/>
             </a:lvl5pPr>
             <a:lvl6pPr marL="2286000" indent="0">
               <a:buNone/>
-              <a:defRPr sz="900"/>
+              <a:defRPr sz="1000"/>
             </a:lvl6pPr>
             <a:lvl7pPr marL="2743200" indent="0">
               <a:buNone/>
-              <a:defRPr sz="900"/>
+              <a:defRPr sz="1000"/>
             </a:lvl7pPr>
             <a:lvl8pPr marL="3200400" indent="0">
               <a:buNone/>
-              <a:defRPr sz="900"/>
+              <a:defRPr sz="1000"/>
             </a:lvl8pPr>
             <a:lvl9pPr marL="3657600" indent="0">
               <a:buNone/>
-              <a:defRPr sz="900"/>
+              <a:defRPr sz="1000"/>
             </a:lvl9pPr>
           </a:lstStyle>
           <a:p>
@@ -4990,7 +3999,13 @@
       </p:sp>
       <p:sp>
         <p:nvSpPr>
-          <p:cNvPr id="5" name="Date Placeholder 4"/>
+          <p:cNvPr id="5" name="Date Placeholder 4">
+            <a:extLst>
+              <a:ext uri="{FF2B5EF4-FFF2-40B4-BE49-F238E27FC236}">
+                <a16:creationId xmlns:a16="http://schemas.microsoft.com/office/drawing/2014/main" id="{4DBE1646-E5D7-D33E-E154-27A1B46001A4}"/>
+              </a:ext>
+            </a:extLst>
+          </p:cNvPr>
           <p:cNvSpPr>
             <a:spLocks noGrp="1"/>
           </p:cNvSpPr>
@@ -5001,11 +4016,7 @@
         <p:spPr/>
         <p:txBody>
           <a:bodyPr/>
-          <a:lstStyle>
-            <a:lvl1pPr>
-              <a:defRPr/>
-            </a:lvl1pPr>
-          </a:lstStyle>
+          <a:lstStyle/>
           <a:p>
             <a:endParaRPr lang="en-US"/>
           </a:p>
@@ -5013,7 +4024,13 @@
       </p:sp>
       <p:sp>
         <p:nvSpPr>
-          <p:cNvPr id="6" name="Footer Placeholder 5"/>
+          <p:cNvPr id="6" name="Footer Placeholder 5">
+            <a:extLst>
+              <a:ext uri="{FF2B5EF4-FFF2-40B4-BE49-F238E27FC236}">
+                <a16:creationId xmlns:a16="http://schemas.microsoft.com/office/drawing/2014/main" id="{16B1FB60-CDBB-09BD-096D-C06084281935}"/>
+              </a:ext>
+            </a:extLst>
+          </p:cNvPr>
           <p:cNvSpPr>
             <a:spLocks noGrp="1"/>
           </p:cNvSpPr>
@@ -5024,11 +4041,7 @@
         <p:spPr/>
         <p:txBody>
           <a:bodyPr/>
-          <a:lstStyle>
-            <a:lvl1pPr>
-              <a:defRPr/>
-            </a:lvl1pPr>
-          </a:lstStyle>
+          <a:lstStyle/>
           <a:p>
             <a:endParaRPr lang="en-US"/>
           </a:p>
@@ -5036,7 +4049,13 @@
       </p:sp>
       <p:sp>
         <p:nvSpPr>
-          <p:cNvPr id="7" name="Slide Number Placeholder 6"/>
+          <p:cNvPr id="7" name="Slide Number Placeholder 6">
+            <a:extLst>
+              <a:ext uri="{FF2B5EF4-FFF2-40B4-BE49-F238E27FC236}">
+                <a16:creationId xmlns:a16="http://schemas.microsoft.com/office/drawing/2014/main" id="{A7B010F1-D1F7-AA5A-8C91-FE4FB9AD8D10}"/>
+              </a:ext>
+            </a:extLst>
+          </p:cNvPr>
           <p:cNvSpPr>
             <a:spLocks noGrp="1"/>
           </p:cNvSpPr>
@@ -5047,14 +4066,10 @@
         <p:spPr/>
         <p:txBody>
           <a:bodyPr/>
-          <a:lstStyle>
-            <a:lvl1pPr>
-              <a:defRPr/>
-            </a:lvl1pPr>
-          </a:lstStyle>
+          <a:lstStyle/>
           <a:p>
             <a:fld id="{4ED5FBDF-ECE6-4939-B3C9-CEB5F0B64D0F}" type="slidenum">
-              <a:rPr lang="en-US"/>
+              <a:rPr lang="en-US" smtClean="0"/>
               <a:pPr/>
               <a:t>‹#›</a:t>
             </a:fld>
@@ -5063,6 +4078,11 @@
         </p:txBody>
       </p:sp>
     </p:spTree>
+    <p:extLst>
+      <p:ext uri="{BB962C8B-B14F-4D97-AF65-F5344CB8AC3E}">
+        <p14:creationId xmlns:p14="http://schemas.microsoft.com/office/powerpoint/2010/main" val="1124913563"/>
+      </p:ext>
+    </p:extLst>
   </p:cSld>
   <p:clrMapOvr>
     <a:masterClrMapping/>
@@ -5089,7 +4109,13 @@
       </p:grpSpPr>
       <p:sp>
         <p:nvSpPr>
-          <p:cNvPr id="2" name="Title 1"/>
+          <p:cNvPr id="2" name="Title 1">
+            <a:extLst>
+              <a:ext uri="{FF2B5EF4-FFF2-40B4-BE49-F238E27FC236}">
+                <a16:creationId xmlns:a16="http://schemas.microsoft.com/office/drawing/2014/main" id="{9D50630E-4E35-7DC7-697A-A3FDFD7A655E}"/>
+              </a:ext>
+            </a:extLst>
+          </p:cNvPr>
           <p:cNvSpPr>
             <a:spLocks noGrp="1"/>
           </p:cNvSpPr>
@@ -5099,15 +4125,15 @@
         </p:nvSpPr>
         <p:spPr>
           <a:xfrm>
-            <a:off x="2389717" y="4800600"/>
-            <a:ext cx="7315200" cy="566738"/>
+            <a:off x="839788" y="457200"/>
+            <a:ext cx="3932237" cy="1600200"/>
           </a:xfrm>
         </p:spPr>
         <p:txBody>
           <a:bodyPr anchor="b"/>
           <a:lstStyle>
-            <a:lvl1pPr algn="l">
-              <a:defRPr sz="2000" b="1"/>
+            <a:lvl1pPr>
+              <a:defRPr sz="3200"/>
             </a:lvl1pPr>
           </a:lstStyle>
           <a:p>
@@ -5120,7 +4146,13 @@
       </p:sp>
       <p:sp>
         <p:nvSpPr>
-          <p:cNvPr id="3" name="Picture Placeholder 2"/>
+          <p:cNvPr id="3" name="Picture Placeholder 2">
+            <a:extLst>
+              <a:ext uri="{FF2B5EF4-FFF2-40B4-BE49-F238E27FC236}">
+                <a16:creationId xmlns:a16="http://schemas.microsoft.com/office/drawing/2014/main" id="{679001F7-03B1-D0EE-BA1F-903DF883BC7F}"/>
+              </a:ext>
+            </a:extLst>
+          </p:cNvPr>
           <p:cNvSpPr>
             <a:spLocks noGrp="1"/>
           </p:cNvSpPr>
@@ -5130,8 +4162,8 @@
         </p:nvSpPr>
         <p:spPr>
           <a:xfrm>
-            <a:off x="2389717" y="612775"/>
-            <a:ext cx="7315200" cy="4114800"/>
+            <a:off x="5183188" y="987425"/>
+            <a:ext cx="6172200" cy="4873625"/>
           </a:xfrm>
         </p:spPr>
         <p:txBody>
@@ -5181,7 +4213,13 @@
       </p:sp>
       <p:sp>
         <p:nvSpPr>
-          <p:cNvPr id="4" name="Text Placeholder 3"/>
+          <p:cNvPr id="4" name="Text Placeholder 3">
+            <a:extLst>
+              <a:ext uri="{FF2B5EF4-FFF2-40B4-BE49-F238E27FC236}">
+                <a16:creationId xmlns:a16="http://schemas.microsoft.com/office/drawing/2014/main" id="{D2DDC6D8-6312-AE6A-8DD0-1770206857A9}"/>
+              </a:ext>
+            </a:extLst>
+          </p:cNvPr>
           <p:cNvSpPr>
             <a:spLocks noGrp="1"/>
           </p:cNvSpPr>
@@ -5191,8 +4229,8 @@
         </p:nvSpPr>
         <p:spPr>
           <a:xfrm>
-            <a:off x="2389717" y="5367338"/>
-            <a:ext cx="7315200" cy="804862"/>
+            <a:off x="839788" y="2057400"/>
+            <a:ext cx="3932237" cy="3811588"/>
           </a:xfrm>
         </p:spPr>
         <p:txBody>
@@ -5200,39 +4238,39 @@
           <a:lstStyle>
             <a:lvl1pPr marL="0" indent="0">
               <a:buNone/>
-              <a:defRPr sz="1400"/>
+              <a:defRPr sz="1600"/>
             </a:lvl1pPr>
             <a:lvl2pPr marL="457200" indent="0">
               <a:buNone/>
-              <a:defRPr sz="1200"/>
+              <a:defRPr sz="1400"/>
             </a:lvl2pPr>
             <a:lvl3pPr marL="914400" indent="0">
               <a:buNone/>
-              <a:defRPr sz="1000"/>
+              <a:defRPr sz="1200"/>
             </a:lvl3pPr>
             <a:lvl4pPr marL="1371600" indent="0">
               <a:buNone/>
-              <a:defRPr sz="900"/>
+              <a:defRPr sz="1000"/>
             </a:lvl4pPr>
             <a:lvl5pPr marL="1828800" indent="0">
               <a:buNone/>
-              <a:defRPr sz="900"/>
+              <a:defRPr sz="1000"/>
             </a:lvl5pPr>
             <a:lvl6pPr marL="2286000" indent="0">
               <a:buNone/>
-              <a:defRPr sz="900"/>
+              <a:defRPr sz="1000"/>
             </a:lvl6pPr>
             <a:lvl7pPr marL="2743200" indent="0">
               <a:buNone/>
-              <a:defRPr sz="900"/>
+              <a:defRPr sz="1000"/>
             </a:lvl7pPr>
             <a:lvl8pPr marL="3200400" indent="0">
               <a:buNone/>
-              <a:defRPr sz="900"/>
+              <a:defRPr sz="1000"/>
             </a:lvl8pPr>
             <a:lvl9pPr marL="3657600" indent="0">
               <a:buNone/>
-              <a:defRPr sz="900"/>
+              <a:defRPr sz="1000"/>
             </a:lvl9pPr>
           </a:lstStyle>
           <a:p>
@@ -5246,7 +4284,13 @@
       </p:sp>
       <p:sp>
         <p:nvSpPr>
-          <p:cNvPr id="5" name="Date Placeholder 4"/>
+          <p:cNvPr id="5" name="Date Placeholder 4">
+            <a:extLst>
+              <a:ext uri="{FF2B5EF4-FFF2-40B4-BE49-F238E27FC236}">
+                <a16:creationId xmlns:a16="http://schemas.microsoft.com/office/drawing/2014/main" id="{6776BD4A-5655-C5B1-99DE-1CCFFD73EE8D}"/>
+              </a:ext>
+            </a:extLst>
+          </p:cNvPr>
           <p:cNvSpPr>
             <a:spLocks noGrp="1"/>
           </p:cNvSpPr>
@@ -5257,11 +4301,7 @@
         <p:spPr/>
         <p:txBody>
           <a:bodyPr/>
-          <a:lstStyle>
-            <a:lvl1pPr>
-              <a:defRPr/>
-            </a:lvl1pPr>
-          </a:lstStyle>
+          <a:lstStyle/>
           <a:p>
             <a:endParaRPr lang="en-US"/>
           </a:p>
@@ -5269,7 +4309,13 @@
       </p:sp>
       <p:sp>
         <p:nvSpPr>
-          <p:cNvPr id="6" name="Footer Placeholder 5"/>
+          <p:cNvPr id="6" name="Footer Placeholder 5">
+            <a:extLst>
+              <a:ext uri="{FF2B5EF4-FFF2-40B4-BE49-F238E27FC236}">
+                <a16:creationId xmlns:a16="http://schemas.microsoft.com/office/drawing/2014/main" id="{EFD45E05-0A24-1F2D-C0BF-BEC146F24B39}"/>
+              </a:ext>
+            </a:extLst>
+          </p:cNvPr>
           <p:cNvSpPr>
             <a:spLocks noGrp="1"/>
           </p:cNvSpPr>
@@ -5280,11 +4326,7 @@
         <p:spPr/>
         <p:txBody>
           <a:bodyPr/>
-          <a:lstStyle>
-            <a:lvl1pPr>
-              <a:defRPr/>
-            </a:lvl1pPr>
-          </a:lstStyle>
+          <a:lstStyle/>
           <a:p>
             <a:endParaRPr lang="en-US"/>
           </a:p>
@@ -5292,7 +4334,13 @@
       </p:sp>
       <p:sp>
         <p:nvSpPr>
-          <p:cNvPr id="7" name="Slide Number Placeholder 6"/>
+          <p:cNvPr id="7" name="Slide Number Placeholder 6">
+            <a:extLst>
+              <a:ext uri="{FF2B5EF4-FFF2-40B4-BE49-F238E27FC236}">
+                <a16:creationId xmlns:a16="http://schemas.microsoft.com/office/drawing/2014/main" id="{5C9A6795-5C80-5AAE-1B12-20331D9D404E}"/>
+              </a:ext>
+            </a:extLst>
+          </p:cNvPr>
           <p:cNvSpPr>
             <a:spLocks noGrp="1"/>
           </p:cNvSpPr>
@@ -5303,14 +4351,10 @@
         <p:spPr/>
         <p:txBody>
           <a:bodyPr/>
-          <a:lstStyle>
-            <a:lvl1pPr>
-              <a:defRPr/>
-            </a:lvl1pPr>
-          </a:lstStyle>
+          <a:lstStyle/>
           <a:p>
             <a:fld id="{A4242FC7-6542-494D-9911-A7AF84FD13BB}" type="slidenum">
-              <a:rPr lang="en-US"/>
+              <a:rPr lang="en-US" smtClean="0"/>
               <a:pPr/>
               <a:t>‹#›</a:t>
             </a:fld>
@@ -5319,6 +4363,11 @@
         </p:txBody>
       </p:sp>
     </p:spTree>
+    <p:extLst>
+      <p:ext uri="{BB962C8B-B14F-4D97-AF65-F5344CB8AC3E}">
+        <p14:creationId xmlns:p14="http://schemas.microsoft.com/office/powerpoint/2010/main" val="3138372949"/>
+      </p:ext>
+    </p:extLst>
   </p:cSld>
   <p:clrMapOvr>
     <a:masterClrMapping/>
@@ -5330,12 +4379,9 @@
 <p:sldMaster xmlns:a="http://schemas.openxmlformats.org/drawingml/2006/main" xmlns:r="http://schemas.openxmlformats.org/officeDocument/2006/relationships" xmlns:p="http://schemas.openxmlformats.org/presentationml/2006/main">
   <p:cSld>
     <p:bg>
-      <p:bgPr>
-        <a:solidFill>
-          <a:schemeClr val="bg1"/>
-        </a:solidFill>
-        <a:effectLst/>
-      </p:bgPr>
+      <p:bgRef idx="1001">
+        <a:schemeClr val="bg1"/>
+      </p:bgRef>
     </p:bg>
     <p:spTree>
       <p:nvGrpSpPr>
@@ -5351,948 +4397,37 @@
           <a:chExt cx="0" cy="0"/>
         </a:xfrm>
       </p:grpSpPr>
-      <p:grpSp>
-        <p:nvGrpSpPr>
-          <p:cNvPr id="337922" name="Group 2"/>
-          <p:cNvGrpSpPr>
-            <a:grpSpLocks/>
-          </p:cNvGrpSpPr>
-          <p:nvPr/>
-        </p:nvGrpSpPr>
-        <p:grpSpPr bwMode="auto">
+      <p:sp>
+        <p:nvSpPr>
+          <p:cNvPr id="2" name="Title Placeholder 1">
+            <a:extLst>
+              <a:ext uri="{FF2B5EF4-FFF2-40B4-BE49-F238E27FC236}">
+                <a16:creationId xmlns:a16="http://schemas.microsoft.com/office/drawing/2014/main" id="{ACED23D4-ECFC-5D41-5F54-D434C366FECA}"/>
+              </a:ext>
+            </a:extLst>
+          </p:cNvPr>
+          <p:cNvSpPr>
+            <a:spLocks noGrp="1"/>
+          </p:cNvSpPr>
+          <p:nvPr>
+            <p:ph type="title"/>
+          </p:nvPr>
+        </p:nvSpPr>
+        <p:spPr>
           <a:xfrm>
-            <a:off x="1" y="3902076"/>
-            <a:ext cx="4533900" cy="2949575"/>
-            <a:chOff x="0" y="2458"/>
-            <a:chExt cx="2142" cy="1858"/>
-          </a:xfrm>
-        </p:grpSpPr>
-        <p:sp>
-          <p:nvSpPr>
-            <p:cNvPr id="337923" name="Freeform 3"/>
-            <p:cNvSpPr>
-              <a:spLocks/>
-            </p:cNvSpPr>
-            <p:nvPr/>
-          </p:nvSpPr>
-          <p:spPr bwMode="ltGray">
-            <a:xfrm>
-              <a:off x="0" y="2508"/>
-              <a:ext cx="2142" cy="1804"/>
-            </a:xfrm>
-            <a:custGeom>
-              <a:avLst/>
-              <a:gdLst/>
-              <a:ahLst/>
-              <a:cxnLst>
-                <a:cxn ang="0">
-                  <a:pos x="329" y="66"/>
-                </a:cxn>
-                <a:cxn ang="0">
-                  <a:pos x="161" y="30"/>
-                </a:cxn>
-                <a:cxn ang="0">
-                  <a:pos x="0" y="0"/>
-                </a:cxn>
-                <a:cxn ang="0">
-                  <a:pos x="0" y="12"/>
-                </a:cxn>
-                <a:cxn ang="0">
-                  <a:pos x="161" y="42"/>
-                </a:cxn>
-                <a:cxn ang="0">
-                  <a:pos x="323" y="78"/>
-                </a:cxn>
-                <a:cxn ang="0">
-                  <a:pos x="556" y="150"/>
-                </a:cxn>
-                <a:cxn ang="0">
-                  <a:pos x="777" y="245"/>
-                </a:cxn>
-                <a:cxn ang="0">
-                  <a:pos x="993" y="365"/>
-                </a:cxn>
-                <a:cxn ang="0">
-                  <a:pos x="1196" y="503"/>
-                </a:cxn>
-                <a:cxn ang="0">
-                  <a:pos x="1381" y="653"/>
-                </a:cxn>
-                <a:cxn ang="0">
-                  <a:pos x="1555" y="827"/>
-                </a:cxn>
-                <a:cxn ang="0">
-                  <a:pos x="1710" y="1019"/>
-                </a:cxn>
-                <a:cxn ang="0">
-                  <a:pos x="1854" y="1229"/>
-                </a:cxn>
-                <a:cxn ang="0">
-                  <a:pos x="1937" y="1366"/>
-                </a:cxn>
-                <a:cxn ang="0">
-                  <a:pos x="2009" y="1510"/>
-                </a:cxn>
-                <a:cxn ang="0">
-                  <a:pos x="2069" y="1654"/>
-                </a:cxn>
-                <a:cxn ang="0">
-                  <a:pos x="2123" y="1804"/>
-                </a:cxn>
-                <a:cxn ang="0">
-                  <a:pos x="2135" y="1804"/>
-                </a:cxn>
-                <a:cxn ang="0">
-                  <a:pos x="2081" y="1654"/>
-                </a:cxn>
-                <a:cxn ang="0">
-                  <a:pos x="2021" y="1510"/>
-                </a:cxn>
-                <a:cxn ang="0">
-                  <a:pos x="1949" y="1366"/>
-                </a:cxn>
-                <a:cxn ang="0">
-                  <a:pos x="1866" y="1223"/>
-                </a:cxn>
-                <a:cxn ang="0">
-                  <a:pos x="1722" y="1013"/>
-                </a:cxn>
-                <a:cxn ang="0">
-                  <a:pos x="1561" y="821"/>
-                </a:cxn>
-                <a:cxn ang="0">
-                  <a:pos x="1387" y="647"/>
-                </a:cxn>
-                <a:cxn ang="0">
-                  <a:pos x="1202" y="491"/>
-                </a:cxn>
-                <a:cxn ang="0">
-                  <a:pos x="999" y="353"/>
-                </a:cxn>
-                <a:cxn ang="0">
-                  <a:pos x="783" y="239"/>
-                </a:cxn>
-                <a:cxn ang="0">
-                  <a:pos x="562" y="138"/>
-                </a:cxn>
-                <a:cxn ang="0">
-                  <a:pos x="329" y="66"/>
-                </a:cxn>
-                <a:cxn ang="0">
-                  <a:pos x="329" y="66"/>
-                </a:cxn>
-              </a:cxnLst>
-              <a:rect l="0" t="0" r="r" b="b"/>
-              <a:pathLst>
-                <a:path w="2135" h="1804">
-                  <a:moveTo>
-                    <a:pt x="329" y="66"/>
-                  </a:moveTo>
-                  <a:lnTo>
-                    <a:pt x="161" y="30"/>
-                  </a:lnTo>
-                  <a:lnTo>
-                    <a:pt x="0" y="0"/>
-                  </a:lnTo>
-                  <a:lnTo>
-                    <a:pt x="0" y="12"/>
-                  </a:lnTo>
-                  <a:lnTo>
-                    <a:pt x="161" y="42"/>
-                  </a:lnTo>
-                  <a:lnTo>
-                    <a:pt x="323" y="78"/>
-                  </a:lnTo>
-                  <a:lnTo>
-                    <a:pt x="556" y="150"/>
-                  </a:lnTo>
-                  <a:lnTo>
-                    <a:pt x="777" y="245"/>
-                  </a:lnTo>
-                  <a:lnTo>
-                    <a:pt x="993" y="365"/>
-                  </a:lnTo>
-                  <a:lnTo>
-                    <a:pt x="1196" y="503"/>
-                  </a:lnTo>
-                  <a:lnTo>
-                    <a:pt x="1381" y="653"/>
-                  </a:lnTo>
-                  <a:lnTo>
-                    <a:pt x="1555" y="827"/>
-                  </a:lnTo>
-                  <a:lnTo>
-                    <a:pt x="1710" y="1019"/>
-                  </a:lnTo>
-                  <a:lnTo>
-                    <a:pt x="1854" y="1229"/>
-                  </a:lnTo>
-                  <a:lnTo>
-                    <a:pt x="1937" y="1366"/>
-                  </a:lnTo>
-                  <a:lnTo>
-                    <a:pt x="2009" y="1510"/>
-                  </a:lnTo>
-                  <a:lnTo>
-                    <a:pt x="2069" y="1654"/>
-                  </a:lnTo>
-                  <a:lnTo>
-                    <a:pt x="2123" y="1804"/>
-                  </a:lnTo>
-                  <a:lnTo>
-                    <a:pt x="2135" y="1804"/>
-                  </a:lnTo>
-                  <a:lnTo>
-                    <a:pt x="2081" y="1654"/>
-                  </a:lnTo>
-                  <a:lnTo>
-                    <a:pt x="2021" y="1510"/>
-                  </a:lnTo>
-                  <a:lnTo>
-                    <a:pt x="1949" y="1366"/>
-                  </a:lnTo>
-                  <a:lnTo>
-                    <a:pt x="1866" y="1223"/>
-                  </a:lnTo>
-                  <a:lnTo>
-                    <a:pt x="1722" y="1013"/>
-                  </a:lnTo>
-                  <a:lnTo>
-                    <a:pt x="1561" y="821"/>
-                  </a:lnTo>
-                  <a:lnTo>
-                    <a:pt x="1387" y="647"/>
-                  </a:lnTo>
-                  <a:lnTo>
-                    <a:pt x="1202" y="491"/>
-                  </a:lnTo>
-                  <a:lnTo>
-                    <a:pt x="999" y="353"/>
-                  </a:lnTo>
-                  <a:lnTo>
-                    <a:pt x="783" y="239"/>
-                  </a:lnTo>
-                  <a:lnTo>
-                    <a:pt x="562" y="138"/>
-                  </a:lnTo>
-                  <a:lnTo>
-                    <a:pt x="329" y="66"/>
-                  </a:lnTo>
-                  <a:lnTo>
-                    <a:pt x="329" y="66"/>
-                  </a:lnTo>
-                  <a:close/>
-                </a:path>
-              </a:pathLst>
-            </a:custGeom>
-            <a:gradFill rotWithShape="0">
-              <a:gsLst>
-                <a:gs pos="0">
-                  <a:schemeClr val="bg1"/>
-                </a:gs>
-                <a:gs pos="50000">
-                  <a:schemeClr val="bg2"/>
-                </a:gs>
-                <a:gs pos="100000">
-                  <a:schemeClr val="bg1"/>
-                </a:gs>
-              </a:gsLst>
-              <a:lin ang="2700000" scaled="1"/>
-            </a:gradFill>
-            <a:ln w="9525">
-              <a:noFill/>
-              <a:round/>
-              <a:headEnd/>
-              <a:tailEnd/>
-            </a:ln>
-          </p:spPr>
-          <p:txBody>
-            <a:bodyPr/>
-            <a:lstStyle/>
-            <a:p>
-              <a:endParaRPr lang="en-US"/>
-            </a:p>
-          </p:txBody>
-        </p:sp>
-        <p:sp>
-          <p:nvSpPr>
-            <p:cNvPr id="337924" name="Freeform 4"/>
-            <p:cNvSpPr>
-              <a:spLocks/>
-            </p:cNvSpPr>
-            <p:nvPr/>
-          </p:nvSpPr>
-          <p:spPr bwMode="hidden">
-            <a:xfrm>
-              <a:off x="0" y="2458"/>
-              <a:ext cx="1854" cy="1858"/>
-            </a:xfrm>
-            <a:custGeom>
-              <a:avLst/>
-              <a:gdLst/>
-              <a:ahLst/>
-              <a:cxnLst>
-                <a:cxn ang="0">
-                  <a:pos x="1854" y="1858"/>
-                </a:cxn>
-                <a:cxn ang="0">
-                  <a:pos x="0" y="1858"/>
-                </a:cxn>
-                <a:cxn ang="0">
-                  <a:pos x="0" y="0"/>
-                </a:cxn>
-                <a:cxn ang="0">
-                  <a:pos x="1854" y="1858"/>
-                </a:cxn>
-                <a:cxn ang="0">
-                  <a:pos x="1854" y="1858"/>
-                </a:cxn>
-              </a:cxnLst>
-              <a:rect l="0" t="0" r="r" b="b"/>
-              <a:pathLst>
-                <a:path w="1854" h="1858">
-                  <a:moveTo>
-                    <a:pt x="1854" y="1858"/>
-                  </a:moveTo>
-                  <a:lnTo>
-                    <a:pt x="0" y="1858"/>
-                  </a:lnTo>
-                  <a:lnTo>
-                    <a:pt x="0" y="0"/>
-                  </a:lnTo>
-                  <a:lnTo>
-                    <a:pt x="1854" y="1858"/>
-                  </a:lnTo>
-                  <a:lnTo>
-                    <a:pt x="1854" y="1858"/>
-                  </a:lnTo>
-                  <a:close/>
-                </a:path>
-              </a:pathLst>
-            </a:custGeom>
-            <a:gradFill rotWithShape="0">
-              <a:gsLst>
-                <a:gs pos="0">
-                  <a:schemeClr val="bg2"/>
-                </a:gs>
-                <a:gs pos="50000">
-                  <a:schemeClr val="bg1"/>
-                </a:gs>
-                <a:gs pos="100000">
-                  <a:schemeClr val="bg2"/>
-                </a:gs>
-              </a:gsLst>
-              <a:lin ang="18900000" scaled="1"/>
-            </a:gradFill>
-            <a:ln w="9525">
-              <a:noFill/>
-              <a:round/>
-              <a:headEnd/>
-              <a:tailEnd/>
-            </a:ln>
-          </p:spPr>
-          <p:txBody>
-            <a:bodyPr/>
-            <a:lstStyle/>
-            <a:p>
-              <a:endParaRPr lang="en-US"/>
-            </a:p>
-          </p:txBody>
-        </p:sp>
-        <p:sp>
-          <p:nvSpPr>
-            <p:cNvPr id="337925" name="Freeform 5"/>
-            <p:cNvSpPr>
-              <a:spLocks/>
-            </p:cNvSpPr>
-            <p:nvPr/>
-          </p:nvSpPr>
-          <p:spPr bwMode="ltGray">
-            <a:xfrm>
-              <a:off x="0" y="2735"/>
-              <a:ext cx="1745" cy="1577"/>
-            </a:xfrm>
-            <a:custGeom>
-              <a:avLst/>
-              <a:gdLst/>
-              <a:ahLst/>
-              <a:cxnLst>
-                <a:cxn ang="0">
-                  <a:pos x="1640" y="1377"/>
-                </a:cxn>
-                <a:cxn ang="0">
-                  <a:pos x="1692" y="1479"/>
-                </a:cxn>
-                <a:cxn ang="0">
-                  <a:pos x="1732" y="1577"/>
-                </a:cxn>
-                <a:cxn ang="0">
-                  <a:pos x="1745" y="1577"/>
-                </a:cxn>
-                <a:cxn ang="0">
-                  <a:pos x="1703" y="1469"/>
-                </a:cxn>
-                <a:cxn ang="0">
-                  <a:pos x="1649" y="1367"/>
-                </a:cxn>
-                <a:cxn ang="0">
-                  <a:pos x="1535" y="1157"/>
-                </a:cxn>
-                <a:cxn ang="0">
-                  <a:pos x="1395" y="951"/>
-                </a:cxn>
-                <a:cxn ang="0">
-                  <a:pos x="1236" y="756"/>
-                </a:cxn>
-                <a:cxn ang="0">
-                  <a:pos x="1061" y="582"/>
-                </a:cxn>
-                <a:cxn ang="0">
-                  <a:pos x="876" y="426"/>
-                </a:cxn>
-                <a:cxn ang="0">
-                  <a:pos x="672" y="294"/>
-                </a:cxn>
-                <a:cxn ang="0">
-                  <a:pos x="455" y="174"/>
-                </a:cxn>
-                <a:cxn ang="0">
-                  <a:pos x="234" y="78"/>
-                </a:cxn>
-                <a:cxn ang="0">
-                  <a:pos x="0" y="0"/>
-                </a:cxn>
-                <a:cxn ang="0">
-                  <a:pos x="0" y="12"/>
-                </a:cxn>
-                <a:cxn ang="0">
-                  <a:pos x="222" y="89"/>
-                </a:cxn>
-                <a:cxn ang="0">
-                  <a:pos x="446" y="185"/>
-                </a:cxn>
-                <a:cxn ang="0">
-                  <a:pos x="662" y="305"/>
-                </a:cxn>
-                <a:cxn ang="0">
-                  <a:pos x="866" y="437"/>
-                </a:cxn>
-                <a:cxn ang="0">
-                  <a:pos x="1052" y="593"/>
-                </a:cxn>
-                <a:cxn ang="0">
-                  <a:pos x="1226" y="767"/>
-                </a:cxn>
-                <a:cxn ang="0">
-                  <a:pos x="1385" y="960"/>
-                </a:cxn>
-                <a:cxn ang="0">
-                  <a:pos x="1526" y="1167"/>
-                </a:cxn>
-                <a:cxn ang="0">
-                  <a:pos x="1640" y="1377"/>
-                </a:cxn>
-              </a:cxnLst>
-              <a:rect l="0" t="0" r="r" b="b"/>
-              <a:pathLst>
-                <a:path w="1745" h="1577">
-                  <a:moveTo>
-                    <a:pt x="1640" y="1377"/>
-                  </a:moveTo>
-                  <a:lnTo>
-                    <a:pt x="1692" y="1479"/>
-                  </a:lnTo>
-                  <a:lnTo>
-                    <a:pt x="1732" y="1577"/>
-                  </a:lnTo>
-                  <a:lnTo>
-                    <a:pt x="1745" y="1577"/>
-                  </a:lnTo>
-                  <a:lnTo>
-                    <a:pt x="1703" y="1469"/>
-                  </a:lnTo>
-                  <a:lnTo>
-                    <a:pt x="1649" y="1367"/>
-                  </a:lnTo>
-                  <a:lnTo>
-                    <a:pt x="1535" y="1157"/>
-                  </a:lnTo>
-                  <a:lnTo>
-                    <a:pt x="1395" y="951"/>
-                  </a:lnTo>
-                  <a:lnTo>
-                    <a:pt x="1236" y="756"/>
-                  </a:lnTo>
-                  <a:lnTo>
-                    <a:pt x="1061" y="582"/>
-                  </a:lnTo>
-                  <a:lnTo>
-                    <a:pt x="876" y="426"/>
-                  </a:lnTo>
-                  <a:lnTo>
-                    <a:pt x="672" y="294"/>
-                  </a:lnTo>
-                  <a:lnTo>
-                    <a:pt x="455" y="174"/>
-                  </a:lnTo>
-                  <a:lnTo>
-                    <a:pt x="234" y="78"/>
-                  </a:lnTo>
-                  <a:lnTo>
-                    <a:pt x="0" y="0"/>
-                  </a:lnTo>
-                  <a:lnTo>
-                    <a:pt x="0" y="12"/>
-                  </a:lnTo>
-                  <a:lnTo>
-                    <a:pt x="222" y="89"/>
-                  </a:lnTo>
-                  <a:lnTo>
-                    <a:pt x="446" y="185"/>
-                  </a:lnTo>
-                  <a:lnTo>
-                    <a:pt x="662" y="305"/>
-                  </a:lnTo>
-                  <a:lnTo>
-                    <a:pt x="866" y="437"/>
-                  </a:lnTo>
-                  <a:lnTo>
-                    <a:pt x="1052" y="593"/>
-                  </a:lnTo>
-                  <a:lnTo>
-                    <a:pt x="1226" y="767"/>
-                  </a:lnTo>
-                  <a:lnTo>
-                    <a:pt x="1385" y="960"/>
-                  </a:lnTo>
-                  <a:lnTo>
-                    <a:pt x="1526" y="1167"/>
-                  </a:lnTo>
-                  <a:lnTo>
-                    <a:pt x="1640" y="1377"/>
-                  </a:lnTo>
-                  <a:close/>
-                </a:path>
-              </a:pathLst>
-            </a:custGeom>
-            <a:gradFill rotWithShape="0">
-              <a:gsLst>
-                <a:gs pos="0">
-                  <a:schemeClr val="bg1"/>
-                </a:gs>
-                <a:gs pos="50000">
-                  <a:schemeClr val="bg2"/>
-                </a:gs>
-                <a:gs pos="100000">
-                  <a:schemeClr val="bg1"/>
-                </a:gs>
-              </a:gsLst>
-              <a:lin ang="2700000" scaled="1"/>
-            </a:gradFill>
-            <a:ln w="9525">
-              <a:noFill/>
-              <a:round/>
-              <a:headEnd/>
-              <a:tailEnd/>
-            </a:ln>
-          </p:spPr>
-          <p:txBody>
-            <a:bodyPr/>
-            <a:lstStyle/>
-            <a:p>
-              <a:endParaRPr lang="en-US"/>
-            </a:p>
-          </p:txBody>
-        </p:sp>
-        <p:sp>
-          <p:nvSpPr>
-            <p:cNvPr id="337926" name="Freeform 6"/>
-            <p:cNvSpPr>
-              <a:spLocks/>
-            </p:cNvSpPr>
-            <p:nvPr/>
-          </p:nvSpPr>
-          <p:spPr bwMode="ltGray">
-            <a:xfrm>
-              <a:off x="0" y="2544"/>
-              <a:ext cx="1745" cy="1768"/>
-            </a:xfrm>
-            <a:custGeom>
-              <a:avLst/>
-              <a:gdLst/>
-              <a:ahLst/>
-              <a:cxnLst>
-                <a:cxn ang="0">
-                  <a:pos x="0" y="0"/>
-                </a:cxn>
-                <a:cxn ang="0">
-                  <a:pos x="0" y="12"/>
-                </a:cxn>
-                <a:cxn ang="0">
-                  <a:pos x="210" y="88"/>
-                </a:cxn>
-                <a:cxn ang="0">
-                  <a:pos x="426" y="190"/>
-                </a:cxn>
-                <a:cxn ang="0">
-                  <a:pos x="630" y="304"/>
-                </a:cxn>
-                <a:cxn ang="0">
-                  <a:pos x="818" y="442"/>
-                </a:cxn>
-                <a:cxn ang="0">
-                  <a:pos x="998" y="592"/>
-                </a:cxn>
-                <a:cxn ang="0">
-                  <a:pos x="1164" y="766"/>
-                </a:cxn>
-                <a:cxn ang="0">
-                  <a:pos x="1310" y="942"/>
-                </a:cxn>
-                <a:cxn ang="0">
-                  <a:pos x="1454" y="1146"/>
-                </a:cxn>
-                <a:cxn ang="0">
-                  <a:pos x="1536" y="1298"/>
-                </a:cxn>
-                <a:cxn ang="0">
-                  <a:pos x="1614" y="1456"/>
-                </a:cxn>
-                <a:cxn ang="0">
-                  <a:pos x="1682" y="1616"/>
-                </a:cxn>
-                <a:cxn ang="0">
-                  <a:pos x="1733" y="1768"/>
-                </a:cxn>
-                <a:cxn ang="0">
-                  <a:pos x="1745" y="1768"/>
-                </a:cxn>
-                <a:cxn ang="0">
-                  <a:pos x="1691" y="1606"/>
-                </a:cxn>
-                <a:cxn ang="0">
-                  <a:pos x="1623" y="1445"/>
-                </a:cxn>
-                <a:cxn ang="0">
-                  <a:pos x="1547" y="1288"/>
-                </a:cxn>
-                <a:cxn ang="0">
-                  <a:pos x="1463" y="1136"/>
-                </a:cxn>
-                <a:cxn ang="0">
-                  <a:pos x="1320" y="932"/>
-                </a:cxn>
-                <a:cxn ang="0">
-                  <a:pos x="1173" y="755"/>
-                </a:cxn>
-                <a:cxn ang="0">
-                  <a:pos x="1008" y="581"/>
-                </a:cxn>
-                <a:cxn ang="0">
-                  <a:pos x="827" y="431"/>
-                </a:cxn>
-                <a:cxn ang="0">
-                  <a:pos x="642" y="293"/>
-                </a:cxn>
-                <a:cxn ang="0">
-                  <a:pos x="437" y="179"/>
-                </a:cxn>
-                <a:cxn ang="0">
-                  <a:pos x="222" y="78"/>
-                </a:cxn>
-                <a:cxn ang="0">
-                  <a:pos x="0" y="0"/>
-                </a:cxn>
-                <a:cxn ang="0">
-                  <a:pos x="0" y="0"/>
-                </a:cxn>
-              </a:cxnLst>
-              <a:rect l="0" t="0" r="r" b="b"/>
-              <a:pathLst>
-                <a:path w="1745" h="1768">
-                  <a:moveTo>
-                    <a:pt x="0" y="0"/>
-                  </a:moveTo>
-                  <a:lnTo>
-                    <a:pt x="0" y="12"/>
-                  </a:lnTo>
-                  <a:lnTo>
-                    <a:pt x="210" y="88"/>
-                  </a:lnTo>
-                  <a:lnTo>
-                    <a:pt x="426" y="190"/>
-                  </a:lnTo>
-                  <a:lnTo>
-                    <a:pt x="630" y="304"/>
-                  </a:lnTo>
-                  <a:lnTo>
-                    <a:pt x="818" y="442"/>
-                  </a:lnTo>
-                  <a:lnTo>
-                    <a:pt x="998" y="592"/>
-                  </a:lnTo>
-                  <a:lnTo>
-                    <a:pt x="1164" y="766"/>
-                  </a:lnTo>
-                  <a:lnTo>
-                    <a:pt x="1310" y="942"/>
-                  </a:lnTo>
-                  <a:lnTo>
-                    <a:pt x="1454" y="1146"/>
-                  </a:lnTo>
-                  <a:lnTo>
-                    <a:pt x="1536" y="1298"/>
-                  </a:lnTo>
-                  <a:lnTo>
-                    <a:pt x="1614" y="1456"/>
-                  </a:lnTo>
-                  <a:lnTo>
-                    <a:pt x="1682" y="1616"/>
-                  </a:lnTo>
-                  <a:lnTo>
-                    <a:pt x="1733" y="1768"/>
-                  </a:lnTo>
-                  <a:lnTo>
-                    <a:pt x="1745" y="1768"/>
-                  </a:lnTo>
-                  <a:lnTo>
-                    <a:pt x="1691" y="1606"/>
-                  </a:lnTo>
-                  <a:lnTo>
-                    <a:pt x="1623" y="1445"/>
-                  </a:lnTo>
-                  <a:lnTo>
-                    <a:pt x="1547" y="1288"/>
-                  </a:lnTo>
-                  <a:lnTo>
-                    <a:pt x="1463" y="1136"/>
-                  </a:lnTo>
-                  <a:lnTo>
-                    <a:pt x="1320" y="932"/>
-                  </a:lnTo>
-                  <a:lnTo>
-                    <a:pt x="1173" y="755"/>
-                  </a:lnTo>
-                  <a:lnTo>
-                    <a:pt x="1008" y="581"/>
-                  </a:lnTo>
-                  <a:lnTo>
-                    <a:pt x="827" y="431"/>
-                  </a:lnTo>
-                  <a:lnTo>
-                    <a:pt x="642" y="293"/>
-                  </a:lnTo>
-                  <a:lnTo>
-                    <a:pt x="437" y="179"/>
-                  </a:lnTo>
-                  <a:lnTo>
-                    <a:pt x="222" y="78"/>
-                  </a:lnTo>
-                  <a:lnTo>
-                    <a:pt x="0" y="0"/>
-                  </a:lnTo>
-                  <a:lnTo>
-                    <a:pt x="0" y="0"/>
-                  </a:lnTo>
-                  <a:close/>
-                </a:path>
-              </a:pathLst>
-            </a:custGeom>
-            <a:gradFill rotWithShape="0">
-              <a:gsLst>
-                <a:gs pos="0">
-                  <a:schemeClr val="bg1"/>
-                </a:gs>
-                <a:gs pos="50000">
-                  <a:schemeClr val="bg2"/>
-                </a:gs>
-                <a:gs pos="100000">
-                  <a:schemeClr val="bg1"/>
-                </a:gs>
-              </a:gsLst>
-              <a:lin ang="2700000" scaled="1"/>
-            </a:gradFill>
-            <a:ln w="9525">
-              <a:noFill/>
-              <a:round/>
-              <a:headEnd/>
-              <a:tailEnd/>
-            </a:ln>
-          </p:spPr>
-          <p:txBody>
-            <a:bodyPr/>
-            <a:lstStyle/>
-            <a:p>
-              <a:endParaRPr lang="en-US"/>
-            </a:p>
-          </p:txBody>
-        </p:sp>
-        <p:sp>
-          <p:nvSpPr>
-            <p:cNvPr id="337927" name="Oval 7"/>
-            <p:cNvSpPr>
-              <a:spLocks noChangeArrowheads="1"/>
-            </p:cNvSpPr>
-            <p:nvPr/>
-          </p:nvSpPr>
-          <p:spPr bwMode="ltGray">
-            <a:xfrm>
-              <a:off x="209" y="2784"/>
-              <a:ext cx="86" cy="86"/>
-            </a:xfrm>
-            <a:prstGeom prst="ellipse">
-              <a:avLst/>
-            </a:prstGeom>
-            <a:gradFill rotWithShape="0">
-              <a:gsLst>
-                <a:gs pos="0">
-                  <a:schemeClr val="bg2"/>
-                </a:gs>
-                <a:gs pos="100000">
-                  <a:schemeClr val="bg1"/>
-                </a:gs>
-              </a:gsLst>
-              <a:lin ang="18900000" scaled="1"/>
-            </a:gradFill>
-            <a:ln w="9525">
-              <a:noFill/>
-              <a:round/>
-              <a:headEnd/>
-              <a:tailEnd/>
-            </a:ln>
-            <a:effectLst/>
-          </p:spPr>
-          <p:txBody>
-            <a:bodyPr/>
-            <a:lstStyle/>
-            <a:p>
-              <a:endParaRPr lang="en-US"/>
-            </a:p>
-          </p:txBody>
-        </p:sp>
-        <p:sp>
-          <p:nvSpPr>
-            <p:cNvPr id="337928" name="Oval 8"/>
-            <p:cNvSpPr>
-              <a:spLocks noChangeArrowheads="1"/>
-            </p:cNvSpPr>
-            <p:nvPr/>
-          </p:nvSpPr>
-          <p:spPr bwMode="ltGray">
-            <a:xfrm>
-              <a:off x="1536" y="3884"/>
-              <a:ext cx="92" cy="92"/>
-            </a:xfrm>
-            <a:prstGeom prst="ellipse">
-              <a:avLst/>
-            </a:prstGeom>
-            <a:gradFill rotWithShape="0">
-              <a:gsLst>
-                <a:gs pos="0">
-                  <a:schemeClr val="bg2"/>
-                </a:gs>
-                <a:gs pos="100000">
-                  <a:schemeClr val="bg1"/>
-                </a:gs>
-              </a:gsLst>
-              <a:lin ang="2700000" scaled="1"/>
-            </a:gradFill>
-            <a:ln w="9525">
-              <a:noFill/>
-              <a:round/>
-              <a:headEnd/>
-              <a:tailEnd/>
-            </a:ln>
-            <a:effectLst/>
-          </p:spPr>
-          <p:txBody>
-            <a:bodyPr/>
-            <a:lstStyle/>
-            <a:p>
-              <a:endParaRPr lang="en-US"/>
-            </a:p>
-          </p:txBody>
-        </p:sp>
-        <p:sp>
-          <p:nvSpPr>
-            <p:cNvPr id="337929" name="Oval 9"/>
-            <p:cNvSpPr>
-              <a:spLocks noChangeArrowheads="1"/>
-            </p:cNvSpPr>
-            <p:nvPr/>
-          </p:nvSpPr>
-          <p:spPr bwMode="ltGray">
-            <a:xfrm>
-              <a:off x="791" y="2723"/>
-              <a:ext cx="121" cy="121"/>
-            </a:xfrm>
-            <a:prstGeom prst="ellipse">
-              <a:avLst/>
-            </a:prstGeom>
-            <a:gradFill rotWithShape="0">
-              <a:gsLst>
-                <a:gs pos="0">
-                  <a:schemeClr val="bg2"/>
-                </a:gs>
-                <a:gs pos="100000">
-                  <a:schemeClr val="bg1"/>
-                </a:gs>
-              </a:gsLst>
-              <a:lin ang="18900000" scaled="1"/>
-            </a:gradFill>
-            <a:ln w="9525">
-              <a:noFill/>
-              <a:round/>
-              <a:headEnd/>
-              <a:tailEnd/>
-            </a:ln>
-            <a:effectLst/>
-          </p:spPr>
-          <p:txBody>
-            <a:bodyPr/>
-            <a:lstStyle/>
-            <a:p>
-              <a:endParaRPr lang="en-US"/>
-            </a:p>
-          </p:txBody>
-        </p:sp>
-      </p:grpSp>
-      <p:sp>
-        <p:nvSpPr>
-          <p:cNvPr id="337930" name="Rectangle 10"/>
-          <p:cNvSpPr>
-            <a:spLocks noGrp="1" noChangeArrowheads="1"/>
-          </p:cNvSpPr>
-          <p:nvPr>
-            <p:ph type="title"/>
-          </p:nvPr>
-        </p:nvSpPr>
-        <p:spPr bwMode="auto">
-          <a:xfrm>
-            <a:off x="609600" y="277814"/>
-            <a:ext cx="10972800" cy="1139825"/>
+            <a:off x="838200" y="365125"/>
+            <a:ext cx="10515600" cy="1325563"/>
           </a:xfrm>
           <a:prstGeom prst="rect">
             <a:avLst/>
           </a:prstGeom>
-          <a:noFill/>
-          <a:ln w="9525">
-            <a:noFill/>
-            <a:miter lim="800000"/>
-            <a:headEnd/>
-            <a:tailEnd/>
-          </a:ln>
-          <a:effectLst/>
         </p:spPr>
         <p:txBody>
-          <a:bodyPr vert="horz" wrap="square" lIns="91440" tIns="45720" rIns="91440" bIns="45720" numCol="1" anchor="ctr" anchorCtr="1" compatLnSpc="1">
-            <a:prstTxWarp prst="textNoShape">
-              <a:avLst/>
-            </a:prstTxWarp>
+          <a:bodyPr vert="horz" lIns="91440" tIns="45720" rIns="91440" bIns="45720" rtlCol="0" anchor="ctr">
+            <a:normAutofit/>
           </a:bodyPr>
           <a:lstStyle/>
           <a:p>
-            <a:pPr lvl="0"/>
             <a:r>
               <a:rPr lang="en-US"/>
               <a:t>Click to edit Master title style</a:t>
@@ -6302,36 +4437,32 @@
       </p:sp>
       <p:sp>
         <p:nvSpPr>
-          <p:cNvPr id="337931" name="Rectangle 11"/>
-          <p:cNvSpPr>
-            <a:spLocks noGrp="1" noChangeArrowheads="1"/>
+          <p:cNvPr id="3" name="Text Placeholder 2">
+            <a:extLst>
+              <a:ext uri="{FF2B5EF4-FFF2-40B4-BE49-F238E27FC236}">
+                <a16:creationId xmlns:a16="http://schemas.microsoft.com/office/drawing/2014/main" id="{B3CFF33B-A6ED-4F6E-232A-AD128066AEC7}"/>
+              </a:ext>
+            </a:extLst>
+          </p:cNvPr>
+          <p:cNvSpPr>
+            <a:spLocks noGrp="1"/>
           </p:cNvSpPr>
           <p:nvPr>
             <p:ph type="body" idx="1"/>
           </p:nvPr>
         </p:nvSpPr>
-        <p:spPr bwMode="auto">
+        <p:spPr>
           <a:xfrm>
-            <a:off x="609600" y="1600201"/>
-            <a:ext cx="10972800" cy="4530725"/>
+            <a:off x="838200" y="1825625"/>
+            <a:ext cx="10515600" cy="4351338"/>
           </a:xfrm>
           <a:prstGeom prst="rect">
             <a:avLst/>
           </a:prstGeom>
-          <a:noFill/>
-          <a:ln w="9525">
-            <a:noFill/>
-            <a:miter lim="800000"/>
-            <a:headEnd/>
-            <a:tailEnd/>
-          </a:ln>
-          <a:effectLst/>
         </p:spPr>
         <p:txBody>
-          <a:bodyPr vert="horz" wrap="square" lIns="91440" tIns="45720" rIns="91440" bIns="45720" numCol="1" anchor="t" anchorCtr="0" compatLnSpc="1">
-            <a:prstTxWarp prst="textNoShape">
-              <a:avLst/>
-            </a:prstTxWarp>
+          <a:bodyPr vert="horz" lIns="91440" tIns="45720" rIns="91440" bIns="45720" rtlCol="0">
+            <a:normAutofit/>
           </a:bodyPr>
           <a:lstStyle/>
           <a:p>
@@ -6373,45 +4504,39 @@
       </p:sp>
       <p:sp>
         <p:nvSpPr>
-          <p:cNvPr id="337932" name="Rectangle 12"/>
-          <p:cNvSpPr>
-            <a:spLocks noGrp="1" noChangeArrowheads="1"/>
+          <p:cNvPr id="4" name="Date Placeholder 3">
+            <a:extLst>
+              <a:ext uri="{FF2B5EF4-FFF2-40B4-BE49-F238E27FC236}">
+                <a16:creationId xmlns:a16="http://schemas.microsoft.com/office/drawing/2014/main" id="{06C35DD0-BF22-011D-82C8-146EDC772271}"/>
+              </a:ext>
+            </a:extLst>
+          </p:cNvPr>
+          <p:cNvSpPr>
+            <a:spLocks noGrp="1"/>
           </p:cNvSpPr>
           <p:nvPr>
             <p:ph type="dt" sz="half" idx="2"/>
           </p:nvPr>
         </p:nvSpPr>
-        <p:spPr bwMode="auto">
+        <p:spPr>
           <a:xfrm>
-            <a:off x="609600" y="6248400"/>
-            <a:ext cx="2844800" cy="457200"/>
+            <a:off x="838200" y="6356350"/>
+            <a:ext cx="2743200" cy="365125"/>
           </a:xfrm>
           <a:prstGeom prst="rect">
             <a:avLst/>
           </a:prstGeom>
-          <a:noFill/>
-          <a:ln w="9525">
-            <a:noFill/>
-            <a:miter lim="800000"/>
-            <a:headEnd/>
-            <a:tailEnd/>
-          </a:ln>
-          <a:effectLst/>
         </p:spPr>
         <p:txBody>
-          <a:bodyPr vert="horz" wrap="square" lIns="91440" tIns="45720" rIns="91440" bIns="45720" numCol="1" anchor="t" anchorCtr="0" compatLnSpc="1">
-            <a:prstTxWarp prst="textNoShape">
-              <a:avLst/>
-            </a:prstTxWarp>
-          </a:bodyPr>
+          <a:bodyPr vert="horz" lIns="91440" tIns="45720" rIns="91440" bIns="45720" rtlCol="0" anchor="ctr"/>
           <a:lstStyle>
-            <a:lvl1pPr eaLnBrk="1" hangingPunct="1">
-              <a:defRPr sz="1000">
-                <a:effectLst>
-                  <a:outerShdw blurRad="38100" dist="38100" dir="2700000" algn="tl">
-                    <a:srgbClr val="010199"/>
-                  </a:outerShdw>
-                </a:effectLst>
+            <a:lvl1pPr algn="l">
+              <a:defRPr sz="1200">
+                <a:solidFill>
+                  <a:schemeClr val="tx1">
+                    <a:tint val="82000"/>
+                  </a:schemeClr>
+                </a:solidFill>
               </a:defRPr>
             </a:lvl1pPr>
           </a:lstStyle>
@@ -6422,45 +4547,39 @@
       </p:sp>
       <p:sp>
         <p:nvSpPr>
-          <p:cNvPr id="337933" name="Rectangle 13"/>
-          <p:cNvSpPr>
-            <a:spLocks noGrp="1" noChangeArrowheads="1"/>
+          <p:cNvPr id="5" name="Footer Placeholder 4">
+            <a:extLst>
+              <a:ext uri="{FF2B5EF4-FFF2-40B4-BE49-F238E27FC236}">
+                <a16:creationId xmlns:a16="http://schemas.microsoft.com/office/drawing/2014/main" id="{83B84025-6F93-78C0-AEA2-4CBF9F75F8B9}"/>
+              </a:ext>
+            </a:extLst>
+          </p:cNvPr>
+          <p:cNvSpPr>
+            <a:spLocks noGrp="1"/>
           </p:cNvSpPr>
           <p:nvPr>
             <p:ph type="ftr" sz="quarter" idx="3"/>
           </p:nvPr>
         </p:nvSpPr>
-        <p:spPr bwMode="auto">
+        <p:spPr>
           <a:xfrm>
-            <a:off x="4165600" y="6248400"/>
-            <a:ext cx="3860800" cy="457200"/>
+            <a:off x="4038600" y="6356350"/>
+            <a:ext cx="4114800" cy="365125"/>
           </a:xfrm>
           <a:prstGeom prst="rect">
             <a:avLst/>
           </a:prstGeom>
-          <a:noFill/>
-          <a:ln w="9525">
-            <a:noFill/>
-            <a:miter lim="800000"/>
-            <a:headEnd/>
-            <a:tailEnd/>
-          </a:ln>
-          <a:effectLst/>
         </p:spPr>
         <p:txBody>
-          <a:bodyPr vert="horz" wrap="square" lIns="91440" tIns="45720" rIns="91440" bIns="45720" numCol="1" anchor="t" anchorCtr="0" compatLnSpc="1">
-            <a:prstTxWarp prst="textNoShape">
-              <a:avLst/>
-            </a:prstTxWarp>
-          </a:bodyPr>
+          <a:bodyPr vert="horz" lIns="91440" tIns="45720" rIns="91440" bIns="45720" rtlCol="0" anchor="ctr"/>
           <a:lstStyle>
-            <a:lvl1pPr algn="ctr" eaLnBrk="1" hangingPunct="1">
-              <a:defRPr sz="1000">
-                <a:effectLst>
-                  <a:outerShdw blurRad="38100" dist="38100" dir="2700000" algn="tl">
-                    <a:srgbClr val="010199"/>
-                  </a:outerShdw>
-                </a:effectLst>
+            <a:lvl1pPr algn="ctr">
+              <a:defRPr sz="1200">
+                <a:solidFill>
+                  <a:schemeClr val="tx1">
+                    <a:tint val="82000"/>
+                  </a:schemeClr>
+                </a:solidFill>
               </a:defRPr>
             </a:lvl1pPr>
           </a:lstStyle>
@@ -6471,51 +4590,45 @@
       </p:sp>
       <p:sp>
         <p:nvSpPr>
-          <p:cNvPr id="337934" name="Rectangle 14"/>
-          <p:cNvSpPr>
-            <a:spLocks noGrp="1" noChangeArrowheads="1"/>
+          <p:cNvPr id="6" name="Slide Number Placeholder 5">
+            <a:extLst>
+              <a:ext uri="{FF2B5EF4-FFF2-40B4-BE49-F238E27FC236}">
+                <a16:creationId xmlns:a16="http://schemas.microsoft.com/office/drawing/2014/main" id="{D1609ABD-C919-F8E1-233C-805BBFFC820F}"/>
+              </a:ext>
+            </a:extLst>
+          </p:cNvPr>
+          <p:cNvSpPr>
+            <a:spLocks noGrp="1"/>
           </p:cNvSpPr>
           <p:nvPr>
             <p:ph type="sldNum" sz="quarter" idx="4"/>
           </p:nvPr>
         </p:nvSpPr>
-        <p:spPr bwMode="auto">
+        <p:spPr>
           <a:xfrm>
-            <a:off x="8737600" y="6248400"/>
-            <a:ext cx="2844800" cy="457200"/>
+            <a:off x="8610600" y="6356350"/>
+            <a:ext cx="2743200" cy="365125"/>
           </a:xfrm>
           <a:prstGeom prst="rect">
             <a:avLst/>
           </a:prstGeom>
-          <a:noFill/>
-          <a:ln w="9525">
-            <a:noFill/>
-            <a:miter lim="800000"/>
-            <a:headEnd/>
-            <a:tailEnd/>
-          </a:ln>
-          <a:effectLst/>
         </p:spPr>
         <p:txBody>
-          <a:bodyPr vert="horz" wrap="square" lIns="91440" tIns="45720" rIns="91440" bIns="45720" numCol="1" anchor="t" anchorCtr="0" compatLnSpc="1">
-            <a:prstTxWarp prst="textNoShape">
-              <a:avLst/>
-            </a:prstTxWarp>
-          </a:bodyPr>
+          <a:bodyPr vert="horz" lIns="91440" tIns="45720" rIns="91440" bIns="45720" rtlCol="0" anchor="ctr"/>
           <a:lstStyle>
-            <a:lvl1pPr algn="r" eaLnBrk="1" hangingPunct="1">
-              <a:defRPr sz="1000">
-                <a:effectLst>
-                  <a:outerShdw blurRad="38100" dist="38100" dir="2700000" algn="tl">
-                    <a:srgbClr val="010199"/>
-                  </a:outerShdw>
-                </a:effectLst>
+            <a:lvl1pPr algn="r">
+              <a:defRPr sz="1200">
+                <a:solidFill>
+                  <a:schemeClr val="tx1">
+                    <a:tint val="82000"/>
+                  </a:schemeClr>
+                </a:solidFill>
               </a:defRPr>
             </a:lvl1pPr>
           </a:lstStyle>
           <a:p>
             <a:fld id="{A1BD7465-F070-4BB3-AB66-8652F856D04D}" type="slidenum">
-              <a:rPr lang="en-US"/>
+              <a:rPr lang="en-US" smtClean="0"/>
               <a:pPr/>
               <a:t>‹#›</a:t>
             </a:fld>
@@ -6524,424 +4637,207 @@
         </p:txBody>
       </p:sp>
     </p:spTree>
+    <p:extLst>
+      <p:ext uri="{BB962C8B-B14F-4D97-AF65-F5344CB8AC3E}">
+        <p14:creationId xmlns:p14="http://schemas.microsoft.com/office/powerpoint/2010/main" val="1136755281"/>
+      </p:ext>
+    </p:extLst>
   </p:cSld>
-  <p:clrMap bg1="dk2" tx1="lt1" bg2="dk1" tx2="lt2" accent1="accent1" accent2="accent2" accent3="accent3" accent4="accent4" accent5="accent5" accent6="accent6" hlink="hlink" folHlink="folHlink"/>
+  <p:clrMap bg1="lt1" tx1="dk1" bg2="lt2" tx2="dk2" accent1="accent1" accent2="accent2" accent3="accent3" accent4="accent4" accent5="accent5" accent6="accent6" hlink="hlink" folHlink="folHlink"/>
   <p:sldLayoutIdLst>
-    <p:sldLayoutId id="2147483696" r:id="rId1"/>
-    <p:sldLayoutId id="2147483697" r:id="rId2"/>
-    <p:sldLayoutId id="2147483698" r:id="rId3"/>
-    <p:sldLayoutId id="2147483699" r:id="rId4"/>
-    <p:sldLayoutId id="2147483700" r:id="rId5"/>
-    <p:sldLayoutId id="2147483701" r:id="rId6"/>
-    <p:sldLayoutId id="2147483702" r:id="rId7"/>
-    <p:sldLayoutId id="2147483703" r:id="rId8"/>
-    <p:sldLayoutId id="2147483704" r:id="rId9"/>
-    <p:sldLayoutId id="2147483705" r:id="rId10"/>
-    <p:sldLayoutId id="2147483706" r:id="rId11"/>
-    <p:sldLayoutId id="2147483707" r:id="rId12"/>
+    <p:sldLayoutId id="2147483709" r:id="rId1"/>
+    <p:sldLayoutId id="2147483710" r:id="rId2"/>
+    <p:sldLayoutId id="2147483711" r:id="rId3"/>
+    <p:sldLayoutId id="2147483712" r:id="rId4"/>
+    <p:sldLayoutId id="2147483713" r:id="rId5"/>
+    <p:sldLayoutId id="2147483714" r:id="rId6"/>
+    <p:sldLayoutId id="2147483715" r:id="rId7"/>
+    <p:sldLayoutId id="2147483716" r:id="rId8"/>
+    <p:sldLayoutId id="2147483717" r:id="rId9"/>
+    <p:sldLayoutId id="2147483718" r:id="rId10"/>
+    <p:sldLayoutId id="2147483719" r:id="rId11"/>
   </p:sldLayoutIdLst>
   <p:txStyles>
     <p:titleStyle>
-      <a:lvl1pPr algn="ctr" rtl="0" fontAlgn="base">
+      <a:lvl1pPr algn="l" defTabSz="914400" rtl="0" eaLnBrk="1" latinLnBrk="0" hangingPunct="1">
+        <a:lnSpc>
+          <a:spcPct val="90000"/>
+        </a:lnSpc>
         <a:spcBef>
           <a:spcPct val="0"/>
         </a:spcBef>
-        <a:spcAft>
-          <a:spcPct val="0"/>
-        </a:spcAft>
-        <a:defRPr sz="4400">
+        <a:buNone/>
+        <a:defRPr sz="4400" kern="1200">
           <a:solidFill>
-            <a:schemeClr val="tx2"/>
+            <a:schemeClr val="tx1"/>
           </a:solidFill>
-          <a:effectLst>
-            <a:outerShdw blurRad="38100" dist="38100" dir="2700000" algn="tl">
-              <a:srgbClr val="FFFFFF"/>
-            </a:outerShdw>
-          </a:effectLst>
           <a:latin typeface="+mj-lt"/>
           <a:ea typeface="+mj-ea"/>
           <a:cs typeface="+mj-cs"/>
         </a:defRPr>
       </a:lvl1pPr>
-      <a:lvl2pPr algn="ctr" rtl="0" fontAlgn="base">
-        <a:spcBef>
-          <a:spcPct val="0"/>
-        </a:spcBef>
-        <a:spcAft>
-          <a:spcPct val="0"/>
-        </a:spcAft>
-        <a:defRPr sz="4400">
-          <a:solidFill>
-            <a:schemeClr val="tx2"/>
-          </a:solidFill>
-          <a:effectLst>
-            <a:outerShdw blurRad="38100" dist="38100" dir="2700000" algn="tl">
-              <a:srgbClr val="FFFFFF"/>
-            </a:outerShdw>
-          </a:effectLst>
-          <a:latin typeface="Arial" charset="0"/>
-        </a:defRPr>
-      </a:lvl2pPr>
-      <a:lvl3pPr algn="ctr" rtl="0" fontAlgn="base">
-        <a:spcBef>
-          <a:spcPct val="0"/>
-        </a:spcBef>
-        <a:spcAft>
-          <a:spcPct val="0"/>
-        </a:spcAft>
-        <a:defRPr sz="4400">
-          <a:solidFill>
-            <a:schemeClr val="tx2"/>
-          </a:solidFill>
-          <a:effectLst>
-            <a:outerShdw blurRad="38100" dist="38100" dir="2700000" algn="tl">
-              <a:srgbClr val="FFFFFF"/>
-            </a:outerShdw>
-          </a:effectLst>
-          <a:latin typeface="Arial" charset="0"/>
-        </a:defRPr>
-      </a:lvl3pPr>
-      <a:lvl4pPr algn="ctr" rtl="0" fontAlgn="base">
-        <a:spcBef>
-          <a:spcPct val="0"/>
-        </a:spcBef>
-        <a:spcAft>
-          <a:spcPct val="0"/>
-        </a:spcAft>
-        <a:defRPr sz="4400">
-          <a:solidFill>
-            <a:schemeClr val="tx2"/>
-          </a:solidFill>
-          <a:effectLst>
-            <a:outerShdw blurRad="38100" dist="38100" dir="2700000" algn="tl">
-              <a:srgbClr val="FFFFFF"/>
-            </a:outerShdw>
-          </a:effectLst>
-          <a:latin typeface="Arial" charset="0"/>
-        </a:defRPr>
-      </a:lvl4pPr>
-      <a:lvl5pPr algn="ctr" rtl="0" fontAlgn="base">
-        <a:spcBef>
-          <a:spcPct val="0"/>
-        </a:spcBef>
-        <a:spcAft>
-          <a:spcPct val="0"/>
-        </a:spcAft>
-        <a:defRPr sz="4400">
-          <a:solidFill>
-            <a:schemeClr val="tx2"/>
-          </a:solidFill>
-          <a:effectLst>
-            <a:outerShdw blurRad="38100" dist="38100" dir="2700000" algn="tl">
-              <a:srgbClr val="FFFFFF"/>
-            </a:outerShdw>
-          </a:effectLst>
-          <a:latin typeface="Arial" charset="0"/>
-        </a:defRPr>
-      </a:lvl5pPr>
-      <a:lvl6pPr marL="457200" algn="ctr" rtl="0" fontAlgn="base">
-        <a:spcBef>
-          <a:spcPct val="0"/>
-        </a:spcBef>
-        <a:spcAft>
-          <a:spcPct val="0"/>
-        </a:spcAft>
-        <a:defRPr sz="4400">
-          <a:solidFill>
-            <a:schemeClr val="tx2"/>
-          </a:solidFill>
-          <a:effectLst>
-            <a:outerShdw blurRad="38100" dist="38100" dir="2700000" algn="tl">
-              <a:srgbClr val="FFFFFF"/>
-            </a:outerShdw>
-          </a:effectLst>
-          <a:latin typeface="Arial" charset="0"/>
-        </a:defRPr>
-      </a:lvl6pPr>
-      <a:lvl7pPr marL="914400" algn="ctr" rtl="0" fontAlgn="base">
-        <a:spcBef>
-          <a:spcPct val="0"/>
-        </a:spcBef>
-        <a:spcAft>
-          <a:spcPct val="0"/>
-        </a:spcAft>
-        <a:defRPr sz="4400">
-          <a:solidFill>
-            <a:schemeClr val="tx2"/>
-          </a:solidFill>
-          <a:effectLst>
-            <a:outerShdw blurRad="38100" dist="38100" dir="2700000" algn="tl">
-              <a:srgbClr val="FFFFFF"/>
-            </a:outerShdw>
-          </a:effectLst>
-          <a:latin typeface="Arial" charset="0"/>
-        </a:defRPr>
-      </a:lvl7pPr>
-      <a:lvl8pPr marL="1371600" algn="ctr" rtl="0" fontAlgn="base">
-        <a:spcBef>
-          <a:spcPct val="0"/>
-        </a:spcBef>
-        <a:spcAft>
-          <a:spcPct val="0"/>
-        </a:spcAft>
-        <a:defRPr sz="4400">
-          <a:solidFill>
-            <a:schemeClr val="tx2"/>
-          </a:solidFill>
-          <a:effectLst>
-            <a:outerShdw blurRad="38100" dist="38100" dir="2700000" algn="tl">
-              <a:srgbClr val="FFFFFF"/>
-            </a:outerShdw>
-          </a:effectLst>
-          <a:latin typeface="Arial" charset="0"/>
-        </a:defRPr>
-      </a:lvl8pPr>
-      <a:lvl9pPr marL="1828800" algn="ctr" rtl="0" fontAlgn="base">
-        <a:spcBef>
-          <a:spcPct val="0"/>
-        </a:spcBef>
-        <a:spcAft>
-          <a:spcPct val="0"/>
-        </a:spcAft>
-        <a:defRPr sz="4400">
-          <a:solidFill>
-            <a:schemeClr val="tx2"/>
-          </a:solidFill>
-          <a:effectLst>
-            <a:outerShdw blurRad="38100" dist="38100" dir="2700000" algn="tl">
-              <a:srgbClr val="FFFFFF"/>
-            </a:outerShdw>
-          </a:effectLst>
-          <a:latin typeface="Arial" charset="0"/>
-        </a:defRPr>
-      </a:lvl9pPr>
     </p:titleStyle>
     <p:bodyStyle>
-      <a:lvl1pPr marL="342900" indent="-342900" algn="l" rtl="0" fontAlgn="base">
+      <a:lvl1pPr marL="228600" indent="-228600" algn="l" defTabSz="914400" rtl="0" eaLnBrk="1" latinLnBrk="0" hangingPunct="1">
+        <a:lnSpc>
+          <a:spcPct val="90000"/>
+        </a:lnSpc>
         <a:spcBef>
-          <a:spcPct val="20000"/>
+          <a:spcPts val="1000"/>
         </a:spcBef>
-        <a:spcAft>
-          <a:spcPct val="0"/>
-        </a:spcAft>
-        <a:buClr>
-          <a:schemeClr val="hlink"/>
-        </a:buClr>
-        <a:buSzPct val="75000"/>
-        <a:buFont typeface="Wingdings" pitchFamily="2" charset="2"/>
-        <a:buChar char="l"/>
-        <a:defRPr sz="3200">
+        <a:buFont typeface="Arial" panose="020B0604020202020204" pitchFamily="34" charset="0"/>
+        <a:buChar char="•"/>
+        <a:defRPr sz="2800" kern="1200">
           <a:solidFill>
             <a:schemeClr val="tx1"/>
           </a:solidFill>
-          <a:effectLst>
-            <a:outerShdw blurRad="38100" dist="38100" dir="2700000" algn="tl">
-              <a:srgbClr val="010199"/>
-            </a:outerShdw>
-          </a:effectLst>
           <a:latin typeface="+mn-lt"/>
           <a:ea typeface="+mn-ea"/>
           <a:cs typeface="+mn-cs"/>
         </a:defRPr>
       </a:lvl1pPr>
-      <a:lvl2pPr marL="742950" indent="-285750" algn="l" rtl="0" fontAlgn="base">
+      <a:lvl2pPr marL="685800" indent="-228600" algn="l" defTabSz="914400" rtl="0" eaLnBrk="1" latinLnBrk="0" hangingPunct="1">
+        <a:lnSpc>
+          <a:spcPct val="90000"/>
+        </a:lnSpc>
         <a:spcBef>
-          <a:spcPct val="20000"/>
+          <a:spcPts val="500"/>
         </a:spcBef>
-        <a:spcAft>
-          <a:spcPct val="0"/>
-        </a:spcAft>
-        <a:buClr>
-          <a:schemeClr val="tx2"/>
-        </a:buClr>
-        <a:buSzPct val="75000"/>
-        <a:buFont typeface="Wingdings" pitchFamily="2" charset="2"/>
-        <a:buChar char="l"/>
-        <a:defRPr sz="2800">
+        <a:buFont typeface="Arial" panose="020B0604020202020204" pitchFamily="34" charset="0"/>
+        <a:buChar char="•"/>
+        <a:defRPr sz="2400" kern="1200">
           <a:solidFill>
             <a:schemeClr val="tx1"/>
           </a:solidFill>
-          <a:effectLst>
-            <a:outerShdw blurRad="38100" dist="38100" dir="2700000" algn="tl">
-              <a:srgbClr val="010199"/>
-            </a:outerShdw>
-          </a:effectLst>
           <a:latin typeface="+mn-lt"/>
+          <a:ea typeface="+mn-ea"/>
+          <a:cs typeface="+mn-cs"/>
         </a:defRPr>
       </a:lvl2pPr>
-      <a:lvl3pPr marL="1143000" indent="-228600" algn="l" rtl="0" fontAlgn="base">
+      <a:lvl3pPr marL="1143000" indent="-228600" algn="l" defTabSz="914400" rtl="0" eaLnBrk="1" latinLnBrk="0" hangingPunct="1">
+        <a:lnSpc>
+          <a:spcPct val="90000"/>
+        </a:lnSpc>
         <a:spcBef>
-          <a:spcPct val="20000"/>
+          <a:spcPts val="500"/>
         </a:spcBef>
-        <a:spcAft>
-          <a:spcPct val="0"/>
-        </a:spcAft>
-        <a:buClr>
-          <a:schemeClr val="accent2"/>
-        </a:buClr>
-        <a:buSzPct val="75000"/>
-        <a:buFont typeface="Wingdings" pitchFamily="2" charset="2"/>
-        <a:buChar char="l"/>
-        <a:defRPr sz="2400">
+        <a:buFont typeface="Arial" panose="020B0604020202020204" pitchFamily="34" charset="0"/>
+        <a:buChar char="•"/>
+        <a:defRPr sz="2000" kern="1200">
           <a:solidFill>
             <a:schemeClr val="tx1"/>
           </a:solidFill>
-          <a:effectLst>
-            <a:outerShdw blurRad="38100" dist="38100" dir="2700000" algn="tl">
-              <a:srgbClr val="010199"/>
-            </a:outerShdw>
-          </a:effectLst>
           <a:latin typeface="+mn-lt"/>
+          <a:ea typeface="+mn-ea"/>
+          <a:cs typeface="+mn-cs"/>
         </a:defRPr>
       </a:lvl3pPr>
-      <a:lvl4pPr marL="1600200" indent="-228600" algn="l" rtl="0" fontAlgn="base">
+      <a:lvl4pPr marL="1600200" indent="-228600" algn="l" defTabSz="914400" rtl="0" eaLnBrk="1" latinLnBrk="0" hangingPunct="1">
+        <a:lnSpc>
+          <a:spcPct val="90000"/>
+        </a:lnSpc>
         <a:spcBef>
-          <a:spcPct val="20000"/>
+          <a:spcPts val="500"/>
         </a:spcBef>
-        <a:spcAft>
-          <a:spcPct val="0"/>
-        </a:spcAft>
-        <a:buClr>
-          <a:schemeClr val="folHlink"/>
-        </a:buClr>
-        <a:buSzPct val="75000"/>
-        <a:buFont typeface="Wingdings" pitchFamily="2" charset="2"/>
-        <a:buChar char="l"/>
-        <a:defRPr sz="2000">
+        <a:buFont typeface="Arial" panose="020B0604020202020204" pitchFamily="34" charset="0"/>
+        <a:buChar char="•"/>
+        <a:defRPr sz="1800" kern="1200">
           <a:solidFill>
             <a:schemeClr val="tx1"/>
           </a:solidFill>
-          <a:effectLst>
-            <a:outerShdw blurRad="38100" dist="38100" dir="2700000" algn="tl">
-              <a:srgbClr val="010199"/>
-            </a:outerShdw>
-          </a:effectLst>
           <a:latin typeface="+mn-lt"/>
+          <a:ea typeface="+mn-ea"/>
+          <a:cs typeface="+mn-cs"/>
         </a:defRPr>
       </a:lvl4pPr>
-      <a:lvl5pPr marL="2057400" indent="-228600" algn="l" rtl="0" fontAlgn="base">
+      <a:lvl5pPr marL="2057400" indent="-228600" algn="l" defTabSz="914400" rtl="0" eaLnBrk="1" latinLnBrk="0" hangingPunct="1">
+        <a:lnSpc>
+          <a:spcPct val="90000"/>
+        </a:lnSpc>
         <a:spcBef>
-          <a:spcPct val="20000"/>
+          <a:spcPts val="500"/>
         </a:spcBef>
-        <a:spcAft>
-          <a:spcPct val="0"/>
-        </a:spcAft>
-        <a:buClr>
-          <a:schemeClr val="tx1"/>
-        </a:buClr>
-        <a:buSzPct val="75000"/>
-        <a:buFont typeface="Wingdings" pitchFamily="2" charset="2"/>
-        <a:buChar char="l"/>
-        <a:defRPr sz="2000">
+        <a:buFont typeface="Arial" panose="020B0604020202020204" pitchFamily="34" charset="0"/>
+        <a:buChar char="•"/>
+        <a:defRPr sz="1800" kern="1200">
           <a:solidFill>
             <a:schemeClr val="tx1"/>
           </a:solidFill>
-          <a:effectLst>
-            <a:outerShdw blurRad="38100" dist="38100" dir="2700000" algn="tl">
-              <a:srgbClr val="010199"/>
-            </a:outerShdw>
-          </a:effectLst>
           <a:latin typeface="+mn-lt"/>
+          <a:ea typeface="+mn-ea"/>
+          <a:cs typeface="+mn-cs"/>
         </a:defRPr>
       </a:lvl5pPr>
-      <a:lvl6pPr marL="2514600" indent="-228600" algn="l" rtl="0" fontAlgn="base">
+      <a:lvl6pPr marL="2514600" indent="-228600" algn="l" defTabSz="914400" rtl="0" eaLnBrk="1" latinLnBrk="0" hangingPunct="1">
+        <a:lnSpc>
+          <a:spcPct val="90000"/>
+        </a:lnSpc>
         <a:spcBef>
-          <a:spcPct val="20000"/>
+          <a:spcPts val="500"/>
         </a:spcBef>
-        <a:spcAft>
-          <a:spcPct val="0"/>
-        </a:spcAft>
-        <a:buClr>
-          <a:schemeClr val="tx1"/>
-        </a:buClr>
-        <a:buSzPct val="75000"/>
-        <a:buFont typeface="Wingdings" pitchFamily="2" charset="2"/>
-        <a:buChar char="l"/>
-        <a:defRPr sz="2000">
+        <a:buFont typeface="Arial" panose="020B0604020202020204" pitchFamily="34" charset="0"/>
+        <a:buChar char="•"/>
+        <a:defRPr sz="1800" kern="1200">
           <a:solidFill>
             <a:schemeClr val="tx1"/>
           </a:solidFill>
-          <a:effectLst>
-            <a:outerShdw blurRad="38100" dist="38100" dir="2700000" algn="tl">
-              <a:srgbClr val="010199"/>
-            </a:outerShdw>
-          </a:effectLst>
           <a:latin typeface="+mn-lt"/>
+          <a:ea typeface="+mn-ea"/>
+          <a:cs typeface="+mn-cs"/>
         </a:defRPr>
       </a:lvl6pPr>
-      <a:lvl7pPr marL="2971800" indent="-228600" algn="l" rtl="0" fontAlgn="base">
+      <a:lvl7pPr marL="2971800" indent="-228600" algn="l" defTabSz="914400" rtl="0" eaLnBrk="1" latinLnBrk="0" hangingPunct="1">
+        <a:lnSpc>
+          <a:spcPct val="90000"/>
+        </a:lnSpc>
         <a:spcBef>
-          <a:spcPct val="20000"/>
+          <a:spcPts val="500"/>
         </a:spcBef>
-        <a:spcAft>
-          <a:spcPct val="0"/>
-        </a:spcAft>
-        <a:buClr>
-          <a:schemeClr val="tx1"/>
-        </a:buClr>
-        <a:buSzPct val="75000"/>
-        <a:buFont typeface="Wingdings" pitchFamily="2" charset="2"/>
-        <a:buChar char="l"/>
-        <a:defRPr sz="2000">
+        <a:buFont typeface="Arial" panose="020B0604020202020204" pitchFamily="34" charset="0"/>
+        <a:buChar char="•"/>
+        <a:defRPr sz="1800" kern="1200">
           <a:solidFill>
             <a:schemeClr val="tx1"/>
           </a:solidFill>
-          <a:effectLst>
-            <a:outerShdw blurRad="38100" dist="38100" dir="2700000" algn="tl">
-              <a:srgbClr val="010199"/>
-            </a:outerShdw>
-          </a:effectLst>
           <a:latin typeface="+mn-lt"/>
+          <a:ea typeface="+mn-ea"/>
+          <a:cs typeface="+mn-cs"/>
         </a:defRPr>
       </a:lvl7pPr>
-      <a:lvl8pPr marL="3429000" indent="-228600" algn="l" rtl="0" fontAlgn="base">
+      <a:lvl8pPr marL="3429000" indent="-228600" algn="l" defTabSz="914400" rtl="0" eaLnBrk="1" latinLnBrk="0" hangingPunct="1">
+        <a:lnSpc>
+          <a:spcPct val="90000"/>
+        </a:lnSpc>
         <a:spcBef>
-          <a:spcPct val="20000"/>
+          <a:spcPts val="500"/>
         </a:spcBef>
-        <a:spcAft>
-          <a:spcPct val="0"/>
-        </a:spcAft>
-        <a:buClr>
-          <a:schemeClr val="tx1"/>
-        </a:buClr>
-        <a:buSzPct val="75000"/>
-        <a:buFont typeface="Wingdings" pitchFamily="2" charset="2"/>
-        <a:buChar char="l"/>
-        <a:defRPr sz="2000">
+        <a:buFont typeface="Arial" panose="020B0604020202020204" pitchFamily="34" charset="0"/>
+        <a:buChar char="•"/>
+        <a:defRPr sz="1800" kern="1200">
           <a:solidFill>
             <a:schemeClr val="tx1"/>
           </a:solidFill>
-          <a:effectLst>
-            <a:outerShdw blurRad="38100" dist="38100" dir="2700000" algn="tl">
-              <a:srgbClr val="010199"/>
-            </a:outerShdw>
-          </a:effectLst>
           <a:latin typeface="+mn-lt"/>
+          <a:ea typeface="+mn-ea"/>
+          <a:cs typeface="+mn-cs"/>
         </a:defRPr>
       </a:lvl8pPr>
-      <a:lvl9pPr marL="3886200" indent="-228600" algn="l" rtl="0" fontAlgn="base">
+      <a:lvl9pPr marL="3886200" indent="-228600" algn="l" defTabSz="914400" rtl="0" eaLnBrk="1" latinLnBrk="0" hangingPunct="1">
+        <a:lnSpc>
+          <a:spcPct val="90000"/>
+        </a:lnSpc>
         <a:spcBef>
-          <a:spcPct val="20000"/>
+          <a:spcPts val="500"/>
         </a:spcBef>
-        <a:spcAft>
-          <a:spcPct val="0"/>
-        </a:spcAft>
-        <a:buClr>
-          <a:schemeClr val="tx1"/>
-        </a:buClr>
-        <a:buSzPct val="75000"/>
-        <a:buFont typeface="Wingdings" pitchFamily="2" charset="2"/>
-        <a:buChar char="l"/>
-        <a:defRPr sz="2000">
+        <a:buFont typeface="Arial" panose="020B0604020202020204" pitchFamily="34" charset="0"/>
+        <a:buChar char="•"/>
+        <a:defRPr sz="1800" kern="1200">
           <a:solidFill>
             <a:schemeClr val="tx1"/>
           </a:solidFill>
-          <a:effectLst>
-            <a:outerShdw blurRad="38100" dist="38100" dir="2700000" algn="tl">
-              <a:srgbClr val="010199"/>
-            </a:outerShdw>
-          </a:effectLst>
           <a:latin typeface="+mn-lt"/>
+          <a:ea typeface="+mn-ea"/>
+          <a:cs typeface="+mn-cs"/>
         </a:defRPr>
       </a:lvl9pPr>
     </p:bodyStyle>
@@ -7047,6 +4943,14 @@
 <file path=ppt/slides/slide1.xml><?xml version="1.0" encoding="utf-8"?>
 <p:sld xmlns:a="http://schemas.openxmlformats.org/drawingml/2006/main" xmlns:r="http://schemas.openxmlformats.org/officeDocument/2006/relationships" xmlns:p="http://schemas.openxmlformats.org/presentationml/2006/main">
   <p:cSld>
+    <p:bg>
+      <p:bgPr>
+        <a:solidFill>
+          <a:schemeClr val="bg1"/>
+        </a:solidFill>
+        <a:effectLst/>
+      </p:bgPr>
+    </p:bg>
     <p:spTree>
       <p:nvGrpSpPr>
         <p:cNvPr id="1" name=""/>
@@ -7061,118 +4965,651 @@
           <a:chExt cx="0" cy="0"/>
         </a:xfrm>
       </p:grpSpPr>
-      <p:sp>
-        <p:nvSpPr>
-          <p:cNvPr id="363522" name="Rectangle 2"/>
-          <p:cNvSpPr>
-            <a:spLocks noGrp="1" noChangeArrowheads="1"/>
-          </p:cNvSpPr>
-          <p:nvPr>
-            <p:ph type="ctrTitle"/>
+      <p:sp useBgFill="1">
+        <p:nvSpPr>
+          <p:cNvPr id="363528" name="Rectangle 363527">
+            <a:extLst>
+              <a:ext uri="{FF2B5EF4-FFF2-40B4-BE49-F238E27FC236}">
+                <a16:creationId xmlns:a16="http://schemas.microsoft.com/office/drawing/2014/main" id="{7B831B6F-405A-4B47-B9BB-5CA88F285844}"/>
+              </a:ext>
+              <a:ext uri="{C183D7F6-B498-43B3-948B-1728B52AA6E4}">
+                <adec:decorative xmlns:adec="http://schemas.microsoft.com/office/drawing/2017/decorative" val="1"/>
+              </a:ext>
+            </a:extLst>
+          </p:cNvPr>
+          <p:cNvSpPr>
+            <a:spLocks noGrp="1" noRot="1" noChangeAspect="1" noMove="1" noResize="1" noEditPoints="1" noAdjustHandles="1" noChangeArrowheads="1" noChangeShapeType="1" noTextEdit="1"/>
+          </p:cNvSpPr>
+          <p:nvPr>
+            <p:extLst>
+              <p:ext uri="{386F3935-93C4-4BCD-93E2-E3B085C9AB24}">
+                <p16:designElem xmlns:p16="http://schemas.microsoft.com/office/powerpoint/2015/main" val="1"/>
+              </p:ext>
+            </p:extLst>
           </p:nvPr>
         </p:nvSpPr>
         <p:spPr>
           <a:xfrm>
-            <a:off x="2209800" y="533400"/>
-            <a:ext cx="7772400" cy="1555750"/>
+            <a:off x="0" y="0"/>
+            <a:ext cx="12192000" cy="6858000"/>
+          </a:xfrm>
+          <a:prstGeom prst="rect">
+            <a:avLst/>
+          </a:prstGeom>
+          <a:ln>
+            <a:noFill/>
+          </a:ln>
+        </p:spPr>
+        <p:style>
+          <a:lnRef idx="2">
+            <a:schemeClr val="accent1">
+              <a:shade val="50000"/>
+            </a:schemeClr>
+          </a:lnRef>
+          <a:fillRef idx="1">
+            <a:schemeClr val="accent1"/>
+          </a:fillRef>
+          <a:effectRef idx="0">
+            <a:schemeClr val="accent1"/>
+          </a:effectRef>
+          <a:fontRef idx="minor">
+            <a:schemeClr val="lt1"/>
+          </a:fontRef>
+        </p:style>
+        <p:txBody>
+          <a:bodyPr rtlCol="0" anchor="ctr"/>
+          <a:lstStyle/>
+          <a:p>
+            <a:pPr algn="ctr"/>
+            <a:endParaRPr lang="en-US"/>
+          </a:p>
+        </p:txBody>
+      </p:sp>
+      <p:sp>
+        <p:nvSpPr>
+          <p:cNvPr id="363522" name="Rectangle 2"/>
+          <p:cNvSpPr>
+            <a:spLocks noGrp="1" noChangeArrowheads="1"/>
+          </p:cNvSpPr>
+          <p:nvPr>
+            <p:ph type="ctrTitle"/>
+          </p:nvPr>
+        </p:nvSpPr>
+        <p:spPr>
+          <a:xfrm>
+            <a:off x="6739128" y="638089"/>
+            <a:ext cx="4818888" cy="1476801"/>
           </a:xfrm>
         </p:spPr>
         <p:txBody>
-          <a:bodyPr/>
-          <a:lstStyle/>
-          <a:p>
-            <a:r>
-              <a:rPr lang="en-US" sz="6000" dirty="0"/>
+          <a:bodyPr vert="horz" lIns="91440" tIns="45720" rIns="91440" bIns="45720" rtlCol="0" anchor="b">
+            <a:normAutofit/>
+          </a:bodyPr>
+          <a:lstStyle/>
+          <a:p>
+            <a:pPr algn="l"/>
+            <a:r>
+              <a:rPr lang="en-US" sz="5400" kern="1200">
+                <a:solidFill>
+                  <a:schemeClr val="tx1"/>
+                </a:solidFill>
+                <a:latin typeface="+mj-lt"/>
+                <a:ea typeface="+mj-ea"/>
+                <a:cs typeface="+mj-cs"/>
+              </a:rPr>
               <a:t>CSSE 304 Day 9</a:t>
             </a:r>
           </a:p>
         </p:txBody>
       </p:sp>
-      <p:sp>
-        <p:nvSpPr>
-          <p:cNvPr id="363523" name="Rectangle 3"/>
-          <p:cNvSpPr>
-            <a:spLocks noGrp="1" noChangeArrowheads="1"/>
-          </p:cNvSpPr>
-          <p:nvPr>
-            <p:ph type="subTitle" idx="1"/>
-          </p:nvPr>
-        </p:nvSpPr>
+      <p:pic>
+        <p:nvPicPr>
+          <p:cNvPr id="3" name="Picture 2">
+            <a:extLst>
+              <a:ext uri="{FF2B5EF4-FFF2-40B4-BE49-F238E27FC236}">
+                <a16:creationId xmlns:a16="http://schemas.microsoft.com/office/drawing/2014/main" id="{0888481F-253D-544E-8665-77017F70E7D0}"/>
+              </a:ext>
+            </a:extLst>
+          </p:cNvPr>
+          <p:cNvPicPr>
+            <a:picLocks noChangeAspect="1"/>
+          </p:cNvPicPr>
+          <p:nvPr/>
+        </p:nvPicPr>
+        <p:blipFill>
+          <a:blip r:embed="rId3"/>
+          <a:stretch>
+            <a:fillRect/>
+          </a:stretch>
+        </p:blipFill>
         <p:spPr>
           <a:xfrm>
-            <a:off x="1143000" y="2089150"/>
-            <a:ext cx="9144000" cy="3124200"/>
+            <a:off x="630936" y="699516"/>
+            <a:ext cx="5458968" cy="5458968"/>
+          </a:xfrm>
+          <a:prstGeom prst="rect">
+            <a:avLst/>
+          </a:prstGeom>
+        </p:spPr>
+      </p:pic>
+      <p:sp>
+        <p:nvSpPr>
+          <p:cNvPr id="363530" name="sketch line">
+            <a:extLst>
+              <a:ext uri="{FF2B5EF4-FFF2-40B4-BE49-F238E27FC236}">
+                <a16:creationId xmlns:a16="http://schemas.microsoft.com/office/drawing/2014/main" id="{953EE71A-6488-4203-A7C4-77102FD0DCCA}"/>
+              </a:ext>
+              <a:ext uri="{C183D7F6-B498-43B3-948B-1728B52AA6E4}">
+                <adec:decorative xmlns:adec="http://schemas.microsoft.com/office/drawing/2017/decorative" val="1"/>
+              </a:ext>
+            </a:extLst>
+          </p:cNvPr>
+          <p:cNvSpPr>
+            <a:spLocks noGrp="1" noRot="1" noChangeAspect="1" noMove="1" noResize="1" noEditPoints="1" noAdjustHandles="1" noChangeArrowheads="1" noChangeShapeType="1" noTextEdit="1"/>
+          </p:cNvSpPr>
+          <p:nvPr>
+            <p:extLst>
+              <p:ext uri="{386F3935-93C4-4BCD-93E2-E3B085C9AB24}">
+                <p16:designElem xmlns:p16="http://schemas.microsoft.com/office/powerpoint/2015/main" val="1"/>
+              </p:ext>
+            </p:extLst>
+          </p:nvPr>
+        </p:nvSpPr>
+        <p:spPr>
+          <a:xfrm>
+            <a:off x="6739128" y="2372868"/>
+            <a:ext cx="3255095" cy="18288"/>
+          </a:xfrm>
+          <a:custGeom>
+            <a:avLst/>
+            <a:gdLst>
+              <a:gd name="connsiteX0" fmla="*/ 0 w 3255095"/>
+              <a:gd name="connsiteY0" fmla="*/ 0 h 18288"/>
+              <a:gd name="connsiteX1" fmla="*/ 618468 w 3255095"/>
+              <a:gd name="connsiteY1" fmla="*/ 0 h 18288"/>
+              <a:gd name="connsiteX2" fmla="*/ 1269487 w 3255095"/>
+              <a:gd name="connsiteY2" fmla="*/ 0 h 18288"/>
+              <a:gd name="connsiteX3" fmla="*/ 1953057 w 3255095"/>
+              <a:gd name="connsiteY3" fmla="*/ 0 h 18288"/>
+              <a:gd name="connsiteX4" fmla="*/ 2636627 w 3255095"/>
+              <a:gd name="connsiteY4" fmla="*/ 0 h 18288"/>
+              <a:gd name="connsiteX5" fmla="*/ 3255095 w 3255095"/>
+              <a:gd name="connsiteY5" fmla="*/ 0 h 18288"/>
+              <a:gd name="connsiteX6" fmla="*/ 3255095 w 3255095"/>
+              <a:gd name="connsiteY6" fmla="*/ 18288 h 18288"/>
+              <a:gd name="connsiteX7" fmla="*/ 2538974 w 3255095"/>
+              <a:gd name="connsiteY7" fmla="*/ 18288 h 18288"/>
+              <a:gd name="connsiteX8" fmla="*/ 1822853 w 3255095"/>
+              <a:gd name="connsiteY8" fmla="*/ 18288 h 18288"/>
+              <a:gd name="connsiteX9" fmla="*/ 1171834 w 3255095"/>
+              <a:gd name="connsiteY9" fmla="*/ 18288 h 18288"/>
+              <a:gd name="connsiteX10" fmla="*/ 0 w 3255095"/>
+              <a:gd name="connsiteY10" fmla="*/ 18288 h 18288"/>
+              <a:gd name="connsiteX11" fmla="*/ 0 w 3255095"/>
+              <a:gd name="connsiteY11" fmla="*/ 0 h 18288"/>
+            </a:gdLst>
+            <a:ahLst/>
+            <a:cxnLst>
+              <a:cxn ang="0">
+                <a:pos x="connsiteX0" y="connsiteY0"/>
+              </a:cxn>
+              <a:cxn ang="0">
+                <a:pos x="connsiteX1" y="connsiteY1"/>
+              </a:cxn>
+              <a:cxn ang="0">
+                <a:pos x="connsiteX2" y="connsiteY2"/>
+              </a:cxn>
+              <a:cxn ang="0">
+                <a:pos x="connsiteX3" y="connsiteY3"/>
+              </a:cxn>
+              <a:cxn ang="0">
+                <a:pos x="connsiteX4" y="connsiteY4"/>
+              </a:cxn>
+              <a:cxn ang="0">
+                <a:pos x="connsiteX5" y="connsiteY5"/>
+              </a:cxn>
+              <a:cxn ang="0">
+                <a:pos x="connsiteX6" y="connsiteY6"/>
+              </a:cxn>
+              <a:cxn ang="0">
+                <a:pos x="connsiteX7" y="connsiteY7"/>
+              </a:cxn>
+              <a:cxn ang="0">
+                <a:pos x="connsiteX8" y="connsiteY8"/>
+              </a:cxn>
+              <a:cxn ang="0">
+                <a:pos x="connsiteX9" y="connsiteY9"/>
+              </a:cxn>
+              <a:cxn ang="0">
+                <a:pos x="connsiteX10" y="connsiteY10"/>
+              </a:cxn>
+              <a:cxn ang="0">
+                <a:pos x="connsiteX11" y="connsiteY11"/>
+              </a:cxn>
+            </a:cxnLst>
+            <a:rect l="l" t="t" r="r" b="b"/>
+            <a:pathLst>
+              <a:path w="3255095" h="18288" fill="none" extrusionOk="0">
+                <a:moveTo>
+                  <a:pt x="0" y="0"/>
+                </a:moveTo>
+                <a:cubicBezTo>
+                  <a:pt x="240201" y="-22123"/>
+                  <a:pt x="462021" y="-19623"/>
+                  <a:pt x="618468" y="0"/>
+                </a:cubicBezTo>
+                <a:cubicBezTo>
+                  <a:pt x="774915" y="19623"/>
+                  <a:pt x="974734" y="2035"/>
+                  <a:pt x="1269487" y="0"/>
+                </a:cubicBezTo>
+                <a:cubicBezTo>
+                  <a:pt x="1564240" y="-2035"/>
+                  <a:pt x="1733579" y="10639"/>
+                  <a:pt x="1953057" y="0"/>
+                </a:cubicBezTo>
+                <a:cubicBezTo>
+                  <a:pt x="2172535" y="-10639"/>
+                  <a:pt x="2453962" y="14018"/>
+                  <a:pt x="2636627" y="0"/>
+                </a:cubicBezTo>
+                <a:cubicBezTo>
+                  <a:pt x="2819292" y="-14018"/>
+                  <a:pt x="3121375" y="5399"/>
+                  <a:pt x="3255095" y="0"/>
+                </a:cubicBezTo>
+                <a:cubicBezTo>
+                  <a:pt x="3254386" y="8157"/>
+                  <a:pt x="3254682" y="12125"/>
+                  <a:pt x="3255095" y="18288"/>
+                </a:cubicBezTo>
+                <a:cubicBezTo>
+                  <a:pt x="3088545" y="23203"/>
+                  <a:pt x="2687475" y="7419"/>
+                  <a:pt x="2538974" y="18288"/>
+                </a:cubicBezTo>
+                <a:cubicBezTo>
+                  <a:pt x="2390473" y="29157"/>
+                  <a:pt x="2137381" y="-8959"/>
+                  <a:pt x="1822853" y="18288"/>
+                </a:cubicBezTo>
+                <a:cubicBezTo>
+                  <a:pt x="1508325" y="45535"/>
+                  <a:pt x="1466437" y="20385"/>
+                  <a:pt x="1171834" y="18288"/>
+                </a:cubicBezTo>
+                <a:cubicBezTo>
+                  <a:pt x="877231" y="16191"/>
+                  <a:pt x="561097" y="37643"/>
+                  <a:pt x="0" y="18288"/>
+                </a:cubicBezTo>
+                <a:cubicBezTo>
+                  <a:pt x="-46" y="12483"/>
+                  <a:pt x="-203" y="6491"/>
+                  <a:pt x="0" y="0"/>
+                </a:cubicBezTo>
+                <a:close/>
+              </a:path>
+              <a:path w="3255095" h="18288" stroke="0" extrusionOk="0">
+                <a:moveTo>
+                  <a:pt x="0" y="0"/>
+                </a:moveTo>
+                <a:cubicBezTo>
+                  <a:pt x="291965" y="19429"/>
+                  <a:pt x="363155" y="8568"/>
+                  <a:pt x="618468" y="0"/>
+                </a:cubicBezTo>
+                <a:cubicBezTo>
+                  <a:pt x="873781" y="-8568"/>
+                  <a:pt x="904459" y="-19505"/>
+                  <a:pt x="1171834" y="0"/>
+                </a:cubicBezTo>
+                <a:cubicBezTo>
+                  <a:pt x="1439209" y="19505"/>
+                  <a:pt x="1744369" y="9790"/>
+                  <a:pt x="1887955" y="0"/>
+                </a:cubicBezTo>
+                <a:cubicBezTo>
+                  <a:pt x="2031541" y="-9790"/>
+                  <a:pt x="2346378" y="21240"/>
+                  <a:pt x="2506423" y="0"/>
+                </a:cubicBezTo>
+                <a:cubicBezTo>
+                  <a:pt x="2666468" y="-21240"/>
+                  <a:pt x="2990257" y="30414"/>
+                  <a:pt x="3255095" y="0"/>
+                </a:cubicBezTo>
+                <a:cubicBezTo>
+                  <a:pt x="3254831" y="4493"/>
+                  <a:pt x="3255479" y="9472"/>
+                  <a:pt x="3255095" y="18288"/>
+                </a:cubicBezTo>
+                <a:cubicBezTo>
+                  <a:pt x="3120743" y="16690"/>
+                  <a:pt x="2759628" y="42462"/>
+                  <a:pt x="2604076" y="18288"/>
+                </a:cubicBezTo>
+                <a:cubicBezTo>
+                  <a:pt x="2448524" y="-5886"/>
+                  <a:pt x="2184336" y="19599"/>
+                  <a:pt x="1887955" y="18288"/>
+                </a:cubicBezTo>
+                <a:cubicBezTo>
+                  <a:pt x="1591574" y="16977"/>
+                  <a:pt x="1548845" y="6870"/>
+                  <a:pt x="1334589" y="18288"/>
+                </a:cubicBezTo>
+                <a:cubicBezTo>
+                  <a:pt x="1120333" y="29706"/>
+                  <a:pt x="996014" y="9662"/>
+                  <a:pt x="683570" y="18288"/>
+                </a:cubicBezTo>
+                <a:cubicBezTo>
+                  <a:pt x="371126" y="26914"/>
+                  <a:pt x="198687" y="16167"/>
+                  <a:pt x="0" y="18288"/>
+                </a:cubicBezTo>
+                <a:cubicBezTo>
+                  <a:pt x="843" y="9577"/>
+                  <a:pt x="371" y="6900"/>
+                  <a:pt x="0" y="0"/>
+                </a:cubicBezTo>
+                <a:close/>
+              </a:path>
+            </a:pathLst>
+          </a:custGeom>
+          <a:solidFill>
+            <a:schemeClr val="accent2"/>
+          </a:solidFill>
+          <a:ln w="38100" cap="rnd">
+            <a:solidFill>
+              <a:schemeClr val="accent2"/>
+            </a:solidFill>
+            <a:round/>
+            <a:extLst>
+              <a:ext uri="{C807C97D-BFC1-408E-A445-0C87EB9F89A2}">
+                <ask:lineSketchStyleProps xmlns:ask="http://schemas.microsoft.com/office/drawing/2018/sketchyshapes" sd="1219033472">
+                  <a:prstGeom prst="rect">
+                    <a:avLst/>
+                  </a:prstGeom>
+                  <ask:type>
+                    <ask:lineSketchFreehand/>
+                  </ask:type>
+                </ask:lineSketchStyleProps>
+              </a:ext>
+            </a:extLst>
+          </a:ln>
+        </p:spPr>
+        <p:style>
+          <a:lnRef idx="2">
+            <a:schemeClr val="accent1">
+              <a:shade val="50000"/>
+            </a:schemeClr>
+          </a:lnRef>
+          <a:fillRef idx="1">
+            <a:schemeClr val="accent1"/>
+          </a:fillRef>
+          <a:effectRef idx="0">
+            <a:schemeClr val="accent1"/>
+          </a:effectRef>
+          <a:fontRef idx="minor">
+            <a:schemeClr val="lt1"/>
+          </a:fontRef>
+        </p:style>
+        <p:txBody>
+          <a:bodyPr rtlCol="0" anchor="ctr"/>
+          <a:lstStyle/>
+          <a:p>
+            <a:pPr algn="ctr"/>
+            <a:endParaRPr lang="en-US"/>
+          </a:p>
+        </p:txBody>
+      </p:sp>
+      <p:sp>
+        <p:nvSpPr>
+          <p:cNvPr id="363523" name="Rectangle 3"/>
+          <p:cNvSpPr>
+            <a:spLocks noGrp="1" noChangeArrowheads="1"/>
+          </p:cNvSpPr>
+          <p:nvPr>
+            <p:ph type="subTitle" idx="1"/>
+          </p:nvPr>
+        </p:nvSpPr>
+        <p:spPr>
+          <a:xfrm>
+            <a:off x="6739128" y="2664886"/>
+            <a:ext cx="4818888" cy="3550789"/>
           </a:xfrm>
         </p:spPr>
         <p:txBody>
-          <a:bodyPr/>
-          <a:lstStyle/>
-          <a:p>
-            <a:pPr>
-              <a:lnSpc>
-                <a:spcPct val="90000"/>
-              </a:lnSpc>
+          <a:bodyPr vert="horz" lIns="91440" tIns="45720" rIns="91440" bIns="45720" rtlCol="0" anchor="t">
+            <a:normAutofit/>
+          </a:bodyPr>
+          <a:lstStyle/>
+          <a:p>
+            <a:pPr indent="-228600" algn="l">
+              <a:buFont typeface="Arial" panose="020B0604020202020204" pitchFamily="34" charset="0"/>
+              <a:buChar char="•"/>
             </a:pPr>
             <a:r>
-              <a:rPr lang="en-US" sz="4400" dirty="0"/>
+              <a:rPr lang="en-US" sz="2200" dirty="0"/>
               <a:t>One A6 solution</a:t>
             </a:r>
           </a:p>
           <a:p>
-            <a:pPr>
-              <a:lnSpc>
-                <a:spcPct val="90000"/>
-              </a:lnSpc>
+            <a:pPr indent="-228600" algn="l">
+              <a:buFont typeface="Arial" panose="020B0604020202020204" pitchFamily="34" charset="0"/>
+              <a:buChar char="•"/>
             </a:pPr>
             <a:r>
-              <a:rPr lang="en-US" sz="4400" dirty="0"/>
+              <a:rPr lang="en-US" sz="2200" dirty="0"/>
               <a:t>"OOP" in Scheme?</a:t>
             </a:r>
           </a:p>
           <a:p>
-            <a:pPr>
-              <a:lnSpc>
-                <a:spcPct val="90000"/>
-              </a:lnSpc>
-            </a:pPr>
+            <a:pPr algn="l"/>
             <a:br>
-              <a:rPr lang="en-US" sz="4400" dirty="0"/>
+              <a:rPr lang="en-US" sz="2200" dirty="0"/>
             </a:br>
             <a:br>
-              <a:rPr lang="en-US" dirty="0"/>
+              <a:rPr lang="en-US" sz="2200" dirty="0"/>
             </a:br>
             <a:br>
-              <a:rPr lang="en-US" dirty="0"/>
+              <a:rPr lang="en-US" sz="2200" dirty="0"/>
             </a:br>
             <a:r>
-              <a:rPr lang="en-US" dirty="0"/>
+              <a:rPr lang="en-US" sz="2200" dirty="0"/>
               <a:t>Live coding today!</a:t>
             </a:r>
             <a:br>
-              <a:rPr lang="en-US" dirty="0"/>
+              <a:rPr lang="en-US" sz="2200" dirty="0"/>
             </a:br>
             <a:r>
-              <a:rPr lang="en-US" dirty="0"/>
+              <a:rPr lang="en-US" sz="2200" dirty="0"/>
               <a:t>You may want to get the starting code from </a:t>
             </a:r>
             <a:r>
-              <a:rPr lang="en-US" dirty="0" err="1">
-                <a:latin typeface="Courier New" panose="02070309020205020404" pitchFamily="49" charset="0"/>
-                <a:cs typeface="Courier New" panose="02070309020205020404" pitchFamily="49" charset="0"/>
+              <a:rPr lang="en-US" sz="2200" dirty="0" err="1"/>
+              <a:t>ClassMaterials</a:t>
+            </a:r>
+            <a:r>
+              <a:rPr lang="en-US" sz="2200" dirty="0"/>
+              <a:t>/OOP</a:t>
+            </a:r>
+            <a:br>
+              <a:rPr lang="en-US" sz="2200" dirty="0"/>
+            </a:br>
+            <a:endParaRPr lang="en-US" sz="2200" dirty="0"/>
+          </a:p>
+        </p:txBody>
+      </p:sp>
+      <p:sp>
+        <p:nvSpPr>
+          <p:cNvPr id="4" name="TextBox 3">
+            <a:extLst>
+              <a:ext uri="{FF2B5EF4-FFF2-40B4-BE49-F238E27FC236}">
+                <a16:creationId xmlns:a16="http://schemas.microsoft.com/office/drawing/2014/main" id="{90256E61-434C-A6F4-E5D3-CC141A9C8215}"/>
+              </a:ext>
+            </a:extLst>
+          </p:cNvPr>
+          <p:cNvSpPr txBox="1"/>
+          <p:nvPr/>
+        </p:nvSpPr>
+        <p:spPr>
+          <a:xfrm>
+            <a:off x="0" y="6302243"/>
+            <a:ext cx="6097836" cy="880369"/>
+          </a:xfrm>
+          <a:prstGeom prst="rect">
+            <a:avLst/>
+          </a:prstGeom>
+          <a:noFill/>
+        </p:spPr>
+        <p:txBody>
+          <a:bodyPr wrap="square">
+            <a:spAutoFit/>
+          </a:bodyPr>
+          <a:lstStyle/>
+          <a:p>
+            <a:pPr marL="0" marR="0" indent="0" algn="l">
+              <a:lnSpc>
+                <a:spcPct val="119000"/>
+              </a:lnSpc>
+              <a:spcBef>
+                <a:spcPts val="0"/>
+              </a:spcBef>
+              <a:spcAft>
+                <a:spcPts val="600"/>
+              </a:spcAft>
+            </a:pPr>
+            <a:r>
+              <a:rPr lang="en-US" sz="1100" kern="1400" dirty="0">
+                <a:ln>
+                  <a:noFill/>
+                </a:ln>
+                <a:solidFill>
+                  <a:srgbClr val="000000"/>
+                </a:solidFill>
+                <a:effectLst/>
+                <a:latin typeface="Verdana" panose="020B0604030504040204" pitchFamily="34" charset="0"/>
               </a:rPr>
-              <a:t>ClassMaterials</a:t>
-            </a:r>
-            <a:r>
-              <a:rPr lang="en-US" dirty="0">
-                <a:latin typeface="Courier New" panose="02070309020205020404" pitchFamily="49" charset="0"/>
-                <a:cs typeface="Courier New" panose="02070309020205020404" pitchFamily="49" charset="0"/>
+              <a:t>Art by Helvetica Blanc (</a:t>
+            </a:r>
+            <a:r>
+              <a:rPr lang="en-US" sz="1100" u="sng" kern="1400" dirty="0">
+                <a:ln>
+                  <a:noFill/>
+                </a:ln>
+                <a:solidFill>
+                  <a:srgbClr val="085296"/>
+                </a:solidFill>
+                <a:effectLst/>
+                <a:latin typeface="Verdana" panose="020B0604030504040204" pitchFamily="34" charset="0"/>
+                <a:hlinkClick r:id="rId4"/>
               </a:rPr>
-              <a:t>/OOP</a:t>
-            </a:r>
-            <a:br>
-              <a:rPr lang="en-US" dirty="0"/>
-            </a:br>
-            <a:endParaRPr lang="en-US" dirty="0"/>
+              <a:t>https://helveticablanc.com</a:t>
+            </a:r>
+            <a:r>
+              <a:rPr lang="en-US" sz="1100" kern="1400" dirty="0">
+                <a:ln>
+                  <a:noFill/>
+                </a:ln>
+                <a:solidFill>
+                  <a:srgbClr val="000000"/>
+                </a:solidFill>
+                <a:effectLst/>
+                <a:latin typeface="Verdana" panose="020B0604030504040204" pitchFamily="34" charset="0"/>
+              </a:rPr>
+              <a:t>).  Licensed under a Creative Commons Attribution-</a:t>
+            </a:r>
+            <a:r>
+              <a:rPr lang="en-US" sz="1100" kern="1400" dirty="0" err="1">
+                <a:ln>
+                  <a:noFill/>
+                </a:ln>
+                <a:solidFill>
+                  <a:srgbClr val="000000"/>
+                </a:solidFill>
+                <a:effectLst/>
+                <a:latin typeface="Verdana" panose="020B0604030504040204" pitchFamily="34" charset="0"/>
+              </a:rPr>
+              <a:t>NonCommercial</a:t>
+            </a:r>
+            <a:r>
+              <a:rPr lang="en-US" sz="1100" kern="1400" dirty="0">
+                <a:ln>
+                  <a:noFill/>
+                </a:ln>
+                <a:solidFill>
+                  <a:srgbClr val="000000"/>
+                </a:solidFill>
+                <a:effectLst/>
+                <a:latin typeface="Verdana" panose="020B0604030504040204" pitchFamily="34" charset="0"/>
+              </a:rPr>
+              <a:t>-</a:t>
+            </a:r>
+            <a:r>
+              <a:rPr lang="en-US" sz="1100" kern="1400" dirty="0" err="1">
+                <a:ln>
+                  <a:noFill/>
+                </a:ln>
+                <a:solidFill>
+                  <a:srgbClr val="000000"/>
+                </a:solidFill>
+                <a:effectLst/>
+                <a:latin typeface="Verdana" panose="020B0604030504040204" pitchFamily="34" charset="0"/>
+              </a:rPr>
+              <a:t>ShareAlike</a:t>
+            </a:r>
+            <a:r>
+              <a:rPr lang="en-US" sz="1100" kern="1400" dirty="0">
+                <a:ln>
+                  <a:noFill/>
+                </a:ln>
+                <a:solidFill>
+                  <a:srgbClr val="000000"/>
+                </a:solidFill>
+                <a:effectLst/>
+                <a:latin typeface="Verdana" panose="020B0604030504040204" pitchFamily="34" charset="0"/>
+              </a:rPr>
+              <a:t> 4.0 International license.</a:t>
+            </a:r>
+            <a:endParaRPr lang="en-US" sz="1100" kern="1400" dirty="0">
+              <a:ln>
+                <a:noFill/>
+              </a:ln>
+              <a:solidFill>
+                <a:srgbClr val="000000"/>
+              </a:solidFill>
+              <a:effectLst/>
+              <a:latin typeface="Calibri" panose="020F0502020204030204" pitchFamily="34" charset="0"/>
+            </a:endParaRPr>
+          </a:p>
+          <a:p>
+            <a:pPr marL="0" marR="0" indent="0" algn="l">
+              <a:lnSpc>
+                <a:spcPct val="119000"/>
+              </a:lnSpc>
+              <a:spcBef>
+                <a:spcPts val="0"/>
+              </a:spcBef>
+              <a:spcAft>
+                <a:spcPts val="600"/>
+              </a:spcAft>
+            </a:pPr>
+            <a:r>
+              <a:rPr lang="en-US" sz="1800" kern="1400" dirty="0">
+                <a:ln>
+                  <a:noFill/>
+                </a:ln>
+                <a:solidFill>
+                  <a:srgbClr val="000000"/>
+                </a:solidFill>
+                <a:effectLst/>
+                <a:latin typeface="Calibri" panose="020F0502020204030204" pitchFamily="34" charset="0"/>
+              </a:rPr>
+              <a:t> </a:t>
+            </a:r>
           </a:p>
         </p:txBody>
       </p:sp>
@@ -7218,7 +5655,9 @@
           </a:xfrm>
         </p:spPr>
         <p:txBody>
-          <a:bodyPr/>
+          <a:bodyPr>
+            <a:normAutofit fontScale="90000"/>
+          </a:bodyPr>
           <a:lstStyle/>
           <a:p>
             <a:r>
@@ -7326,106 +5765,6 @@
                 </a:solidFill>
               </a:rPr>
               <a:t>How to fix it?</a:t>
-            </a:r>
-          </a:p>
-        </p:txBody>
-      </p:sp>
-      <p:sp>
-        <p:nvSpPr>
-          <p:cNvPr id="6" name="TextBox 5"/>
-          <p:cNvSpPr txBox="1"/>
-          <p:nvPr/>
-        </p:nvSpPr>
-        <p:spPr>
-          <a:xfrm>
-            <a:off x="7467600" y="1519298"/>
-            <a:ext cx="2895600" cy="2431435"/>
-          </a:xfrm>
-          <a:prstGeom prst="rect">
-            <a:avLst/>
-          </a:prstGeom>
-          <a:noFill/>
-          <a:ln w="25400">
-            <a:solidFill>
-              <a:srgbClr val="FFFF00"/>
-            </a:solidFill>
-          </a:ln>
-        </p:spPr>
-        <p:txBody>
-          <a:bodyPr wrap="square" rtlCol="0">
-            <a:spAutoFit/>
-          </a:bodyPr>
-          <a:lstStyle/>
-          <a:p>
-            <a:pPr>
-              <a:lnSpc>
-                <a:spcPct val="95000"/>
-              </a:lnSpc>
-            </a:pPr>
-            <a:r>
-              <a:rPr lang="en-US" sz="3200" dirty="0">
-                <a:solidFill>
-                  <a:srgbClr val="FFFF00"/>
-                </a:solidFill>
-              </a:rPr>
-              <a:t>The car of the </a:t>
-            </a:r>
-            <a:r>
-              <a:rPr lang="en-US" sz="3200" b="1" dirty="0" err="1">
-                <a:solidFill>
-                  <a:srgbClr val="FFFF00"/>
-                </a:solidFill>
-              </a:rPr>
-              <a:t>stk</a:t>
-            </a:r>
-            <a:r>
-              <a:rPr lang="en-US" sz="3200" dirty="0">
-                <a:solidFill>
-                  <a:srgbClr val="FFFF00"/>
-                </a:solidFill>
-              </a:rPr>
-              <a:t> list contains the top of the stack</a:t>
-            </a:r>
-          </a:p>
-        </p:txBody>
-      </p:sp>
-      <p:sp>
-        <p:nvSpPr>
-          <p:cNvPr id="7" name="TextBox 6"/>
-          <p:cNvSpPr txBox="1"/>
-          <p:nvPr/>
-        </p:nvSpPr>
-        <p:spPr>
-          <a:xfrm>
-            <a:off x="7483642" y="3998656"/>
-            <a:ext cx="2879558" cy="2554545"/>
-          </a:xfrm>
-          <a:prstGeom prst="rect">
-            <a:avLst/>
-          </a:prstGeom>
-          <a:noFill/>
-          <a:ln w="25400">
-            <a:solidFill>
-              <a:srgbClr val="FFFF00"/>
-            </a:solidFill>
-          </a:ln>
-        </p:spPr>
-        <p:txBody>
-          <a:bodyPr wrap="square" rtlCol="0">
-            <a:spAutoFit/>
-          </a:bodyPr>
-          <a:lstStyle/>
-          <a:p>
-            <a:r>
-              <a:rPr lang="en-US" sz="3200" dirty="0">
-                <a:solidFill>
-                  <a:schemeClr val="accent3">
-                    <a:lumMod val="40000"/>
-                    <a:lumOff val="60000"/>
-                  </a:schemeClr>
-                </a:solidFill>
-              </a:rPr>
-              <a:t>This code contains a subtle error.  Can you see what it is?</a:t>
             </a:r>
           </a:p>
         </p:txBody>
@@ -7894,7 +6233,9 @@
           </a:xfrm>
         </p:spPr>
         <p:txBody>
-          <a:bodyPr/>
+          <a:bodyPr>
+            <a:normAutofit fontScale="92500" lnSpcReduction="10000"/>
+          </a:bodyPr>
           <a:lstStyle/>
           <a:p>
             <a:pPr>
@@ -8105,429 +6446,6 @@
   <p:clrMapOvr>
     <a:masterClrMapping/>
   </p:clrMapOvr>
-</p:sld>
-</file>
-
-<file path=ppt/slides/slide14.xml><?xml version="1.0" encoding="utf-8"?>
-<p:sld xmlns:a="http://schemas.openxmlformats.org/drawingml/2006/main" xmlns:r="http://schemas.openxmlformats.org/officeDocument/2006/relationships" xmlns:p="http://schemas.openxmlformats.org/presentationml/2006/main">
-  <p:cSld>
-    <p:spTree>
-      <p:nvGrpSpPr>
-        <p:cNvPr id="1" name=""/>
-        <p:cNvGrpSpPr/>
-        <p:nvPr/>
-      </p:nvGrpSpPr>
-      <p:grpSpPr>
-        <a:xfrm>
-          <a:off x="0" y="0"/>
-          <a:ext cx="0" cy="0"/>
-          <a:chOff x="0" y="0"/>
-          <a:chExt cx="0" cy="0"/>
-        </a:xfrm>
-      </p:grpSpPr>
-      <p:sp>
-        <p:nvSpPr>
-          <p:cNvPr id="423938" name="Rectangle 2"/>
-          <p:cNvSpPr>
-            <a:spLocks noGrp="1" noChangeArrowheads="1"/>
-          </p:cNvSpPr>
-          <p:nvPr>
-            <p:ph type="title"/>
-          </p:nvPr>
-        </p:nvSpPr>
-        <p:spPr>
-          <a:xfrm>
-            <a:off x="1981200" y="277813"/>
-            <a:ext cx="8229600" cy="488950"/>
-          </a:xfrm>
-        </p:spPr>
-        <p:txBody>
-          <a:bodyPr/>
-          <a:lstStyle/>
-          <a:p>
-            <a:r>
-              <a:rPr lang="en-US" sz="4000" b="1"/>
-              <a:t>Interlude</a:t>
-            </a:r>
-            <a:endParaRPr lang="en-US" sz="4000"/>
-          </a:p>
-        </p:txBody>
-      </p:sp>
-      <p:pic>
-        <p:nvPicPr>
-          <p:cNvPr id="423939" name="Picture 3" descr="recursion-psychiatrist"/>
-          <p:cNvPicPr>
-            <a:picLocks noGrp="1" noChangeAspect="1" noChangeArrowheads="1"/>
-          </p:cNvPicPr>
-          <p:nvPr>
-            <p:ph idx="1"/>
-          </p:nvPr>
-        </p:nvPicPr>
-        <p:blipFill>
-          <a:blip r:embed="rId2" cstate="print"/>
-          <a:srcRect/>
-          <a:stretch>
-            <a:fillRect/>
-          </a:stretch>
-        </p:blipFill>
-        <p:spPr>
-          <a:xfrm>
-            <a:off x="3295651" y="990600"/>
-            <a:ext cx="5146675" cy="5867400"/>
-          </a:xfrm>
-          <a:noFill/>
-          <a:ln/>
-        </p:spPr>
-      </p:pic>
-    </p:spTree>
-  </p:cSld>
-  <p:clrMapOvr>
-    <a:masterClrMapping/>
-  </p:clrMapOvr>
-</p:sld>
-</file>
-
-<file path=ppt/slides/slide15.xml><?xml version="1.0" encoding="utf-8"?>
-<p:sld xmlns:a="http://schemas.openxmlformats.org/drawingml/2006/main" xmlns:r="http://schemas.openxmlformats.org/officeDocument/2006/relationships" xmlns:p="http://schemas.openxmlformats.org/presentationml/2006/main" show="0">
-  <p:cSld>
-    <p:spTree>
-      <p:nvGrpSpPr>
-        <p:cNvPr id="1" name=""/>
-        <p:cNvGrpSpPr/>
-        <p:nvPr/>
-      </p:nvGrpSpPr>
-      <p:grpSpPr>
-        <a:xfrm>
-          <a:off x="0" y="0"/>
-          <a:ext cx="0" cy="0"/>
-          <a:chOff x="0" y="0"/>
-          <a:chExt cx="0" cy="0"/>
-        </a:xfrm>
-      </p:grpSpPr>
-      <p:sp>
-        <p:nvSpPr>
-          <p:cNvPr id="2" name="Title 1">
-            <a:extLst>
-              <a:ext uri="{FF2B5EF4-FFF2-40B4-BE49-F238E27FC236}">
-                <a16:creationId xmlns:a16="http://schemas.microsoft.com/office/drawing/2014/main" id="{9E87B53D-BE8B-4A8B-9CB3-BC5A7A75B77B}"/>
-              </a:ext>
-            </a:extLst>
-          </p:cNvPr>
-          <p:cNvSpPr>
-            <a:spLocks noGrp="1"/>
-          </p:cNvSpPr>
-          <p:nvPr>
-            <p:ph type="title"/>
-          </p:nvPr>
-        </p:nvSpPr>
-        <p:spPr>
-          <a:xfrm>
-            <a:off x="609600" y="-152400"/>
-            <a:ext cx="10972800" cy="1139825"/>
-          </a:xfrm>
-        </p:spPr>
-        <p:txBody>
-          <a:bodyPr/>
-          <a:lstStyle/>
-          <a:p>
-            <a:r>
-              <a:rPr lang="en-US" dirty="0"/>
-              <a:t>An “ArrayList” class</a:t>
-            </a:r>
-          </a:p>
-        </p:txBody>
-      </p:sp>
-      <p:sp>
-        <p:nvSpPr>
-          <p:cNvPr id="3" name="Content Placeholder 2">
-            <a:extLst>
-              <a:ext uri="{FF2B5EF4-FFF2-40B4-BE49-F238E27FC236}">
-                <a16:creationId xmlns:a16="http://schemas.microsoft.com/office/drawing/2014/main" id="{E3667E5F-D3A5-434E-A0B1-A21442854105}"/>
-              </a:ext>
-            </a:extLst>
-          </p:cNvPr>
-          <p:cNvSpPr>
-            <a:spLocks noGrp="1"/>
-          </p:cNvSpPr>
-          <p:nvPr>
-            <p:ph idx="1"/>
-          </p:nvPr>
-        </p:nvSpPr>
-        <p:spPr>
-          <a:xfrm>
-            <a:off x="609600" y="803275"/>
-            <a:ext cx="10972800" cy="4530725"/>
-          </a:xfrm>
-        </p:spPr>
-        <p:txBody>
-          <a:bodyPr/>
-          <a:lstStyle/>
-          <a:p>
-            <a:r>
-              <a:rPr lang="en-US" dirty="0"/>
-              <a:t>Let’s make a class that has some of the functionality of the Java ArrayList class.</a:t>
-            </a:r>
-          </a:p>
-          <a:p>
-            <a:r>
-              <a:rPr lang="en-US" dirty="0"/>
-              <a:t>For starters: implement constructor, (add obj), (add obj n)</a:t>
-            </a:r>
-          </a:p>
-          <a:p>
-            <a:r>
-              <a:rPr lang="en-US" dirty="0"/>
-              <a:t>Needed fields?             Initial values? </a:t>
-            </a:r>
-            <a:br>
-              <a:rPr lang="en-US" dirty="0"/>
-            </a:br>
-            <a:endParaRPr lang="en-US" dirty="0"/>
-          </a:p>
-          <a:p>
-            <a:r>
-              <a:rPr lang="en-US" dirty="0"/>
-              <a:t>What to do when there’s no </a:t>
-            </a:r>
-            <a:br>
-              <a:rPr lang="en-US" dirty="0"/>
-            </a:br>
-            <a:r>
-              <a:rPr lang="en-US" dirty="0"/>
-              <a:t>room to add another object?</a:t>
-            </a:r>
-          </a:p>
-          <a:p>
-            <a:r>
-              <a:rPr lang="en-US" dirty="0"/>
-              <a:t>Let’s write some code!                  </a:t>
-            </a:r>
-          </a:p>
-          <a:p>
-            <a:pPr marL="0" indent="0">
-              <a:buNone/>
-            </a:pPr>
-            <a:endParaRPr lang="en-US" dirty="0"/>
-          </a:p>
-        </p:txBody>
-      </p:sp>
-      <p:pic>
-        <p:nvPicPr>
-          <p:cNvPr id="4" name="Picture 3">
-            <a:extLst>
-              <a:ext uri="{FF2B5EF4-FFF2-40B4-BE49-F238E27FC236}">
-                <a16:creationId xmlns:a16="http://schemas.microsoft.com/office/drawing/2014/main" id="{B5E8D73A-053D-4846-834C-DF3D157644D0}"/>
-              </a:ext>
-            </a:extLst>
-          </p:cNvPr>
-          <p:cNvPicPr>
-            <a:picLocks noChangeAspect="1"/>
-          </p:cNvPicPr>
-          <p:nvPr/>
-        </p:nvPicPr>
-        <p:blipFill>
-          <a:blip r:embed="rId2"/>
-          <a:stretch>
-            <a:fillRect/>
-          </a:stretch>
-        </p:blipFill>
-        <p:spPr>
-          <a:xfrm>
-            <a:off x="5263342" y="4800600"/>
-            <a:ext cx="6754469" cy="1939926"/>
-          </a:xfrm>
-          <a:prstGeom prst="rect">
-            <a:avLst/>
-          </a:prstGeom>
-        </p:spPr>
-      </p:pic>
-    </p:spTree>
-    <p:extLst>
-      <p:ext uri="{BB962C8B-B14F-4D97-AF65-F5344CB8AC3E}">
-        <p14:creationId xmlns:p14="http://schemas.microsoft.com/office/powerpoint/2010/main" val="3432424597"/>
-      </p:ext>
-    </p:extLst>
-  </p:cSld>
-  <p:clrMapOvr>
-    <a:masterClrMapping/>
-  </p:clrMapOvr>
-  <p:timing>
-    <p:tnLst>
-      <p:par>
-        <p:cTn id="1" dur="indefinite" restart="never" nodeType="tmRoot">
-          <p:childTnLst>
-            <p:seq concurrent="1" nextAc="seek">
-              <p:cTn id="2" dur="indefinite" nodeType="mainSeq">
-                <p:childTnLst>
-                  <p:par>
-                    <p:cTn id="3" fill="hold">
-                      <p:stCondLst>
-                        <p:cond delay="indefinite"/>
-                      </p:stCondLst>
-                      <p:childTnLst>
-                        <p:par>
-                          <p:cTn id="4" fill="hold">
-                            <p:stCondLst>
-                              <p:cond delay="0"/>
-                            </p:stCondLst>
-                            <p:childTnLst>
-                              <p:par>
-                                <p:cTn id="5" presetID="1" presetClass="entr" presetSubtype="0" fill="hold" nodeType="clickEffect">
-                                  <p:stCondLst>
-                                    <p:cond delay="0"/>
-                                  </p:stCondLst>
-                                  <p:childTnLst>
-                                    <p:set>
-                                      <p:cBhvr>
-                                        <p:cTn id="6" dur="1" fill="hold">
-                                          <p:stCondLst>
-                                            <p:cond delay="0"/>
-                                          </p:stCondLst>
-                                        </p:cTn>
-                                        <p:tgtEl>
-                                          <p:spTgt spid="3">
-                                            <p:txEl>
-                                              <p:pRg st="2" end="2"/>
-                                            </p:txEl>
-                                          </p:spTgt>
-                                        </p:tgtEl>
-                                        <p:attrNameLst>
-                                          <p:attrName>style.visibility</p:attrName>
-                                        </p:attrNameLst>
-                                      </p:cBhvr>
-                                      <p:to>
-                                        <p:strVal val="visible"/>
-                                      </p:to>
-                                    </p:set>
-                                  </p:childTnLst>
-                                </p:cTn>
-                              </p:par>
-                            </p:childTnLst>
-                          </p:cTn>
-                        </p:par>
-                      </p:childTnLst>
-                    </p:cTn>
-                  </p:par>
-                  <p:par>
-                    <p:cTn id="7" fill="hold">
-                      <p:stCondLst>
-                        <p:cond delay="indefinite"/>
-                      </p:stCondLst>
-                      <p:childTnLst>
-                        <p:par>
-                          <p:cTn id="8" fill="hold">
-                            <p:stCondLst>
-                              <p:cond delay="0"/>
-                            </p:stCondLst>
-                            <p:childTnLst>
-                              <p:par>
-                                <p:cTn id="9" presetID="1" presetClass="entr" presetSubtype="0" fill="hold" nodeType="clickEffect">
-                                  <p:stCondLst>
-                                    <p:cond delay="0"/>
-                                  </p:stCondLst>
-                                  <p:childTnLst>
-                                    <p:set>
-                                      <p:cBhvr>
-                                        <p:cTn id="10" dur="1" fill="hold">
-                                          <p:stCondLst>
-                                            <p:cond delay="0"/>
-                                          </p:stCondLst>
-                                        </p:cTn>
-                                        <p:tgtEl>
-                                          <p:spTgt spid="3">
-                                            <p:txEl>
-                                              <p:pRg st="3" end="3"/>
-                                            </p:txEl>
-                                          </p:spTgt>
-                                        </p:tgtEl>
-                                        <p:attrNameLst>
-                                          <p:attrName>style.visibility</p:attrName>
-                                        </p:attrNameLst>
-                                      </p:cBhvr>
-                                      <p:to>
-                                        <p:strVal val="visible"/>
-                                      </p:to>
-                                    </p:set>
-                                  </p:childTnLst>
-                                </p:cTn>
-                              </p:par>
-                            </p:childTnLst>
-                          </p:cTn>
-                        </p:par>
-                      </p:childTnLst>
-                    </p:cTn>
-                  </p:par>
-                  <p:par>
-                    <p:cTn id="11" fill="hold">
-                      <p:stCondLst>
-                        <p:cond delay="indefinite"/>
-                      </p:stCondLst>
-                      <p:childTnLst>
-                        <p:par>
-                          <p:cTn id="12" fill="hold">
-                            <p:stCondLst>
-                              <p:cond delay="0"/>
-                            </p:stCondLst>
-                            <p:childTnLst>
-                              <p:par>
-                                <p:cTn id="13" presetID="1" presetClass="entr" presetSubtype="0" fill="hold" nodeType="clickEffect">
-                                  <p:stCondLst>
-                                    <p:cond delay="0"/>
-                                  </p:stCondLst>
-                                  <p:childTnLst>
-                                    <p:set>
-                                      <p:cBhvr>
-                                        <p:cTn id="14" dur="1" fill="hold">
-                                          <p:stCondLst>
-                                            <p:cond delay="0"/>
-                                          </p:stCondLst>
-                                        </p:cTn>
-                                        <p:tgtEl>
-                                          <p:spTgt spid="3">
-                                            <p:txEl>
-                                              <p:pRg st="4" end="4"/>
-                                            </p:txEl>
-                                          </p:spTgt>
-                                        </p:tgtEl>
-                                        <p:attrNameLst>
-                                          <p:attrName>style.visibility</p:attrName>
-                                        </p:attrNameLst>
-                                      </p:cBhvr>
-                                      <p:to>
-                                        <p:strVal val="visible"/>
-                                      </p:to>
-                                    </p:set>
-                                  </p:childTnLst>
-                                </p:cTn>
-                              </p:par>
-                            </p:childTnLst>
-                          </p:cTn>
-                        </p:par>
-                      </p:childTnLst>
-                    </p:cTn>
-                  </p:par>
-                </p:childTnLst>
-              </p:cTn>
-              <p:prevCondLst>
-                <p:cond evt="onPrev" delay="0">
-                  <p:tgtEl>
-                    <p:sldTgt/>
-                  </p:tgtEl>
-                </p:cond>
-              </p:prevCondLst>
-              <p:nextCondLst>
-                <p:cond evt="onNext" delay="0">
-                  <p:tgtEl>
-                    <p:sldTgt/>
-                  </p:tgtEl>
-                </p:cond>
-              </p:nextCondLst>
-            </p:seq>
-          </p:childTnLst>
-        </p:cTn>
-      </p:par>
-    </p:tnLst>
-  </p:timing>
 </p:sld>
 </file>
 
@@ -8770,7 +6688,7 @@
           <a:p>
             <a:r>
               <a:rPr lang="en-US" dirty="0"/>
-              <a:t>More mysterious</a:t>
+              <a:t>More mysterious (live coding)</a:t>
             </a:r>
           </a:p>
         </p:txBody>
@@ -8965,17 +6883,19 @@
         </p:nvSpPr>
         <p:spPr>
           <a:xfrm>
-            <a:off x="2209800" y="0"/>
+            <a:off x="2209800" y="304800"/>
             <a:ext cx="7772400" cy="1066800"/>
           </a:xfrm>
         </p:spPr>
         <p:txBody>
-          <a:bodyPr/>
+          <a:bodyPr>
+            <a:normAutofit fontScale="90000"/>
+          </a:bodyPr>
           <a:lstStyle/>
           <a:p>
             <a:r>
               <a:rPr lang="en-US" dirty="0"/>
-              <a:t>Let’s take it further</a:t>
+              <a:t>Let’s take it further (solve it in the class materials)</a:t>
             </a:r>
           </a:p>
         </p:txBody>
@@ -9170,7 +7090,9 @@
           </a:xfrm>
         </p:spPr>
         <p:txBody>
-          <a:bodyPr/>
+          <a:bodyPr>
+            <a:normAutofit fontScale="92500" lnSpcReduction="10000"/>
+          </a:bodyPr>
           <a:lstStyle/>
           <a:p>
             <a:pPr marL="0" indent="0">
@@ -9279,7 +7201,9 @@
           </a:xfrm>
         </p:spPr>
         <p:txBody>
-          <a:bodyPr/>
+          <a:bodyPr>
+            <a:normAutofit fontScale="92500" lnSpcReduction="10000"/>
+          </a:bodyPr>
           <a:lstStyle/>
           <a:p>
             <a:pPr marL="0" indent="0">
@@ -9597,7 +7521,9 @@
           </a:xfrm>
         </p:spPr>
         <p:txBody>
-          <a:bodyPr/>
+          <a:bodyPr>
+            <a:normAutofit fontScale="90000"/>
+          </a:bodyPr>
           <a:lstStyle/>
           <a:p>
             <a:r>
@@ -9718,7 +7644,7 @@
         <p:spPr>
           <a:xfrm>
             <a:off x="7467600" y="1519298"/>
-            <a:ext cx="2895600" cy="2431435"/>
+            <a:ext cx="2895600" cy="1963614"/>
           </a:xfrm>
           <a:prstGeom prst="rect">
             <a:avLst/>
@@ -9726,7 +7652,10 @@
           <a:noFill/>
           <a:ln w="25400">
             <a:solidFill>
-              <a:srgbClr val="FFFF00"/>
+              <a:schemeClr val="tx2">
+                <a:lumMod val="25000"/>
+                <a:lumOff val="75000"/>
+              </a:schemeClr>
             </a:solidFill>
           </a:ln>
         </p:spPr>
@@ -9742,27 +7671,15 @@
               </a:lnSpc>
             </a:pPr>
             <a:r>
-              <a:rPr lang="en-US" sz="3200" dirty="0">
-                <a:solidFill>
-                  <a:srgbClr val="FFFF00"/>
-                </a:solidFill>
-              </a:rPr>
+              <a:rPr lang="en-US" sz="3200" dirty="0"/>
               <a:t>The car of the </a:t>
             </a:r>
             <a:r>
-              <a:rPr lang="en-US" sz="3200" b="1" dirty="0" err="1">
-                <a:solidFill>
-                  <a:srgbClr val="FFFF00"/>
-                </a:solidFill>
-              </a:rPr>
+              <a:rPr lang="en-US" sz="3200" b="1" dirty="0" err="1"/>
               <a:t>stk</a:t>
             </a:r>
             <a:r>
-              <a:rPr lang="en-US" sz="3200" dirty="0">
-                <a:solidFill>
-                  <a:srgbClr val="FFFF00"/>
-                </a:solidFill>
-              </a:rPr>
+              <a:rPr lang="en-US" sz="3200" dirty="0"/>
               <a:t> list contains the top of the stack</a:t>
             </a:r>
           </a:p>
@@ -9785,7 +7702,10 @@
           <a:noFill/>
           <a:ln w="25400">
             <a:solidFill>
-              <a:srgbClr val="FFFF00"/>
+              <a:schemeClr val="tx2">
+                <a:lumMod val="25000"/>
+                <a:lumOff val="75000"/>
+              </a:schemeClr>
             </a:solidFill>
           </a:ln>
         </p:spPr>
@@ -9796,14 +7716,7 @@
           <a:lstStyle/>
           <a:p>
             <a:r>
-              <a:rPr lang="en-US" sz="3200" dirty="0">
-                <a:solidFill>
-                  <a:schemeClr val="accent3">
-                    <a:lumMod val="40000"/>
-                    <a:lumOff val="60000"/>
-                  </a:schemeClr>
-                </a:solidFill>
-              </a:rPr>
+              <a:rPr lang="en-US" sz="3200" dirty="0"/>
               <a:t>This code contains a subtle error.  Can you see what it is?</a:t>
             </a:r>
           </a:p>
@@ -9901,56 +7814,150 @@
 </file>
 
 <file path=ppt/theme/theme1.xml><?xml version="1.0" encoding="utf-8"?>
-<a:theme xmlns:a="http://schemas.openxmlformats.org/drawingml/2006/main" name="Orbit">
+<a:theme xmlns:a="http://schemas.openxmlformats.org/drawingml/2006/main" name="Office Theme">
   <a:themeElements>
-    <a:clrScheme name="Orbit 1">
+    <a:clrScheme name="Office">
       <a:dk1>
-        <a:srgbClr val="010199"/>
+        <a:sysClr val="windowText" lastClr="000000"/>
       </a:dk1>
       <a:lt1>
-        <a:srgbClr val="FFFFFF"/>
+        <a:sysClr val="window" lastClr="FFFFFF"/>
       </a:lt1>
       <a:dk2>
-        <a:srgbClr val="000000"/>
+        <a:srgbClr val="0E2841"/>
       </a:dk2>
       <a:lt2>
-        <a:srgbClr val="B2B2B2"/>
+        <a:srgbClr val="E8E8E8"/>
       </a:lt2>
       <a:accent1>
-        <a:srgbClr val="3399FF"/>
+        <a:srgbClr val="156082"/>
       </a:accent1>
       <a:accent2>
-        <a:srgbClr val="666699"/>
+        <a:srgbClr val="E97132"/>
       </a:accent2>
       <a:accent3>
-        <a:srgbClr val="AAAAAA"/>
+        <a:srgbClr val="196B24"/>
       </a:accent3>
       <a:accent4>
-        <a:srgbClr val="DADADA"/>
+        <a:srgbClr val="0F9ED5"/>
       </a:accent4>
       <a:accent5>
-        <a:srgbClr val="ADCAFF"/>
+        <a:srgbClr val="A02B93"/>
       </a:accent5>
       <a:accent6>
-        <a:srgbClr val="5C5C8A"/>
+        <a:srgbClr val="4EA72E"/>
       </a:accent6>
       <a:hlink>
-        <a:srgbClr val="FFFFCC"/>
+        <a:srgbClr val="467886"/>
       </a:hlink>
       <a:folHlink>
-        <a:srgbClr val="FFCC66"/>
+        <a:srgbClr val="96607D"/>
       </a:folHlink>
     </a:clrScheme>
-    <a:fontScheme name="Orbit">
+    <a:fontScheme name="Office">
       <a:majorFont>
-        <a:latin typeface="Arial"/>
+        <a:latin typeface="Aptos Display" panose="02110004020202020204"/>
         <a:ea typeface=""/>
         <a:cs typeface=""/>
+        <a:font script="Jpan" typeface="游ゴシック Light"/>
+        <a:font script="Hang" typeface="맑은 고딕"/>
+        <a:font script="Hans" typeface="等线 Light"/>
+        <a:font script="Hant" typeface="新細明體"/>
+        <a:font script="Arab" typeface="Times New Roman"/>
+        <a:font script="Hebr" typeface="Times New Roman"/>
+        <a:font script="Thai" typeface="Angsana New"/>
+        <a:font script="Ethi" typeface="Nyala"/>
+        <a:font script="Beng" typeface="Vrinda"/>
+        <a:font script="Gujr" typeface="Shruti"/>
+        <a:font script="Khmr" typeface="MoolBoran"/>
+        <a:font script="Knda" typeface="Tunga"/>
+        <a:font script="Guru" typeface="Raavi"/>
+        <a:font script="Cans" typeface="Euphemia"/>
+        <a:font script="Cher" typeface="Plantagenet Cherokee"/>
+        <a:font script="Yiii" typeface="Microsoft Yi Baiti"/>
+        <a:font script="Tibt" typeface="Microsoft Himalaya"/>
+        <a:font script="Thaa" typeface="MV Boli"/>
+        <a:font script="Deva" typeface="Mangal"/>
+        <a:font script="Telu" typeface="Gautami"/>
+        <a:font script="Taml" typeface="Latha"/>
+        <a:font script="Syrc" typeface="Estrangelo Edessa"/>
+        <a:font script="Orya" typeface="Kalinga"/>
+        <a:font script="Mlym" typeface="Kartika"/>
+        <a:font script="Laoo" typeface="DokChampa"/>
+        <a:font script="Sinh" typeface="Iskoola Pota"/>
+        <a:font script="Mong" typeface="Mongolian Baiti"/>
+        <a:font script="Viet" typeface="Times New Roman"/>
+        <a:font script="Uigh" typeface="Microsoft Uighur"/>
+        <a:font script="Geor" typeface="Sylfaen"/>
+        <a:font script="Armn" typeface="Arial"/>
+        <a:font script="Bugi" typeface="Leelawadee UI"/>
+        <a:font script="Bopo" typeface="Microsoft JhengHei"/>
+        <a:font script="Java" typeface="Javanese Text"/>
+        <a:font script="Lisu" typeface="Segoe UI"/>
+        <a:font script="Mymr" typeface="Myanmar Text"/>
+        <a:font script="Nkoo" typeface="Ebrima"/>
+        <a:font script="Olck" typeface="Nirmala UI"/>
+        <a:font script="Osma" typeface="Ebrima"/>
+        <a:font script="Phag" typeface="Phagspa"/>
+        <a:font script="Syrn" typeface="Estrangelo Edessa"/>
+        <a:font script="Syrj" typeface="Estrangelo Edessa"/>
+        <a:font script="Syre" typeface="Estrangelo Edessa"/>
+        <a:font script="Sora" typeface="Nirmala UI"/>
+        <a:font script="Tale" typeface="Microsoft Tai Le"/>
+        <a:font script="Talu" typeface="Microsoft New Tai Lue"/>
+        <a:font script="Tfng" typeface="Ebrima"/>
       </a:majorFont>
       <a:minorFont>
-        <a:latin typeface="Arial"/>
+        <a:latin typeface="Aptos" panose="02110004020202020204"/>
         <a:ea typeface=""/>
         <a:cs typeface=""/>
+        <a:font script="Jpan" typeface="游ゴシック"/>
+        <a:font script="Hang" typeface="맑은 고딕"/>
+        <a:font script="Hans" typeface="等线"/>
+        <a:font script="Hant" typeface="新細明體"/>
+        <a:font script="Arab" typeface="Arial"/>
+        <a:font script="Hebr" typeface="Arial"/>
+        <a:font script="Thai" typeface="Cordia New"/>
+        <a:font script="Ethi" typeface="Nyala"/>
+        <a:font script="Beng" typeface="Vrinda"/>
+        <a:font script="Gujr" typeface="Shruti"/>
+        <a:font script="Khmr" typeface="DaunPenh"/>
+        <a:font script="Knda" typeface="Tunga"/>
+        <a:font script="Guru" typeface="Raavi"/>
+        <a:font script="Cans" typeface="Euphemia"/>
+        <a:font script="Cher" typeface="Plantagenet Cherokee"/>
+        <a:font script="Yiii" typeface="Microsoft Yi Baiti"/>
+        <a:font script="Tibt" typeface="Microsoft Himalaya"/>
+        <a:font script="Thaa" typeface="MV Boli"/>
+        <a:font script="Deva" typeface="Mangal"/>
+        <a:font script="Telu" typeface="Gautami"/>
+        <a:font script="Taml" typeface="Latha"/>
+        <a:font script="Syrc" typeface="Estrangelo Edessa"/>
+        <a:font script="Orya" typeface="Kalinga"/>
+        <a:font script="Mlym" typeface="Kartika"/>
+        <a:font script="Laoo" typeface="DokChampa"/>
+        <a:font script="Sinh" typeface="Iskoola Pota"/>
+        <a:font script="Mong" typeface="Mongolian Baiti"/>
+        <a:font script="Viet" typeface="Arial"/>
+        <a:font script="Uigh" typeface="Microsoft Uighur"/>
+        <a:font script="Geor" typeface="Sylfaen"/>
+        <a:font script="Armn" typeface="Arial"/>
+        <a:font script="Bugi" typeface="Leelawadee UI"/>
+        <a:font script="Bopo" typeface="Microsoft JhengHei"/>
+        <a:font script="Java" typeface="Javanese Text"/>
+        <a:font script="Lisu" typeface="Segoe UI"/>
+        <a:font script="Mymr" typeface="Myanmar Text"/>
+        <a:font script="Nkoo" typeface="Ebrima"/>
+        <a:font script="Olck" typeface="Nirmala UI"/>
+        <a:font script="Osma" typeface="Ebrima"/>
+        <a:font script="Phag" typeface="Phagspa"/>
+        <a:font script="Syrn" typeface="Estrangelo Edessa"/>
+        <a:font script="Syrj" typeface="Estrangelo Edessa"/>
+        <a:font script="Syre" typeface="Estrangelo Edessa"/>
+        <a:font script="Sora" typeface="Nirmala UI"/>
+        <a:font script="Tale" typeface="Microsoft Tai Le"/>
+        <a:font script="Talu" typeface="Microsoft New Tai Lue"/>
+        <a:font script="Tfng" typeface="Ebrima"/>
       </a:minorFont>
     </a:fontScheme>
     <a:fmtScheme name="Office">
@@ -9962,661 +7969,162 @@
           <a:gsLst>
             <a:gs pos="0">
               <a:schemeClr val="phClr">
-                <a:tint val="50000"/>
-                <a:satMod val="300000"/>
+                <a:lumMod val="110000"/>
+                <a:satMod val="105000"/>
+                <a:tint val="67000"/>
               </a:schemeClr>
             </a:gs>
-            <a:gs pos="35000">
+            <a:gs pos="50000">
               <a:schemeClr val="phClr">
-                <a:tint val="37000"/>
-                <a:satMod val="300000"/>
+                <a:lumMod val="105000"/>
+                <a:satMod val="103000"/>
+                <a:tint val="73000"/>
               </a:schemeClr>
             </a:gs>
             <a:gs pos="100000">
               <a:schemeClr val="phClr">
-                <a:tint val="15000"/>
-                <a:satMod val="350000"/>
+                <a:lumMod val="105000"/>
+                <a:satMod val="109000"/>
+                <a:tint val="81000"/>
               </a:schemeClr>
             </a:gs>
           </a:gsLst>
-          <a:lin ang="16200000" scaled="1"/>
+          <a:lin ang="5400000" scaled="0"/>
         </a:gradFill>
         <a:gradFill rotWithShape="1">
           <a:gsLst>
             <a:gs pos="0">
               <a:schemeClr val="phClr">
-                <a:shade val="51000"/>
-                <a:satMod val="130000"/>
+                <a:satMod val="103000"/>
+                <a:lumMod val="102000"/>
+                <a:tint val="94000"/>
               </a:schemeClr>
             </a:gs>
-            <a:gs pos="80000">
+            <a:gs pos="50000">
               <a:schemeClr val="phClr">
-                <a:shade val="93000"/>
-                <a:satMod val="130000"/>
+                <a:satMod val="110000"/>
+                <a:lumMod val="100000"/>
+                <a:shade val="100000"/>
               </a:schemeClr>
             </a:gs>
             <a:gs pos="100000">
               <a:schemeClr val="phClr">
-                <a:shade val="94000"/>
-                <a:satMod val="135000"/>
+                <a:lumMod val="99000"/>
+                <a:satMod val="120000"/>
+                <a:shade val="78000"/>
               </a:schemeClr>
             </a:gs>
           </a:gsLst>
-          <a:lin ang="16200000" scaled="0"/>
+          <a:lin ang="5400000" scaled="0"/>
         </a:gradFill>
       </a:fillStyleLst>
       <a:lnStyleLst>
-        <a:ln w="9525" cap="flat" cmpd="sng" algn="ctr">
+        <a:ln w="12700" cap="flat" cmpd="sng" algn="ctr">
           <a:solidFill>
-            <a:schemeClr val="phClr">
-              <a:shade val="95000"/>
-              <a:satMod val="105000"/>
-            </a:schemeClr>
+            <a:schemeClr val="phClr"/>
           </a:solidFill>
           <a:prstDash val="solid"/>
+          <a:miter lim="800000"/>
+        </a:ln>
+        <a:ln w="19050" cap="flat" cmpd="sng" algn="ctr">
+          <a:solidFill>
+            <a:schemeClr val="phClr"/>
+          </a:solidFill>
+          <a:prstDash val="solid"/>
+          <a:miter lim="800000"/>
         </a:ln>
         <a:ln w="25400" cap="flat" cmpd="sng" algn="ctr">
           <a:solidFill>
             <a:schemeClr val="phClr"/>
           </a:solidFill>
           <a:prstDash val="solid"/>
-        </a:ln>
-        <a:ln w="38100" cap="flat" cmpd="sng" algn="ctr">
-          <a:solidFill>
-            <a:schemeClr val="phClr"/>
-          </a:solidFill>
-          <a:prstDash val="solid"/>
+          <a:miter lim="800000"/>
         </a:ln>
       </a:lnStyleLst>
       <a:effectStyleLst>
         <a:effectStyle>
+          <a:effectLst/>
+        </a:effectStyle>
+        <a:effectStyle>
+          <a:effectLst/>
+        </a:effectStyle>
+        <a:effectStyle>
           <a:effectLst>
-            <a:outerShdw blurRad="40000" dist="20000" dir="5400000" rotWithShape="0">
+            <a:outerShdw blurRad="57150" dist="19050" dir="5400000" algn="ctr" rotWithShape="0">
               <a:srgbClr val="000000">
-                <a:alpha val="38000"/>
+                <a:alpha val="63000"/>
               </a:srgbClr>
             </a:outerShdw>
           </a:effectLst>
-        </a:effectStyle>
-        <a:effectStyle>
-          <a:effectLst>
-            <a:outerShdw blurRad="40000" dist="23000" dir="5400000" rotWithShape="0">
-              <a:srgbClr val="000000">
-                <a:alpha val="35000"/>
-              </a:srgbClr>
-            </a:outerShdw>
-          </a:effectLst>
-        </a:effectStyle>
-        <a:effectStyle>
-          <a:effectLst>
-            <a:outerShdw blurRad="40000" dist="23000" dir="5400000" rotWithShape="0">
-              <a:srgbClr val="000000">
-                <a:alpha val="35000"/>
-              </a:srgbClr>
-            </a:outerShdw>
-          </a:effectLst>
-          <a:scene3d>
-            <a:camera prst="orthographicFront">
-              <a:rot lat="0" lon="0" rev="0"/>
-            </a:camera>
-            <a:lightRig rig="threePt" dir="t">
-              <a:rot lat="0" lon="0" rev="1200000"/>
-            </a:lightRig>
-          </a:scene3d>
-          <a:sp3d>
-            <a:bevelT w="63500" h="25400"/>
-          </a:sp3d>
         </a:effectStyle>
       </a:effectStyleLst>
       <a:bgFillStyleLst>
         <a:solidFill>
           <a:schemeClr val="phClr"/>
         </a:solidFill>
+        <a:solidFill>
+          <a:schemeClr val="phClr">
+            <a:tint val="95000"/>
+            <a:satMod val="170000"/>
+          </a:schemeClr>
+        </a:solidFill>
         <a:gradFill rotWithShape="1">
           <a:gsLst>
             <a:gs pos="0">
               <a:schemeClr val="phClr">
-                <a:tint val="40000"/>
-                <a:satMod val="350000"/>
+                <a:tint val="93000"/>
+                <a:satMod val="150000"/>
+                <a:shade val="98000"/>
+                <a:lumMod val="102000"/>
               </a:schemeClr>
             </a:gs>
-            <a:gs pos="40000">
+            <a:gs pos="50000">
               <a:schemeClr val="phClr">
-                <a:tint val="45000"/>
-                <a:shade val="99000"/>
-                <a:satMod val="350000"/>
+                <a:tint val="98000"/>
+                <a:satMod val="130000"/>
+                <a:shade val="90000"/>
+                <a:lumMod val="103000"/>
               </a:schemeClr>
             </a:gs>
             <a:gs pos="100000">
               <a:schemeClr val="phClr">
-                <a:shade val="20000"/>
-                <a:satMod val="255000"/>
+                <a:shade val="63000"/>
+                <a:satMod val="120000"/>
               </a:schemeClr>
             </a:gs>
           </a:gsLst>
-          <a:path path="circle">
-            <a:fillToRect l="50000" t="-80000" r="50000" b="180000"/>
-          </a:path>
-        </a:gradFill>
-        <a:gradFill rotWithShape="1">
-          <a:gsLst>
-            <a:gs pos="0">
-              <a:schemeClr val="phClr">
-                <a:tint val="80000"/>
-                <a:satMod val="300000"/>
-              </a:schemeClr>
-            </a:gs>
-            <a:gs pos="100000">
-              <a:schemeClr val="phClr">
-                <a:shade val="30000"/>
-                <a:satMod val="200000"/>
-              </a:schemeClr>
-            </a:gs>
-          </a:gsLst>
-          <a:path path="circle">
-            <a:fillToRect l="50000" t="50000" r="50000" b="50000"/>
-          </a:path>
+          <a:lin ang="5400000" scaled="0"/>
         </a:gradFill>
       </a:bgFillStyleLst>
     </a:fmtScheme>
   </a:themeElements>
   <a:objectDefaults>
-    <a:spDef>
-      <a:spPr bwMode="auto">
-        <a:xfrm>
-          <a:off x="0" y="0"/>
-          <a:ext cx="1" cy="1"/>
-        </a:xfrm>
-        <a:custGeom>
-          <a:avLst/>
-          <a:gdLst/>
-          <a:ahLst/>
-          <a:cxnLst/>
-          <a:rect l="0" t="0" r="0" b="0"/>
-          <a:pathLst/>
-        </a:custGeom>
-        <a:solidFill>
+    <a:lnDef>
+      <a:spPr/>
+      <a:bodyPr/>
+      <a:lstStyle/>
+      <a:style>
+        <a:lnRef idx="2">
           <a:schemeClr val="accent1"/>
-        </a:solidFill>
-        <a:ln w="9525" cap="flat" cmpd="sng" algn="ctr">
-          <a:solidFill>
-            <a:schemeClr val="tx1"/>
-          </a:solidFill>
-          <a:prstDash val="solid"/>
-          <a:round/>
-          <a:headEnd type="none" w="med" len="med"/>
-          <a:tailEnd type="none" w="med" len="med"/>
-        </a:ln>
-        <a:effectLst/>
-      </a:spPr>
-      <a:bodyPr vert="horz" wrap="square" lIns="91440" tIns="45720" rIns="91440" bIns="45720" numCol="1" anchor="t" anchorCtr="0" compatLnSpc="1">
-        <a:prstTxWarp prst="textNoShape">
-          <a:avLst/>
-        </a:prstTxWarp>
-      </a:bodyPr>
-      <a:lstStyle>
-        <a:defPPr marL="0" marR="0" indent="0" algn="l" defTabSz="914400" rtl="0" eaLnBrk="0" fontAlgn="base" latinLnBrk="0" hangingPunct="0">
-          <a:lnSpc>
-            <a:spcPct val="100000"/>
-          </a:lnSpc>
-          <a:spcBef>
-            <a:spcPct val="0"/>
-          </a:spcBef>
-          <a:spcAft>
-            <a:spcPct val="0"/>
-          </a:spcAft>
-          <a:buClrTx/>
-          <a:buSzTx/>
-          <a:buFontTx/>
-          <a:buNone/>
-          <a:tabLst/>
-          <a:defRPr kumimoji="0" lang="en-US" sz="1800" b="0" i="0" u="none" strike="noStrike" cap="none" normalizeH="0" baseline="0" smtClean="0">
-            <a:ln>
-              <a:noFill/>
-            </a:ln>
-            <a:solidFill>
-              <a:schemeClr val="tx1"/>
-            </a:solidFill>
-            <a:effectLst/>
-            <a:latin typeface="Arial" charset="0"/>
-          </a:defRPr>
-        </a:defPPr>
-      </a:lstStyle>
-    </a:spDef>
-    <a:lnDef>
-      <a:spPr bwMode="auto">
-        <a:xfrm>
-          <a:off x="0" y="0"/>
-          <a:ext cx="1" cy="1"/>
-        </a:xfrm>
-        <a:custGeom>
-          <a:avLst/>
-          <a:gdLst/>
-          <a:ahLst/>
-          <a:cxnLst/>
-          <a:rect l="0" t="0" r="0" b="0"/>
-          <a:pathLst/>
-        </a:custGeom>
-        <a:solidFill>
+        </a:lnRef>
+        <a:fillRef idx="0">
           <a:schemeClr val="accent1"/>
-        </a:solidFill>
-        <a:ln w="9525" cap="flat" cmpd="sng" algn="ctr">
-          <a:solidFill>
-            <a:schemeClr val="tx1"/>
-          </a:solidFill>
-          <a:prstDash val="solid"/>
-          <a:round/>
-          <a:headEnd type="none" w="med" len="med"/>
-          <a:tailEnd type="none" w="med" len="med"/>
-        </a:ln>
-        <a:effectLst/>
-      </a:spPr>
-      <a:bodyPr vert="horz" wrap="square" lIns="91440" tIns="45720" rIns="91440" bIns="45720" numCol="1" anchor="t" anchorCtr="0" compatLnSpc="1">
-        <a:prstTxWarp prst="textNoShape">
-          <a:avLst/>
-        </a:prstTxWarp>
-      </a:bodyPr>
-      <a:lstStyle>
-        <a:defPPr marL="0" marR="0" indent="0" algn="l" defTabSz="914400" rtl="0" eaLnBrk="0" fontAlgn="base" latinLnBrk="0" hangingPunct="0">
-          <a:lnSpc>
-            <a:spcPct val="100000"/>
-          </a:lnSpc>
-          <a:spcBef>
-            <a:spcPct val="0"/>
-          </a:spcBef>
-          <a:spcAft>
-            <a:spcPct val="0"/>
-          </a:spcAft>
-          <a:buClrTx/>
-          <a:buSzTx/>
-          <a:buFontTx/>
-          <a:buNone/>
-          <a:tabLst/>
-          <a:defRPr kumimoji="0" lang="en-US" sz="1800" b="0" i="0" u="none" strike="noStrike" cap="none" normalizeH="0" baseline="0" smtClean="0">
-            <a:ln>
-              <a:noFill/>
-            </a:ln>
-            <a:solidFill>
-              <a:schemeClr val="tx1"/>
-            </a:solidFill>
-            <a:effectLst/>
-            <a:latin typeface="Arial" charset="0"/>
-          </a:defRPr>
-        </a:defPPr>
-      </a:lstStyle>
+        </a:fillRef>
+        <a:effectRef idx="1">
+          <a:schemeClr val="accent1"/>
+        </a:effectRef>
+        <a:fontRef idx="minor">
+          <a:schemeClr val="tx1"/>
+        </a:fontRef>
+      </a:style>
     </a:lnDef>
   </a:objectDefaults>
-  <a:extraClrSchemeLst>
-    <a:extraClrScheme>
-      <a:clrScheme name="Orbit 1">
-        <a:dk1>
-          <a:srgbClr val="010199"/>
-        </a:dk1>
-        <a:lt1>
-          <a:srgbClr val="FFFFFF"/>
-        </a:lt1>
-        <a:dk2>
-          <a:srgbClr val="000000"/>
-        </a:dk2>
-        <a:lt2>
-          <a:srgbClr val="B2B2B2"/>
-        </a:lt2>
-        <a:accent1>
-          <a:srgbClr val="3399FF"/>
-        </a:accent1>
-        <a:accent2>
-          <a:srgbClr val="666699"/>
-        </a:accent2>
-        <a:accent3>
-          <a:srgbClr val="AAAAAA"/>
-        </a:accent3>
-        <a:accent4>
-          <a:srgbClr val="DADADA"/>
-        </a:accent4>
-        <a:accent5>
-          <a:srgbClr val="ADCAFF"/>
-        </a:accent5>
-        <a:accent6>
-          <a:srgbClr val="5C5C8A"/>
-        </a:accent6>
-        <a:hlink>
-          <a:srgbClr val="FFFFCC"/>
-        </a:hlink>
-        <a:folHlink>
-          <a:srgbClr val="FFCC66"/>
-        </a:folHlink>
-      </a:clrScheme>
-      <a:clrMap bg1="dk2" tx1="lt1" bg2="dk1" tx2="lt2" accent1="accent1" accent2="accent2" accent3="accent3" accent4="accent4" accent5="accent5" accent6="accent6" hlink="hlink" folHlink="folHlink"/>
-    </a:extraClrScheme>
-    <a:extraClrScheme>
-      <a:clrScheme name="Orbit 2">
-        <a:dk1>
-          <a:srgbClr val="008000"/>
-        </a:dk1>
-        <a:lt1>
-          <a:srgbClr val="FFFFFF"/>
-        </a:lt1>
-        <a:dk2>
-          <a:srgbClr val="003300"/>
-        </a:dk2>
-        <a:lt2>
-          <a:srgbClr val="C0C0C0"/>
-        </a:lt2>
-        <a:accent1>
-          <a:srgbClr val="99CC00"/>
-        </a:accent1>
-        <a:accent2>
-          <a:srgbClr val="527C3A"/>
-        </a:accent2>
-        <a:accent3>
-          <a:srgbClr val="AAADAA"/>
-        </a:accent3>
-        <a:accent4>
-          <a:srgbClr val="DADADA"/>
-        </a:accent4>
-        <a:accent5>
-          <a:srgbClr val="CAE2AA"/>
-        </a:accent5>
-        <a:accent6>
-          <a:srgbClr val="497034"/>
-        </a:accent6>
-        <a:hlink>
-          <a:srgbClr val="33CC33"/>
-        </a:hlink>
-        <a:folHlink>
-          <a:srgbClr val="C1FF83"/>
-        </a:folHlink>
-      </a:clrScheme>
-      <a:clrMap bg1="dk2" tx1="lt1" bg2="dk1" tx2="lt2" accent1="accent1" accent2="accent2" accent3="accent3" accent4="accent4" accent5="accent5" accent6="accent6" hlink="hlink" folHlink="folHlink"/>
-    </a:extraClrScheme>
-    <a:extraClrScheme>
-      <a:clrScheme name="Orbit 3">
-        <a:dk1>
-          <a:srgbClr val="000066"/>
-        </a:dk1>
-        <a:lt1>
-          <a:srgbClr val="FFFFFF"/>
-        </a:lt1>
-        <a:dk2>
-          <a:srgbClr val="000099"/>
-        </a:dk2>
-        <a:lt2>
-          <a:srgbClr val="9FBFFF"/>
-        </a:lt2>
-        <a:accent1>
-          <a:srgbClr val="0099CC"/>
-        </a:accent1>
-        <a:accent2>
-          <a:srgbClr val="00CC66"/>
-        </a:accent2>
-        <a:accent3>
-          <a:srgbClr val="AAAACA"/>
-        </a:accent3>
-        <a:accent4>
-          <a:srgbClr val="DADADA"/>
-        </a:accent4>
-        <a:accent5>
-          <a:srgbClr val="AACAE2"/>
-        </a:accent5>
-        <a:accent6>
-          <a:srgbClr val="00B95C"/>
-        </a:accent6>
-        <a:hlink>
-          <a:srgbClr val="00FFFF"/>
-        </a:hlink>
-        <a:folHlink>
-          <a:srgbClr val="CDE6FF"/>
-        </a:folHlink>
-      </a:clrScheme>
-      <a:clrMap bg1="dk2" tx1="lt1" bg2="dk1" tx2="lt2" accent1="accent1" accent2="accent2" accent3="accent3" accent4="accent4" accent5="accent5" accent6="accent6" hlink="hlink" folHlink="folHlink"/>
-    </a:extraClrScheme>
-    <a:extraClrScheme>
-      <a:clrScheme name="Orbit 4">
-        <a:dk1>
-          <a:srgbClr val="00ACA8"/>
-        </a:dk1>
-        <a:lt1>
-          <a:srgbClr val="FFFFFF"/>
-        </a:lt1>
-        <a:dk2>
-          <a:srgbClr val="006666"/>
-        </a:dk2>
-        <a:lt2>
-          <a:srgbClr val="FFFF99"/>
-        </a:lt2>
-        <a:accent1>
-          <a:srgbClr val="0099CC"/>
-        </a:accent1>
-        <a:accent2>
-          <a:srgbClr val="6D6FC7"/>
-        </a:accent2>
-        <a:accent3>
-          <a:srgbClr val="AAB8B8"/>
-        </a:accent3>
-        <a:accent4>
-          <a:srgbClr val="DADADA"/>
-        </a:accent4>
-        <a:accent5>
-          <a:srgbClr val="AACAE2"/>
-        </a:accent5>
-        <a:accent6>
-          <a:srgbClr val="6264B4"/>
-        </a:accent6>
-        <a:hlink>
-          <a:srgbClr val="00FFFF"/>
-        </a:hlink>
-        <a:folHlink>
-          <a:srgbClr val="00FF00"/>
-        </a:folHlink>
-      </a:clrScheme>
-      <a:clrMap bg1="dk2" tx1="lt1" bg2="dk1" tx2="lt2" accent1="accent1" accent2="accent2" accent3="accent3" accent4="accent4" accent5="accent5" accent6="accent6" hlink="hlink" folHlink="folHlink"/>
-    </a:extraClrScheme>
-    <a:extraClrScheme>
-      <a:clrScheme name="Orbit 5">
-        <a:dk1>
-          <a:srgbClr val="BA0023"/>
-        </a:dk1>
-        <a:lt1>
-          <a:srgbClr val="FFFFFF"/>
-        </a:lt1>
-        <a:dk2>
-          <a:srgbClr val="800000"/>
-        </a:dk2>
-        <a:lt2>
-          <a:srgbClr val="FFFF99"/>
-        </a:lt2>
-        <a:accent1>
-          <a:srgbClr val="FF6600"/>
-        </a:accent1>
-        <a:accent2>
-          <a:srgbClr val="C5543D"/>
-        </a:accent2>
-        <a:accent3>
-          <a:srgbClr val="C0AAAA"/>
-        </a:accent3>
-        <a:accent4>
-          <a:srgbClr val="DADADA"/>
-        </a:accent4>
-        <a:accent5>
-          <a:srgbClr val="FFB8AA"/>
-        </a:accent5>
-        <a:accent6>
-          <a:srgbClr val="B24B36"/>
-        </a:accent6>
-        <a:hlink>
-          <a:srgbClr val="FFFF00"/>
-        </a:hlink>
-        <a:folHlink>
-          <a:srgbClr val="FF9900"/>
-        </a:folHlink>
-      </a:clrScheme>
-      <a:clrMap bg1="dk2" tx1="lt1" bg2="dk1" tx2="lt2" accent1="accent1" accent2="accent2" accent3="accent3" accent4="accent4" accent5="accent5" accent6="accent6" hlink="hlink" folHlink="folHlink"/>
-    </a:extraClrScheme>
-    <a:extraClrScheme>
-      <a:clrScheme name="Orbit 6">
-        <a:dk1>
-          <a:srgbClr val="6D776E"/>
-        </a:dk1>
-        <a:lt1>
-          <a:srgbClr val="FFFFFF"/>
-        </a:lt1>
-        <a:dk2>
-          <a:srgbClr val="575863"/>
-        </a:dk2>
-        <a:lt2>
-          <a:srgbClr val="DDDDDD"/>
-        </a:lt2>
-        <a:accent1>
-          <a:srgbClr val="0099CC"/>
-        </a:accent1>
-        <a:accent2>
-          <a:srgbClr val="939EA9"/>
-        </a:accent2>
-        <a:accent3>
-          <a:srgbClr val="B4B4B7"/>
-        </a:accent3>
-        <a:accent4>
-          <a:srgbClr val="DADADA"/>
-        </a:accent4>
-        <a:accent5>
-          <a:srgbClr val="AACAE2"/>
-        </a:accent5>
-        <a:accent6>
-          <a:srgbClr val="858F99"/>
-        </a:accent6>
-        <a:hlink>
-          <a:srgbClr val="FFCC00"/>
-        </a:hlink>
-        <a:folHlink>
-          <a:srgbClr val="BD8949"/>
-        </a:folHlink>
-      </a:clrScheme>
-      <a:clrMap bg1="dk2" tx1="lt1" bg2="dk1" tx2="lt2" accent1="accent1" accent2="accent2" accent3="accent3" accent4="accent4" accent5="accent5" accent6="accent6" hlink="hlink" folHlink="folHlink"/>
-    </a:extraClrScheme>
-    <a:extraClrScheme>
-      <a:clrScheme name="Orbit 7">
-        <a:dk1>
-          <a:srgbClr val="A28A84"/>
-        </a:dk1>
-        <a:lt1>
-          <a:srgbClr val="FFFFFF"/>
-        </a:lt1>
-        <a:dk2>
-          <a:srgbClr val="765E58"/>
-        </a:dk2>
-        <a:lt2>
-          <a:srgbClr val="DDDDDD"/>
-        </a:lt2>
-        <a:accent1>
-          <a:srgbClr val="CC6600"/>
-        </a:accent1>
-        <a:accent2>
-          <a:srgbClr val="CC9900"/>
-        </a:accent2>
-        <a:accent3>
-          <a:srgbClr val="BDB6B4"/>
-        </a:accent3>
-        <a:accent4>
-          <a:srgbClr val="DADADA"/>
-        </a:accent4>
-        <a:accent5>
-          <a:srgbClr val="E2B8AA"/>
-        </a:accent5>
-        <a:accent6>
-          <a:srgbClr val="B98A00"/>
-        </a:accent6>
-        <a:hlink>
-          <a:srgbClr val="FFCC00"/>
-        </a:hlink>
-        <a:folHlink>
-          <a:srgbClr val="FFFFBD"/>
-        </a:folHlink>
-      </a:clrScheme>
-      <a:clrMap bg1="dk2" tx1="lt1" bg2="dk1" tx2="lt2" accent1="accent1" accent2="accent2" accent3="accent3" accent4="accent4" accent5="accent5" accent6="accent6" hlink="hlink" folHlink="folHlink"/>
-    </a:extraClrScheme>
-    <a:extraClrScheme>
-      <a:clrScheme name="Orbit 8">
-        <a:dk1>
-          <a:srgbClr val="000000"/>
-        </a:dk1>
-        <a:lt1>
-          <a:srgbClr val="C5D9ED"/>
-        </a:lt1>
-        <a:dk2>
-          <a:srgbClr val="000000"/>
-        </a:dk2>
-        <a:lt2>
-          <a:srgbClr val="FFFFFF"/>
-        </a:lt2>
-        <a:accent1>
-          <a:srgbClr val="F3F6FF"/>
-        </a:accent1>
-        <a:accent2>
-          <a:srgbClr val="33CCCC"/>
-        </a:accent2>
-        <a:accent3>
-          <a:srgbClr val="DFE9F4"/>
-        </a:accent3>
-        <a:accent4>
-          <a:srgbClr val="000000"/>
-        </a:accent4>
-        <a:accent5>
-          <a:srgbClr val="F8FAFF"/>
-        </a:accent5>
-        <a:accent6>
-          <a:srgbClr val="2DB9B9"/>
-        </a:accent6>
-        <a:hlink>
-          <a:srgbClr val="0000FF"/>
-        </a:hlink>
-        <a:folHlink>
-          <a:srgbClr val="006699"/>
-        </a:folHlink>
-      </a:clrScheme>
-      <a:clrMap bg1="lt1" tx1="dk1" bg2="lt2" tx2="dk2" accent1="accent1" accent2="accent2" accent3="accent3" accent4="accent4" accent5="accent5" accent6="accent6" hlink="hlink" folHlink="folHlink"/>
-    </a:extraClrScheme>
-    <a:extraClrScheme>
-      <a:clrScheme name="Orbit 9">
-        <a:dk1>
-          <a:srgbClr val="FFFFFF"/>
-        </a:dk1>
-        <a:lt1>
-          <a:srgbClr val="FFFFFF"/>
-        </a:lt1>
-        <a:dk2>
-          <a:srgbClr val="AAAAC6"/>
-        </a:dk2>
-        <a:lt2>
-          <a:srgbClr val="FFFFCC"/>
-        </a:lt2>
-        <a:accent1>
-          <a:srgbClr val="66667E"/>
-        </a:accent1>
-        <a:accent2>
-          <a:srgbClr val="629157"/>
-        </a:accent2>
-        <a:accent3>
-          <a:srgbClr val="D2D2DF"/>
-        </a:accent3>
-        <a:accent4>
-          <a:srgbClr val="DADADA"/>
-        </a:accent4>
-        <a:accent5>
-          <a:srgbClr val="B8B8C0"/>
-        </a:accent5>
-        <a:accent6>
-          <a:srgbClr val="58834E"/>
-        </a:accent6>
-        <a:hlink>
-          <a:srgbClr val="6600CC"/>
-        </a:hlink>
-        <a:folHlink>
-          <a:srgbClr val="3399FF"/>
-        </a:folHlink>
-      </a:clrScheme>
-      <a:clrMap bg1="dk2" tx1="lt1" bg2="dk1" tx2="lt2" accent1="accent1" accent2="accent2" accent3="accent3" accent4="accent4" accent5="accent5" accent6="accent6" hlink="hlink" folHlink="folHlink"/>
-    </a:extraClrScheme>
-  </a:extraClrSchemeLst>
+  <a:extraClrSchemeLst/>
+  <a:extLst>
+    <a:ext uri="{05A4C25C-085E-4340-85A3-A5531E510DB2}">
+      <thm15:themeFamily xmlns:thm15="http://schemas.microsoft.com/office/thememl/2012/main" name="Office Theme" id="{2E142A2C-CD16-42D6-873A-C26D2A0506FA}" vid="{1BDDFF52-6CD6-40A5-AB3C-68EB2F1E4D0A}"/>
+    </a:ext>
+  </a:extLst>
 </a:theme>
 </file>
 

--- a/ClassMaterials/OOP/09-OOP-202120.pptx
+++ b/ClassMaterials/OOP/09-OOP-202120.pptx
@@ -6607,10 +6607,10 @@
       </p:sp>
       <p:pic>
         <p:nvPicPr>
-          <p:cNvPr id="5" name="Picture 4">
+          <p:cNvPr id="4" name="Picture 3">
             <a:extLst>
               <a:ext uri="{FF2B5EF4-FFF2-40B4-BE49-F238E27FC236}">
-                <a16:creationId xmlns:a16="http://schemas.microsoft.com/office/drawing/2014/main" id="{2F004C1F-8796-BF31-AA35-20E189773179}"/>
+                <a16:creationId xmlns:a16="http://schemas.microsoft.com/office/drawing/2014/main" id="{F23EBBEC-13E8-55D4-9C9B-1B532F77EEB6}"/>
               </a:ext>
             </a:extLst>
           </p:cNvPr>
@@ -6627,8 +6627,8 @@
         </p:blipFill>
         <p:spPr>
           <a:xfrm>
-            <a:off x="3581400" y="2209800"/>
-            <a:ext cx="4638675" cy="2943225"/>
+            <a:off x="0" y="2248855"/>
+            <a:ext cx="12192000" cy="2360289"/>
           </a:xfrm>
           <a:prstGeom prst="rect">
             <a:avLst/>
